--- a/Test/Presentations/template_result.pptx
+++ b/Test/Presentations/template_result.pptx
@@ -5,11 +5,11 @@
     <p:sldMasterId id="2147483648" r:id="rId1"/>
   </p:sldMasterIdLst>
   <p:sldIdLst>
-    <p:sldId id="259" r:id="R8be9200f6a944659"/>
-    <p:sldId id="260" r:id="Ra1852f22ac4c4a15"/>
-    <p:sldId id="261" r:id="R75937779e47043a8"/>
-    <p:sldId id="262" r:id="R0a3e903c8c5c45ef"/>
-    <p:sldId id="263" r:id="Ree74aee2326e4308"/>
+    <p:sldId id="259" r:id="Ra21239e8b3ec4acc"/>
+    <p:sldId id="260" r:id="Rccd734e8472f454d"/>
+    <p:sldId id="261" r:id="R9070dcf6632f4b56"/>
+    <p:sldId id="262" r:id="Rce3d62bf928d48cb"/>
+    <p:sldId id="263" r:id="R18c6644361184e59"/>
   </p:sldIdLst>
   <p:sldSz cx="12192000" cy="6858000"/>
   <p:notesSz cx="6858000" cy="9144000"/>
@@ -3384,7 +3384,7 @@
                   </a:schemeClr>
                 </a:solidFill>
               </a:rPr>
-              <a:t>Date: 2019-12-27 14:18</a:t>
+              <a:t>Date: 2019-12-27 16:15</a:t>
             </a:r>
             <a:endParaRPr lang="ru-RU" dirty="0">
               <a:solidFill>
@@ -3493,7 +3493,6 @@
               <a:rPr lang="en-US" dirty="0"/>
               <a:t>Evaluation: 1,000,000.00</a:t>
             </a:r>
-            <a:endParaRPr lang="en-US" dirty="0"/>
           </a:p>
           <a:p>
             <a:r>
@@ -3598,7 +3597,7 @@
             <p:ph idx="1"/>
             <p:extLst>
               <p:ext uri="{D42A27DB-BD31-4B8C-83A1-F6EECF244321}">
-                <p14:modId xmlns:p14="http://schemas.microsoft.com/office/powerpoint/2010/main" val="3172280324"/>
+                <p14:modId xmlns:p14="http://schemas.microsoft.com/office/powerpoint/2010/main" val="2681652780"/>
               </p:ext>
             </p:extLst>
           </p:nvPr>
@@ -3643,7 +3642,7 @@
                     <a:lstStyle/>
                     <a:p>
                       <a:r>
-                        <a:rPr lang="en-US" dirty="0"/>
+                        <a:rPr lang="en-US"/>
                         <a:t>Name</a:t>
                       </a:r>
                       <a:endParaRPr lang="ru-RU" dirty="0"/>
@@ -3657,7 +3656,7 @@
                     <a:lstStyle/>
                     <a:p>
                       <a:r>
-                        <a:rPr lang="en-US" dirty="0"/>
+                        <a:rPr lang="en-US"/>
                         <a:t>Email</a:t>
                       </a:r>
                       <a:endParaRPr lang="ru-RU" dirty="0"/>
@@ -3671,7 +3670,7 @@
                     <a:lstStyle/>
                     <a:p>
                       <a:r>
-                        <a:rPr lang="en-US" dirty="0"/>
+                        <a:rPr lang="en-US"/>
                         <a:t>Birthday</a:t>
                       </a:r>
                       <a:endParaRPr lang="ru-RU" dirty="0"/>
@@ -3692,36 +3691,36 @@
                     <a:lstStyle/>
                     <a:p>
                       <a:r>
+                        <a:rPr lang="en-US"/>
+                        <a:t>Employee #1</a:t>
+                      </a:r>
+                      <a:endParaRPr lang="ru-RU" dirty="0"/>
+                    </a:p>
+                  </a:txBody>
+                  <a:tcPr/>
+                </a:tc>
+                <a:tc>
+                  <a:txBody>
+                    <a:bodyPr/>
+                    <a:lstStyle/>
+                    <a:p>
+                      <a:r>
+                        <a:rPr lang="en-US"/>
+                        <a:t>emp1@company1.test</a:t>
+                      </a:r>
+                      <a:endParaRPr lang="ru-RU" dirty="0"/>
+                    </a:p>
+                  </a:txBody>
+                  <a:tcPr/>
+                </a:tc>
+                <a:tc>
+                  <a:txBody>
+                    <a:bodyPr/>
+                    <a:lstStyle/>
+                    <a:p>
+                      <a:r>
                         <a:rPr lang="en-US" dirty="0"/>
-                        <a:t>Employee #1</a:t>
-                      </a:r>
-                      <a:endParaRPr lang="ru-RU" dirty="0"/>
-                    </a:p>
-                  </a:txBody>
-                  <a:tcPr/>
-                </a:tc>
-                <a:tc>
-                  <a:txBody>
-                    <a:bodyPr/>
-                    <a:lstStyle/>
-                    <a:p>
-                      <a:r>
-                        <a:rPr lang="en-US" dirty="0"/>
-                        <a:t>emp1@company1.test</a:t>
-                      </a:r>
-                      <a:endParaRPr lang="ru-RU" dirty="0"/>
-                    </a:p>
-                  </a:txBody>
-                  <a:tcPr/>
-                </a:tc>
-                <a:tc>
-                  <a:txBody>
-                    <a:bodyPr/>
-                    <a:lstStyle/>
-                    <a:p>
-                      <a:r>
-                        <a:rPr lang="en-US" dirty="0"/>
-                        <a:t>17.03.1992</a:t>
+                        <a:t>01 February 1987</a:t>
                       </a:r>
                       <a:endParaRPr lang="ru-RU" dirty="0"/>
                     </a:p>
@@ -3741,36 +3740,36 @@
                     <a:lstStyle/>
                     <a:p>
                       <a:r>
+                        <a:rPr lang="en-US"/>
+                        <a:t>Employee #2</a:t>
+                      </a:r>
+                      <a:endParaRPr lang="ru-RU" dirty="0"/>
+                    </a:p>
+                  </a:txBody>
+                  <a:tcPr/>
+                </a:tc>
+                <a:tc>
+                  <a:txBody>
+                    <a:bodyPr/>
+                    <a:lstStyle/>
+                    <a:p>
+                      <a:r>
+                        <a:rPr lang="en-US"/>
+                        <a:t>emp2@company1.test</a:t>
+                      </a:r>
+                      <a:endParaRPr lang="ru-RU" dirty="0"/>
+                    </a:p>
+                  </a:txBody>
+                  <a:tcPr/>
+                </a:tc>
+                <a:tc>
+                  <a:txBody>
+                    <a:bodyPr/>
+                    <a:lstStyle/>
+                    <a:p>
+                      <a:r>
                         <a:rPr lang="en-US" dirty="0"/>
-                        <a:t>Employee #2</a:t>
-                      </a:r>
-                      <a:endParaRPr lang="ru-RU" dirty="0"/>
-                    </a:p>
-                  </a:txBody>
-                  <a:tcPr/>
-                </a:tc>
-                <a:tc>
-                  <a:txBody>
-                    <a:bodyPr/>
-                    <a:lstStyle/>
-                    <a:p>
-                      <a:r>
-                        <a:rPr lang="en-US" dirty="0"/>
-                        <a:t>emp2@company1.test</a:t>
-                      </a:r>
-                      <a:endParaRPr lang="ru-RU" dirty="0"/>
-                    </a:p>
-                  </a:txBody>
-                  <a:tcPr/>
-                </a:tc>
-                <a:tc>
-                  <a:txBody>
-                    <a:bodyPr/>
-                    <a:lstStyle/>
-                    <a:p>
-                      <a:r>
-                        <a:rPr lang="en-US" dirty="0"/>
-                        <a:t>21.10.1980</a:t>
+                        <a:t>20 November 1989</a:t>
                       </a:r>
                       <a:endParaRPr lang="ru-RU" dirty="0"/>
                     </a:p>
@@ -3790,36 +3789,36 @@
                     <a:lstStyle/>
                     <a:p>
                       <a:r>
+                        <a:rPr lang="en-US"/>
+                        <a:t>Employee #3</a:t>
+                      </a:r>
+                      <a:endParaRPr lang="ru-RU" dirty="0"/>
+                    </a:p>
+                  </a:txBody>
+                  <a:tcPr/>
+                </a:tc>
+                <a:tc>
+                  <a:txBody>
+                    <a:bodyPr/>
+                    <a:lstStyle/>
+                    <a:p>
+                      <a:r>
+                        <a:rPr lang="en-US"/>
+                        <a:t>emp3@company1.test</a:t>
+                      </a:r>
+                      <a:endParaRPr lang="ru-RU" dirty="0"/>
+                    </a:p>
+                  </a:txBody>
+                  <a:tcPr/>
+                </a:tc>
+                <a:tc>
+                  <a:txBody>
+                    <a:bodyPr/>
+                    <a:lstStyle/>
+                    <a:p>
+                      <a:r>
                         <a:rPr lang="en-US" dirty="0"/>
-                        <a:t>Employee #3</a:t>
-                      </a:r>
-                      <a:endParaRPr lang="ru-RU" dirty="0"/>
-                    </a:p>
-                  </a:txBody>
-                  <a:tcPr/>
-                </a:tc>
-                <a:tc>
-                  <a:txBody>
-                    <a:bodyPr/>
-                    <a:lstStyle/>
-                    <a:p>
-                      <a:r>
-                        <a:rPr lang="en-US" dirty="0"/>
-                        <a:t>emp3@company1.test</a:t>
-                      </a:r>
-                      <a:endParaRPr lang="ru-RU" dirty="0"/>
-                    </a:p>
-                  </a:txBody>
-                  <a:tcPr/>
-                </a:tc>
-                <a:tc>
-                  <a:txBody>
-                    <a:bodyPr/>
-                    <a:lstStyle/>
-                    <a:p>
-                      <a:r>
-                        <a:rPr lang="en-US" dirty="0"/>
-                        <a:t>10.06.1993</a:t>
+                        <a:t>03 July 1986</a:t>
                       </a:r>
                       <a:endParaRPr lang="ru-RU" dirty="0"/>
                     </a:p>
@@ -3839,36 +3838,36 @@
                     <a:lstStyle/>
                     <a:p>
                       <a:r>
+                        <a:rPr lang="en-US"/>
+                        <a:t>Employee #4</a:t>
+                      </a:r>
+                      <a:endParaRPr lang="ru-RU" dirty="0"/>
+                    </a:p>
+                  </a:txBody>
+                  <a:tcPr/>
+                </a:tc>
+                <a:tc>
+                  <a:txBody>
+                    <a:bodyPr/>
+                    <a:lstStyle/>
+                    <a:p>
+                      <a:r>
+                        <a:rPr lang="en-US"/>
+                        <a:t>emp4@company1.test</a:t>
+                      </a:r>
+                      <a:endParaRPr lang="ru-RU" dirty="0"/>
+                    </a:p>
+                  </a:txBody>
+                  <a:tcPr/>
+                </a:tc>
+                <a:tc>
+                  <a:txBody>
+                    <a:bodyPr/>
+                    <a:lstStyle/>
+                    <a:p>
+                      <a:r>
                         <a:rPr lang="en-US" dirty="0"/>
-                        <a:t>Employee #4</a:t>
-                      </a:r>
-                      <a:endParaRPr lang="ru-RU" dirty="0"/>
-                    </a:p>
-                  </a:txBody>
-                  <a:tcPr/>
-                </a:tc>
-                <a:tc>
-                  <a:txBody>
-                    <a:bodyPr/>
-                    <a:lstStyle/>
-                    <a:p>
-                      <a:r>
-                        <a:rPr lang="en-US" dirty="0"/>
-                        <a:t>emp4@company1.test</a:t>
-                      </a:r>
-                      <a:endParaRPr lang="ru-RU" dirty="0"/>
-                    </a:p>
-                  </a:txBody>
-                  <a:tcPr/>
-                </a:tc>
-                <a:tc>
-                  <a:txBody>
-                    <a:bodyPr/>
-                    <a:lstStyle/>
-                    <a:p>
-                      <a:r>
-                        <a:rPr lang="en-US" dirty="0"/>
-                        <a:t>18.01.1994</a:t>
+                        <a:t>18 August 1984</a:t>
                       </a:r>
                       <a:endParaRPr lang="ru-RU" dirty="0"/>
                     </a:p>
@@ -3888,183 +3887,36 @@
                     <a:lstStyle/>
                     <a:p>
                       <a:r>
+                        <a:rPr lang="en-US"/>
+                        <a:t>Employee #5</a:t>
+                      </a:r>
+                      <a:endParaRPr lang="ru-RU" dirty="0"/>
+                    </a:p>
+                  </a:txBody>
+                  <a:tcPr/>
+                </a:tc>
+                <a:tc>
+                  <a:txBody>
+                    <a:bodyPr/>
+                    <a:lstStyle/>
+                    <a:p>
+                      <a:r>
+                        <a:rPr lang="en-US"/>
+                        <a:t>emp5@company1.test</a:t>
+                      </a:r>
+                      <a:endParaRPr lang="ru-RU" dirty="0"/>
+                    </a:p>
+                  </a:txBody>
+                  <a:tcPr/>
+                </a:tc>
+                <a:tc>
+                  <a:txBody>
+                    <a:bodyPr/>
+                    <a:lstStyle/>
+                    <a:p>
+                      <a:r>
                         <a:rPr lang="en-US" dirty="0"/>
-                        <a:t>Employee #5</a:t>
-                      </a:r>
-                      <a:endParaRPr lang="ru-RU" dirty="0"/>
-                    </a:p>
-                  </a:txBody>
-                  <a:tcPr/>
-                </a:tc>
-                <a:tc>
-                  <a:txBody>
-                    <a:bodyPr/>
-                    <a:lstStyle/>
-                    <a:p>
-                      <a:r>
-                        <a:rPr lang="en-US" dirty="0"/>
-                        <a:t>emp5@company1.test</a:t>
-                      </a:r>
-                      <a:endParaRPr lang="ru-RU" dirty="0"/>
-                    </a:p>
-                  </a:txBody>
-                  <a:tcPr/>
-                </a:tc>
-                <a:tc>
-                  <a:txBody>
-                    <a:bodyPr/>
-                    <a:lstStyle/>
-                    <a:p>
-                      <a:r>
-                        <a:rPr lang="en-US" dirty="0"/>
-                        <a:t>23.06.1983</a:t>
-                      </a:r>
-                      <a:endParaRPr lang="ru-RU" dirty="0"/>
-                    </a:p>
-                  </a:txBody>
-                  <a:tcPr/>
-                </a:tc>
-                <a:extLst>
-                  <a:ext uri="{0D108BD9-81ED-4DB2-BD59-A6C34878D82A}">
-                    <a16:rowId xmlns:a16="http://schemas.microsoft.com/office/drawing/2014/main" val="109181570"/>
-                  </a:ext>
-                </a:extLst>
-              </a:tr>
-              <a:tr h="370840">
-                <a:tc>
-                  <a:txBody>
-                    <a:bodyPr/>
-                    <a:lstStyle/>
-                    <a:p>
-                      <a:r>
-                        <a:rPr lang="en-US" dirty="0"/>
-                        <a:t>Employee #6</a:t>
-                      </a:r>
-                      <a:endParaRPr lang="ru-RU" dirty="0"/>
-                    </a:p>
-                  </a:txBody>
-                  <a:tcPr/>
-                </a:tc>
-                <a:tc>
-                  <a:txBody>
-                    <a:bodyPr/>
-                    <a:lstStyle/>
-                    <a:p>
-                      <a:r>
-                        <a:rPr lang="en-US" dirty="0"/>
-                        <a:t>emp6@company1.test</a:t>
-                      </a:r>
-                      <a:endParaRPr lang="ru-RU" dirty="0"/>
-                    </a:p>
-                  </a:txBody>
-                  <a:tcPr/>
-                </a:tc>
-                <a:tc>
-                  <a:txBody>
-                    <a:bodyPr/>
-                    <a:lstStyle/>
-                    <a:p>
-                      <a:r>
-                        <a:rPr lang="en-US" dirty="0"/>
-                        <a:t>14.03.1998</a:t>
-                      </a:r>
-                      <a:endParaRPr lang="ru-RU" dirty="0"/>
-                    </a:p>
-                  </a:txBody>
-                  <a:tcPr/>
-                </a:tc>
-                <a:extLst>
-                  <a:ext uri="{0D108BD9-81ED-4DB2-BD59-A6C34878D82A}">
-                    <a16:rowId xmlns:a16="http://schemas.microsoft.com/office/drawing/2014/main" val="109181570"/>
-                  </a:ext>
-                </a:extLst>
-              </a:tr>
-              <a:tr h="370840">
-                <a:tc>
-                  <a:txBody>
-                    <a:bodyPr/>
-                    <a:lstStyle/>
-                    <a:p>
-                      <a:r>
-                        <a:rPr lang="en-US" dirty="0"/>
-                        <a:t>Employee #7</a:t>
-                      </a:r>
-                      <a:endParaRPr lang="ru-RU" dirty="0"/>
-                    </a:p>
-                  </a:txBody>
-                  <a:tcPr/>
-                </a:tc>
-                <a:tc>
-                  <a:txBody>
-                    <a:bodyPr/>
-                    <a:lstStyle/>
-                    <a:p>
-                      <a:r>
-                        <a:rPr lang="en-US" dirty="0"/>
-                        <a:t>emp7@company1.test</a:t>
-                      </a:r>
-                      <a:endParaRPr lang="ru-RU" dirty="0"/>
-                    </a:p>
-                  </a:txBody>
-                  <a:tcPr/>
-                </a:tc>
-                <a:tc>
-                  <a:txBody>
-                    <a:bodyPr/>
-                    <a:lstStyle/>
-                    <a:p>
-                      <a:r>
-                        <a:rPr lang="en-US" dirty="0"/>
-                        <a:t>07.09.1991</a:t>
-                      </a:r>
-                      <a:endParaRPr lang="ru-RU" dirty="0"/>
-                    </a:p>
-                  </a:txBody>
-                  <a:tcPr/>
-                </a:tc>
-                <a:extLst>
-                  <a:ext uri="{0D108BD9-81ED-4DB2-BD59-A6C34878D82A}">
-                    <a16:rowId xmlns:a16="http://schemas.microsoft.com/office/drawing/2014/main" val="109181570"/>
-                  </a:ext>
-                </a:extLst>
-              </a:tr>
-              <a:tr h="370840">
-                <a:tc>
-                  <a:txBody>
-                    <a:bodyPr/>
-                    <a:lstStyle/>
-                    <a:p>
-                      <a:r>
-                        <a:rPr lang="en-US" dirty="0"/>
-                        <a:t>Employee #8</a:t>
-                      </a:r>
-                      <a:endParaRPr lang="ru-RU" dirty="0"/>
-                    </a:p>
-                  </a:txBody>
-                  <a:tcPr/>
-                </a:tc>
-                <a:tc>
-                  <a:txBody>
-                    <a:bodyPr/>
-                    <a:lstStyle/>
-                    <a:p>
-                      <a:r>
-                        <a:rPr lang="en-US" dirty="0"/>
-                        <a:t>emp8@company1.test</a:t>
-                      </a:r>
-                      <a:endParaRPr lang="ru-RU" dirty="0"/>
-                    </a:p>
-                  </a:txBody>
-                  <a:tcPr/>
-                </a:tc>
-                <a:tc>
-                  <a:txBody>
-                    <a:bodyPr/>
-                    <a:lstStyle/>
-                    <a:p>
-                      <a:r>
-                        <a:rPr lang="en-US" dirty="0"/>
-                        <a:t>06.09.1983</a:t>
+                        <a:t>03 February 1985</a:t>
                       </a:r>
                       <a:endParaRPr lang="ru-RU" dirty="0"/>
                     </a:p>
@@ -4175,7 +4027,7 @@
             <p:ph idx="1"/>
             <p:extLst>
               <p:ext uri="{D42A27DB-BD31-4B8C-83A1-F6EECF244321}">
-                <p14:modId xmlns:p14="http://schemas.microsoft.com/office/powerpoint/2010/main" val="3172280324"/>
+                <p14:modId xmlns:p14="http://schemas.microsoft.com/office/powerpoint/2010/main" val="2681652780"/>
               </p:ext>
             </p:extLst>
           </p:nvPr>
@@ -4220,7 +4072,7 @@
                     <a:lstStyle/>
                     <a:p>
                       <a:r>
-                        <a:rPr lang="en-US" dirty="0"/>
+                        <a:rPr lang="en-US"/>
                         <a:t>Name</a:t>
                       </a:r>
                       <a:endParaRPr lang="ru-RU" dirty="0"/>
@@ -4234,7 +4086,7 @@
                     <a:lstStyle/>
                     <a:p>
                       <a:r>
-                        <a:rPr lang="en-US" dirty="0"/>
+                        <a:rPr lang="en-US"/>
                         <a:t>Email</a:t>
                       </a:r>
                       <a:endParaRPr lang="ru-RU" dirty="0"/>
@@ -4248,7 +4100,7 @@
                     <a:lstStyle/>
                     <a:p>
                       <a:r>
-                        <a:rPr lang="en-US" dirty="0"/>
+                        <a:rPr lang="en-US"/>
                         <a:t>Birthday</a:t>
                       </a:r>
                       <a:endParaRPr lang="ru-RU" dirty="0"/>
@@ -4269,36 +4121,36 @@
                     <a:lstStyle/>
                     <a:p>
                       <a:r>
+                        <a:rPr lang="en-US"/>
+                        <a:t>Employee #1</a:t>
+                      </a:r>
+                      <a:endParaRPr lang="ru-RU" dirty="0"/>
+                    </a:p>
+                  </a:txBody>
+                  <a:tcPr/>
+                </a:tc>
+                <a:tc>
+                  <a:txBody>
+                    <a:bodyPr/>
+                    <a:lstStyle/>
+                    <a:p>
+                      <a:r>
+                        <a:rPr lang="en-US"/>
+                        <a:t>emp1@company2.test</a:t>
+                      </a:r>
+                      <a:endParaRPr lang="ru-RU" dirty="0"/>
+                    </a:p>
+                  </a:txBody>
+                  <a:tcPr/>
+                </a:tc>
+                <a:tc>
+                  <a:txBody>
+                    <a:bodyPr/>
+                    <a:lstStyle/>
+                    <a:p>
+                      <a:r>
                         <a:rPr lang="en-US" dirty="0"/>
-                        <a:t>Employee #1</a:t>
-                      </a:r>
-                      <a:endParaRPr lang="ru-RU" dirty="0"/>
-                    </a:p>
-                  </a:txBody>
-                  <a:tcPr/>
-                </a:tc>
-                <a:tc>
-                  <a:txBody>
-                    <a:bodyPr/>
-                    <a:lstStyle/>
-                    <a:p>
-                      <a:r>
-                        <a:rPr lang="en-US" dirty="0"/>
-                        <a:t>emp1@company2.test</a:t>
-                      </a:r>
-                      <a:endParaRPr lang="ru-RU" dirty="0"/>
-                    </a:p>
-                  </a:txBody>
-                  <a:tcPr/>
-                </a:tc>
-                <a:tc>
-                  <a:txBody>
-                    <a:bodyPr/>
-                    <a:lstStyle/>
-                    <a:p>
-                      <a:r>
-                        <a:rPr lang="en-US" dirty="0"/>
-                        <a:t>22.09.1987</a:t>
+                        <a:t>12 January 1982</a:t>
                       </a:r>
                       <a:endParaRPr lang="ru-RU" dirty="0"/>
                     </a:p>
@@ -4318,36 +4170,36 @@
                     <a:lstStyle/>
                     <a:p>
                       <a:r>
+                        <a:rPr lang="en-US"/>
+                        <a:t>Employee #2</a:t>
+                      </a:r>
+                      <a:endParaRPr lang="ru-RU" dirty="0"/>
+                    </a:p>
+                  </a:txBody>
+                  <a:tcPr/>
+                </a:tc>
+                <a:tc>
+                  <a:txBody>
+                    <a:bodyPr/>
+                    <a:lstStyle/>
+                    <a:p>
+                      <a:r>
+                        <a:rPr lang="en-US"/>
+                        <a:t>emp2@company2.test</a:t>
+                      </a:r>
+                      <a:endParaRPr lang="ru-RU" dirty="0"/>
+                    </a:p>
+                  </a:txBody>
+                  <a:tcPr/>
+                </a:tc>
+                <a:tc>
+                  <a:txBody>
+                    <a:bodyPr/>
+                    <a:lstStyle/>
+                    <a:p>
+                      <a:r>
                         <a:rPr lang="en-US" dirty="0"/>
-                        <a:t>Employee #2</a:t>
-                      </a:r>
-                      <a:endParaRPr lang="ru-RU" dirty="0"/>
-                    </a:p>
-                  </a:txBody>
-                  <a:tcPr/>
-                </a:tc>
-                <a:tc>
-                  <a:txBody>
-                    <a:bodyPr/>
-                    <a:lstStyle/>
-                    <a:p>
-                      <a:r>
-                        <a:rPr lang="en-US" dirty="0"/>
-                        <a:t>emp2@company2.test</a:t>
-                      </a:r>
-                      <a:endParaRPr lang="ru-RU" dirty="0"/>
-                    </a:p>
-                  </a:txBody>
-                  <a:tcPr/>
-                </a:tc>
-                <a:tc>
-                  <a:txBody>
-                    <a:bodyPr/>
-                    <a:lstStyle/>
-                    <a:p>
-                      <a:r>
-                        <a:rPr lang="en-US" dirty="0"/>
-                        <a:t>10.01.1981</a:t>
+                        <a:t>26 September 1982</a:t>
                       </a:r>
                       <a:endParaRPr lang="ru-RU" dirty="0"/>
                     </a:p>
@@ -4367,8 +4219,71 @@
                     <a:lstStyle/>
                     <a:p>
                       <a:r>
+                        <a:rPr lang="en-US"/>
+                        <a:t>Employee #3</a:t>
+                      </a:r>
+                      <a:endParaRPr lang="ru-RU" dirty="0"/>
+                    </a:p>
+                  </a:txBody>
+                  <a:tcPr/>
+                </a:tc>
+                <a:tc>
+                  <a:txBody>
+                    <a:bodyPr/>
+                    <a:lstStyle/>
+                    <a:p>
+                      <a:r>
+                        <a:rPr lang="en-US"/>
+                        <a:t>emp3@company2.test</a:t>
+                      </a:r>
+                      <a:endParaRPr lang="ru-RU" dirty="0"/>
+                    </a:p>
+                  </a:txBody>
+                  <a:tcPr/>
+                </a:tc>
+                <a:tc>
+                  <a:txBody>
+                    <a:bodyPr/>
+                    <a:lstStyle/>
+                    <a:p>
+                      <a:r>
                         <a:rPr lang="en-US" dirty="0"/>
-                        <a:t>Employee #3</a:t>
+                        <a:t>25 June 1995</a:t>
+                      </a:r>
+                      <a:endParaRPr lang="ru-RU" dirty="0"/>
+                    </a:p>
+                  </a:txBody>
+                  <a:tcPr/>
+                </a:tc>
+                <a:extLst>
+                  <a:ext uri="{0D108BD9-81ED-4DB2-BD59-A6C34878D82A}">
+                    <a16:rowId xmlns:a16="http://schemas.microsoft.com/office/drawing/2014/main" val="109181570"/>
+                  </a:ext>
+                </a:extLst>
+              </a:tr>
+              <a:tr h="370840">
+                <a:tc>
+                  <a:txBody>
+                    <a:bodyPr/>
+                    <a:lstStyle/>
+                    <a:p>
+                      <a:r>
+                        <a:rPr lang="en-US"/>
+                        <a:t>Employee #4</a:t>
+                      </a:r>
+                      <a:endParaRPr lang="ru-RU" dirty="0"/>
+                    </a:p>
+                  </a:txBody>
+                  <a:tcPr/>
+                </a:tc>
+                <a:tc>
+                  <a:txBody>
+                    <a:bodyPr/>
+                    <a:lstStyle/>
+                    <a:p>
+                      <a:r>
+                        <a:rPr lang="en-US"/>
+                        <a:t>emp4@company2.test</a:t>
                       </a:r>
                       <a:endParaRPr lang="ru-RU" dirty="0"/>
                     </a:p>
@@ -4382,7 +4297,42 @@
                     <a:p>
                       <a:r>
                         <a:rPr lang="en-US" dirty="0"/>
-                        <a:t>emp3@company2.test</a:t>
+                        <a:t>19 August 1981</a:t>
+                      </a:r>
+                      <a:endParaRPr lang="ru-RU" dirty="0"/>
+                    </a:p>
+                  </a:txBody>
+                  <a:tcPr/>
+                </a:tc>
+                <a:extLst>
+                  <a:ext uri="{0D108BD9-81ED-4DB2-BD59-A6C34878D82A}">
+                    <a16:rowId xmlns:a16="http://schemas.microsoft.com/office/drawing/2014/main" val="109181570"/>
+                  </a:ext>
+                </a:extLst>
+              </a:tr>
+              <a:tr h="370840">
+                <a:tc>
+                  <a:txBody>
+                    <a:bodyPr/>
+                    <a:lstStyle/>
+                    <a:p>
+                      <a:r>
+                        <a:rPr lang="en-US"/>
+                        <a:t>Employee #5</a:t>
+                      </a:r>
+                      <a:endParaRPr lang="ru-RU" dirty="0"/>
+                    </a:p>
+                  </a:txBody>
+                  <a:tcPr/>
+                </a:tc>
+                <a:tc>
+                  <a:txBody>
+                    <a:bodyPr/>
+                    <a:lstStyle/>
+                    <a:p>
+                      <a:r>
+                        <a:rPr lang="en-US"/>
+                        <a:t>emp5@company2.test</a:t>
                       </a:r>
                       <a:endParaRPr lang="ru-RU" dirty="0"/>
                     </a:p>
@@ -4396,7 +4346,252 @@
                     <a:p>
                       <a:r>
                         <a:rPr lang="en-US" dirty="0"/>
-                        <a:t>25.02.1987</a:t>
+                        <a:t>06 May 1992</a:t>
+                      </a:r>
+                      <a:endParaRPr lang="ru-RU" dirty="0"/>
+                    </a:p>
+                  </a:txBody>
+                  <a:tcPr/>
+                </a:tc>
+                <a:extLst>
+                  <a:ext uri="{0D108BD9-81ED-4DB2-BD59-A6C34878D82A}">
+                    <a16:rowId xmlns:a16="http://schemas.microsoft.com/office/drawing/2014/main" val="109181570"/>
+                  </a:ext>
+                </a:extLst>
+              </a:tr>
+              <a:tr h="370840">
+                <a:tc>
+                  <a:txBody>
+                    <a:bodyPr/>
+                    <a:lstStyle/>
+                    <a:p>
+                      <a:r>
+                        <a:rPr lang="en-US"/>
+                        <a:t>Employee #6</a:t>
+                      </a:r>
+                      <a:endParaRPr lang="ru-RU" dirty="0"/>
+                    </a:p>
+                  </a:txBody>
+                  <a:tcPr/>
+                </a:tc>
+                <a:tc>
+                  <a:txBody>
+                    <a:bodyPr/>
+                    <a:lstStyle/>
+                    <a:p>
+                      <a:r>
+                        <a:rPr lang="en-US"/>
+                        <a:t>emp6@company2.test</a:t>
+                      </a:r>
+                      <a:endParaRPr lang="ru-RU" dirty="0"/>
+                    </a:p>
+                  </a:txBody>
+                  <a:tcPr/>
+                </a:tc>
+                <a:tc>
+                  <a:txBody>
+                    <a:bodyPr/>
+                    <a:lstStyle/>
+                    <a:p>
+                      <a:r>
+                        <a:rPr lang="en-US" dirty="0"/>
+                        <a:t>08 November 1997</a:t>
+                      </a:r>
+                      <a:endParaRPr lang="ru-RU" dirty="0"/>
+                    </a:p>
+                  </a:txBody>
+                  <a:tcPr/>
+                </a:tc>
+                <a:extLst>
+                  <a:ext uri="{0D108BD9-81ED-4DB2-BD59-A6C34878D82A}">
+                    <a16:rowId xmlns:a16="http://schemas.microsoft.com/office/drawing/2014/main" val="109181570"/>
+                  </a:ext>
+                </a:extLst>
+              </a:tr>
+              <a:tr h="370840">
+                <a:tc>
+                  <a:txBody>
+                    <a:bodyPr/>
+                    <a:lstStyle/>
+                    <a:p>
+                      <a:r>
+                        <a:rPr lang="en-US"/>
+                        <a:t>Employee #7</a:t>
+                      </a:r>
+                      <a:endParaRPr lang="ru-RU" dirty="0"/>
+                    </a:p>
+                  </a:txBody>
+                  <a:tcPr/>
+                </a:tc>
+                <a:tc>
+                  <a:txBody>
+                    <a:bodyPr/>
+                    <a:lstStyle/>
+                    <a:p>
+                      <a:r>
+                        <a:rPr lang="en-US"/>
+                        <a:t>emp7@company2.test</a:t>
+                      </a:r>
+                      <a:endParaRPr lang="ru-RU" dirty="0"/>
+                    </a:p>
+                  </a:txBody>
+                  <a:tcPr/>
+                </a:tc>
+                <a:tc>
+                  <a:txBody>
+                    <a:bodyPr/>
+                    <a:lstStyle/>
+                    <a:p>
+                      <a:r>
+                        <a:rPr lang="en-US" dirty="0"/>
+                        <a:t>16 May 1991</a:t>
+                      </a:r>
+                      <a:endParaRPr lang="ru-RU" dirty="0"/>
+                    </a:p>
+                  </a:txBody>
+                  <a:tcPr/>
+                </a:tc>
+                <a:extLst>
+                  <a:ext uri="{0D108BD9-81ED-4DB2-BD59-A6C34878D82A}">
+                    <a16:rowId xmlns:a16="http://schemas.microsoft.com/office/drawing/2014/main" val="109181570"/>
+                  </a:ext>
+                </a:extLst>
+              </a:tr>
+              <a:tr h="370840">
+                <a:tc>
+                  <a:txBody>
+                    <a:bodyPr/>
+                    <a:lstStyle/>
+                    <a:p>
+                      <a:r>
+                        <a:rPr lang="en-US"/>
+                        <a:t>Employee #8</a:t>
+                      </a:r>
+                      <a:endParaRPr lang="ru-RU" dirty="0"/>
+                    </a:p>
+                  </a:txBody>
+                  <a:tcPr/>
+                </a:tc>
+                <a:tc>
+                  <a:txBody>
+                    <a:bodyPr/>
+                    <a:lstStyle/>
+                    <a:p>
+                      <a:r>
+                        <a:rPr lang="en-US"/>
+                        <a:t>emp8@company2.test</a:t>
+                      </a:r>
+                      <a:endParaRPr lang="ru-RU" dirty="0"/>
+                    </a:p>
+                  </a:txBody>
+                  <a:tcPr/>
+                </a:tc>
+                <a:tc>
+                  <a:txBody>
+                    <a:bodyPr/>
+                    <a:lstStyle/>
+                    <a:p>
+                      <a:r>
+                        <a:rPr lang="en-US" dirty="0"/>
+                        <a:t>20 September 1999</a:t>
+                      </a:r>
+                      <a:endParaRPr lang="ru-RU" dirty="0"/>
+                    </a:p>
+                  </a:txBody>
+                  <a:tcPr/>
+                </a:tc>
+                <a:extLst>
+                  <a:ext uri="{0D108BD9-81ED-4DB2-BD59-A6C34878D82A}">
+                    <a16:rowId xmlns:a16="http://schemas.microsoft.com/office/drawing/2014/main" val="109181570"/>
+                  </a:ext>
+                </a:extLst>
+              </a:tr>
+              <a:tr h="370840">
+                <a:tc>
+                  <a:txBody>
+                    <a:bodyPr/>
+                    <a:lstStyle/>
+                    <a:p>
+                      <a:r>
+                        <a:rPr lang="en-US"/>
+                        <a:t>Employee #9</a:t>
+                      </a:r>
+                      <a:endParaRPr lang="ru-RU" dirty="0"/>
+                    </a:p>
+                  </a:txBody>
+                  <a:tcPr/>
+                </a:tc>
+                <a:tc>
+                  <a:txBody>
+                    <a:bodyPr/>
+                    <a:lstStyle/>
+                    <a:p>
+                      <a:r>
+                        <a:rPr lang="en-US"/>
+                        <a:t>emp9@company2.test</a:t>
+                      </a:r>
+                      <a:endParaRPr lang="ru-RU" dirty="0"/>
+                    </a:p>
+                  </a:txBody>
+                  <a:tcPr/>
+                </a:tc>
+                <a:tc>
+                  <a:txBody>
+                    <a:bodyPr/>
+                    <a:lstStyle/>
+                    <a:p>
+                      <a:r>
+                        <a:rPr lang="en-US" dirty="0"/>
+                        <a:t>02 June 1995</a:t>
+                      </a:r>
+                      <a:endParaRPr lang="ru-RU" dirty="0"/>
+                    </a:p>
+                  </a:txBody>
+                  <a:tcPr/>
+                </a:tc>
+                <a:extLst>
+                  <a:ext uri="{0D108BD9-81ED-4DB2-BD59-A6C34878D82A}">
+                    <a16:rowId xmlns:a16="http://schemas.microsoft.com/office/drawing/2014/main" val="109181570"/>
+                  </a:ext>
+                </a:extLst>
+              </a:tr>
+              <a:tr h="370840">
+                <a:tc>
+                  <a:txBody>
+                    <a:bodyPr/>
+                    <a:lstStyle/>
+                    <a:p>
+                      <a:r>
+                        <a:rPr lang="en-US"/>
+                        <a:t>Employee #10</a:t>
+                      </a:r>
+                      <a:endParaRPr lang="ru-RU" dirty="0"/>
+                    </a:p>
+                  </a:txBody>
+                  <a:tcPr/>
+                </a:tc>
+                <a:tc>
+                  <a:txBody>
+                    <a:bodyPr/>
+                    <a:lstStyle/>
+                    <a:p>
+                      <a:r>
+                        <a:rPr lang="en-US"/>
+                        <a:t>emp10@company2.test</a:t>
+                      </a:r>
+                      <a:endParaRPr lang="ru-RU" dirty="0"/>
+                    </a:p>
+                  </a:txBody>
+                  <a:tcPr/>
+                </a:tc>
+                <a:tc>
+                  <a:txBody>
+                    <a:bodyPr/>
+                    <a:lstStyle/>
+                    <a:p>
+                      <a:r>
+                        <a:rPr lang="en-US" dirty="0"/>
+                        <a:t>08 August 1985</a:t>
                       </a:r>
                       <a:endParaRPr lang="ru-RU" dirty="0"/>
                     </a:p>
@@ -4507,7 +4702,7 @@
             <p:ph idx="1"/>
             <p:extLst>
               <p:ext uri="{D42A27DB-BD31-4B8C-83A1-F6EECF244321}">
-                <p14:modId xmlns:p14="http://schemas.microsoft.com/office/powerpoint/2010/main" val="3172280324"/>
+                <p14:modId xmlns:p14="http://schemas.microsoft.com/office/powerpoint/2010/main" val="2681652780"/>
               </p:ext>
             </p:extLst>
           </p:nvPr>
@@ -4552,7 +4747,7 @@
                     <a:lstStyle/>
                     <a:p>
                       <a:r>
-                        <a:rPr lang="en-US" dirty="0"/>
+                        <a:rPr lang="en-US"/>
                         <a:t>Name</a:t>
                       </a:r>
                       <a:endParaRPr lang="ru-RU" dirty="0"/>
@@ -4566,7 +4761,7 @@
                     <a:lstStyle/>
                     <a:p>
                       <a:r>
-                        <a:rPr lang="en-US" dirty="0"/>
+                        <a:rPr lang="en-US"/>
                         <a:t>Email</a:t>
                       </a:r>
                       <a:endParaRPr lang="ru-RU" dirty="0"/>
@@ -4580,7 +4775,7 @@
                     <a:lstStyle/>
                     <a:p>
                       <a:r>
-                        <a:rPr lang="en-US" dirty="0"/>
+                        <a:rPr lang="en-US"/>
                         <a:t>Birthday</a:t>
                       </a:r>
                       <a:endParaRPr lang="ru-RU" dirty="0"/>
@@ -4601,36 +4796,36 @@
                     <a:lstStyle/>
                     <a:p>
                       <a:r>
+                        <a:rPr lang="en-US"/>
+                        <a:t>Employee #1</a:t>
+                      </a:r>
+                      <a:endParaRPr lang="ru-RU" dirty="0"/>
+                    </a:p>
+                  </a:txBody>
+                  <a:tcPr/>
+                </a:tc>
+                <a:tc>
+                  <a:txBody>
+                    <a:bodyPr/>
+                    <a:lstStyle/>
+                    <a:p>
+                      <a:r>
+                        <a:rPr lang="en-US"/>
+                        <a:t>emp1@company3.test</a:t>
+                      </a:r>
+                      <a:endParaRPr lang="ru-RU" dirty="0"/>
+                    </a:p>
+                  </a:txBody>
+                  <a:tcPr/>
+                </a:tc>
+                <a:tc>
+                  <a:txBody>
+                    <a:bodyPr/>
+                    <a:lstStyle/>
+                    <a:p>
+                      <a:r>
                         <a:rPr lang="en-US" dirty="0"/>
-                        <a:t>Employee #1</a:t>
-                      </a:r>
-                      <a:endParaRPr lang="ru-RU" dirty="0"/>
-                    </a:p>
-                  </a:txBody>
-                  <a:tcPr/>
-                </a:tc>
-                <a:tc>
-                  <a:txBody>
-                    <a:bodyPr/>
-                    <a:lstStyle/>
-                    <a:p>
-                      <a:r>
-                        <a:rPr lang="en-US" dirty="0"/>
-                        <a:t>emp1@company3.test</a:t>
-                      </a:r>
-                      <a:endParaRPr lang="ru-RU" dirty="0"/>
-                    </a:p>
-                  </a:txBody>
-                  <a:tcPr/>
-                </a:tc>
-                <a:tc>
-                  <a:txBody>
-                    <a:bodyPr/>
-                    <a:lstStyle/>
-                    <a:p>
-                      <a:r>
-                        <a:rPr lang="en-US" dirty="0"/>
-                        <a:t>02.06.1994</a:t>
+                        <a:t>24 June 1998</a:t>
                       </a:r>
                       <a:endParaRPr lang="ru-RU" dirty="0"/>
                     </a:p>
@@ -4650,36 +4845,36 @@
                     <a:lstStyle/>
                     <a:p>
                       <a:r>
+                        <a:rPr lang="en-US"/>
+                        <a:t>Employee #2</a:t>
+                      </a:r>
+                      <a:endParaRPr lang="ru-RU" dirty="0"/>
+                    </a:p>
+                  </a:txBody>
+                  <a:tcPr/>
+                </a:tc>
+                <a:tc>
+                  <a:txBody>
+                    <a:bodyPr/>
+                    <a:lstStyle/>
+                    <a:p>
+                      <a:r>
+                        <a:rPr lang="en-US"/>
+                        <a:t>emp2@company3.test</a:t>
+                      </a:r>
+                      <a:endParaRPr lang="ru-RU" dirty="0"/>
+                    </a:p>
+                  </a:txBody>
+                  <a:tcPr/>
+                </a:tc>
+                <a:tc>
+                  <a:txBody>
+                    <a:bodyPr/>
+                    <a:lstStyle/>
+                    <a:p>
+                      <a:r>
                         <a:rPr lang="en-US" dirty="0"/>
-                        <a:t>Employee #2</a:t>
-                      </a:r>
-                      <a:endParaRPr lang="ru-RU" dirty="0"/>
-                    </a:p>
-                  </a:txBody>
-                  <a:tcPr/>
-                </a:tc>
-                <a:tc>
-                  <a:txBody>
-                    <a:bodyPr/>
-                    <a:lstStyle/>
-                    <a:p>
-                      <a:r>
-                        <a:rPr lang="en-US" dirty="0"/>
-                        <a:t>emp2@company3.test</a:t>
-                      </a:r>
-                      <a:endParaRPr lang="ru-RU" dirty="0"/>
-                    </a:p>
-                  </a:txBody>
-                  <a:tcPr/>
-                </a:tc>
-                <a:tc>
-                  <a:txBody>
-                    <a:bodyPr/>
-                    <a:lstStyle/>
-                    <a:p>
-                      <a:r>
-                        <a:rPr lang="en-US" dirty="0"/>
-                        <a:t>07.10.1994</a:t>
+                        <a:t>14 January 1995</a:t>
                       </a:r>
                       <a:endParaRPr lang="ru-RU" dirty="0"/>
                     </a:p>
@@ -4699,8 +4894,71 @@
                     <a:lstStyle/>
                     <a:p>
                       <a:r>
+                        <a:rPr lang="en-US"/>
+                        <a:t>Employee #3</a:t>
+                      </a:r>
+                      <a:endParaRPr lang="ru-RU" dirty="0"/>
+                    </a:p>
+                  </a:txBody>
+                  <a:tcPr/>
+                </a:tc>
+                <a:tc>
+                  <a:txBody>
+                    <a:bodyPr/>
+                    <a:lstStyle/>
+                    <a:p>
+                      <a:r>
+                        <a:rPr lang="en-US"/>
+                        <a:t>emp3@company3.test</a:t>
+                      </a:r>
+                      <a:endParaRPr lang="ru-RU" dirty="0"/>
+                    </a:p>
+                  </a:txBody>
+                  <a:tcPr/>
+                </a:tc>
+                <a:tc>
+                  <a:txBody>
+                    <a:bodyPr/>
+                    <a:lstStyle/>
+                    <a:p>
+                      <a:r>
                         <a:rPr lang="en-US" dirty="0"/>
-                        <a:t>Employee #3</a:t>
+                        <a:t>12 June 1981</a:t>
+                      </a:r>
+                      <a:endParaRPr lang="ru-RU" dirty="0"/>
+                    </a:p>
+                  </a:txBody>
+                  <a:tcPr/>
+                </a:tc>
+                <a:extLst>
+                  <a:ext uri="{0D108BD9-81ED-4DB2-BD59-A6C34878D82A}">
+                    <a16:rowId xmlns:a16="http://schemas.microsoft.com/office/drawing/2014/main" val="109181570"/>
+                  </a:ext>
+                </a:extLst>
+              </a:tr>
+              <a:tr h="370840">
+                <a:tc>
+                  <a:txBody>
+                    <a:bodyPr/>
+                    <a:lstStyle/>
+                    <a:p>
+                      <a:r>
+                        <a:rPr lang="en-US"/>
+                        <a:t>Employee #4</a:t>
+                      </a:r>
+                      <a:endParaRPr lang="ru-RU" dirty="0"/>
+                    </a:p>
+                  </a:txBody>
+                  <a:tcPr/>
+                </a:tc>
+                <a:tc>
+                  <a:txBody>
+                    <a:bodyPr/>
+                    <a:lstStyle/>
+                    <a:p>
+                      <a:r>
+                        <a:rPr lang="en-US"/>
+                        <a:t>emp4@company3.test</a:t>
                       </a:r>
                       <a:endParaRPr lang="ru-RU" dirty="0"/>
                     </a:p>
@@ -4714,7 +4972,42 @@
                     <a:p>
                       <a:r>
                         <a:rPr lang="en-US" dirty="0"/>
-                        <a:t>emp3@company3.test</a:t>
+                        <a:t>15 July 1987</a:t>
+                      </a:r>
+                      <a:endParaRPr lang="ru-RU" dirty="0"/>
+                    </a:p>
+                  </a:txBody>
+                  <a:tcPr/>
+                </a:tc>
+                <a:extLst>
+                  <a:ext uri="{0D108BD9-81ED-4DB2-BD59-A6C34878D82A}">
+                    <a16:rowId xmlns:a16="http://schemas.microsoft.com/office/drawing/2014/main" val="109181570"/>
+                  </a:ext>
+                </a:extLst>
+              </a:tr>
+              <a:tr h="370840">
+                <a:tc>
+                  <a:txBody>
+                    <a:bodyPr/>
+                    <a:lstStyle/>
+                    <a:p>
+                      <a:r>
+                        <a:rPr lang="en-US"/>
+                        <a:t>Employee #5</a:t>
+                      </a:r>
+                      <a:endParaRPr lang="ru-RU" dirty="0"/>
+                    </a:p>
+                  </a:txBody>
+                  <a:tcPr/>
+                </a:tc>
+                <a:tc>
+                  <a:txBody>
+                    <a:bodyPr/>
+                    <a:lstStyle/>
+                    <a:p>
+                      <a:r>
+                        <a:rPr lang="en-US"/>
+                        <a:t>emp5@company3.test</a:t>
                       </a:r>
                       <a:endParaRPr lang="ru-RU" dirty="0"/>
                     </a:p>
@@ -4728,7 +5021,56 @@
                     <a:p>
                       <a:r>
                         <a:rPr lang="en-US" dirty="0"/>
-                        <a:t>03.06.1993</a:t>
+                        <a:t>16 January 1997</a:t>
+                      </a:r>
+                      <a:endParaRPr lang="ru-RU" dirty="0"/>
+                    </a:p>
+                  </a:txBody>
+                  <a:tcPr/>
+                </a:tc>
+                <a:extLst>
+                  <a:ext uri="{0D108BD9-81ED-4DB2-BD59-A6C34878D82A}">
+                    <a16:rowId xmlns:a16="http://schemas.microsoft.com/office/drawing/2014/main" val="109181570"/>
+                  </a:ext>
+                </a:extLst>
+              </a:tr>
+              <a:tr h="370840">
+                <a:tc>
+                  <a:txBody>
+                    <a:bodyPr/>
+                    <a:lstStyle/>
+                    <a:p>
+                      <a:r>
+                        <a:rPr lang="en-US"/>
+                        <a:t>Employee #6</a:t>
+                      </a:r>
+                      <a:endParaRPr lang="ru-RU" dirty="0"/>
+                    </a:p>
+                  </a:txBody>
+                  <a:tcPr/>
+                </a:tc>
+                <a:tc>
+                  <a:txBody>
+                    <a:bodyPr/>
+                    <a:lstStyle/>
+                    <a:p>
+                      <a:r>
+                        <a:rPr lang="en-US"/>
+                        <a:t>emp6@company3.test</a:t>
+                      </a:r>
+                      <a:endParaRPr lang="ru-RU" dirty="0"/>
+                    </a:p>
+                  </a:txBody>
+                  <a:tcPr/>
+                </a:tc>
+                <a:tc>
+                  <a:txBody>
+                    <a:bodyPr/>
+                    <a:lstStyle/>
+                    <a:p>
+                      <a:r>
+                        <a:rPr lang="en-US" dirty="0"/>
+                        <a:t>02 September 1999</a:t>
                       </a:r>
                       <a:endParaRPr lang="ru-RU" dirty="0"/>
                     </a:p>

--- a/Test/Presentations/template_result.pptx
+++ b/Test/Presentations/template_result.pptx
@@ -5,11 +5,11 @@
     <p:sldMasterId id="2147483648" r:id="rId1"/>
   </p:sldMasterIdLst>
   <p:sldIdLst>
-    <p:sldId id="259" r:id="Ra21239e8b3ec4acc"/>
-    <p:sldId id="260" r:id="Rccd734e8472f454d"/>
-    <p:sldId id="261" r:id="R9070dcf6632f4b56"/>
-    <p:sldId id="262" r:id="Rce3d62bf928d48cb"/>
-    <p:sldId id="263" r:id="R18c6644361184e59"/>
+    <p:sldId id="259" r:id="Ra716b6c088ce4d09"/>
+    <p:sldId id="260" r:id="R59924bd0061d4a33"/>
+    <p:sldId id="261" r:id="R144e5f0f7ab84278"/>
+    <p:sldId id="262" r:id="R78e43966f5654d26"/>
+    <p:sldId id="263" r:id="R498e32056adc4444"/>
   </p:sldIdLst>
   <p:sldSz cx="12192000" cy="6858000"/>
   <p:notesSz cx="6858000" cy="9144000"/>
@@ -3384,7 +3384,7 @@
                   </a:schemeClr>
                 </a:solidFill>
               </a:rPr>
-              <a:t>Date: 2019-12-27 16:15</a:t>
+              <a:t>Date: 2019-12-27 18:31</a:t>
             </a:r>
             <a:endParaRPr lang="ru-RU" dirty="0">
               <a:solidFill>
@@ -3720,7 +3720,7 @@
                     <a:p>
                       <a:r>
                         <a:rPr lang="en-US" dirty="0"/>
-                        <a:t>01 February 1987</a:t>
+                        <a:t>11 March 1987</a:t>
                       </a:r>
                       <a:endParaRPr lang="ru-RU" dirty="0"/>
                     </a:p>
@@ -3769,7 +3769,7 @@
                     <a:p>
                       <a:r>
                         <a:rPr lang="en-US" dirty="0"/>
-                        <a:t>20 November 1989</a:t>
+                        <a:t>01 January 1989</a:t>
                       </a:r>
                       <a:endParaRPr lang="ru-RU" dirty="0"/>
                     </a:p>
@@ -3818,7 +3818,7 @@
                     <a:p>
                       <a:r>
                         <a:rPr lang="en-US" dirty="0"/>
-                        <a:t>03 July 1986</a:t>
+                        <a:t>29 July 1998</a:t>
                       </a:r>
                       <a:endParaRPr lang="ru-RU" dirty="0"/>
                     </a:p>
@@ -3867,56 +3867,7 @@
                     <a:p>
                       <a:r>
                         <a:rPr lang="en-US" dirty="0"/>
-                        <a:t>18 August 1984</a:t>
-                      </a:r>
-                      <a:endParaRPr lang="ru-RU" dirty="0"/>
-                    </a:p>
-                  </a:txBody>
-                  <a:tcPr/>
-                </a:tc>
-                <a:extLst>
-                  <a:ext uri="{0D108BD9-81ED-4DB2-BD59-A6C34878D82A}">
-                    <a16:rowId xmlns:a16="http://schemas.microsoft.com/office/drawing/2014/main" val="109181570"/>
-                  </a:ext>
-                </a:extLst>
-              </a:tr>
-              <a:tr h="370840">
-                <a:tc>
-                  <a:txBody>
-                    <a:bodyPr/>
-                    <a:lstStyle/>
-                    <a:p>
-                      <a:r>
-                        <a:rPr lang="en-US"/>
-                        <a:t>Employee #5</a:t>
-                      </a:r>
-                      <a:endParaRPr lang="ru-RU" dirty="0"/>
-                    </a:p>
-                  </a:txBody>
-                  <a:tcPr/>
-                </a:tc>
-                <a:tc>
-                  <a:txBody>
-                    <a:bodyPr/>
-                    <a:lstStyle/>
-                    <a:p>
-                      <a:r>
-                        <a:rPr lang="en-US"/>
-                        <a:t>emp5@company1.test</a:t>
-                      </a:r>
-                      <a:endParaRPr lang="ru-RU" dirty="0"/>
-                    </a:p>
-                  </a:txBody>
-                  <a:tcPr/>
-                </a:tc>
-                <a:tc>
-                  <a:txBody>
-                    <a:bodyPr/>
-                    <a:lstStyle/>
-                    <a:p>
-                      <a:r>
-                        <a:rPr lang="en-US" dirty="0"/>
-                        <a:t>03 February 1985</a:t>
+                        <a:t>03 February 1982</a:t>
                       </a:r>
                       <a:endParaRPr lang="ru-RU" dirty="0"/>
                     </a:p>
@@ -4150,7 +4101,7 @@
                     <a:p>
                       <a:r>
                         <a:rPr lang="en-US" dirty="0"/>
-                        <a:t>12 January 1982</a:t>
+                        <a:t>29 May 1984</a:t>
                       </a:r>
                       <a:endParaRPr lang="ru-RU" dirty="0"/>
                     </a:p>
@@ -4199,7 +4150,7 @@
                     <a:p>
                       <a:r>
                         <a:rPr lang="en-US" dirty="0"/>
-                        <a:t>26 September 1982</a:t>
+                        <a:t>30 April 1985</a:t>
                       </a:r>
                       <a:endParaRPr lang="ru-RU" dirty="0"/>
                     </a:p>
@@ -4248,7 +4199,7 @@
                     <a:p>
                       <a:r>
                         <a:rPr lang="en-US" dirty="0"/>
-                        <a:t>25 June 1995</a:t>
+                        <a:t>13 May 1992</a:t>
                       </a:r>
                       <a:endParaRPr lang="ru-RU" dirty="0"/>
                     </a:p>
@@ -4297,7 +4248,7 @@
                     <a:p>
                       <a:r>
                         <a:rPr lang="en-US" dirty="0"/>
-                        <a:t>19 August 1981</a:t>
+                        <a:t>13 September 1984</a:t>
                       </a:r>
                       <a:endParaRPr lang="ru-RU" dirty="0"/>
                     </a:p>
@@ -4346,7 +4297,7 @@
                     <a:p>
                       <a:r>
                         <a:rPr lang="en-US" dirty="0"/>
-                        <a:t>06 May 1992</a:t>
+                        <a:t>01 August 1983</a:t>
                       </a:r>
                       <a:endParaRPr lang="ru-RU" dirty="0"/>
                     </a:p>
@@ -4395,7 +4346,7 @@
                     <a:p>
                       <a:r>
                         <a:rPr lang="en-US" dirty="0"/>
-                        <a:t>08 November 1997</a:t>
+                        <a:t>13 September 1990</a:t>
                       </a:r>
                       <a:endParaRPr lang="ru-RU" dirty="0"/>
                     </a:p>
@@ -4444,7 +4395,7 @@
                     <a:p>
                       <a:r>
                         <a:rPr lang="en-US" dirty="0"/>
-                        <a:t>16 May 1991</a:t>
+                        <a:t>03 June 1988</a:t>
                       </a:r>
                       <a:endParaRPr lang="ru-RU" dirty="0"/>
                     </a:p>
@@ -4493,7 +4444,7 @@
                     <a:p>
                       <a:r>
                         <a:rPr lang="en-US" dirty="0"/>
-                        <a:t>20 September 1999</a:t>
+                        <a:t>14 July 1994</a:t>
                       </a:r>
                       <a:endParaRPr lang="ru-RU" dirty="0"/>
                     </a:p>
@@ -4542,7 +4493,7 @@
                     <a:p>
                       <a:r>
                         <a:rPr lang="en-US" dirty="0"/>
-                        <a:t>02 June 1995</a:t>
+                        <a:t>29 May 1998</a:t>
                       </a:r>
                       <a:endParaRPr lang="ru-RU" dirty="0"/>
                     </a:p>
@@ -4591,7 +4542,56 @@
                     <a:p>
                       <a:r>
                         <a:rPr lang="en-US" dirty="0"/>
-                        <a:t>08 August 1985</a:t>
+                        <a:t>11 March 1993</a:t>
+                      </a:r>
+                      <a:endParaRPr lang="ru-RU" dirty="0"/>
+                    </a:p>
+                  </a:txBody>
+                  <a:tcPr/>
+                </a:tc>
+                <a:extLst>
+                  <a:ext uri="{0D108BD9-81ED-4DB2-BD59-A6C34878D82A}">
+                    <a16:rowId xmlns:a16="http://schemas.microsoft.com/office/drawing/2014/main" val="109181570"/>
+                  </a:ext>
+                </a:extLst>
+              </a:tr>
+              <a:tr h="370840">
+                <a:tc>
+                  <a:txBody>
+                    <a:bodyPr/>
+                    <a:lstStyle/>
+                    <a:p>
+                      <a:r>
+                        <a:rPr lang="en-US"/>
+                        <a:t>Employee #11</a:t>
+                      </a:r>
+                      <a:endParaRPr lang="ru-RU" dirty="0"/>
+                    </a:p>
+                  </a:txBody>
+                  <a:tcPr/>
+                </a:tc>
+                <a:tc>
+                  <a:txBody>
+                    <a:bodyPr/>
+                    <a:lstStyle/>
+                    <a:p>
+                      <a:r>
+                        <a:rPr lang="en-US"/>
+                        <a:t>emp11@company2.test</a:t>
+                      </a:r>
+                      <a:endParaRPr lang="ru-RU" dirty="0"/>
+                    </a:p>
+                  </a:txBody>
+                  <a:tcPr/>
+                </a:tc>
+                <a:tc>
+                  <a:txBody>
+                    <a:bodyPr/>
+                    <a:lstStyle/>
+                    <a:p>
+                      <a:r>
+                        <a:rPr lang="en-US" dirty="0"/>
+                        <a:t>23 March 1981</a:t>
                       </a:r>
                       <a:endParaRPr lang="ru-RU" dirty="0"/>
                     </a:p>
@@ -4825,7 +4825,7 @@
                     <a:p>
                       <a:r>
                         <a:rPr lang="en-US" dirty="0"/>
-                        <a:t>24 June 1998</a:t>
+                        <a:t>11 August 1981</a:t>
                       </a:r>
                       <a:endParaRPr lang="ru-RU" dirty="0"/>
                     </a:p>
@@ -4874,7 +4874,7 @@
                     <a:p>
                       <a:r>
                         <a:rPr lang="en-US" dirty="0"/>
-                        <a:t>14 January 1995</a:t>
+                        <a:t>15 March 1992</a:t>
                       </a:r>
                       <a:endParaRPr lang="ru-RU" dirty="0"/>
                     </a:p>
@@ -4923,7 +4923,7 @@
                     <a:p>
                       <a:r>
                         <a:rPr lang="en-US" dirty="0"/>
-                        <a:t>12 June 1981</a:t>
+                        <a:t>29 July 1991</a:t>
                       </a:r>
                       <a:endParaRPr lang="ru-RU" dirty="0"/>
                     </a:p>
@@ -4972,7 +4972,7 @@
                     <a:p>
                       <a:r>
                         <a:rPr lang="en-US" dirty="0"/>
-                        <a:t>15 July 1987</a:t>
+                        <a:t>03 July 1980</a:t>
                       </a:r>
                       <a:endParaRPr lang="ru-RU" dirty="0"/>
                     </a:p>
@@ -5021,7 +5021,7 @@
                     <a:p>
                       <a:r>
                         <a:rPr lang="en-US" dirty="0"/>
-                        <a:t>16 January 1997</a:t>
+                        <a:t>28 April 1997</a:t>
                       </a:r>
                       <a:endParaRPr lang="ru-RU" dirty="0"/>
                     </a:p>
@@ -5070,7 +5070,252 @@
                     <a:p>
                       <a:r>
                         <a:rPr lang="en-US" dirty="0"/>
-                        <a:t>02 September 1999</a:t>
+                        <a:t>21 February 1981</a:t>
+                      </a:r>
+                      <a:endParaRPr lang="ru-RU" dirty="0"/>
+                    </a:p>
+                  </a:txBody>
+                  <a:tcPr/>
+                </a:tc>
+                <a:extLst>
+                  <a:ext uri="{0D108BD9-81ED-4DB2-BD59-A6C34878D82A}">
+                    <a16:rowId xmlns:a16="http://schemas.microsoft.com/office/drawing/2014/main" val="109181570"/>
+                  </a:ext>
+                </a:extLst>
+              </a:tr>
+              <a:tr h="370840">
+                <a:tc>
+                  <a:txBody>
+                    <a:bodyPr/>
+                    <a:lstStyle/>
+                    <a:p>
+                      <a:r>
+                        <a:rPr lang="en-US"/>
+                        <a:t>Employee #7</a:t>
+                      </a:r>
+                      <a:endParaRPr lang="ru-RU" dirty="0"/>
+                    </a:p>
+                  </a:txBody>
+                  <a:tcPr/>
+                </a:tc>
+                <a:tc>
+                  <a:txBody>
+                    <a:bodyPr/>
+                    <a:lstStyle/>
+                    <a:p>
+                      <a:r>
+                        <a:rPr lang="en-US"/>
+                        <a:t>emp7@company3.test</a:t>
+                      </a:r>
+                      <a:endParaRPr lang="ru-RU" dirty="0"/>
+                    </a:p>
+                  </a:txBody>
+                  <a:tcPr/>
+                </a:tc>
+                <a:tc>
+                  <a:txBody>
+                    <a:bodyPr/>
+                    <a:lstStyle/>
+                    <a:p>
+                      <a:r>
+                        <a:rPr lang="en-US" dirty="0"/>
+                        <a:t>27 July 1994</a:t>
+                      </a:r>
+                      <a:endParaRPr lang="ru-RU" dirty="0"/>
+                    </a:p>
+                  </a:txBody>
+                  <a:tcPr/>
+                </a:tc>
+                <a:extLst>
+                  <a:ext uri="{0D108BD9-81ED-4DB2-BD59-A6C34878D82A}">
+                    <a16:rowId xmlns:a16="http://schemas.microsoft.com/office/drawing/2014/main" val="109181570"/>
+                  </a:ext>
+                </a:extLst>
+              </a:tr>
+              <a:tr h="370840">
+                <a:tc>
+                  <a:txBody>
+                    <a:bodyPr/>
+                    <a:lstStyle/>
+                    <a:p>
+                      <a:r>
+                        <a:rPr lang="en-US"/>
+                        <a:t>Employee #8</a:t>
+                      </a:r>
+                      <a:endParaRPr lang="ru-RU" dirty="0"/>
+                    </a:p>
+                  </a:txBody>
+                  <a:tcPr/>
+                </a:tc>
+                <a:tc>
+                  <a:txBody>
+                    <a:bodyPr/>
+                    <a:lstStyle/>
+                    <a:p>
+                      <a:r>
+                        <a:rPr lang="en-US"/>
+                        <a:t>emp8@company3.test</a:t>
+                      </a:r>
+                      <a:endParaRPr lang="ru-RU" dirty="0"/>
+                    </a:p>
+                  </a:txBody>
+                  <a:tcPr/>
+                </a:tc>
+                <a:tc>
+                  <a:txBody>
+                    <a:bodyPr/>
+                    <a:lstStyle/>
+                    <a:p>
+                      <a:r>
+                        <a:rPr lang="en-US" dirty="0"/>
+                        <a:t>16 September 1989</a:t>
+                      </a:r>
+                      <a:endParaRPr lang="ru-RU" dirty="0"/>
+                    </a:p>
+                  </a:txBody>
+                  <a:tcPr/>
+                </a:tc>
+                <a:extLst>
+                  <a:ext uri="{0D108BD9-81ED-4DB2-BD59-A6C34878D82A}">
+                    <a16:rowId xmlns:a16="http://schemas.microsoft.com/office/drawing/2014/main" val="109181570"/>
+                  </a:ext>
+                </a:extLst>
+              </a:tr>
+              <a:tr h="370840">
+                <a:tc>
+                  <a:txBody>
+                    <a:bodyPr/>
+                    <a:lstStyle/>
+                    <a:p>
+                      <a:r>
+                        <a:rPr lang="en-US"/>
+                        <a:t>Employee #9</a:t>
+                      </a:r>
+                      <a:endParaRPr lang="ru-RU" dirty="0"/>
+                    </a:p>
+                  </a:txBody>
+                  <a:tcPr/>
+                </a:tc>
+                <a:tc>
+                  <a:txBody>
+                    <a:bodyPr/>
+                    <a:lstStyle/>
+                    <a:p>
+                      <a:r>
+                        <a:rPr lang="en-US"/>
+                        <a:t>emp9@company3.test</a:t>
+                      </a:r>
+                      <a:endParaRPr lang="ru-RU" dirty="0"/>
+                    </a:p>
+                  </a:txBody>
+                  <a:tcPr/>
+                </a:tc>
+                <a:tc>
+                  <a:txBody>
+                    <a:bodyPr/>
+                    <a:lstStyle/>
+                    <a:p>
+                      <a:r>
+                        <a:rPr lang="en-US" dirty="0"/>
+                        <a:t>01 October 1986</a:t>
+                      </a:r>
+                      <a:endParaRPr lang="ru-RU" dirty="0"/>
+                    </a:p>
+                  </a:txBody>
+                  <a:tcPr/>
+                </a:tc>
+                <a:extLst>
+                  <a:ext uri="{0D108BD9-81ED-4DB2-BD59-A6C34878D82A}">
+                    <a16:rowId xmlns:a16="http://schemas.microsoft.com/office/drawing/2014/main" val="109181570"/>
+                  </a:ext>
+                </a:extLst>
+              </a:tr>
+              <a:tr h="370840">
+                <a:tc>
+                  <a:txBody>
+                    <a:bodyPr/>
+                    <a:lstStyle/>
+                    <a:p>
+                      <a:r>
+                        <a:rPr lang="en-US"/>
+                        <a:t>Employee #10</a:t>
+                      </a:r>
+                      <a:endParaRPr lang="ru-RU" dirty="0"/>
+                    </a:p>
+                  </a:txBody>
+                  <a:tcPr/>
+                </a:tc>
+                <a:tc>
+                  <a:txBody>
+                    <a:bodyPr/>
+                    <a:lstStyle/>
+                    <a:p>
+                      <a:r>
+                        <a:rPr lang="en-US"/>
+                        <a:t>emp10@company3.test</a:t>
+                      </a:r>
+                      <a:endParaRPr lang="ru-RU" dirty="0"/>
+                    </a:p>
+                  </a:txBody>
+                  <a:tcPr/>
+                </a:tc>
+                <a:tc>
+                  <a:txBody>
+                    <a:bodyPr/>
+                    <a:lstStyle/>
+                    <a:p>
+                      <a:r>
+                        <a:rPr lang="en-US" dirty="0"/>
+                        <a:t>02 March 1999</a:t>
+                      </a:r>
+                      <a:endParaRPr lang="ru-RU" dirty="0"/>
+                    </a:p>
+                  </a:txBody>
+                  <a:tcPr/>
+                </a:tc>
+                <a:extLst>
+                  <a:ext uri="{0D108BD9-81ED-4DB2-BD59-A6C34878D82A}">
+                    <a16:rowId xmlns:a16="http://schemas.microsoft.com/office/drawing/2014/main" val="109181570"/>
+                  </a:ext>
+                </a:extLst>
+              </a:tr>
+              <a:tr h="370840">
+                <a:tc>
+                  <a:txBody>
+                    <a:bodyPr/>
+                    <a:lstStyle/>
+                    <a:p>
+                      <a:r>
+                        <a:rPr lang="en-US"/>
+                        <a:t>Employee #11</a:t>
+                      </a:r>
+                      <a:endParaRPr lang="ru-RU" dirty="0"/>
+                    </a:p>
+                  </a:txBody>
+                  <a:tcPr/>
+                </a:tc>
+                <a:tc>
+                  <a:txBody>
+                    <a:bodyPr/>
+                    <a:lstStyle/>
+                    <a:p>
+                      <a:r>
+                        <a:rPr lang="en-US"/>
+                        <a:t>emp11@company3.test</a:t>
+                      </a:r>
+                      <a:endParaRPr lang="ru-RU" dirty="0"/>
+                    </a:p>
+                  </a:txBody>
+                  <a:tcPr/>
+                </a:tc>
+                <a:tc>
+                  <a:txBody>
+                    <a:bodyPr/>
+                    <a:lstStyle/>
+                    <a:p>
+                      <a:r>
+                        <a:rPr lang="en-US" dirty="0"/>
+                        <a:t>21 July 1982</a:t>
                       </a:r>
                       <a:endParaRPr lang="ru-RU" dirty="0"/>
                     </a:p>

--- a/Test/Presentations/template_result.pptx
+++ b/Test/Presentations/template_result.pptx
@@ -5,11 +5,11 @@
     <p:sldMasterId id="2147483648" r:id="rId1"/>
   </p:sldMasterIdLst>
   <p:sldIdLst>
-    <p:sldId id="259" r:id="Ra716b6c088ce4d09"/>
-    <p:sldId id="260" r:id="R59924bd0061d4a33"/>
-    <p:sldId id="261" r:id="R144e5f0f7ab84278"/>
-    <p:sldId id="262" r:id="R78e43966f5654d26"/>
-    <p:sldId id="263" r:id="R498e32056adc4444"/>
+    <p:sldId id="259" r:id="R1b1e255495d34414"/>
+    <p:sldId id="260" r:id="R4f5ae482b7874cd1"/>
+    <p:sldId id="261" r:id="R9f1118994565430f"/>
+    <p:sldId id="262" r:id="R4c144e1bc0644b3e"/>
+    <p:sldId id="263" r:id="R0385a5af4aee448f"/>
   </p:sldIdLst>
   <p:sldSz cx="12192000" cy="6858000"/>
   <p:notesSz cx="6858000" cy="9144000"/>
@@ -3384,7 +3384,7 @@
                   </a:schemeClr>
                 </a:solidFill>
               </a:rPr>
-              <a:t>Date: 2019-12-27 18:31</a:t>
+              <a:t>Date: 2019-12-28 14:11</a:t>
             </a:r>
             <a:endParaRPr lang="ru-RU" dirty="0">
               <a:solidFill>
@@ -3720,7 +3720,7 @@
                     <a:p>
                       <a:r>
                         <a:rPr lang="en-US" dirty="0"/>
-                        <a:t>11 March 1987</a:t>
+                        <a:t>19 May 1985</a:t>
                       </a:r>
                       <a:endParaRPr lang="ru-RU" dirty="0"/>
                     </a:p>
@@ -3769,7 +3769,7 @@
                     <a:p>
                       <a:r>
                         <a:rPr lang="en-US" dirty="0"/>
-                        <a:t>01 January 1989</a:t>
+                        <a:t>29 October 1988</a:t>
                       </a:r>
                       <a:endParaRPr lang="ru-RU" dirty="0"/>
                     </a:p>
@@ -3818,7 +3818,7 @@
                     <a:p>
                       <a:r>
                         <a:rPr lang="en-US" dirty="0"/>
-                        <a:t>29 July 1998</a:t>
+                        <a:t>03 April 1996</a:t>
                       </a:r>
                       <a:endParaRPr lang="ru-RU" dirty="0"/>
                     </a:p>
@@ -3867,7 +3867,252 @@
                     <a:p>
                       <a:r>
                         <a:rPr lang="en-US" dirty="0"/>
-                        <a:t>03 February 1982</a:t>
+                        <a:t>27 November 1991</a:t>
+                      </a:r>
+                      <a:endParaRPr lang="ru-RU" dirty="0"/>
+                    </a:p>
+                  </a:txBody>
+                  <a:tcPr/>
+                </a:tc>
+                <a:extLst>
+                  <a:ext uri="{0D108BD9-81ED-4DB2-BD59-A6C34878D82A}">
+                    <a16:rowId xmlns:a16="http://schemas.microsoft.com/office/drawing/2014/main" val="109181570"/>
+                  </a:ext>
+                </a:extLst>
+              </a:tr>
+              <a:tr h="370840">
+                <a:tc>
+                  <a:txBody>
+                    <a:bodyPr/>
+                    <a:lstStyle/>
+                    <a:p>
+                      <a:r>
+                        <a:rPr lang="en-US"/>
+                        <a:t>Employee #5</a:t>
+                      </a:r>
+                      <a:endParaRPr lang="ru-RU" dirty="0"/>
+                    </a:p>
+                  </a:txBody>
+                  <a:tcPr/>
+                </a:tc>
+                <a:tc>
+                  <a:txBody>
+                    <a:bodyPr/>
+                    <a:lstStyle/>
+                    <a:p>
+                      <a:r>
+                        <a:rPr lang="en-US"/>
+                        <a:t>emp5@company1.test</a:t>
+                      </a:r>
+                      <a:endParaRPr lang="ru-RU" dirty="0"/>
+                    </a:p>
+                  </a:txBody>
+                  <a:tcPr/>
+                </a:tc>
+                <a:tc>
+                  <a:txBody>
+                    <a:bodyPr/>
+                    <a:lstStyle/>
+                    <a:p>
+                      <a:r>
+                        <a:rPr lang="en-US" dirty="0"/>
+                        <a:t>19 July 1996</a:t>
+                      </a:r>
+                      <a:endParaRPr lang="ru-RU" dirty="0"/>
+                    </a:p>
+                  </a:txBody>
+                  <a:tcPr/>
+                </a:tc>
+                <a:extLst>
+                  <a:ext uri="{0D108BD9-81ED-4DB2-BD59-A6C34878D82A}">
+                    <a16:rowId xmlns:a16="http://schemas.microsoft.com/office/drawing/2014/main" val="109181570"/>
+                  </a:ext>
+                </a:extLst>
+              </a:tr>
+              <a:tr h="370840">
+                <a:tc>
+                  <a:txBody>
+                    <a:bodyPr/>
+                    <a:lstStyle/>
+                    <a:p>
+                      <a:r>
+                        <a:rPr lang="en-US"/>
+                        <a:t>Employee #6</a:t>
+                      </a:r>
+                      <a:endParaRPr lang="ru-RU" dirty="0"/>
+                    </a:p>
+                  </a:txBody>
+                  <a:tcPr/>
+                </a:tc>
+                <a:tc>
+                  <a:txBody>
+                    <a:bodyPr/>
+                    <a:lstStyle/>
+                    <a:p>
+                      <a:r>
+                        <a:rPr lang="en-US"/>
+                        <a:t>emp6@company1.test</a:t>
+                      </a:r>
+                      <a:endParaRPr lang="ru-RU" dirty="0"/>
+                    </a:p>
+                  </a:txBody>
+                  <a:tcPr/>
+                </a:tc>
+                <a:tc>
+                  <a:txBody>
+                    <a:bodyPr/>
+                    <a:lstStyle/>
+                    <a:p>
+                      <a:r>
+                        <a:rPr lang="en-US" dirty="0"/>
+                        <a:t>15 October 1998</a:t>
+                      </a:r>
+                      <a:endParaRPr lang="ru-RU" dirty="0"/>
+                    </a:p>
+                  </a:txBody>
+                  <a:tcPr/>
+                </a:tc>
+                <a:extLst>
+                  <a:ext uri="{0D108BD9-81ED-4DB2-BD59-A6C34878D82A}">
+                    <a16:rowId xmlns:a16="http://schemas.microsoft.com/office/drawing/2014/main" val="109181570"/>
+                  </a:ext>
+                </a:extLst>
+              </a:tr>
+              <a:tr h="370840">
+                <a:tc>
+                  <a:txBody>
+                    <a:bodyPr/>
+                    <a:lstStyle/>
+                    <a:p>
+                      <a:r>
+                        <a:rPr lang="en-US"/>
+                        <a:t>Employee #7</a:t>
+                      </a:r>
+                      <a:endParaRPr lang="ru-RU" dirty="0"/>
+                    </a:p>
+                  </a:txBody>
+                  <a:tcPr/>
+                </a:tc>
+                <a:tc>
+                  <a:txBody>
+                    <a:bodyPr/>
+                    <a:lstStyle/>
+                    <a:p>
+                      <a:r>
+                        <a:rPr lang="en-US"/>
+                        <a:t>emp7@company1.test</a:t>
+                      </a:r>
+                      <a:endParaRPr lang="ru-RU" dirty="0"/>
+                    </a:p>
+                  </a:txBody>
+                  <a:tcPr/>
+                </a:tc>
+                <a:tc>
+                  <a:txBody>
+                    <a:bodyPr/>
+                    <a:lstStyle/>
+                    <a:p>
+                      <a:r>
+                        <a:rPr lang="en-US" dirty="0"/>
+                        <a:t>28 February 1996</a:t>
+                      </a:r>
+                      <a:endParaRPr lang="ru-RU" dirty="0"/>
+                    </a:p>
+                  </a:txBody>
+                  <a:tcPr/>
+                </a:tc>
+                <a:extLst>
+                  <a:ext uri="{0D108BD9-81ED-4DB2-BD59-A6C34878D82A}">
+                    <a16:rowId xmlns:a16="http://schemas.microsoft.com/office/drawing/2014/main" val="109181570"/>
+                  </a:ext>
+                </a:extLst>
+              </a:tr>
+              <a:tr h="370840">
+                <a:tc>
+                  <a:txBody>
+                    <a:bodyPr/>
+                    <a:lstStyle/>
+                    <a:p>
+                      <a:r>
+                        <a:rPr lang="en-US"/>
+                        <a:t>Employee #8</a:t>
+                      </a:r>
+                      <a:endParaRPr lang="ru-RU" dirty="0"/>
+                    </a:p>
+                  </a:txBody>
+                  <a:tcPr/>
+                </a:tc>
+                <a:tc>
+                  <a:txBody>
+                    <a:bodyPr/>
+                    <a:lstStyle/>
+                    <a:p>
+                      <a:r>
+                        <a:rPr lang="en-US"/>
+                        <a:t>emp8@company1.test</a:t>
+                      </a:r>
+                      <a:endParaRPr lang="ru-RU" dirty="0"/>
+                    </a:p>
+                  </a:txBody>
+                  <a:tcPr/>
+                </a:tc>
+                <a:tc>
+                  <a:txBody>
+                    <a:bodyPr/>
+                    <a:lstStyle/>
+                    <a:p>
+                      <a:r>
+                        <a:rPr lang="en-US" dirty="0"/>
+                        <a:t>02 February 1983</a:t>
+                      </a:r>
+                      <a:endParaRPr lang="ru-RU" dirty="0"/>
+                    </a:p>
+                  </a:txBody>
+                  <a:tcPr/>
+                </a:tc>
+                <a:extLst>
+                  <a:ext uri="{0D108BD9-81ED-4DB2-BD59-A6C34878D82A}">
+                    <a16:rowId xmlns:a16="http://schemas.microsoft.com/office/drawing/2014/main" val="109181570"/>
+                  </a:ext>
+                </a:extLst>
+              </a:tr>
+              <a:tr h="370840">
+                <a:tc>
+                  <a:txBody>
+                    <a:bodyPr/>
+                    <a:lstStyle/>
+                    <a:p>
+                      <a:r>
+                        <a:rPr lang="en-US"/>
+                        <a:t>Employee #9</a:t>
+                      </a:r>
+                      <a:endParaRPr lang="ru-RU" dirty="0"/>
+                    </a:p>
+                  </a:txBody>
+                  <a:tcPr/>
+                </a:tc>
+                <a:tc>
+                  <a:txBody>
+                    <a:bodyPr/>
+                    <a:lstStyle/>
+                    <a:p>
+                      <a:r>
+                        <a:rPr lang="en-US"/>
+                        <a:t>emp9@company1.test</a:t>
+                      </a:r>
+                      <a:endParaRPr lang="ru-RU" dirty="0"/>
+                    </a:p>
+                  </a:txBody>
+                  <a:tcPr/>
+                </a:tc>
+                <a:tc>
+                  <a:txBody>
+                    <a:bodyPr/>
+                    <a:lstStyle/>
+                    <a:p>
+                      <a:r>
+                        <a:rPr lang="en-US" dirty="0"/>
+                        <a:t>04 May 1981</a:t>
                       </a:r>
                       <a:endParaRPr lang="ru-RU" dirty="0"/>
                     </a:p>
@@ -4101,7 +4346,7 @@
                     <a:p>
                       <a:r>
                         <a:rPr lang="en-US" dirty="0"/>
-                        <a:t>29 May 1984</a:t>
+                        <a:t>02 April 1984</a:t>
                       </a:r>
                       <a:endParaRPr lang="ru-RU" dirty="0"/>
                     </a:p>
@@ -4150,7 +4395,7 @@
                     <a:p>
                       <a:r>
                         <a:rPr lang="en-US" dirty="0"/>
-                        <a:t>30 April 1985</a:t>
+                        <a:t>26 March 1986</a:t>
                       </a:r>
                       <a:endParaRPr lang="ru-RU" dirty="0"/>
                     </a:p>
@@ -4199,7 +4444,7 @@
                     <a:p>
                       <a:r>
                         <a:rPr lang="en-US" dirty="0"/>
-                        <a:t>13 May 1992</a:t>
+                        <a:t>15 April 1986</a:t>
                       </a:r>
                       <a:endParaRPr lang="ru-RU" dirty="0"/>
                     </a:p>
@@ -4248,7 +4493,7 @@
                     <a:p>
                       <a:r>
                         <a:rPr lang="en-US" dirty="0"/>
-                        <a:t>13 September 1984</a:t>
+                        <a:t>08 August 1980</a:t>
                       </a:r>
                       <a:endParaRPr lang="ru-RU" dirty="0"/>
                     </a:p>
@@ -4297,7 +4542,7 @@
                     <a:p>
                       <a:r>
                         <a:rPr lang="en-US" dirty="0"/>
-                        <a:t>01 August 1983</a:t>
+                        <a:t>30 November 1992</a:t>
                       </a:r>
                       <a:endParaRPr lang="ru-RU" dirty="0"/>
                     </a:p>
@@ -4346,7 +4591,7 @@
                     <a:p>
                       <a:r>
                         <a:rPr lang="en-US" dirty="0"/>
-                        <a:t>13 September 1990</a:t>
+                        <a:t>17 June 1991</a:t>
                       </a:r>
                       <a:endParaRPr lang="ru-RU" dirty="0"/>
                     </a:p>
@@ -4395,7 +4640,7 @@
                     <a:p>
                       <a:r>
                         <a:rPr lang="en-US" dirty="0"/>
-                        <a:t>03 June 1988</a:t>
+                        <a:t>04 April 1983</a:t>
                       </a:r>
                       <a:endParaRPr lang="ru-RU" dirty="0"/>
                     </a:p>
@@ -4444,154 +4689,7 @@
                     <a:p>
                       <a:r>
                         <a:rPr lang="en-US" dirty="0"/>
-                        <a:t>14 July 1994</a:t>
-                      </a:r>
-                      <a:endParaRPr lang="ru-RU" dirty="0"/>
-                    </a:p>
-                  </a:txBody>
-                  <a:tcPr/>
-                </a:tc>
-                <a:extLst>
-                  <a:ext uri="{0D108BD9-81ED-4DB2-BD59-A6C34878D82A}">
-                    <a16:rowId xmlns:a16="http://schemas.microsoft.com/office/drawing/2014/main" val="109181570"/>
-                  </a:ext>
-                </a:extLst>
-              </a:tr>
-              <a:tr h="370840">
-                <a:tc>
-                  <a:txBody>
-                    <a:bodyPr/>
-                    <a:lstStyle/>
-                    <a:p>
-                      <a:r>
-                        <a:rPr lang="en-US"/>
-                        <a:t>Employee #9</a:t>
-                      </a:r>
-                      <a:endParaRPr lang="ru-RU" dirty="0"/>
-                    </a:p>
-                  </a:txBody>
-                  <a:tcPr/>
-                </a:tc>
-                <a:tc>
-                  <a:txBody>
-                    <a:bodyPr/>
-                    <a:lstStyle/>
-                    <a:p>
-                      <a:r>
-                        <a:rPr lang="en-US"/>
-                        <a:t>emp9@company2.test</a:t>
-                      </a:r>
-                      <a:endParaRPr lang="ru-RU" dirty="0"/>
-                    </a:p>
-                  </a:txBody>
-                  <a:tcPr/>
-                </a:tc>
-                <a:tc>
-                  <a:txBody>
-                    <a:bodyPr/>
-                    <a:lstStyle/>
-                    <a:p>
-                      <a:r>
-                        <a:rPr lang="en-US" dirty="0"/>
-                        <a:t>29 May 1998</a:t>
-                      </a:r>
-                      <a:endParaRPr lang="ru-RU" dirty="0"/>
-                    </a:p>
-                  </a:txBody>
-                  <a:tcPr/>
-                </a:tc>
-                <a:extLst>
-                  <a:ext uri="{0D108BD9-81ED-4DB2-BD59-A6C34878D82A}">
-                    <a16:rowId xmlns:a16="http://schemas.microsoft.com/office/drawing/2014/main" val="109181570"/>
-                  </a:ext>
-                </a:extLst>
-              </a:tr>
-              <a:tr h="370840">
-                <a:tc>
-                  <a:txBody>
-                    <a:bodyPr/>
-                    <a:lstStyle/>
-                    <a:p>
-                      <a:r>
-                        <a:rPr lang="en-US"/>
-                        <a:t>Employee #10</a:t>
-                      </a:r>
-                      <a:endParaRPr lang="ru-RU" dirty="0"/>
-                    </a:p>
-                  </a:txBody>
-                  <a:tcPr/>
-                </a:tc>
-                <a:tc>
-                  <a:txBody>
-                    <a:bodyPr/>
-                    <a:lstStyle/>
-                    <a:p>
-                      <a:r>
-                        <a:rPr lang="en-US"/>
-                        <a:t>emp10@company2.test</a:t>
-                      </a:r>
-                      <a:endParaRPr lang="ru-RU" dirty="0"/>
-                    </a:p>
-                  </a:txBody>
-                  <a:tcPr/>
-                </a:tc>
-                <a:tc>
-                  <a:txBody>
-                    <a:bodyPr/>
-                    <a:lstStyle/>
-                    <a:p>
-                      <a:r>
-                        <a:rPr lang="en-US" dirty="0"/>
-                        <a:t>11 March 1993</a:t>
-                      </a:r>
-                      <a:endParaRPr lang="ru-RU" dirty="0"/>
-                    </a:p>
-                  </a:txBody>
-                  <a:tcPr/>
-                </a:tc>
-                <a:extLst>
-                  <a:ext uri="{0D108BD9-81ED-4DB2-BD59-A6C34878D82A}">
-                    <a16:rowId xmlns:a16="http://schemas.microsoft.com/office/drawing/2014/main" val="109181570"/>
-                  </a:ext>
-                </a:extLst>
-              </a:tr>
-              <a:tr h="370840">
-                <a:tc>
-                  <a:txBody>
-                    <a:bodyPr/>
-                    <a:lstStyle/>
-                    <a:p>
-                      <a:r>
-                        <a:rPr lang="en-US"/>
-                        <a:t>Employee #11</a:t>
-                      </a:r>
-                      <a:endParaRPr lang="ru-RU" dirty="0"/>
-                    </a:p>
-                  </a:txBody>
-                  <a:tcPr/>
-                </a:tc>
-                <a:tc>
-                  <a:txBody>
-                    <a:bodyPr/>
-                    <a:lstStyle/>
-                    <a:p>
-                      <a:r>
-                        <a:rPr lang="en-US"/>
-                        <a:t>emp11@company2.test</a:t>
-                      </a:r>
-                      <a:endParaRPr lang="ru-RU" dirty="0"/>
-                    </a:p>
-                  </a:txBody>
-                  <a:tcPr/>
-                </a:tc>
-                <a:tc>
-                  <a:txBody>
-                    <a:bodyPr/>
-                    <a:lstStyle/>
-                    <a:p>
-                      <a:r>
-                        <a:rPr lang="en-US" dirty="0"/>
-                        <a:t>23 March 1981</a:t>
+                        <a:t>02 August 1991</a:t>
                       </a:r>
                       <a:endParaRPr lang="ru-RU" dirty="0"/>
                     </a:p>
@@ -4825,7 +4923,7 @@
                     <a:p>
                       <a:r>
                         <a:rPr lang="en-US" dirty="0"/>
-                        <a:t>11 August 1981</a:t>
+                        <a:t>04 September 1991</a:t>
                       </a:r>
                       <a:endParaRPr lang="ru-RU" dirty="0"/>
                     </a:p>
@@ -4874,7 +4972,7 @@
                     <a:p>
                       <a:r>
                         <a:rPr lang="en-US" dirty="0"/>
-                        <a:t>15 March 1992</a:t>
+                        <a:t>11 July 1986</a:t>
                       </a:r>
                       <a:endParaRPr lang="ru-RU" dirty="0"/>
                     </a:p>
@@ -4923,7 +5021,7 @@
                     <a:p>
                       <a:r>
                         <a:rPr lang="en-US" dirty="0"/>
-                        <a:t>29 July 1991</a:t>
+                        <a:t>11 October 1989</a:t>
                       </a:r>
                       <a:endParaRPr lang="ru-RU" dirty="0"/>
                     </a:p>
@@ -4972,7 +5070,7 @@
                     <a:p>
                       <a:r>
                         <a:rPr lang="en-US" dirty="0"/>
-                        <a:t>03 July 1980</a:t>
+                        <a:t>17 September 1981</a:t>
                       </a:r>
                       <a:endParaRPr lang="ru-RU" dirty="0"/>
                     </a:p>
@@ -5021,7 +5119,7 @@
                     <a:p>
                       <a:r>
                         <a:rPr lang="en-US" dirty="0"/>
-                        <a:t>28 April 1997</a:t>
+                        <a:t>30 August 1992</a:t>
                       </a:r>
                       <a:endParaRPr lang="ru-RU" dirty="0"/>
                     </a:p>
@@ -5070,7 +5168,7 @@
                     <a:p>
                       <a:r>
                         <a:rPr lang="en-US" dirty="0"/>
-                        <a:t>21 February 1981</a:t>
+                        <a:t>15 April 1984</a:t>
                       </a:r>
                       <a:endParaRPr lang="ru-RU" dirty="0"/>
                     </a:p>
@@ -5119,7 +5217,7 @@
                     <a:p>
                       <a:r>
                         <a:rPr lang="en-US" dirty="0"/>
-                        <a:t>27 July 1994</a:t>
+                        <a:t>17 September 1996</a:t>
                       </a:r>
                       <a:endParaRPr lang="ru-RU" dirty="0"/>
                     </a:p>
@@ -5168,7 +5266,7 @@
                     <a:p>
                       <a:r>
                         <a:rPr lang="en-US" dirty="0"/>
-                        <a:t>16 September 1989</a:t>
+                        <a:t>06 November 1989</a:t>
                       </a:r>
                       <a:endParaRPr lang="ru-RU" dirty="0"/>
                     </a:p>
@@ -5217,7 +5315,7 @@
                     <a:p>
                       <a:r>
                         <a:rPr lang="en-US" dirty="0"/>
-                        <a:t>01 October 1986</a:t>
+                        <a:t>17 July 1990</a:t>
                       </a:r>
                       <a:endParaRPr lang="ru-RU" dirty="0"/>
                     </a:p>
@@ -5266,56 +5364,7 @@
                     <a:p>
                       <a:r>
                         <a:rPr lang="en-US" dirty="0"/>
-                        <a:t>02 March 1999</a:t>
-                      </a:r>
-                      <a:endParaRPr lang="ru-RU" dirty="0"/>
-                    </a:p>
-                  </a:txBody>
-                  <a:tcPr/>
-                </a:tc>
-                <a:extLst>
-                  <a:ext uri="{0D108BD9-81ED-4DB2-BD59-A6C34878D82A}">
-                    <a16:rowId xmlns:a16="http://schemas.microsoft.com/office/drawing/2014/main" val="109181570"/>
-                  </a:ext>
-                </a:extLst>
-              </a:tr>
-              <a:tr h="370840">
-                <a:tc>
-                  <a:txBody>
-                    <a:bodyPr/>
-                    <a:lstStyle/>
-                    <a:p>
-                      <a:r>
-                        <a:rPr lang="en-US"/>
-                        <a:t>Employee #11</a:t>
-                      </a:r>
-                      <a:endParaRPr lang="ru-RU" dirty="0"/>
-                    </a:p>
-                  </a:txBody>
-                  <a:tcPr/>
-                </a:tc>
-                <a:tc>
-                  <a:txBody>
-                    <a:bodyPr/>
-                    <a:lstStyle/>
-                    <a:p>
-                      <a:r>
-                        <a:rPr lang="en-US"/>
-                        <a:t>emp11@company3.test</a:t>
-                      </a:r>
-                      <a:endParaRPr lang="ru-RU" dirty="0"/>
-                    </a:p>
-                  </a:txBody>
-                  <a:tcPr/>
-                </a:tc>
-                <a:tc>
-                  <a:txBody>
-                    <a:bodyPr/>
-                    <a:lstStyle/>
-                    <a:p>
-                      <a:r>
-                        <a:rPr lang="en-US" dirty="0"/>
-                        <a:t>21 July 1982</a:t>
+                        <a:t>12 September 1984</a:t>
                       </a:r>
                       <a:endParaRPr lang="ru-RU" dirty="0"/>
                     </a:p>

--- a/Test/Presentations/template_result.pptx
+++ b/Test/Presentations/template_result.pptx
@@ -1,15 +1,18 @@
 
 <file path=ppt/presentation.xml><?xml version="1.0" encoding="utf-8"?>
-<p:presentation xmlns:a="http://schemas.openxmlformats.org/drawingml/2006/main" xmlns:r="http://schemas.openxmlformats.org/officeDocument/2006/relationships" xmlns:p="http://schemas.openxmlformats.org/presentationml/2006/main" saveSubsetFonts="1">
+<p:presentation xmlns:p15="http://schemas.microsoft.com/office/powerpoint/2012/main" xmlns:a="http://schemas.openxmlformats.org/drawingml/2006/main" xmlns:r="http://schemas.openxmlformats.org/officeDocument/2006/relationships" xmlns:p="http://schemas.openxmlformats.org/presentationml/2006/main" saveSubsetFonts="1">
   <p:sldMasterIdLst>
     <p:sldMasterId id="2147483648" r:id="rId1"/>
   </p:sldMasterIdLst>
+  <p:notesMasterIdLst>
+    <p:notesMasterId r:id="rId5"/>
+  </p:notesMasterIdLst>
   <p:sldIdLst>
-    <p:sldId id="259" r:id="R1b1e255495d34414"/>
-    <p:sldId id="260" r:id="R4f5ae482b7874cd1"/>
-    <p:sldId id="261" r:id="R9f1118994565430f"/>
-    <p:sldId id="262" r:id="R4c144e1bc0644b3e"/>
-    <p:sldId id="263" r:id="R0385a5af4aee448f"/>
+    <p:sldId id="259" r:id="Rb12c4ff3e1b741a7"/>
+    <p:sldId id="260" r:id="R7051dbd55b7b4d5f"/>
+    <p:sldId id="261" r:id="Rfcbe3bfbd664476f"/>
+    <p:sldId id="262" r:id="R43e3afdaefc1499e"/>
+    <p:sldId id="263" r:id="Rcb80765e66da4a18"/>
   </p:sldIdLst>
   <p:sldSz cx="12192000" cy="6858000"/>
   <p:notesSz cx="6858000" cy="9144000"/>
@@ -108,7 +111,361 @@
       </a:defRPr>
     </a:lvl9pPr>
   </p:defaultTextStyle>
+  <p:extLst>
+    <p:ext uri="{EFAFB233-063F-42B5-8137-9DF3F51BA10A}">
+      <p15:sldGuideLst xmlns:p15="http://schemas.microsoft.com/office/powerpoint/2012/main"/>
+    </p:ext>
+  </p:extLst>
 </p:presentation>
+</file>
+
+<file path=ppt/notesMasters/notesMaster1.xml><?xml version="1.0" encoding="utf-8"?>
+<p:notesMaster xmlns:a="http://schemas.openxmlformats.org/drawingml/2006/main" xmlns:r="http://schemas.openxmlformats.org/officeDocument/2006/relationships" xmlns:p="http://schemas.openxmlformats.org/presentationml/2006/main">
+  <p:cSld>
+    <p:bg>
+      <p:bgRef idx="1001">
+        <a:schemeClr val="bg1"/>
+      </p:bgRef>
+    </p:bg>
+    <p:spTree>
+      <p:nvGrpSpPr>
+        <p:cNvPr id="1" name=""/>
+        <p:cNvGrpSpPr/>
+        <p:nvPr/>
+      </p:nvGrpSpPr>
+      <p:grpSpPr>
+        <a:xfrm>
+          <a:off x="0" y="0"/>
+          <a:ext cx="0" cy="0"/>
+          <a:chOff x="0" y="0"/>
+          <a:chExt cx="0" cy="0"/>
+        </a:xfrm>
+      </p:grpSpPr>
+      <p:sp>
+        <p:nvSpPr>
+          <p:cNvPr id="2" name="Верхний колонтитул 1"/>
+          <p:cNvSpPr>
+            <a:spLocks noGrp="1"/>
+          </p:cNvSpPr>
+          <p:nvPr>
+            <p:ph type="hdr" sz="quarter"/>
+          </p:nvPr>
+        </p:nvSpPr>
+        <p:spPr>
+          <a:xfrm>
+            <a:off x="0" y="0"/>
+            <a:ext cx="2971800" cy="458788"/>
+          </a:xfrm>
+          <a:prstGeom prst="rect">
+            <a:avLst/>
+          </a:prstGeom>
+        </p:spPr>
+        <p:txBody>
+          <a:bodyPr vert="horz" lIns="91440" tIns="45720" rIns="91440" bIns="45720" rtlCol="0"/>
+          <a:lstStyle>
+            <a:lvl1pPr algn="l">
+              <a:defRPr sz="1200"/>
+            </a:lvl1pPr>
+          </a:lstStyle>
+          <a:p>
+            <a:endParaRPr lang="ru-RU"/>
+          </a:p>
+        </p:txBody>
+      </p:sp>
+      <p:sp>
+        <p:nvSpPr>
+          <p:cNvPr id="3" name="Дата 2"/>
+          <p:cNvSpPr>
+            <a:spLocks noGrp="1"/>
+          </p:cNvSpPr>
+          <p:nvPr>
+            <p:ph type="dt" idx="1"/>
+          </p:nvPr>
+        </p:nvSpPr>
+        <p:spPr>
+          <a:xfrm>
+            <a:off x="3884613" y="0"/>
+            <a:ext cx="2971800" cy="458788"/>
+          </a:xfrm>
+          <a:prstGeom prst="rect">
+            <a:avLst/>
+          </a:prstGeom>
+        </p:spPr>
+        <p:txBody>
+          <a:bodyPr vert="horz" lIns="91440" tIns="45720" rIns="91440" bIns="45720" rtlCol="0"/>
+          <a:lstStyle>
+            <a:lvl1pPr algn="r">
+              <a:defRPr sz="1200"/>
+            </a:lvl1pPr>
+          </a:lstStyle>
+          <a:p>
+            <a:fld id="{96129386-331A-4479-A604-9D03FC98566D}" type="datetimeFigureOut">
+              <a:rPr lang="ru-RU" smtClean="0"/>
+              <a:t>28.12.2019</a:t>
+            </a:fld>
+            <a:endParaRPr lang="ru-RU"/>
+          </a:p>
+        </p:txBody>
+      </p:sp>
+      <p:sp>
+        <p:nvSpPr>
+          <p:cNvPr id="4" name="Образ слайда 3"/>
+          <p:cNvSpPr>
+            <a:spLocks noGrp="1" noRot="1" noChangeAspect="1"/>
+          </p:cNvSpPr>
+          <p:nvPr>
+            <p:ph type="sldImg" idx="2"/>
+          </p:nvPr>
+        </p:nvSpPr>
+        <p:spPr>
+          <a:xfrm>
+            <a:off x="685800" y="1143000"/>
+            <a:ext cx="5486400" cy="3086100"/>
+          </a:xfrm>
+          <a:prstGeom prst="rect">
+            <a:avLst/>
+          </a:prstGeom>
+          <a:noFill/>
+          <a:ln w="12700">
+            <a:solidFill>
+              <a:prstClr val="black"/>
+            </a:solidFill>
+          </a:ln>
+        </p:spPr>
+        <p:txBody>
+          <a:bodyPr vert="horz" lIns="91440" tIns="45720" rIns="91440" bIns="45720" rtlCol="0" anchor="ctr"/>
+          <a:lstStyle/>
+          <a:p>
+            <a:endParaRPr lang="ru-RU"/>
+          </a:p>
+        </p:txBody>
+      </p:sp>
+      <p:sp>
+        <p:nvSpPr>
+          <p:cNvPr id="5" name="Заметки 4"/>
+          <p:cNvSpPr>
+            <a:spLocks noGrp="1"/>
+          </p:cNvSpPr>
+          <p:nvPr>
+            <p:ph type="body" sz="quarter" idx="3"/>
+          </p:nvPr>
+        </p:nvSpPr>
+        <p:spPr>
+          <a:xfrm>
+            <a:off x="685800" y="4400550"/>
+            <a:ext cx="5486400" cy="3600450"/>
+          </a:xfrm>
+          <a:prstGeom prst="rect">
+            <a:avLst/>
+          </a:prstGeom>
+        </p:spPr>
+        <p:txBody>
+          <a:bodyPr vert="horz" lIns="91440" tIns="45720" rIns="91440" bIns="45720" rtlCol="0"/>
+          <a:lstStyle/>
+          <a:p>
+            <a:pPr lvl="0"/>
+            <a:r>
+              <a:rPr lang="ru-RU"/>
+              <a:t>Образец текста</a:t>
+            </a:r>
+          </a:p>
+          <a:p>
+            <a:pPr lvl="1"/>
+            <a:r>
+              <a:rPr lang="ru-RU"/>
+              <a:t>Второй уровень</a:t>
+            </a:r>
+          </a:p>
+          <a:p>
+            <a:pPr lvl="2"/>
+            <a:r>
+              <a:rPr lang="ru-RU"/>
+              <a:t>Третий уровень</a:t>
+            </a:r>
+          </a:p>
+          <a:p>
+            <a:pPr lvl="3"/>
+            <a:r>
+              <a:rPr lang="ru-RU"/>
+              <a:t>Четвертый уровень</a:t>
+            </a:r>
+          </a:p>
+          <a:p>
+            <a:pPr lvl="4"/>
+            <a:r>
+              <a:rPr lang="ru-RU"/>
+              <a:t>Пятый уровень</a:t>
+            </a:r>
+          </a:p>
+        </p:txBody>
+      </p:sp>
+      <p:sp>
+        <p:nvSpPr>
+          <p:cNvPr id="6" name="Нижний колонтитул 5"/>
+          <p:cNvSpPr>
+            <a:spLocks noGrp="1"/>
+          </p:cNvSpPr>
+          <p:nvPr>
+            <p:ph type="ftr" sz="quarter" idx="4"/>
+          </p:nvPr>
+        </p:nvSpPr>
+        <p:spPr>
+          <a:xfrm>
+            <a:off x="0" y="8685213"/>
+            <a:ext cx="2971800" cy="458787"/>
+          </a:xfrm>
+          <a:prstGeom prst="rect">
+            <a:avLst/>
+          </a:prstGeom>
+        </p:spPr>
+        <p:txBody>
+          <a:bodyPr vert="horz" lIns="91440" tIns="45720" rIns="91440" bIns="45720" rtlCol="0" anchor="b"/>
+          <a:lstStyle>
+            <a:lvl1pPr algn="l">
+              <a:defRPr sz="1200"/>
+            </a:lvl1pPr>
+          </a:lstStyle>
+          <a:p>
+            <a:endParaRPr lang="ru-RU"/>
+          </a:p>
+        </p:txBody>
+      </p:sp>
+      <p:sp>
+        <p:nvSpPr>
+          <p:cNvPr id="7" name="Номер слайда 6"/>
+          <p:cNvSpPr>
+            <a:spLocks noGrp="1"/>
+          </p:cNvSpPr>
+          <p:nvPr>
+            <p:ph type="sldNum" sz="quarter" idx="5"/>
+          </p:nvPr>
+        </p:nvSpPr>
+        <p:spPr>
+          <a:xfrm>
+            <a:off x="3884613" y="8685213"/>
+            <a:ext cx="2971800" cy="458787"/>
+          </a:xfrm>
+          <a:prstGeom prst="rect">
+            <a:avLst/>
+          </a:prstGeom>
+        </p:spPr>
+        <p:txBody>
+          <a:bodyPr vert="horz" lIns="91440" tIns="45720" rIns="91440" bIns="45720" rtlCol="0" anchor="b"/>
+          <a:lstStyle>
+            <a:lvl1pPr algn="r">
+              <a:defRPr sz="1200"/>
+            </a:lvl1pPr>
+          </a:lstStyle>
+          <a:p>
+            <a:fld id="{A37DEE16-F548-4413-93AF-486317A259E6}" type="slidenum">
+              <a:rPr lang="ru-RU" smtClean="0"/>
+              <a:t>‹#›</a:t>
+            </a:fld>
+            <a:endParaRPr lang="ru-RU"/>
+          </a:p>
+        </p:txBody>
+      </p:sp>
+    </p:spTree>
+    <p:extLst>
+      <p:ext uri="{BB962C8B-B14F-4D97-AF65-F5344CB8AC3E}">
+        <p14:creationId xmlns:p14="http://schemas.microsoft.com/office/powerpoint/2010/main" val="98294765"/>
+      </p:ext>
+    </p:extLst>
+  </p:cSld>
+  <p:clrMap bg1="lt1" tx1="dk1" bg2="lt2" tx2="dk2" accent1="accent1" accent2="accent2" accent3="accent3" accent4="accent4" accent5="accent5" accent6="accent6" hlink="hlink" folHlink="folHlink"/>
+  <p:notesStyle>
+    <a:lvl1pPr marL="0" algn="l" defTabSz="914400" rtl="0" eaLnBrk="1" latinLnBrk="0" hangingPunct="1">
+      <a:defRPr sz="1200" kern="1200">
+        <a:solidFill>
+          <a:schemeClr val="tx1"/>
+        </a:solidFill>
+        <a:latin typeface="+mn-lt"/>
+        <a:ea typeface="+mn-ea"/>
+        <a:cs typeface="+mn-cs"/>
+      </a:defRPr>
+    </a:lvl1pPr>
+    <a:lvl2pPr marL="457200" algn="l" defTabSz="914400" rtl="0" eaLnBrk="1" latinLnBrk="0" hangingPunct="1">
+      <a:defRPr sz="1200" kern="1200">
+        <a:solidFill>
+          <a:schemeClr val="tx1"/>
+        </a:solidFill>
+        <a:latin typeface="+mn-lt"/>
+        <a:ea typeface="+mn-ea"/>
+        <a:cs typeface="+mn-cs"/>
+      </a:defRPr>
+    </a:lvl2pPr>
+    <a:lvl3pPr marL="914400" algn="l" defTabSz="914400" rtl="0" eaLnBrk="1" latinLnBrk="0" hangingPunct="1">
+      <a:defRPr sz="1200" kern="1200">
+        <a:solidFill>
+          <a:schemeClr val="tx1"/>
+        </a:solidFill>
+        <a:latin typeface="+mn-lt"/>
+        <a:ea typeface="+mn-ea"/>
+        <a:cs typeface="+mn-cs"/>
+      </a:defRPr>
+    </a:lvl3pPr>
+    <a:lvl4pPr marL="1371600" algn="l" defTabSz="914400" rtl="0" eaLnBrk="1" latinLnBrk="0" hangingPunct="1">
+      <a:defRPr sz="1200" kern="1200">
+        <a:solidFill>
+          <a:schemeClr val="tx1"/>
+        </a:solidFill>
+        <a:latin typeface="+mn-lt"/>
+        <a:ea typeface="+mn-ea"/>
+        <a:cs typeface="+mn-cs"/>
+      </a:defRPr>
+    </a:lvl4pPr>
+    <a:lvl5pPr marL="1828800" algn="l" defTabSz="914400" rtl="0" eaLnBrk="1" latinLnBrk="0" hangingPunct="1">
+      <a:defRPr sz="1200" kern="1200">
+        <a:solidFill>
+          <a:schemeClr val="tx1"/>
+        </a:solidFill>
+        <a:latin typeface="+mn-lt"/>
+        <a:ea typeface="+mn-ea"/>
+        <a:cs typeface="+mn-cs"/>
+      </a:defRPr>
+    </a:lvl5pPr>
+    <a:lvl6pPr marL="2286000" algn="l" defTabSz="914400" rtl="0" eaLnBrk="1" latinLnBrk="0" hangingPunct="1">
+      <a:defRPr sz="1200" kern="1200">
+        <a:solidFill>
+          <a:schemeClr val="tx1"/>
+        </a:solidFill>
+        <a:latin typeface="+mn-lt"/>
+        <a:ea typeface="+mn-ea"/>
+        <a:cs typeface="+mn-cs"/>
+      </a:defRPr>
+    </a:lvl6pPr>
+    <a:lvl7pPr marL="2743200" algn="l" defTabSz="914400" rtl="0" eaLnBrk="1" latinLnBrk="0" hangingPunct="1">
+      <a:defRPr sz="1200" kern="1200">
+        <a:solidFill>
+          <a:schemeClr val="tx1"/>
+        </a:solidFill>
+        <a:latin typeface="+mn-lt"/>
+        <a:ea typeface="+mn-ea"/>
+        <a:cs typeface="+mn-cs"/>
+      </a:defRPr>
+    </a:lvl7pPr>
+    <a:lvl8pPr marL="3200400" algn="l" defTabSz="914400" rtl="0" eaLnBrk="1" latinLnBrk="0" hangingPunct="1">
+      <a:defRPr sz="1200" kern="1200">
+        <a:solidFill>
+          <a:schemeClr val="tx1"/>
+        </a:solidFill>
+        <a:latin typeface="+mn-lt"/>
+        <a:ea typeface="+mn-ea"/>
+        <a:cs typeface="+mn-cs"/>
+      </a:defRPr>
+    </a:lvl8pPr>
+    <a:lvl9pPr marL="3657600" algn="l" defTabSz="914400" rtl="0" eaLnBrk="1" latinLnBrk="0" hangingPunct="1">
+      <a:defRPr sz="1200" kern="1200">
+        <a:solidFill>
+          <a:schemeClr val="tx1"/>
+        </a:solidFill>
+        <a:latin typeface="+mn-lt"/>
+        <a:ea typeface="+mn-ea"/>
+        <a:cs typeface="+mn-cs"/>
+      </a:defRPr>
+    </a:lvl9pPr>
+  </p:notesStyle>
+</p:notesMaster>
 </file>
 
 <file path=ppt/slideLayouts/slideLayout1.xml><?xml version="1.0" encoding="utf-8"?>
@@ -258,7 +615,7 @@
           <a:p>
             <a:fld id="{60333C80-F893-47D7-9906-1E3D3180BB29}" type="datetimeFigureOut">
               <a:rPr lang="ru-RU" smtClean="0"/>
-              <a:t>27.12.2019</a:t>
+              <a:t>28.12.2019</a:t>
             </a:fld>
             <a:endParaRPr lang="ru-RU"/>
           </a:p>
@@ -456,7 +813,7 @@
           <a:p>
             <a:fld id="{60333C80-F893-47D7-9906-1E3D3180BB29}" type="datetimeFigureOut">
               <a:rPr lang="ru-RU" smtClean="0"/>
-              <a:t>27.12.2019</a:t>
+              <a:t>28.12.2019</a:t>
             </a:fld>
             <a:endParaRPr lang="ru-RU"/>
           </a:p>
@@ -664,7 +1021,7 @@
           <a:p>
             <a:fld id="{60333C80-F893-47D7-9906-1E3D3180BB29}" type="datetimeFigureOut">
               <a:rPr lang="ru-RU" smtClean="0"/>
-              <a:t>27.12.2019</a:t>
+              <a:t>28.12.2019</a:t>
             </a:fld>
             <a:endParaRPr lang="ru-RU"/>
           </a:p>
@@ -862,7 +1219,7 @@
           <a:p>
             <a:fld id="{60333C80-F893-47D7-9906-1E3D3180BB29}" type="datetimeFigureOut">
               <a:rPr lang="ru-RU" smtClean="0"/>
-              <a:t>27.12.2019</a:t>
+              <a:t>28.12.2019</a:t>
             </a:fld>
             <a:endParaRPr lang="ru-RU"/>
           </a:p>
@@ -1137,7 +1494,7 @@
           <a:p>
             <a:fld id="{60333C80-F893-47D7-9906-1E3D3180BB29}" type="datetimeFigureOut">
               <a:rPr lang="ru-RU" smtClean="0"/>
-              <a:t>27.12.2019</a:t>
+              <a:t>28.12.2019</a:t>
             </a:fld>
             <a:endParaRPr lang="ru-RU"/>
           </a:p>
@@ -1402,7 +1759,7 @@
           <a:p>
             <a:fld id="{60333C80-F893-47D7-9906-1E3D3180BB29}" type="datetimeFigureOut">
               <a:rPr lang="ru-RU" smtClean="0"/>
-              <a:t>27.12.2019</a:t>
+              <a:t>28.12.2019</a:t>
             </a:fld>
             <a:endParaRPr lang="ru-RU"/>
           </a:p>
@@ -1814,7 +2171,7 @@
           <a:p>
             <a:fld id="{60333C80-F893-47D7-9906-1E3D3180BB29}" type="datetimeFigureOut">
               <a:rPr lang="ru-RU" smtClean="0"/>
-              <a:t>27.12.2019</a:t>
+              <a:t>28.12.2019</a:t>
             </a:fld>
             <a:endParaRPr lang="ru-RU"/>
           </a:p>
@@ -1955,7 +2312,7 @@
           <a:p>
             <a:fld id="{60333C80-F893-47D7-9906-1E3D3180BB29}" type="datetimeFigureOut">
               <a:rPr lang="ru-RU" smtClean="0"/>
-              <a:t>27.12.2019</a:t>
+              <a:t>28.12.2019</a:t>
             </a:fld>
             <a:endParaRPr lang="ru-RU"/>
           </a:p>
@@ -2068,7 +2425,7 @@
           <a:p>
             <a:fld id="{60333C80-F893-47D7-9906-1E3D3180BB29}" type="datetimeFigureOut">
               <a:rPr lang="ru-RU" smtClean="0"/>
-              <a:t>27.12.2019</a:t>
+              <a:t>28.12.2019</a:t>
             </a:fld>
             <a:endParaRPr lang="ru-RU"/>
           </a:p>
@@ -2379,7 +2736,7 @@
           <a:p>
             <a:fld id="{60333C80-F893-47D7-9906-1E3D3180BB29}" type="datetimeFigureOut">
               <a:rPr lang="ru-RU" smtClean="0"/>
-              <a:t>27.12.2019</a:t>
+              <a:t>28.12.2019</a:t>
             </a:fld>
             <a:endParaRPr lang="ru-RU"/>
           </a:p>
@@ -2667,7 +3024,7 @@
           <a:p>
             <a:fld id="{60333C80-F893-47D7-9906-1E3D3180BB29}" type="datetimeFigureOut">
               <a:rPr lang="ru-RU" smtClean="0"/>
-              <a:t>27.12.2019</a:t>
+              <a:t>28.12.2019</a:t>
             </a:fld>
             <a:endParaRPr lang="ru-RU"/>
           </a:p>
@@ -2908,7 +3265,7 @@
           <a:p>
             <a:fld id="{60333C80-F893-47D7-9906-1E3D3180BB29}" type="datetimeFigureOut">
               <a:rPr lang="ru-RU" smtClean="0"/>
-              <a:t>27.12.2019</a:t>
+              <a:t>28.12.2019</a:t>
             </a:fld>
             <a:endParaRPr lang="ru-RU"/>
           </a:p>
@@ -3348,7 +3705,7 @@
           <a:p>
             <a:r>
               <a:rPr lang="en-US" dirty="0"/>
-              <a:t>Template test</a:t>
+              <a:t>Example</a:t>
             </a:r>
             <a:endParaRPr lang="ru-RU" dirty="0"/>
           </a:p>
@@ -3384,7 +3741,7 @@
                   </a:schemeClr>
                 </a:solidFill>
               </a:rPr>
-              <a:t>Date: 2019-12-28 14:11</a:t>
+              <a:t>Date: 28.12.2019 15:23</a:t>
             </a:r>
             <a:endParaRPr lang="ru-RU" dirty="0">
               <a:solidFill>
@@ -3452,7 +3809,21 @@
               <a:rPr lang="en-US" dirty="0"/>
               <a:t>Example</a:t>
             </a:r>
-            <a:endParaRPr lang="ru-RU" dirty="0"/>
+            <a:br>
+              <a:rPr lang="en-US" dirty="0"/>
+            </a:br>
+            <a:r>
+              <a:rPr lang="en-US" sz="2000" dirty="0">
+                <a:solidFill>
+                  <a:schemeClr val="tx1">
+                    <a:lumMod val="65000"/>
+                    <a:lumOff val="35000"/>
+                  </a:schemeClr>
+                </a:solidFill>
+              </a:rPr>
+              <a:t>28 December 2019</a:t>
+            </a:r>
+            <a:endParaRPr lang="ru-RU" sz="2000" dirty="0"/>
           </a:p>
         </p:txBody>
       </p:sp>
@@ -3597,7 +3968,7 @@
             <p:ph idx="1"/>
             <p:extLst>
               <p:ext uri="{D42A27DB-BD31-4B8C-83A1-F6EECF244321}">
-                <p14:modId xmlns:p14="http://schemas.microsoft.com/office/powerpoint/2010/main" val="2681652780"/>
+                <p14:modId xmlns:p14="http://schemas.microsoft.com/office/powerpoint/2010/main" val="832521566"/>
               </p:ext>
             </p:extLst>
           </p:nvPr>
@@ -3705,7 +4076,7 @@
                     <a:lstStyle/>
                     <a:p>
                       <a:r>
-                        <a:rPr lang="en-US"/>
+                        <a:rPr lang="en-US" dirty="0"/>
                         <a:t>emp1@company1.test</a:t>
                       </a:r>
                       <a:endParaRPr lang="ru-RU" dirty="0"/>
@@ -3720,7 +4091,7 @@
                     <a:p>
                       <a:r>
                         <a:rPr lang="en-US" dirty="0"/>
-                        <a:t>19 May 1985</a:t>
+                        <a:t>1988-09-14</a:t>
                       </a:r>
                       <a:endParaRPr lang="ru-RU" dirty="0"/>
                     </a:p>
@@ -3754,7 +4125,7 @@
                     <a:lstStyle/>
                     <a:p>
                       <a:r>
-                        <a:rPr lang="en-US"/>
+                        <a:rPr lang="en-US" dirty="0"/>
                         <a:t>emp2@company1.test</a:t>
                       </a:r>
                       <a:endParaRPr lang="ru-RU" dirty="0"/>
@@ -3769,7 +4140,7 @@
                     <a:p>
                       <a:r>
                         <a:rPr lang="en-US" dirty="0"/>
-                        <a:t>29 October 1988</a:t>
+                        <a:t>1997-06-27</a:t>
                       </a:r>
                       <a:endParaRPr lang="ru-RU" dirty="0"/>
                     </a:p>
@@ -3803,7 +4174,7 @@
                     <a:lstStyle/>
                     <a:p>
                       <a:r>
-                        <a:rPr lang="en-US"/>
+                        <a:rPr lang="en-US" dirty="0"/>
                         <a:t>emp3@company1.test</a:t>
                       </a:r>
                       <a:endParaRPr lang="ru-RU" dirty="0"/>
@@ -3818,7 +4189,7 @@
                     <a:p>
                       <a:r>
                         <a:rPr lang="en-US" dirty="0"/>
-                        <a:t>03 April 1996</a:t>
+                        <a:t>1988-01-11</a:t>
                       </a:r>
                       <a:endParaRPr lang="ru-RU" dirty="0"/>
                     </a:p>
@@ -3852,7 +4223,7 @@
                     <a:lstStyle/>
                     <a:p>
                       <a:r>
-                        <a:rPr lang="en-US"/>
+                        <a:rPr lang="en-US" dirty="0"/>
                         <a:t>emp4@company1.test</a:t>
                       </a:r>
                       <a:endParaRPr lang="ru-RU" dirty="0"/>
@@ -3867,7 +4238,7 @@
                     <a:p>
                       <a:r>
                         <a:rPr lang="en-US" dirty="0"/>
-                        <a:t>27 November 1991</a:t>
+                        <a:t>1981-11-19</a:t>
                       </a:r>
                       <a:endParaRPr lang="ru-RU" dirty="0"/>
                     </a:p>
@@ -3901,7 +4272,7 @@
                     <a:lstStyle/>
                     <a:p>
                       <a:r>
-                        <a:rPr lang="en-US"/>
+                        <a:rPr lang="en-US" dirty="0"/>
                         <a:t>emp5@company1.test</a:t>
                       </a:r>
                       <a:endParaRPr lang="ru-RU" dirty="0"/>
@@ -3916,203 +4287,7 @@
                     <a:p>
                       <a:r>
                         <a:rPr lang="en-US" dirty="0"/>
-                        <a:t>19 July 1996</a:t>
-                      </a:r>
-                      <a:endParaRPr lang="ru-RU" dirty="0"/>
-                    </a:p>
-                  </a:txBody>
-                  <a:tcPr/>
-                </a:tc>
-                <a:extLst>
-                  <a:ext uri="{0D108BD9-81ED-4DB2-BD59-A6C34878D82A}">
-                    <a16:rowId xmlns:a16="http://schemas.microsoft.com/office/drawing/2014/main" val="109181570"/>
-                  </a:ext>
-                </a:extLst>
-              </a:tr>
-              <a:tr h="370840">
-                <a:tc>
-                  <a:txBody>
-                    <a:bodyPr/>
-                    <a:lstStyle/>
-                    <a:p>
-                      <a:r>
-                        <a:rPr lang="en-US"/>
-                        <a:t>Employee #6</a:t>
-                      </a:r>
-                      <a:endParaRPr lang="ru-RU" dirty="0"/>
-                    </a:p>
-                  </a:txBody>
-                  <a:tcPr/>
-                </a:tc>
-                <a:tc>
-                  <a:txBody>
-                    <a:bodyPr/>
-                    <a:lstStyle/>
-                    <a:p>
-                      <a:r>
-                        <a:rPr lang="en-US"/>
-                        <a:t>emp6@company1.test</a:t>
-                      </a:r>
-                      <a:endParaRPr lang="ru-RU" dirty="0"/>
-                    </a:p>
-                  </a:txBody>
-                  <a:tcPr/>
-                </a:tc>
-                <a:tc>
-                  <a:txBody>
-                    <a:bodyPr/>
-                    <a:lstStyle/>
-                    <a:p>
-                      <a:r>
-                        <a:rPr lang="en-US" dirty="0"/>
-                        <a:t>15 October 1998</a:t>
-                      </a:r>
-                      <a:endParaRPr lang="ru-RU" dirty="0"/>
-                    </a:p>
-                  </a:txBody>
-                  <a:tcPr/>
-                </a:tc>
-                <a:extLst>
-                  <a:ext uri="{0D108BD9-81ED-4DB2-BD59-A6C34878D82A}">
-                    <a16:rowId xmlns:a16="http://schemas.microsoft.com/office/drawing/2014/main" val="109181570"/>
-                  </a:ext>
-                </a:extLst>
-              </a:tr>
-              <a:tr h="370840">
-                <a:tc>
-                  <a:txBody>
-                    <a:bodyPr/>
-                    <a:lstStyle/>
-                    <a:p>
-                      <a:r>
-                        <a:rPr lang="en-US"/>
-                        <a:t>Employee #7</a:t>
-                      </a:r>
-                      <a:endParaRPr lang="ru-RU" dirty="0"/>
-                    </a:p>
-                  </a:txBody>
-                  <a:tcPr/>
-                </a:tc>
-                <a:tc>
-                  <a:txBody>
-                    <a:bodyPr/>
-                    <a:lstStyle/>
-                    <a:p>
-                      <a:r>
-                        <a:rPr lang="en-US"/>
-                        <a:t>emp7@company1.test</a:t>
-                      </a:r>
-                      <a:endParaRPr lang="ru-RU" dirty="0"/>
-                    </a:p>
-                  </a:txBody>
-                  <a:tcPr/>
-                </a:tc>
-                <a:tc>
-                  <a:txBody>
-                    <a:bodyPr/>
-                    <a:lstStyle/>
-                    <a:p>
-                      <a:r>
-                        <a:rPr lang="en-US" dirty="0"/>
-                        <a:t>28 February 1996</a:t>
-                      </a:r>
-                      <a:endParaRPr lang="ru-RU" dirty="0"/>
-                    </a:p>
-                  </a:txBody>
-                  <a:tcPr/>
-                </a:tc>
-                <a:extLst>
-                  <a:ext uri="{0D108BD9-81ED-4DB2-BD59-A6C34878D82A}">
-                    <a16:rowId xmlns:a16="http://schemas.microsoft.com/office/drawing/2014/main" val="109181570"/>
-                  </a:ext>
-                </a:extLst>
-              </a:tr>
-              <a:tr h="370840">
-                <a:tc>
-                  <a:txBody>
-                    <a:bodyPr/>
-                    <a:lstStyle/>
-                    <a:p>
-                      <a:r>
-                        <a:rPr lang="en-US"/>
-                        <a:t>Employee #8</a:t>
-                      </a:r>
-                      <a:endParaRPr lang="ru-RU" dirty="0"/>
-                    </a:p>
-                  </a:txBody>
-                  <a:tcPr/>
-                </a:tc>
-                <a:tc>
-                  <a:txBody>
-                    <a:bodyPr/>
-                    <a:lstStyle/>
-                    <a:p>
-                      <a:r>
-                        <a:rPr lang="en-US"/>
-                        <a:t>emp8@company1.test</a:t>
-                      </a:r>
-                      <a:endParaRPr lang="ru-RU" dirty="0"/>
-                    </a:p>
-                  </a:txBody>
-                  <a:tcPr/>
-                </a:tc>
-                <a:tc>
-                  <a:txBody>
-                    <a:bodyPr/>
-                    <a:lstStyle/>
-                    <a:p>
-                      <a:r>
-                        <a:rPr lang="en-US" dirty="0"/>
-                        <a:t>02 February 1983</a:t>
-                      </a:r>
-                      <a:endParaRPr lang="ru-RU" dirty="0"/>
-                    </a:p>
-                  </a:txBody>
-                  <a:tcPr/>
-                </a:tc>
-                <a:extLst>
-                  <a:ext uri="{0D108BD9-81ED-4DB2-BD59-A6C34878D82A}">
-                    <a16:rowId xmlns:a16="http://schemas.microsoft.com/office/drawing/2014/main" val="109181570"/>
-                  </a:ext>
-                </a:extLst>
-              </a:tr>
-              <a:tr h="370840">
-                <a:tc>
-                  <a:txBody>
-                    <a:bodyPr/>
-                    <a:lstStyle/>
-                    <a:p>
-                      <a:r>
-                        <a:rPr lang="en-US"/>
-                        <a:t>Employee #9</a:t>
-                      </a:r>
-                      <a:endParaRPr lang="ru-RU" dirty="0"/>
-                    </a:p>
-                  </a:txBody>
-                  <a:tcPr/>
-                </a:tc>
-                <a:tc>
-                  <a:txBody>
-                    <a:bodyPr/>
-                    <a:lstStyle/>
-                    <a:p>
-                      <a:r>
-                        <a:rPr lang="en-US"/>
-                        <a:t>emp9@company1.test</a:t>
-                      </a:r>
-                      <a:endParaRPr lang="ru-RU" dirty="0"/>
-                    </a:p>
-                  </a:txBody>
-                  <a:tcPr/>
-                </a:tc>
-                <a:tc>
-                  <a:txBody>
-                    <a:bodyPr/>
-                    <a:lstStyle/>
-                    <a:p>
-                      <a:r>
-                        <a:rPr lang="en-US" dirty="0"/>
-                        <a:t>04 May 1981</a:t>
+                        <a:t>1986-09-14</a:t>
                       </a:r>
                       <a:endParaRPr lang="ru-RU" dirty="0"/>
                     </a:p>
@@ -4223,7 +4398,7 @@
             <p:ph idx="1"/>
             <p:extLst>
               <p:ext uri="{D42A27DB-BD31-4B8C-83A1-F6EECF244321}">
-                <p14:modId xmlns:p14="http://schemas.microsoft.com/office/powerpoint/2010/main" val="2681652780"/>
+                <p14:modId xmlns:p14="http://schemas.microsoft.com/office/powerpoint/2010/main" val="832521566"/>
               </p:ext>
             </p:extLst>
           </p:nvPr>
@@ -4331,7 +4506,7 @@
                     <a:lstStyle/>
                     <a:p>
                       <a:r>
-                        <a:rPr lang="en-US"/>
+                        <a:rPr lang="en-US" dirty="0"/>
                         <a:t>emp1@company2.test</a:t>
                       </a:r>
                       <a:endParaRPr lang="ru-RU" dirty="0"/>
@@ -4346,7 +4521,7 @@
                     <a:p>
                       <a:r>
                         <a:rPr lang="en-US" dirty="0"/>
-                        <a:t>02 April 1984</a:t>
+                        <a:t>1987-01-26</a:t>
                       </a:r>
                       <a:endParaRPr lang="ru-RU" dirty="0"/>
                     </a:p>
@@ -4380,7 +4555,7 @@
                     <a:lstStyle/>
                     <a:p>
                       <a:r>
-                        <a:rPr lang="en-US"/>
+                        <a:rPr lang="en-US" dirty="0"/>
                         <a:t>emp2@company2.test</a:t>
                       </a:r>
                       <a:endParaRPr lang="ru-RU" dirty="0"/>
@@ -4395,7 +4570,7 @@
                     <a:p>
                       <a:r>
                         <a:rPr lang="en-US" dirty="0"/>
-                        <a:t>26 March 1986</a:t>
+                        <a:t>1981-04-15</a:t>
                       </a:r>
                       <a:endParaRPr lang="ru-RU" dirty="0"/>
                     </a:p>
@@ -4429,7 +4604,7 @@
                     <a:lstStyle/>
                     <a:p>
                       <a:r>
-                        <a:rPr lang="en-US"/>
+                        <a:rPr lang="en-US" dirty="0"/>
                         <a:t>emp3@company2.test</a:t>
                       </a:r>
                       <a:endParaRPr lang="ru-RU" dirty="0"/>
@@ -4444,7 +4619,7 @@
                     <a:p>
                       <a:r>
                         <a:rPr lang="en-US" dirty="0"/>
-                        <a:t>15 April 1986</a:t>
+                        <a:t>1989-03-24</a:t>
                       </a:r>
                       <a:endParaRPr lang="ru-RU" dirty="0"/>
                     </a:p>
@@ -4478,7 +4653,7 @@
                     <a:lstStyle/>
                     <a:p>
                       <a:r>
-                        <a:rPr lang="en-US"/>
+                        <a:rPr lang="en-US" dirty="0"/>
                         <a:t>emp4@company2.test</a:t>
                       </a:r>
                       <a:endParaRPr lang="ru-RU" dirty="0"/>
@@ -4493,7 +4668,7 @@
                     <a:p>
                       <a:r>
                         <a:rPr lang="en-US" dirty="0"/>
-                        <a:t>08 August 1980</a:t>
+                        <a:t>1992-04-26</a:t>
                       </a:r>
                       <a:endParaRPr lang="ru-RU" dirty="0"/>
                     </a:p>
@@ -4527,7 +4702,7 @@
                     <a:lstStyle/>
                     <a:p>
                       <a:r>
-                        <a:rPr lang="en-US"/>
+                        <a:rPr lang="en-US" dirty="0"/>
                         <a:t>emp5@company2.test</a:t>
                       </a:r>
                       <a:endParaRPr lang="ru-RU" dirty="0"/>
@@ -4542,7 +4717,7 @@
                     <a:p>
                       <a:r>
                         <a:rPr lang="en-US" dirty="0"/>
-                        <a:t>30 November 1992</a:t>
+                        <a:t>1998-10-01</a:t>
                       </a:r>
                       <a:endParaRPr lang="ru-RU" dirty="0"/>
                     </a:p>
@@ -4576,7 +4751,7 @@
                     <a:lstStyle/>
                     <a:p>
                       <a:r>
-                        <a:rPr lang="en-US"/>
+                        <a:rPr lang="en-US" dirty="0"/>
                         <a:t>emp6@company2.test</a:t>
                       </a:r>
                       <a:endParaRPr lang="ru-RU" dirty="0"/>
@@ -4591,105 +4766,7 @@
                     <a:p>
                       <a:r>
                         <a:rPr lang="en-US" dirty="0"/>
-                        <a:t>17 June 1991</a:t>
-                      </a:r>
-                      <a:endParaRPr lang="ru-RU" dirty="0"/>
-                    </a:p>
-                  </a:txBody>
-                  <a:tcPr/>
-                </a:tc>
-                <a:extLst>
-                  <a:ext uri="{0D108BD9-81ED-4DB2-BD59-A6C34878D82A}">
-                    <a16:rowId xmlns:a16="http://schemas.microsoft.com/office/drawing/2014/main" val="109181570"/>
-                  </a:ext>
-                </a:extLst>
-              </a:tr>
-              <a:tr h="370840">
-                <a:tc>
-                  <a:txBody>
-                    <a:bodyPr/>
-                    <a:lstStyle/>
-                    <a:p>
-                      <a:r>
-                        <a:rPr lang="en-US"/>
-                        <a:t>Employee #7</a:t>
-                      </a:r>
-                      <a:endParaRPr lang="ru-RU" dirty="0"/>
-                    </a:p>
-                  </a:txBody>
-                  <a:tcPr/>
-                </a:tc>
-                <a:tc>
-                  <a:txBody>
-                    <a:bodyPr/>
-                    <a:lstStyle/>
-                    <a:p>
-                      <a:r>
-                        <a:rPr lang="en-US"/>
-                        <a:t>emp7@company2.test</a:t>
-                      </a:r>
-                      <a:endParaRPr lang="ru-RU" dirty="0"/>
-                    </a:p>
-                  </a:txBody>
-                  <a:tcPr/>
-                </a:tc>
-                <a:tc>
-                  <a:txBody>
-                    <a:bodyPr/>
-                    <a:lstStyle/>
-                    <a:p>
-                      <a:r>
-                        <a:rPr lang="en-US" dirty="0"/>
-                        <a:t>04 April 1983</a:t>
-                      </a:r>
-                      <a:endParaRPr lang="ru-RU" dirty="0"/>
-                    </a:p>
-                  </a:txBody>
-                  <a:tcPr/>
-                </a:tc>
-                <a:extLst>
-                  <a:ext uri="{0D108BD9-81ED-4DB2-BD59-A6C34878D82A}">
-                    <a16:rowId xmlns:a16="http://schemas.microsoft.com/office/drawing/2014/main" val="109181570"/>
-                  </a:ext>
-                </a:extLst>
-              </a:tr>
-              <a:tr h="370840">
-                <a:tc>
-                  <a:txBody>
-                    <a:bodyPr/>
-                    <a:lstStyle/>
-                    <a:p>
-                      <a:r>
-                        <a:rPr lang="en-US"/>
-                        <a:t>Employee #8</a:t>
-                      </a:r>
-                      <a:endParaRPr lang="ru-RU" dirty="0"/>
-                    </a:p>
-                  </a:txBody>
-                  <a:tcPr/>
-                </a:tc>
-                <a:tc>
-                  <a:txBody>
-                    <a:bodyPr/>
-                    <a:lstStyle/>
-                    <a:p>
-                      <a:r>
-                        <a:rPr lang="en-US"/>
-                        <a:t>emp8@company2.test</a:t>
-                      </a:r>
-                      <a:endParaRPr lang="ru-RU" dirty="0"/>
-                    </a:p>
-                  </a:txBody>
-                  <a:tcPr/>
-                </a:tc>
-                <a:tc>
-                  <a:txBody>
-                    <a:bodyPr/>
-                    <a:lstStyle/>
-                    <a:p>
-                      <a:r>
-                        <a:rPr lang="en-US" dirty="0"/>
-                        <a:t>02 August 1991</a:t>
+                        <a:t>1991-02-28</a:t>
                       </a:r>
                       <a:endParaRPr lang="ru-RU" dirty="0"/>
                     </a:p>
@@ -4800,7 +4877,7 @@
             <p:ph idx="1"/>
             <p:extLst>
               <p:ext uri="{D42A27DB-BD31-4B8C-83A1-F6EECF244321}">
-                <p14:modId xmlns:p14="http://schemas.microsoft.com/office/powerpoint/2010/main" val="2681652780"/>
+                <p14:modId xmlns:p14="http://schemas.microsoft.com/office/powerpoint/2010/main" val="832521566"/>
               </p:ext>
             </p:extLst>
           </p:nvPr>
@@ -4908,7 +4985,7 @@
                     <a:lstStyle/>
                     <a:p>
                       <a:r>
-                        <a:rPr lang="en-US"/>
+                        <a:rPr lang="en-US" dirty="0"/>
                         <a:t>emp1@company3.test</a:t>
                       </a:r>
                       <a:endParaRPr lang="ru-RU" dirty="0"/>
@@ -4923,7 +5000,7 @@
                     <a:p>
                       <a:r>
                         <a:rPr lang="en-US" dirty="0"/>
-                        <a:t>04 September 1991</a:t>
+                        <a:t>1997-01-06</a:t>
                       </a:r>
                       <a:endParaRPr lang="ru-RU" dirty="0"/>
                     </a:p>
@@ -4957,7 +5034,7 @@
                     <a:lstStyle/>
                     <a:p>
                       <a:r>
-                        <a:rPr lang="en-US"/>
+                        <a:rPr lang="en-US" dirty="0"/>
                         <a:t>emp2@company3.test</a:t>
                       </a:r>
                       <a:endParaRPr lang="ru-RU" dirty="0"/>
@@ -4972,7 +5049,7 @@
                     <a:p>
                       <a:r>
                         <a:rPr lang="en-US" dirty="0"/>
-                        <a:t>11 July 1986</a:t>
+                        <a:t>1998-06-22</a:t>
                       </a:r>
                       <a:endParaRPr lang="ru-RU" dirty="0"/>
                     </a:p>
@@ -5006,7 +5083,7 @@
                     <a:lstStyle/>
                     <a:p>
                       <a:r>
-                        <a:rPr lang="en-US"/>
+                        <a:rPr lang="en-US" dirty="0"/>
                         <a:t>emp3@company3.test</a:t>
                       </a:r>
                       <a:endParaRPr lang="ru-RU" dirty="0"/>
@@ -5021,7 +5098,7 @@
                     <a:p>
                       <a:r>
                         <a:rPr lang="en-US" dirty="0"/>
-                        <a:t>11 October 1989</a:t>
+                        <a:t>1983-06-06</a:t>
                       </a:r>
                       <a:endParaRPr lang="ru-RU" dirty="0"/>
                     </a:p>
@@ -5055,7 +5132,7 @@
                     <a:lstStyle/>
                     <a:p>
                       <a:r>
-                        <a:rPr lang="en-US"/>
+                        <a:rPr lang="en-US" dirty="0"/>
                         <a:t>emp4@company3.test</a:t>
                       </a:r>
                       <a:endParaRPr lang="ru-RU" dirty="0"/>
@@ -5070,7 +5147,7 @@
                     <a:p>
                       <a:r>
                         <a:rPr lang="en-US" dirty="0"/>
-                        <a:t>17 September 1981</a:t>
+                        <a:t>1995-09-13</a:t>
                       </a:r>
                       <a:endParaRPr lang="ru-RU" dirty="0"/>
                     </a:p>
@@ -5104,7 +5181,7 @@
                     <a:lstStyle/>
                     <a:p>
                       <a:r>
-                        <a:rPr lang="en-US"/>
+                        <a:rPr lang="en-US" dirty="0"/>
                         <a:t>emp5@company3.test</a:t>
                       </a:r>
                       <a:endParaRPr lang="ru-RU" dirty="0"/>
@@ -5119,7 +5196,7 @@
                     <a:p>
                       <a:r>
                         <a:rPr lang="en-US" dirty="0"/>
-                        <a:t>30 August 1992</a:t>
+                        <a:t>1998-08-06</a:t>
                       </a:r>
                       <a:endParaRPr lang="ru-RU" dirty="0"/>
                     </a:p>
@@ -5153,7 +5230,7 @@
                     <a:lstStyle/>
                     <a:p>
                       <a:r>
-                        <a:rPr lang="en-US"/>
+                        <a:rPr lang="en-US" dirty="0"/>
                         <a:t>emp6@company3.test</a:t>
                       </a:r>
                       <a:endParaRPr lang="ru-RU" dirty="0"/>
@@ -5168,203 +5245,7 @@
                     <a:p>
                       <a:r>
                         <a:rPr lang="en-US" dirty="0"/>
-                        <a:t>15 April 1984</a:t>
-                      </a:r>
-                      <a:endParaRPr lang="ru-RU" dirty="0"/>
-                    </a:p>
-                  </a:txBody>
-                  <a:tcPr/>
-                </a:tc>
-                <a:extLst>
-                  <a:ext uri="{0D108BD9-81ED-4DB2-BD59-A6C34878D82A}">
-                    <a16:rowId xmlns:a16="http://schemas.microsoft.com/office/drawing/2014/main" val="109181570"/>
-                  </a:ext>
-                </a:extLst>
-              </a:tr>
-              <a:tr h="370840">
-                <a:tc>
-                  <a:txBody>
-                    <a:bodyPr/>
-                    <a:lstStyle/>
-                    <a:p>
-                      <a:r>
-                        <a:rPr lang="en-US"/>
-                        <a:t>Employee #7</a:t>
-                      </a:r>
-                      <a:endParaRPr lang="ru-RU" dirty="0"/>
-                    </a:p>
-                  </a:txBody>
-                  <a:tcPr/>
-                </a:tc>
-                <a:tc>
-                  <a:txBody>
-                    <a:bodyPr/>
-                    <a:lstStyle/>
-                    <a:p>
-                      <a:r>
-                        <a:rPr lang="en-US"/>
-                        <a:t>emp7@company3.test</a:t>
-                      </a:r>
-                      <a:endParaRPr lang="ru-RU" dirty="0"/>
-                    </a:p>
-                  </a:txBody>
-                  <a:tcPr/>
-                </a:tc>
-                <a:tc>
-                  <a:txBody>
-                    <a:bodyPr/>
-                    <a:lstStyle/>
-                    <a:p>
-                      <a:r>
-                        <a:rPr lang="en-US" dirty="0"/>
-                        <a:t>17 September 1996</a:t>
-                      </a:r>
-                      <a:endParaRPr lang="ru-RU" dirty="0"/>
-                    </a:p>
-                  </a:txBody>
-                  <a:tcPr/>
-                </a:tc>
-                <a:extLst>
-                  <a:ext uri="{0D108BD9-81ED-4DB2-BD59-A6C34878D82A}">
-                    <a16:rowId xmlns:a16="http://schemas.microsoft.com/office/drawing/2014/main" val="109181570"/>
-                  </a:ext>
-                </a:extLst>
-              </a:tr>
-              <a:tr h="370840">
-                <a:tc>
-                  <a:txBody>
-                    <a:bodyPr/>
-                    <a:lstStyle/>
-                    <a:p>
-                      <a:r>
-                        <a:rPr lang="en-US"/>
-                        <a:t>Employee #8</a:t>
-                      </a:r>
-                      <a:endParaRPr lang="ru-RU" dirty="0"/>
-                    </a:p>
-                  </a:txBody>
-                  <a:tcPr/>
-                </a:tc>
-                <a:tc>
-                  <a:txBody>
-                    <a:bodyPr/>
-                    <a:lstStyle/>
-                    <a:p>
-                      <a:r>
-                        <a:rPr lang="en-US"/>
-                        <a:t>emp8@company3.test</a:t>
-                      </a:r>
-                      <a:endParaRPr lang="ru-RU" dirty="0"/>
-                    </a:p>
-                  </a:txBody>
-                  <a:tcPr/>
-                </a:tc>
-                <a:tc>
-                  <a:txBody>
-                    <a:bodyPr/>
-                    <a:lstStyle/>
-                    <a:p>
-                      <a:r>
-                        <a:rPr lang="en-US" dirty="0"/>
-                        <a:t>06 November 1989</a:t>
-                      </a:r>
-                      <a:endParaRPr lang="ru-RU" dirty="0"/>
-                    </a:p>
-                  </a:txBody>
-                  <a:tcPr/>
-                </a:tc>
-                <a:extLst>
-                  <a:ext uri="{0D108BD9-81ED-4DB2-BD59-A6C34878D82A}">
-                    <a16:rowId xmlns:a16="http://schemas.microsoft.com/office/drawing/2014/main" val="109181570"/>
-                  </a:ext>
-                </a:extLst>
-              </a:tr>
-              <a:tr h="370840">
-                <a:tc>
-                  <a:txBody>
-                    <a:bodyPr/>
-                    <a:lstStyle/>
-                    <a:p>
-                      <a:r>
-                        <a:rPr lang="en-US"/>
-                        <a:t>Employee #9</a:t>
-                      </a:r>
-                      <a:endParaRPr lang="ru-RU" dirty="0"/>
-                    </a:p>
-                  </a:txBody>
-                  <a:tcPr/>
-                </a:tc>
-                <a:tc>
-                  <a:txBody>
-                    <a:bodyPr/>
-                    <a:lstStyle/>
-                    <a:p>
-                      <a:r>
-                        <a:rPr lang="en-US"/>
-                        <a:t>emp9@company3.test</a:t>
-                      </a:r>
-                      <a:endParaRPr lang="ru-RU" dirty="0"/>
-                    </a:p>
-                  </a:txBody>
-                  <a:tcPr/>
-                </a:tc>
-                <a:tc>
-                  <a:txBody>
-                    <a:bodyPr/>
-                    <a:lstStyle/>
-                    <a:p>
-                      <a:r>
-                        <a:rPr lang="en-US" dirty="0"/>
-                        <a:t>17 July 1990</a:t>
-                      </a:r>
-                      <a:endParaRPr lang="ru-RU" dirty="0"/>
-                    </a:p>
-                  </a:txBody>
-                  <a:tcPr/>
-                </a:tc>
-                <a:extLst>
-                  <a:ext uri="{0D108BD9-81ED-4DB2-BD59-A6C34878D82A}">
-                    <a16:rowId xmlns:a16="http://schemas.microsoft.com/office/drawing/2014/main" val="109181570"/>
-                  </a:ext>
-                </a:extLst>
-              </a:tr>
-              <a:tr h="370840">
-                <a:tc>
-                  <a:txBody>
-                    <a:bodyPr/>
-                    <a:lstStyle/>
-                    <a:p>
-                      <a:r>
-                        <a:rPr lang="en-US"/>
-                        <a:t>Employee #10</a:t>
-                      </a:r>
-                      <a:endParaRPr lang="ru-RU" dirty="0"/>
-                    </a:p>
-                  </a:txBody>
-                  <a:tcPr/>
-                </a:tc>
-                <a:tc>
-                  <a:txBody>
-                    <a:bodyPr/>
-                    <a:lstStyle/>
-                    <a:p>
-                      <a:r>
-                        <a:rPr lang="en-US"/>
-                        <a:t>emp10@company3.test</a:t>
-                      </a:r>
-                      <a:endParaRPr lang="ru-RU" dirty="0"/>
-                    </a:p>
-                  </a:txBody>
-                  <a:tcPr/>
-                </a:tc>
-                <a:tc>
-                  <a:txBody>
-                    <a:bodyPr/>
-                    <a:lstStyle/>
-                    <a:p>
-                      <a:r>
-                        <a:rPr lang="en-US" dirty="0"/>
-                        <a:t>12 September 1984</a:t>
+                        <a:t>1990-08-16</a:t>
                       </a:r>
                       <a:endParaRPr lang="ru-RU" dirty="0"/>
                     </a:p>
@@ -5687,4 +5568,299 @@
     </a:ext>
   </a:extLst>
 </a:theme>
+</file>
+
+<file path=ppt/theme/theme2.xml><?xml version="1.0" encoding="utf-8"?>
+<a:theme xmlns:a="http://schemas.openxmlformats.org/drawingml/2006/main" name="Тема Office">
+  <a:themeElements>
+    <a:clrScheme name="Стандартная">
+      <a:dk1>
+        <a:sysClr val="windowText" lastClr="000000"/>
+      </a:dk1>
+      <a:lt1>
+        <a:sysClr val="window" lastClr="FFFFFF"/>
+      </a:lt1>
+      <a:dk2>
+        <a:srgbClr val="44546A"/>
+      </a:dk2>
+      <a:lt2>
+        <a:srgbClr val="E7E6E6"/>
+      </a:lt2>
+      <a:accent1>
+        <a:srgbClr val="4472C4"/>
+      </a:accent1>
+      <a:accent2>
+        <a:srgbClr val="ED7D31"/>
+      </a:accent2>
+      <a:accent3>
+        <a:srgbClr val="A5A5A5"/>
+      </a:accent3>
+      <a:accent4>
+        <a:srgbClr val="FFC000"/>
+      </a:accent4>
+      <a:accent5>
+        <a:srgbClr val="5B9BD5"/>
+      </a:accent5>
+      <a:accent6>
+        <a:srgbClr val="70AD47"/>
+      </a:accent6>
+      <a:hlink>
+        <a:srgbClr val="0563C1"/>
+      </a:hlink>
+      <a:folHlink>
+        <a:srgbClr val="954F72"/>
+      </a:folHlink>
+    </a:clrScheme>
+    <a:fontScheme name="Стандартная">
+      <a:majorFont>
+        <a:latin typeface="Calibri Light" panose="020F0302020204030204"/>
+        <a:ea typeface=""/>
+        <a:cs typeface=""/>
+        <a:font script="Jpan" typeface="游ゴシック Light"/>
+        <a:font script="Hang" typeface="맑은 고딕"/>
+        <a:font script="Hans" typeface="等线 Light"/>
+        <a:font script="Hant" typeface="新細明體"/>
+        <a:font script="Arab" typeface="Times New Roman"/>
+        <a:font script="Hebr" typeface="Times New Roman"/>
+        <a:font script="Thai" typeface="Angsana New"/>
+        <a:font script="Ethi" typeface="Nyala"/>
+        <a:font script="Beng" typeface="Vrinda"/>
+        <a:font script="Gujr" typeface="Shruti"/>
+        <a:font script="Khmr" typeface="MoolBoran"/>
+        <a:font script="Knda" typeface="Tunga"/>
+        <a:font script="Guru" typeface="Raavi"/>
+        <a:font script="Cans" typeface="Euphemia"/>
+        <a:font script="Cher" typeface="Plantagenet Cherokee"/>
+        <a:font script="Yiii" typeface="Microsoft Yi Baiti"/>
+        <a:font script="Tibt" typeface="Microsoft Himalaya"/>
+        <a:font script="Thaa" typeface="MV Boli"/>
+        <a:font script="Deva" typeface="Mangal"/>
+        <a:font script="Telu" typeface="Gautami"/>
+        <a:font script="Taml" typeface="Latha"/>
+        <a:font script="Syrc" typeface="Estrangelo Edessa"/>
+        <a:font script="Orya" typeface="Kalinga"/>
+        <a:font script="Mlym" typeface="Kartika"/>
+        <a:font script="Laoo" typeface="DokChampa"/>
+        <a:font script="Sinh" typeface="Iskoola Pota"/>
+        <a:font script="Mong" typeface="Mongolian Baiti"/>
+        <a:font script="Viet" typeface="Times New Roman"/>
+        <a:font script="Uigh" typeface="Microsoft Uighur"/>
+        <a:font script="Geor" typeface="Sylfaen"/>
+        <a:font script="Armn" typeface="Arial"/>
+        <a:font script="Bugi" typeface="Leelawadee UI"/>
+        <a:font script="Bopo" typeface="Microsoft JhengHei"/>
+        <a:font script="Java" typeface="Javanese Text"/>
+        <a:font script="Lisu" typeface="Segoe UI"/>
+        <a:font script="Mymr" typeface="Myanmar Text"/>
+        <a:font script="Nkoo" typeface="Ebrima"/>
+        <a:font script="Olck" typeface="Nirmala UI"/>
+        <a:font script="Osma" typeface="Ebrima"/>
+        <a:font script="Phag" typeface="Phagspa"/>
+        <a:font script="Syrn" typeface="Estrangelo Edessa"/>
+        <a:font script="Syrj" typeface="Estrangelo Edessa"/>
+        <a:font script="Syre" typeface="Estrangelo Edessa"/>
+        <a:font script="Sora" typeface="Nirmala UI"/>
+        <a:font script="Tale" typeface="Microsoft Tai Le"/>
+        <a:font script="Talu" typeface="Microsoft New Tai Lue"/>
+        <a:font script="Tfng" typeface="Ebrima"/>
+      </a:majorFont>
+      <a:minorFont>
+        <a:latin typeface="Calibri" panose="020F0502020204030204"/>
+        <a:ea typeface=""/>
+        <a:cs typeface=""/>
+        <a:font script="Jpan" typeface="游ゴシック"/>
+        <a:font script="Hang" typeface="맑은 고딕"/>
+        <a:font script="Hans" typeface="等线"/>
+        <a:font script="Hant" typeface="新細明體"/>
+        <a:font script="Arab" typeface="Arial"/>
+        <a:font script="Hebr" typeface="Arial"/>
+        <a:font script="Thai" typeface="Cordia New"/>
+        <a:font script="Ethi" typeface="Nyala"/>
+        <a:font script="Beng" typeface="Vrinda"/>
+        <a:font script="Gujr" typeface="Shruti"/>
+        <a:font script="Khmr" typeface="DaunPenh"/>
+        <a:font script="Knda" typeface="Tunga"/>
+        <a:font script="Guru" typeface="Raavi"/>
+        <a:font script="Cans" typeface="Euphemia"/>
+        <a:font script="Cher" typeface="Plantagenet Cherokee"/>
+        <a:font script="Yiii" typeface="Microsoft Yi Baiti"/>
+        <a:font script="Tibt" typeface="Microsoft Himalaya"/>
+        <a:font script="Thaa" typeface="MV Boli"/>
+        <a:font script="Deva" typeface="Mangal"/>
+        <a:font script="Telu" typeface="Gautami"/>
+        <a:font script="Taml" typeface="Latha"/>
+        <a:font script="Syrc" typeface="Estrangelo Edessa"/>
+        <a:font script="Orya" typeface="Kalinga"/>
+        <a:font script="Mlym" typeface="Kartika"/>
+        <a:font script="Laoo" typeface="DokChampa"/>
+        <a:font script="Sinh" typeface="Iskoola Pota"/>
+        <a:font script="Mong" typeface="Mongolian Baiti"/>
+        <a:font script="Viet" typeface="Arial"/>
+        <a:font script="Uigh" typeface="Microsoft Uighur"/>
+        <a:font script="Geor" typeface="Sylfaen"/>
+        <a:font script="Armn" typeface="Arial"/>
+        <a:font script="Bugi" typeface="Leelawadee UI"/>
+        <a:font script="Bopo" typeface="Microsoft JhengHei"/>
+        <a:font script="Java" typeface="Javanese Text"/>
+        <a:font script="Lisu" typeface="Segoe UI"/>
+        <a:font script="Mymr" typeface="Myanmar Text"/>
+        <a:font script="Nkoo" typeface="Ebrima"/>
+        <a:font script="Olck" typeface="Nirmala UI"/>
+        <a:font script="Osma" typeface="Ebrima"/>
+        <a:font script="Phag" typeface="Phagspa"/>
+        <a:font script="Syrn" typeface="Estrangelo Edessa"/>
+        <a:font script="Syrj" typeface="Estrangelo Edessa"/>
+        <a:font script="Syre" typeface="Estrangelo Edessa"/>
+        <a:font script="Sora" typeface="Nirmala UI"/>
+        <a:font script="Tale" typeface="Microsoft Tai Le"/>
+        <a:font script="Talu" typeface="Microsoft New Tai Lue"/>
+        <a:font script="Tfng" typeface="Ebrima"/>
+      </a:minorFont>
+    </a:fontScheme>
+    <a:fmtScheme name="Стандартная">
+      <a:fillStyleLst>
+        <a:solidFill>
+          <a:schemeClr val="phClr"/>
+        </a:solidFill>
+        <a:gradFill rotWithShape="1">
+          <a:gsLst>
+            <a:gs pos="0">
+              <a:schemeClr val="phClr">
+                <a:lumMod val="110000"/>
+                <a:satMod val="105000"/>
+                <a:tint val="67000"/>
+              </a:schemeClr>
+            </a:gs>
+            <a:gs pos="50000">
+              <a:schemeClr val="phClr">
+                <a:lumMod val="105000"/>
+                <a:satMod val="103000"/>
+                <a:tint val="73000"/>
+              </a:schemeClr>
+            </a:gs>
+            <a:gs pos="100000">
+              <a:schemeClr val="phClr">
+                <a:lumMod val="105000"/>
+                <a:satMod val="109000"/>
+                <a:tint val="81000"/>
+              </a:schemeClr>
+            </a:gs>
+          </a:gsLst>
+          <a:lin ang="5400000" scaled="0"/>
+        </a:gradFill>
+        <a:gradFill rotWithShape="1">
+          <a:gsLst>
+            <a:gs pos="0">
+              <a:schemeClr val="phClr">
+                <a:satMod val="103000"/>
+                <a:lumMod val="102000"/>
+                <a:tint val="94000"/>
+              </a:schemeClr>
+            </a:gs>
+            <a:gs pos="50000">
+              <a:schemeClr val="phClr">
+                <a:satMod val="110000"/>
+                <a:lumMod val="100000"/>
+                <a:shade val="100000"/>
+              </a:schemeClr>
+            </a:gs>
+            <a:gs pos="100000">
+              <a:schemeClr val="phClr">
+                <a:lumMod val="99000"/>
+                <a:satMod val="120000"/>
+                <a:shade val="78000"/>
+              </a:schemeClr>
+            </a:gs>
+          </a:gsLst>
+          <a:lin ang="5400000" scaled="0"/>
+        </a:gradFill>
+      </a:fillStyleLst>
+      <a:lnStyleLst>
+        <a:ln w="6350" cap="flat" cmpd="sng" algn="ctr">
+          <a:solidFill>
+            <a:schemeClr val="phClr"/>
+          </a:solidFill>
+          <a:prstDash val="solid"/>
+          <a:miter lim="800000"/>
+        </a:ln>
+        <a:ln w="12700" cap="flat" cmpd="sng" algn="ctr">
+          <a:solidFill>
+            <a:schemeClr val="phClr"/>
+          </a:solidFill>
+          <a:prstDash val="solid"/>
+          <a:miter lim="800000"/>
+        </a:ln>
+        <a:ln w="19050" cap="flat" cmpd="sng" algn="ctr">
+          <a:solidFill>
+            <a:schemeClr val="phClr"/>
+          </a:solidFill>
+          <a:prstDash val="solid"/>
+          <a:miter lim="800000"/>
+        </a:ln>
+      </a:lnStyleLst>
+      <a:effectStyleLst>
+        <a:effectStyle>
+          <a:effectLst/>
+        </a:effectStyle>
+        <a:effectStyle>
+          <a:effectLst/>
+        </a:effectStyle>
+        <a:effectStyle>
+          <a:effectLst>
+            <a:outerShdw blurRad="57150" dist="19050" dir="5400000" algn="ctr" rotWithShape="0">
+              <a:srgbClr val="000000">
+                <a:alpha val="63000"/>
+              </a:srgbClr>
+            </a:outerShdw>
+          </a:effectLst>
+        </a:effectStyle>
+      </a:effectStyleLst>
+      <a:bgFillStyleLst>
+        <a:solidFill>
+          <a:schemeClr val="phClr"/>
+        </a:solidFill>
+        <a:solidFill>
+          <a:schemeClr val="phClr">
+            <a:tint val="95000"/>
+            <a:satMod val="170000"/>
+          </a:schemeClr>
+        </a:solidFill>
+        <a:gradFill rotWithShape="1">
+          <a:gsLst>
+            <a:gs pos="0">
+              <a:schemeClr val="phClr">
+                <a:tint val="93000"/>
+                <a:satMod val="150000"/>
+                <a:shade val="98000"/>
+                <a:lumMod val="102000"/>
+              </a:schemeClr>
+            </a:gs>
+            <a:gs pos="50000">
+              <a:schemeClr val="phClr">
+                <a:tint val="98000"/>
+                <a:satMod val="130000"/>
+                <a:shade val="90000"/>
+                <a:lumMod val="103000"/>
+              </a:schemeClr>
+            </a:gs>
+            <a:gs pos="100000">
+              <a:schemeClr val="phClr">
+                <a:shade val="63000"/>
+                <a:satMod val="120000"/>
+              </a:schemeClr>
+            </a:gs>
+          </a:gsLst>
+          <a:lin ang="5400000" scaled="0"/>
+        </a:gradFill>
+      </a:bgFillStyleLst>
+    </a:fmtScheme>
+  </a:themeElements>
+  <a:objectDefaults/>
+  <a:extraClrSchemeLst/>
+  <a:extLst>
+    <a:ext uri="{05A4C25C-085E-4340-85A3-A5531E510DB2}">
+      <thm15:themeFamily xmlns:thm15="http://schemas.microsoft.com/office/thememl/2012/main" name="Office Theme" id="{62F939B6-93AF-4DB8-9C6B-D6C7DFDC589F}" vid="{4A3C46E8-61CC-4603-A589-7422A47A8E4A}"/>
+    </a:ext>
+  </a:extLst>
+</a:theme>
 </file>
--- a/Test/Presentations/template_result.pptx
+++ b/Test/Presentations/template_result.pptx
@@ -8,11 +8,11 @@
     <p:notesMasterId r:id="rId5"/>
   </p:notesMasterIdLst>
   <p:sldIdLst>
-    <p:sldId id="259" r:id="Rb12c4ff3e1b741a7"/>
-    <p:sldId id="260" r:id="R7051dbd55b7b4d5f"/>
-    <p:sldId id="261" r:id="Rfcbe3bfbd664476f"/>
-    <p:sldId id="262" r:id="R43e3afdaefc1499e"/>
-    <p:sldId id="263" r:id="Rcb80765e66da4a18"/>
+    <p:sldId id="259" r:id="R5a517fe6994543d6"/>
+    <p:sldId id="260" r:id="R62388fc8e0f14063"/>
+    <p:sldId id="261" r:id="R57a2da2472dd482b"/>
+    <p:sldId id="262" r:id="R213dcefe0aeb4460"/>
+    <p:sldId id="263" r:id="R1cdcbd12416b427b"/>
   </p:sldIdLst>
   <p:sldSz cx="12192000" cy="6858000"/>
   <p:notesSz cx="6858000" cy="9144000"/>
@@ -3741,7 +3741,7 @@
                   </a:schemeClr>
                 </a:solidFill>
               </a:rPr>
-              <a:t>Date: 28.12.2019 15:23</a:t>
+              <a:t>Date: 29.12.2019 09:02</a:t>
             </a:r>
             <a:endParaRPr lang="ru-RU" dirty="0">
               <a:solidFill>
@@ -3821,7 +3821,7 @@
                   </a:schemeClr>
                 </a:solidFill>
               </a:rPr>
-              <a:t>28 December 2019</a:t>
+              <a:t>29 December 2019</a:t>
             </a:r>
             <a:endParaRPr lang="ru-RU" sz="2000" dirty="0"/>
           </a:p>
@@ -4091,7 +4091,7 @@
                     <a:p>
                       <a:r>
                         <a:rPr lang="en-US" dirty="0"/>
-                        <a:t>1988-09-14</a:t>
+                        <a:t>1997-08-16</a:t>
                       </a:r>
                       <a:endParaRPr lang="ru-RU" dirty="0"/>
                     </a:p>
@@ -4140,7 +4140,7 @@
                     <a:p>
                       <a:r>
                         <a:rPr lang="en-US" dirty="0"/>
-                        <a:t>1997-06-27</a:t>
+                        <a:t>1986-04-09</a:t>
                       </a:r>
                       <a:endParaRPr lang="ru-RU" dirty="0"/>
                     </a:p>
@@ -4189,7 +4189,7 @@
                     <a:p>
                       <a:r>
                         <a:rPr lang="en-US" dirty="0"/>
-                        <a:t>1988-01-11</a:t>
+                        <a:t>1997-06-22</a:t>
                       </a:r>
                       <a:endParaRPr lang="ru-RU" dirty="0"/>
                     </a:p>
@@ -4238,7 +4238,7 @@
                     <a:p>
                       <a:r>
                         <a:rPr lang="en-US" dirty="0"/>
-                        <a:t>1981-11-19</a:t>
+                        <a:t>1999-11-03</a:t>
                       </a:r>
                       <a:endParaRPr lang="ru-RU" dirty="0"/>
                     </a:p>
@@ -4287,7 +4287,7 @@
                     <a:p>
                       <a:r>
                         <a:rPr lang="en-US" dirty="0"/>
-                        <a:t>1986-09-14</a:t>
+                        <a:t>1996-01-14</a:t>
                       </a:r>
                       <a:endParaRPr lang="ru-RU" dirty="0"/>
                     </a:p>
@@ -4521,7 +4521,7 @@
                     <a:p>
                       <a:r>
                         <a:rPr lang="en-US" dirty="0"/>
-                        <a:t>1987-01-26</a:t>
+                        <a:t>1981-08-16</a:t>
                       </a:r>
                       <a:endParaRPr lang="ru-RU" dirty="0"/>
                     </a:p>
@@ -4570,7 +4570,7 @@
                     <a:p>
                       <a:r>
                         <a:rPr lang="en-US" dirty="0"/>
-                        <a:t>1981-04-15</a:t>
+                        <a:t>1989-09-06</a:t>
                       </a:r>
                       <a:endParaRPr lang="ru-RU" dirty="0"/>
                     </a:p>
@@ -4619,7 +4619,7 @@
                     <a:p>
                       <a:r>
                         <a:rPr lang="en-US" dirty="0"/>
-                        <a:t>1989-03-24</a:t>
+                        <a:t>1997-10-22</a:t>
                       </a:r>
                       <a:endParaRPr lang="ru-RU" dirty="0"/>
                     </a:p>
@@ -4668,7 +4668,7 @@
                     <a:p>
                       <a:r>
                         <a:rPr lang="en-US" dirty="0"/>
-                        <a:t>1992-04-26</a:t>
+                        <a:t>1997-01-16</a:t>
                       </a:r>
                       <a:endParaRPr lang="ru-RU" dirty="0"/>
                     </a:p>
@@ -4717,7 +4717,7 @@
                     <a:p>
                       <a:r>
                         <a:rPr lang="en-US" dirty="0"/>
-                        <a:t>1998-10-01</a:t>
+                        <a:t>1983-04-27</a:t>
                       </a:r>
                       <a:endParaRPr lang="ru-RU" dirty="0"/>
                     </a:p>
@@ -4766,7 +4766,252 @@
                     <a:p>
                       <a:r>
                         <a:rPr lang="en-US" dirty="0"/>
-                        <a:t>1991-02-28</a:t>
+                        <a:t>1995-03-27</a:t>
+                      </a:r>
+                      <a:endParaRPr lang="ru-RU" dirty="0"/>
+                    </a:p>
+                  </a:txBody>
+                  <a:tcPr/>
+                </a:tc>
+                <a:extLst>
+                  <a:ext uri="{0D108BD9-81ED-4DB2-BD59-A6C34878D82A}">
+                    <a16:rowId xmlns:a16="http://schemas.microsoft.com/office/drawing/2014/main" val="109181570"/>
+                  </a:ext>
+                </a:extLst>
+              </a:tr>
+              <a:tr h="370840">
+                <a:tc>
+                  <a:txBody>
+                    <a:bodyPr/>
+                    <a:lstStyle/>
+                    <a:p>
+                      <a:r>
+                        <a:rPr lang="en-US"/>
+                        <a:t>Employee #7</a:t>
+                      </a:r>
+                      <a:endParaRPr lang="ru-RU" dirty="0"/>
+                    </a:p>
+                  </a:txBody>
+                  <a:tcPr/>
+                </a:tc>
+                <a:tc>
+                  <a:txBody>
+                    <a:bodyPr/>
+                    <a:lstStyle/>
+                    <a:p>
+                      <a:r>
+                        <a:rPr lang="en-US" dirty="0"/>
+                        <a:t>emp7@company2.test</a:t>
+                      </a:r>
+                      <a:endParaRPr lang="ru-RU" dirty="0"/>
+                    </a:p>
+                  </a:txBody>
+                  <a:tcPr/>
+                </a:tc>
+                <a:tc>
+                  <a:txBody>
+                    <a:bodyPr/>
+                    <a:lstStyle/>
+                    <a:p>
+                      <a:r>
+                        <a:rPr lang="en-US" dirty="0"/>
+                        <a:t>1994-03-02</a:t>
+                      </a:r>
+                      <a:endParaRPr lang="ru-RU" dirty="0"/>
+                    </a:p>
+                  </a:txBody>
+                  <a:tcPr/>
+                </a:tc>
+                <a:extLst>
+                  <a:ext uri="{0D108BD9-81ED-4DB2-BD59-A6C34878D82A}">
+                    <a16:rowId xmlns:a16="http://schemas.microsoft.com/office/drawing/2014/main" val="109181570"/>
+                  </a:ext>
+                </a:extLst>
+              </a:tr>
+              <a:tr h="370840">
+                <a:tc>
+                  <a:txBody>
+                    <a:bodyPr/>
+                    <a:lstStyle/>
+                    <a:p>
+                      <a:r>
+                        <a:rPr lang="en-US"/>
+                        <a:t>Employee #8</a:t>
+                      </a:r>
+                      <a:endParaRPr lang="ru-RU" dirty="0"/>
+                    </a:p>
+                  </a:txBody>
+                  <a:tcPr/>
+                </a:tc>
+                <a:tc>
+                  <a:txBody>
+                    <a:bodyPr/>
+                    <a:lstStyle/>
+                    <a:p>
+                      <a:r>
+                        <a:rPr lang="en-US" dirty="0"/>
+                        <a:t>emp8@company2.test</a:t>
+                      </a:r>
+                      <a:endParaRPr lang="ru-RU" dirty="0"/>
+                    </a:p>
+                  </a:txBody>
+                  <a:tcPr/>
+                </a:tc>
+                <a:tc>
+                  <a:txBody>
+                    <a:bodyPr/>
+                    <a:lstStyle/>
+                    <a:p>
+                      <a:r>
+                        <a:rPr lang="en-US" dirty="0"/>
+                        <a:t>1999-05-29</a:t>
+                      </a:r>
+                      <a:endParaRPr lang="ru-RU" dirty="0"/>
+                    </a:p>
+                  </a:txBody>
+                  <a:tcPr/>
+                </a:tc>
+                <a:extLst>
+                  <a:ext uri="{0D108BD9-81ED-4DB2-BD59-A6C34878D82A}">
+                    <a16:rowId xmlns:a16="http://schemas.microsoft.com/office/drawing/2014/main" val="109181570"/>
+                  </a:ext>
+                </a:extLst>
+              </a:tr>
+              <a:tr h="370840">
+                <a:tc>
+                  <a:txBody>
+                    <a:bodyPr/>
+                    <a:lstStyle/>
+                    <a:p>
+                      <a:r>
+                        <a:rPr lang="en-US"/>
+                        <a:t>Employee #9</a:t>
+                      </a:r>
+                      <a:endParaRPr lang="ru-RU" dirty="0"/>
+                    </a:p>
+                  </a:txBody>
+                  <a:tcPr/>
+                </a:tc>
+                <a:tc>
+                  <a:txBody>
+                    <a:bodyPr/>
+                    <a:lstStyle/>
+                    <a:p>
+                      <a:r>
+                        <a:rPr lang="en-US" dirty="0"/>
+                        <a:t>emp9@company2.test</a:t>
+                      </a:r>
+                      <a:endParaRPr lang="ru-RU" dirty="0"/>
+                    </a:p>
+                  </a:txBody>
+                  <a:tcPr/>
+                </a:tc>
+                <a:tc>
+                  <a:txBody>
+                    <a:bodyPr/>
+                    <a:lstStyle/>
+                    <a:p>
+                      <a:r>
+                        <a:rPr lang="en-US" dirty="0"/>
+                        <a:t>1982-01-24</a:t>
+                      </a:r>
+                      <a:endParaRPr lang="ru-RU" dirty="0"/>
+                    </a:p>
+                  </a:txBody>
+                  <a:tcPr/>
+                </a:tc>
+                <a:extLst>
+                  <a:ext uri="{0D108BD9-81ED-4DB2-BD59-A6C34878D82A}">
+                    <a16:rowId xmlns:a16="http://schemas.microsoft.com/office/drawing/2014/main" val="109181570"/>
+                  </a:ext>
+                </a:extLst>
+              </a:tr>
+              <a:tr h="370840">
+                <a:tc>
+                  <a:txBody>
+                    <a:bodyPr/>
+                    <a:lstStyle/>
+                    <a:p>
+                      <a:r>
+                        <a:rPr lang="en-US"/>
+                        <a:t>Employee #10</a:t>
+                      </a:r>
+                      <a:endParaRPr lang="ru-RU" dirty="0"/>
+                    </a:p>
+                  </a:txBody>
+                  <a:tcPr/>
+                </a:tc>
+                <a:tc>
+                  <a:txBody>
+                    <a:bodyPr/>
+                    <a:lstStyle/>
+                    <a:p>
+                      <a:r>
+                        <a:rPr lang="en-US" dirty="0"/>
+                        <a:t>emp10@company2.test</a:t>
+                      </a:r>
+                      <a:endParaRPr lang="ru-RU" dirty="0"/>
+                    </a:p>
+                  </a:txBody>
+                  <a:tcPr/>
+                </a:tc>
+                <a:tc>
+                  <a:txBody>
+                    <a:bodyPr/>
+                    <a:lstStyle/>
+                    <a:p>
+                      <a:r>
+                        <a:rPr lang="en-US" dirty="0"/>
+                        <a:t>1990-01-21</a:t>
+                      </a:r>
+                      <a:endParaRPr lang="ru-RU" dirty="0"/>
+                    </a:p>
+                  </a:txBody>
+                  <a:tcPr/>
+                </a:tc>
+                <a:extLst>
+                  <a:ext uri="{0D108BD9-81ED-4DB2-BD59-A6C34878D82A}">
+                    <a16:rowId xmlns:a16="http://schemas.microsoft.com/office/drawing/2014/main" val="109181570"/>
+                  </a:ext>
+                </a:extLst>
+              </a:tr>
+              <a:tr h="370840">
+                <a:tc>
+                  <a:txBody>
+                    <a:bodyPr/>
+                    <a:lstStyle/>
+                    <a:p>
+                      <a:r>
+                        <a:rPr lang="en-US"/>
+                        <a:t>Employee #11</a:t>
+                      </a:r>
+                      <a:endParaRPr lang="ru-RU" dirty="0"/>
+                    </a:p>
+                  </a:txBody>
+                  <a:tcPr/>
+                </a:tc>
+                <a:tc>
+                  <a:txBody>
+                    <a:bodyPr/>
+                    <a:lstStyle/>
+                    <a:p>
+                      <a:r>
+                        <a:rPr lang="en-US" dirty="0"/>
+                        <a:t>emp11@company2.test</a:t>
+                      </a:r>
+                      <a:endParaRPr lang="ru-RU" dirty="0"/>
+                    </a:p>
+                  </a:txBody>
+                  <a:tcPr/>
+                </a:tc>
+                <a:tc>
+                  <a:txBody>
+                    <a:bodyPr/>
+                    <a:lstStyle/>
+                    <a:p>
+                      <a:r>
+                        <a:rPr lang="en-US" dirty="0"/>
+                        <a:t>1997-03-15</a:t>
                       </a:r>
                       <a:endParaRPr lang="ru-RU" dirty="0"/>
                     </a:p>
@@ -5000,7 +5245,7 @@
                     <a:p>
                       <a:r>
                         <a:rPr lang="en-US" dirty="0"/>
-                        <a:t>1997-01-06</a:t>
+                        <a:t>1988-10-03</a:t>
                       </a:r>
                       <a:endParaRPr lang="ru-RU" dirty="0"/>
                     </a:p>
@@ -5049,7 +5294,7 @@
                     <a:p>
                       <a:r>
                         <a:rPr lang="en-US" dirty="0"/>
-                        <a:t>1998-06-22</a:t>
+                        <a:t>1980-05-21</a:t>
                       </a:r>
                       <a:endParaRPr lang="ru-RU" dirty="0"/>
                     </a:p>
@@ -5098,7 +5343,7 @@
                     <a:p>
                       <a:r>
                         <a:rPr lang="en-US" dirty="0"/>
-                        <a:t>1983-06-06</a:t>
+                        <a:t>1996-07-19</a:t>
                       </a:r>
                       <a:endParaRPr lang="ru-RU" dirty="0"/>
                     </a:p>
@@ -5147,105 +5392,7 @@
                     <a:p>
                       <a:r>
                         <a:rPr lang="en-US" dirty="0"/>
-                        <a:t>1995-09-13</a:t>
-                      </a:r>
-                      <a:endParaRPr lang="ru-RU" dirty="0"/>
-                    </a:p>
-                  </a:txBody>
-                  <a:tcPr/>
-                </a:tc>
-                <a:extLst>
-                  <a:ext uri="{0D108BD9-81ED-4DB2-BD59-A6C34878D82A}">
-                    <a16:rowId xmlns:a16="http://schemas.microsoft.com/office/drawing/2014/main" val="109181570"/>
-                  </a:ext>
-                </a:extLst>
-              </a:tr>
-              <a:tr h="370840">
-                <a:tc>
-                  <a:txBody>
-                    <a:bodyPr/>
-                    <a:lstStyle/>
-                    <a:p>
-                      <a:r>
-                        <a:rPr lang="en-US"/>
-                        <a:t>Employee #5</a:t>
-                      </a:r>
-                      <a:endParaRPr lang="ru-RU" dirty="0"/>
-                    </a:p>
-                  </a:txBody>
-                  <a:tcPr/>
-                </a:tc>
-                <a:tc>
-                  <a:txBody>
-                    <a:bodyPr/>
-                    <a:lstStyle/>
-                    <a:p>
-                      <a:r>
-                        <a:rPr lang="en-US" dirty="0"/>
-                        <a:t>emp5@company3.test</a:t>
-                      </a:r>
-                      <a:endParaRPr lang="ru-RU" dirty="0"/>
-                    </a:p>
-                  </a:txBody>
-                  <a:tcPr/>
-                </a:tc>
-                <a:tc>
-                  <a:txBody>
-                    <a:bodyPr/>
-                    <a:lstStyle/>
-                    <a:p>
-                      <a:r>
-                        <a:rPr lang="en-US" dirty="0"/>
-                        <a:t>1998-08-06</a:t>
-                      </a:r>
-                      <a:endParaRPr lang="ru-RU" dirty="0"/>
-                    </a:p>
-                  </a:txBody>
-                  <a:tcPr/>
-                </a:tc>
-                <a:extLst>
-                  <a:ext uri="{0D108BD9-81ED-4DB2-BD59-A6C34878D82A}">
-                    <a16:rowId xmlns:a16="http://schemas.microsoft.com/office/drawing/2014/main" val="109181570"/>
-                  </a:ext>
-                </a:extLst>
-              </a:tr>
-              <a:tr h="370840">
-                <a:tc>
-                  <a:txBody>
-                    <a:bodyPr/>
-                    <a:lstStyle/>
-                    <a:p>
-                      <a:r>
-                        <a:rPr lang="en-US"/>
-                        <a:t>Employee #6</a:t>
-                      </a:r>
-                      <a:endParaRPr lang="ru-RU" dirty="0"/>
-                    </a:p>
-                  </a:txBody>
-                  <a:tcPr/>
-                </a:tc>
-                <a:tc>
-                  <a:txBody>
-                    <a:bodyPr/>
-                    <a:lstStyle/>
-                    <a:p>
-                      <a:r>
-                        <a:rPr lang="en-US" dirty="0"/>
-                        <a:t>emp6@company3.test</a:t>
-                      </a:r>
-                      <a:endParaRPr lang="ru-RU" dirty="0"/>
-                    </a:p>
-                  </a:txBody>
-                  <a:tcPr/>
-                </a:tc>
-                <a:tc>
-                  <a:txBody>
-                    <a:bodyPr/>
-                    <a:lstStyle/>
-                    <a:p>
-                      <a:r>
-                        <a:rPr lang="en-US" dirty="0"/>
-                        <a:t>1990-08-16</a:t>
+                        <a:t>1989-03-11</a:t>
                       </a:r>
                       <a:endParaRPr lang="ru-RU" dirty="0"/>
                     </a:p>

--- a/Test/Presentations/template_result.pptx
+++ b/Test/Presentations/template_result.pptx
@@ -8,11 +8,11 @@
     <p:notesMasterId r:id="rId5"/>
   </p:notesMasterIdLst>
   <p:sldIdLst>
-    <p:sldId id="259" r:id="R5a517fe6994543d6"/>
-    <p:sldId id="260" r:id="R62388fc8e0f14063"/>
-    <p:sldId id="261" r:id="R57a2da2472dd482b"/>
-    <p:sldId id="262" r:id="R213dcefe0aeb4460"/>
-    <p:sldId id="263" r:id="R1cdcbd12416b427b"/>
+    <p:sldId id="259" r:id="Ra2a82214ec164cc7"/>
+    <p:sldId id="260" r:id="R2016106a98b146ae"/>
+    <p:sldId id="261" r:id="Rd97dfcfc80d94204"/>
+    <p:sldId id="262" r:id="R8a4c988c86fd4441"/>
+    <p:sldId id="263" r:id="Rd8f14ff0f7f44937"/>
   </p:sldIdLst>
   <p:sldSz cx="12192000" cy="6858000"/>
   <p:notesSz cx="6858000" cy="9144000"/>
@@ -3741,7 +3741,7 @@
                   </a:schemeClr>
                 </a:solidFill>
               </a:rPr>
-              <a:t>Date: 29.12.2019 09:02</a:t>
+              <a:t>Date: 15.01.2020 12:13</a:t>
             </a:r>
             <a:endParaRPr lang="ru-RU" dirty="0">
               <a:solidFill>
@@ -3821,7 +3821,7 @@
                   </a:schemeClr>
                 </a:solidFill>
               </a:rPr>
-              <a:t>29 December 2019</a:t>
+              <a:t>15 January 2020</a:t>
             </a:r>
             <a:endParaRPr lang="ru-RU" sz="2000" dirty="0"/>
           </a:p>
@@ -4091,7 +4091,7 @@
                     <a:p>
                       <a:r>
                         <a:rPr lang="en-US" dirty="0"/>
-                        <a:t>1997-08-16</a:t>
+                        <a:t>1982-02-02</a:t>
                       </a:r>
                       <a:endParaRPr lang="ru-RU" dirty="0"/>
                     </a:p>
@@ -4140,7 +4140,7 @@
                     <a:p>
                       <a:r>
                         <a:rPr lang="en-US" dirty="0"/>
-                        <a:t>1986-04-09</a:t>
+                        <a:t>1985-03-04</a:t>
                       </a:r>
                       <a:endParaRPr lang="ru-RU" dirty="0"/>
                     </a:p>
@@ -4189,7 +4189,7 @@
                     <a:p>
                       <a:r>
                         <a:rPr lang="en-US" dirty="0"/>
-                        <a:t>1997-06-22</a:t>
+                        <a:t>1982-11-04</a:t>
                       </a:r>
                       <a:endParaRPr lang="ru-RU" dirty="0"/>
                     </a:p>
@@ -4238,7 +4238,7 @@
                     <a:p>
                       <a:r>
                         <a:rPr lang="en-US" dirty="0"/>
-                        <a:t>1999-11-03</a:t>
+                        <a:t>1988-08-12</a:t>
                       </a:r>
                       <a:endParaRPr lang="ru-RU" dirty="0"/>
                     </a:p>
@@ -4287,7 +4287,252 @@
                     <a:p>
                       <a:r>
                         <a:rPr lang="en-US" dirty="0"/>
-                        <a:t>1996-01-14</a:t>
+                        <a:t>1988-10-11</a:t>
+                      </a:r>
+                      <a:endParaRPr lang="ru-RU" dirty="0"/>
+                    </a:p>
+                  </a:txBody>
+                  <a:tcPr/>
+                </a:tc>
+                <a:extLst>
+                  <a:ext uri="{0D108BD9-81ED-4DB2-BD59-A6C34878D82A}">
+                    <a16:rowId xmlns:a16="http://schemas.microsoft.com/office/drawing/2014/main" val="109181570"/>
+                  </a:ext>
+                </a:extLst>
+              </a:tr>
+              <a:tr h="370840">
+                <a:tc>
+                  <a:txBody>
+                    <a:bodyPr/>
+                    <a:lstStyle/>
+                    <a:p>
+                      <a:r>
+                        <a:rPr lang="en-US"/>
+                        <a:t>Employee #6</a:t>
+                      </a:r>
+                      <a:endParaRPr lang="ru-RU" dirty="0"/>
+                    </a:p>
+                  </a:txBody>
+                  <a:tcPr/>
+                </a:tc>
+                <a:tc>
+                  <a:txBody>
+                    <a:bodyPr/>
+                    <a:lstStyle/>
+                    <a:p>
+                      <a:r>
+                        <a:rPr lang="en-US" dirty="0"/>
+                        <a:t>emp6@company1.test</a:t>
+                      </a:r>
+                      <a:endParaRPr lang="ru-RU" dirty="0"/>
+                    </a:p>
+                  </a:txBody>
+                  <a:tcPr/>
+                </a:tc>
+                <a:tc>
+                  <a:txBody>
+                    <a:bodyPr/>
+                    <a:lstStyle/>
+                    <a:p>
+                      <a:r>
+                        <a:rPr lang="en-US" dirty="0"/>
+                        <a:t>1987-11-16</a:t>
+                      </a:r>
+                      <a:endParaRPr lang="ru-RU" dirty="0"/>
+                    </a:p>
+                  </a:txBody>
+                  <a:tcPr/>
+                </a:tc>
+                <a:extLst>
+                  <a:ext uri="{0D108BD9-81ED-4DB2-BD59-A6C34878D82A}">
+                    <a16:rowId xmlns:a16="http://schemas.microsoft.com/office/drawing/2014/main" val="109181570"/>
+                  </a:ext>
+                </a:extLst>
+              </a:tr>
+              <a:tr h="370840">
+                <a:tc>
+                  <a:txBody>
+                    <a:bodyPr/>
+                    <a:lstStyle/>
+                    <a:p>
+                      <a:r>
+                        <a:rPr lang="en-US"/>
+                        <a:t>Employee #7</a:t>
+                      </a:r>
+                      <a:endParaRPr lang="ru-RU" dirty="0"/>
+                    </a:p>
+                  </a:txBody>
+                  <a:tcPr/>
+                </a:tc>
+                <a:tc>
+                  <a:txBody>
+                    <a:bodyPr/>
+                    <a:lstStyle/>
+                    <a:p>
+                      <a:r>
+                        <a:rPr lang="en-US" dirty="0"/>
+                        <a:t>emp7@company1.test</a:t>
+                      </a:r>
+                      <a:endParaRPr lang="ru-RU" dirty="0"/>
+                    </a:p>
+                  </a:txBody>
+                  <a:tcPr/>
+                </a:tc>
+                <a:tc>
+                  <a:txBody>
+                    <a:bodyPr/>
+                    <a:lstStyle/>
+                    <a:p>
+                      <a:r>
+                        <a:rPr lang="en-US" dirty="0"/>
+                        <a:t>1986-05-13</a:t>
+                      </a:r>
+                      <a:endParaRPr lang="ru-RU" dirty="0"/>
+                    </a:p>
+                  </a:txBody>
+                  <a:tcPr/>
+                </a:tc>
+                <a:extLst>
+                  <a:ext uri="{0D108BD9-81ED-4DB2-BD59-A6C34878D82A}">
+                    <a16:rowId xmlns:a16="http://schemas.microsoft.com/office/drawing/2014/main" val="109181570"/>
+                  </a:ext>
+                </a:extLst>
+              </a:tr>
+              <a:tr h="370840">
+                <a:tc>
+                  <a:txBody>
+                    <a:bodyPr/>
+                    <a:lstStyle/>
+                    <a:p>
+                      <a:r>
+                        <a:rPr lang="en-US"/>
+                        <a:t>Employee #8</a:t>
+                      </a:r>
+                      <a:endParaRPr lang="ru-RU" dirty="0"/>
+                    </a:p>
+                  </a:txBody>
+                  <a:tcPr/>
+                </a:tc>
+                <a:tc>
+                  <a:txBody>
+                    <a:bodyPr/>
+                    <a:lstStyle/>
+                    <a:p>
+                      <a:r>
+                        <a:rPr lang="en-US" dirty="0"/>
+                        <a:t>emp8@company1.test</a:t>
+                      </a:r>
+                      <a:endParaRPr lang="ru-RU" dirty="0"/>
+                    </a:p>
+                  </a:txBody>
+                  <a:tcPr/>
+                </a:tc>
+                <a:tc>
+                  <a:txBody>
+                    <a:bodyPr/>
+                    <a:lstStyle/>
+                    <a:p>
+                      <a:r>
+                        <a:rPr lang="en-US" dirty="0"/>
+                        <a:t>1982-01-04</a:t>
+                      </a:r>
+                      <a:endParaRPr lang="ru-RU" dirty="0"/>
+                    </a:p>
+                  </a:txBody>
+                  <a:tcPr/>
+                </a:tc>
+                <a:extLst>
+                  <a:ext uri="{0D108BD9-81ED-4DB2-BD59-A6C34878D82A}">
+                    <a16:rowId xmlns:a16="http://schemas.microsoft.com/office/drawing/2014/main" val="109181570"/>
+                  </a:ext>
+                </a:extLst>
+              </a:tr>
+              <a:tr h="370840">
+                <a:tc>
+                  <a:txBody>
+                    <a:bodyPr/>
+                    <a:lstStyle/>
+                    <a:p>
+                      <a:r>
+                        <a:rPr lang="en-US"/>
+                        <a:t>Employee #9</a:t>
+                      </a:r>
+                      <a:endParaRPr lang="ru-RU" dirty="0"/>
+                    </a:p>
+                  </a:txBody>
+                  <a:tcPr/>
+                </a:tc>
+                <a:tc>
+                  <a:txBody>
+                    <a:bodyPr/>
+                    <a:lstStyle/>
+                    <a:p>
+                      <a:r>
+                        <a:rPr lang="en-US" dirty="0"/>
+                        <a:t>emp9@company1.test</a:t>
+                      </a:r>
+                      <a:endParaRPr lang="ru-RU" dirty="0"/>
+                    </a:p>
+                  </a:txBody>
+                  <a:tcPr/>
+                </a:tc>
+                <a:tc>
+                  <a:txBody>
+                    <a:bodyPr/>
+                    <a:lstStyle/>
+                    <a:p>
+                      <a:r>
+                        <a:rPr lang="en-US" dirty="0"/>
+                        <a:t>1990-11-05</a:t>
+                      </a:r>
+                      <a:endParaRPr lang="ru-RU" dirty="0"/>
+                    </a:p>
+                  </a:txBody>
+                  <a:tcPr/>
+                </a:tc>
+                <a:extLst>
+                  <a:ext uri="{0D108BD9-81ED-4DB2-BD59-A6C34878D82A}">
+                    <a16:rowId xmlns:a16="http://schemas.microsoft.com/office/drawing/2014/main" val="109181570"/>
+                  </a:ext>
+                </a:extLst>
+              </a:tr>
+              <a:tr h="370840">
+                <a:tc>
+                  <a:txBody>
+                    <a:bodyPr/>
+                    <a:lstStyle/>
+                    <a:p>
+                      <a:r>
+                        <a:rPr lang="en-US"/>
+                        <a:t>Employee #10</a:t>
+                      </a:r>
+                      <a:endParaRPr lang="ru-RU" dirty="0"/>
+                    </a:p>
+                  </a:txBody>
+                  <a:tcPr/>
+                </a:tc>
+                <a:tc>
+                  <a:txBody>
+                    <a:bodyPr/>
+                    <a:lstStyle/>
+                    <a:p>
+                      <a:r>
+                        <a:rPr lang="en-US" dirty="0"/>
+                        <a:t>emp10@company1.test</a:t>
+                      </a:r>
+                      <a:endParaRPr lang="ru-RU" dirty="0"/>
+                    </a:p>
+                  </a:txBody>
+                  <a:tcPr/>
+                </a:tc>
+                <a:tc>
+                  <a:txBody>
+                    <a:bodyPr/>
+                    <a:lstStyle/>
+                    <a:p>
+                      <a:r>
+                        <a:rPr lang="en-US" dirty="0"/>
+                        <a:t>1985-01-22</a:t>
                       </a:r>
                       <a:endParaRPr lang="ru-RU" dirty="0"/>
                     </a:p>
@@ -4521,7 +4766,7 @@
                     <a:p>
                       <a:r>
                         <a:rPr lang="en-US" dirty="0"/>
-                        <a:t>1981-08-16</a:t>
+                        <a:t>1997-09-06</a:t>
                       </a:r>
                       <a:endParaRPr lang="ru-RU" dirty="0"/>
                     </a:p>
@@ -4570,7 +4815,7 @@
                     <a:p>
                       <a:r>
                         <a:rPr lang="en-US" dirty="0"/>
-                        <a:t>1989-09-06</a:t>
+                        <a:t>1986-01-06</a:t>
                       </a:r>
                       <a:endParaRPr lang="ru-RU" dirty="0"/>
                     </a:p>
@@ -4619,7 +4864,7 @@
                     <a:p>
                       <a:r>
                         <a:rPr lang="en-US" dirty="0"/>
-                        <a:t>1997-10-22</a:t>
+                        <a:t>1994-07-02</a:t>
                       </a:r>
                       <a:endParaRPr lang="ru-RU" dirty="0"/>
                     </a:p>
@@ -4668,350 +4913,7 @@
                     <a:p>
                       <a:r>
                         <a:rPr lang="en-US" dirty="0"/>
-                        <a:t>1997-01-16</a:t>
-                      </a:r>
-                      <a:endParaRPr lang="ru-RU" dirty="0"/>
-                    </a:p>
-                  </a:txBody>
-                  <a:tcPr/>
-                </a:tc>
-                <a:extLst>
-                  <a:ext uri="{0D108BD9-81ED-4DB2-BD59-A6C34878D82A}">
-                    <a16:rowId xmlns:a16="http://schemas.microsoft.com/office/drawing/2014/main" val="109181570"/>
-                  </a:ext>
-                </a:extLst>
-              </a:tr>
-              <a:tr h="370840">
-                <a:tc>
-                  <a:txBody>
-                    <a:bodyPr/>
-                    <a:lstStyle/>
-                    <a:p>
-                      <a:r>
-                        <a:rPr lang="en-US"/>
-                        <a:t>Employee #5</a:t>
-                      </a:r>
-                      <a:endParaRPr lang="ru-RU" dirty="0"/>
-                    </a:p>
-                  </a:txBody>
-                  <a:tcPr/>
-                </a:tc>
-                <a:tc>
-                  <a:txBody>
-                    <a:bodyPr/>
-                    <a:lstStyle/>
-                    <a:p>
-                      <a:r>
-                        <a:rPr lang="en-US" dirty="0"/>
-                        <a:t>emp5@company2.test</a:t>
-                      </a:r>
-                      <a:endParaRPr lang="ru-RU" dirty="0"/>
-                    </a:p>
-                  </a:txBody>
-                  <a:tcPr/>
-                </a:tc>
-                <a:tc>
-                  <a:txBody>
-                    <a:bodyPr/>
-                    <a:lstStyle/>
-                    <a:p>
-                      <a:r>
-                        <a:rPr lang="en-US" dirty="0"/>
-                        <a:t>1983-04-27</a:t>
-                      </a:r>
-                      <a:endParaRPr lang="ru-RU" dirty="0"/>
-                    </a:p>
-                  </a:txBody>
-                  <a:tcPr/>
-                </a:tc>
-                <a:extLst>
-                  <a:ext uri="{0D108BD9-81ED-4DB2-BD59-A6C34878D82A}">
-                    <a16:rowId xmlns:a16="http://schemas.microsoft.com/office/drawing/2014/main" val="109181570"/>
-                  </a:ext>
-                </a:extLst>
-              </a:tr>
-              <a:tr h="370840">
-                <a:tc>
-                  <a:txBody>
-                    <a:bodyPr/>
-                    <a:lstStyle/>
-                    <a:p>
-                      <a:r>
-                        <a:rPr lang="en-US"/>
-                        <a:t>Employee #6</a:t>
-                      </a:r>
-                      <a:endParaRPr lang="ru-RU" dirty="0"/>
-                    </a:p>
-                  </a:txBody>
-                  <a:tcPr/>
-                </a:tc>
-                <a:tc>
-                  <a:txBody>
-                    <a:bodyPr/>
-                    <a:lstStyle/>
-                    <a:p>
-                      <a:r>
-                        <a:rPr lang="en-US" dirty="0"/>
-                        <a:t>emp6@company2.test</a:t>
-                      </a:r>
-                      <a:endParaRPr lang="ru-RU" dirty="0"/>
-                    </a:p>
-                  </a:txBody>
-                  <a:tcPr/>
-                </a:tc>
-                <a:tc>
-                  <a:txBody>
-                    <a:bodyPr/>
-                    <a:lstStyle/>
-                    <a:p>
-                      <a:r>
-                        <a:rPr lang="en-US" dirty="0"/>
-                        <a:t>1995-03-27</a:t>
-                      </a:r>
-                      <a:endParaRPr lang="ru-RU" dirty="0"/>
-                    </a:p>
-                  </a:txBody>
-                  <a:tcPr/>
-                </a:tc>
-                <a:extLst>
-                  <a:ext uri="{0D108BD9-81ED-4DB2-BD59-A6C34878D82A}">
-                    <a16:rowId xmlns:a16="http://schemas.microsoft.com/office/drawing/2014/main" val="109181570"/>
-                  </a:ext>
-                </a:extLst>
-              </a:tr>
-              <a:tr h="370840">
-                <a:tc>
-                  <a:txBody>
-                    <a:bodyPr/>
-                    <a:lstStyle/>
-                    <a:p>
-                      <a:r>
-                        <a:rPr lang="en-US"/>
-                        <a:t>Employee #7</a:t>
-                      </a:r>
-                      <a:endParaRPr lang="ru-RU" dirty="0"/>
-                    </a:p>
-                  </a:txBody>
-                  <a:tcPr/>
-                </a:tc>
-                <a:tc>
-                  <a:txBody>
-                    <a:bodyPr/>
-                    <a:lstStyle/>
-                    <a:p>
-                      <a:r>
-                        <a:rPr lang="en-US" dirty="0"/>
-                        <a:t>emp7@company2.test</a:t>
-                      </a:r>
-                      <a:endParaRPr lang="ru-RU" dirty="0"/>
-                    </a:p>
-                  </a:txBody>
-                  <a:tcPr/>
-                </a:tc>
-                <a:tc>
-                  <a:txBody>
-                    <a:bodyPr/>
-                    <a:lstStyle/>
-                    <a:p>
-                      <a:r>
-                        <a:rPr lang="en-US" dirty="0"/>
-                        <a:t>1994-03-02</a:t>
-                      </a:r>
-                      <a:endParaRPr lang="ru-RU" dirty="0"/>
-                    </a:p>
-                  </a:txBody>
-                  <a:tcPr/>
-                </a:tc>
-                <a:extLst>
-                  <a:ext uri="{0D108BD9-81ED-4DB2-BD59-A6C34878D82A}">
-                    <a16:rowId xmlns:a16="http://schemas.microsoft.com/office/drawing/2014/main" val="109181570"/>
-                  </a:ext>
-                </a:extLst>
-              </a:tr>
-              <a:tr h="370840">
-                <a:tc>
-                  <a:txBody>
-                    <a:bodyPr/>
-                    <a:lstStyle/>
-                    <a:p>
-                      <a:r>
-                        <a:rPr lang="en-US"/>
-                        <a:t>Employee #8</a:t>
-                      </a:r>
-                      <a:endParaRPr lang="ru-RU" dirty="0"/>
-                    </a:p>
-                  </a:txBody>
-                  <a:tcPr/>
-                </a:tc>
-                <a:tc>
-                  <a:txBody>
-                    <a:bodyPr/>
-                    <a:lstStyle/>
-                    <a:p>
-                      <a:r>
-                        <a:rPr lang="en-US" dirty="0"/>
-                        <a:t>emp8@company2.test</a:t>
-                      </a:r>
-                      <a:endParaRPr lang="ru-RU" dirty="0"/>
-                    </a:p>
-                  </a:txBody>
-                  <a:tcPr/>
-                </a:tc>
-                <a:tc>
-                  <a:txBody>
-                    <a:bodyPr/>
-                    <a:lstStyle/>
-                    <a:p>
-                      <a:r>
-                        <a:rPr lang="en-US" dirty="0"/>
-                        <a:t>1999-05-29</a:t>
-                      </a:r>
-                      <a:endParaRPr lang="ru-RU" dirty="0"/>
-                    </a:p>
-                  </a:txBody>
-                  <a:tcPr/>
-                </a:tc>
-                <a:extLst>
-                  <a:ext uri="{0D108BD9-81ED-4DB2-BD59-A6C34878D82A}">
-                    <a16:rowId xmlns:a16="http://schemas.microsoft.com/office/drawing/2014/main" val="109181570"/>
-                  </a:ext>
-                </a:extLst>
-              </a:tr>
-              <a:tr h="370840">
-                <a:tc>
-                  <a:txBody>
-                    <a:bodyPr/>
-                    <a:lstStyle/>
-                    <a:p>
-                      <a:r>
-                        <a:rPr lang="en-US"/>
-                        <a:t>Employee #9</a:t>
-                      </a:r>
-                      <a:endParaRPr lang="ru-RU" dirty="0"/>
-                    </a:p>
-                  </a:txBody>
-                  <a:tcPr/>
-                </a:tc>
-                <a:tc>
-                  <a:txBody>
-                    <a:bodyPr/>
-                    <a:lstStyle/>
-                    <a:p>
-                      <a:r>
-                        <a:rPr lang="en-US" dirty="0"/>
-                        <a:t>emp9@company2.test</a:t>
-                      </a:r>
-                      <a:endParaRPr lang="ru-RU" dirty="0"/>
-                    </a:p>
-                  </a:txBody>
-                  <a:tcPr/>
-                </a:tc>
-                <a:tc>
-                  <a:txBody>
-                    <a:bodyPr/>
-                    <a:lstStyle/>
-                    <a:p>
-                      <a:r>
-                        <a:rPr lang="en-US" dirty="0"/>
-                        <a:t>1982-01-24</a:t>
-                      </a:r>
-                      <a:endParaRPr lang="ru-RU" dirty="0"/>
-                    </a:p>
-                  </a:txBody>
-                  <a:tcPr/>
-                </a:tc>
-                <a:extLst>
-                  <a:ext uri="{0D108BD9-81ED-4DB2-BD59-A6C34878D82A}">
-                    <a16:rowId xmlns:a16="http://schemas.microsoft.com/office/drawing/2014/main" val="109181570"/>
-                  </a:ext>
-                </a:extLst>
-              </a:tr>
-              <a:tr h="370840">
-                <a:tc>
-                  <a:txBody>
-                    <a:bodyPr/>
-                    <a:lstStyle/>
-                    <a:p>
-                      <a:r>
-                        <a:rPr lang="en-US"/>
-                        <a:t>Employee #10</a:t>
-                      </a:r>
-                      <a:endParaRPr lang="ru-RU" dirty="0"/>
-                    </a:p>
-                  </a:txBody>
-                  <a:tcPr/>
-                </a:tc>
-                <a:tc>
-                  <a:txBody>
-                    <a:bodyPr/>
-                    <a:lstStyle/>
-                    <a:p>
-                      <a:r>
-                        <a:rPr lang="en-US" dirty="0"/>
-                        <a:t>emp10@company2.test</a:t>
-                      </a:r>
-                      <a:endParaRPr lang="ru-RU" dirty="0"/>
-                    </a:p>
-                  </a:txBody>
-                  <a:tcPr/>
-                </a:tc>
-                <a:tc>
-                  <a:txBody>
-                    <a:bodyPr/>
-                    <a:lstStyle/>
-                    <a:p>
-                      <a:r>
-                        <a:rPr lang="en-US" dirty="0"/>
-                        <a:t>1990-01-21</a:t>
-                      </a:r>
-                      <a:endParaRPr lang="ru-RU" dirty="0"/>
-                    </a:p>
-                  </a:txBody>
-                  <a:tcPr/>
-                </a:tc>
-                <a:extLst>
-                  <a:ext uri="{0D108BD9-81ED-4DB2-BD59-A6C34878D82A}">
-                    <a16:rowId xmlns:a16="http://schemas.microsoft.com/office/drawing/2014/main" val="109181570"/>
-                  </a:ext>
-                </a:extLst>
-              </a:tr>
-              <a:tr h="370840">
-                <a:tc>
-                  <a:txBody>
-                    <a:bodyPr/>
-                    <a:lstStyle/>
-                    <a:p>
-                      <a:r>
-                        <a:rPr lang="en-US"/>
-                        <a:t>Employee #11</a:t>
-                      </a:r>
-                      <a:endParaRPr lang="ru-RU" dirty="0"/>
-                    </a:p>
-                  </a:txBody>
-                  <a:tcPr/>
-                </a:tc>
-                <a:tc>
-                  <a:txBody>
-                    <a:bodyPr/>
-                    <a:lstStyle/>
-                    <a:p>
-                      <a:r>
-                        <a:rPr lang="en-US" dirty="0"/>
-                        <a:t>emp11@company2.test</a:t>
-                      </a:r>
-                      <a:endParaRPr lang="ru-RU" dirty="0"/>
-                    </a:p>
-                  </a:txBody>
-                  <a:tcPr/>
-                </a:tc>
-                <a:tc>
-                  <a:txBody>
-                    <a:bodyPr/>
-                    <a:lstStyle/>
-                    <a:p>
-                      <a:r>
-                        <a:rPr lang="en-US" dirty="0"/>
-                        <a:t>1997-03-15</a:t>
+                        <a:t>1982-03-09</a:t>
                       </a:r>
                       <a:endParaRPr lang="ru-RU" dirty="0"/>
                     </a:p>
@@ -5245,7 +5147,7 @@
                     <a:p>
                       <a:r>
                         <a:rPr lang="en-US" dirty="0"/>
-                        <a:t>1988-10-03</a:t>
+                        <a:t>1989-11-01</a:t>
                       </a:r>
                       <a:endParaRPr lang="ru-RU" dirty="0"/>
                     </a:p>
@@ -5294,7 +5196,7 @@
                     <a:p>
                       <a:r>
                         <a:rPr lang="en-US" dirty="0"/>
-                        <a:t>1980-05-21</a:t>
+                        <a:t>1987-11-18</a:t>
                       </a:r>
                       <a:endParaRPr lang="ru-RU" dirty="0"/>
                     </a:p>
@@ -5343,7 +5245,7 @@
                     <a:p>
                       <a:r>
                         <a:rPr lang="en-US" dirty="0"/>
-                        <a:t>1996-07-19</a:t>
+                        <a:t>1985-01-09</a:t>
                       </a:r>
                       <a:endParaRPr lang="ru-RU" dirty="0"/>
                     </a:p>
@@ -5392,7 +5294,56 @@
                     <a:p>
                       <a:r>
                         <a:rPr lang="en-US" dirty="0"/>
-                        <a:t>1989-03-11</a:t>
+                        <a:t>1997-05-01</a:t>
+                      </a:r>
+                      <a:endParaRPr lang="ru-RU" dirty="0"/>
+                    </a:p>
+                  </a:txBody>
+                  <a:tcPr/>
+                </a:tc>
+                <a:extLst>
+                  <a:ext uri="{0D108BD9-81ED-4DB2-BD59-A6C34878D82A}">
+                    <a16:rowId xmlns:a16="http://schemas.microsoft.com/office/drawing/2014/main" val="109181570"/>
+                  </a:ext>
+                </a:extLst>
+              </a:tr>
+              <a:tr h="370840">
+                <a:tc>
+                  <a:txBody>
+                    <a:bodyPr/>
+                    <a:lstStyle/>
+                    <a:p>
+                      <a:r>
+                        <a:rPr lang="en-US"/>
+                        <a:t>Employee #5</a:t>
+                      </a:r>
+                      <a:endParaRPr lang="ru-RU" dirty="0"/>
+                    </a:p>
+                  </a:txBody>
+                  <a:tcPr/>
+                </a:tc>
+                <a:tc>
+                  <a:txBody>
+                    <a:bodyPr/>
+                    <a:lstStyle/>
+                    <a:p>
+                      <a:r>
+                        <a:rPr lang="en-US" dirty="0"/>
+                        <a:t>emp5@company3.test</a:t>
+                      </a:r>
+                      <a:endParaRPr lang="ru-RU" dirty="0"/>
+                    </a:p>
+                  </a:txBody>
+                  <a:tcPr/>
+                </a:tc>
+                <a:tc>
+                  <a:txBody>
+                    <a:bodyPr/>
+                    <a:lstStyle/>
+                    <a:p>
+                      <a:r>
+                        <a:rPr lang="en-US" dirty="0"/>
+                        <a:t>1983-11-24</a:t>
                       </a:r>
                       <a:endParaRPr lang="ru-RU" dirty="0"/>
                     </a:p>

--- a/Test/Presentations/template_result.pptx
+++ b/Test/Presentations/template_result.pptx
@@ -8,11 +8,11 @@
     <p:notesMasterId r:id="rId5"/>
   </p:notesMasterIdLst>
   <p:sldIdLst>
-    <p:sldId id="259" r:id="Ra2a82214ec164cc7"/>
-    <p:sldId id="260" r:id="R2016106a98b146ae"/>
-    <p:sldId id="261" r:id="Rd97dfcfc80d94204"/>
-    <p:sldId id="262" r:id="R8a4c988c86fd4441"/>
-    <p:sldId id="263" r:id="Rd8f14ff0f7f44937"/>
+    <p:sldId id="259" r:id="Re63dc1b195724612"/>
+    <p:sldId id="260" r:id="R06666b3913be4501"/>
+    <p:sldId id="261" r:id="Rc753ec26eab54ddc"/>
+    <p:sldId id="262" r:id="Ra5a22190e98f4f8a"/>
+    <p:sldId id="263" r:id="R5fa41d0df5e94298"/>
   </p:sldIdLst>
   <p:sldSz cx="12192000" cy="6858000"/>
   <p:notesSz cx="6858000" cy="9144000"/>
@@ -115,6 +115,9 @@
     <p:ext uri="{EFAFB233-063F-42B5-8137-9DF3F51BA10A}">
       <p15:sldGuideLst xmlns:p15="http://schemas.microsoft.com/office/powerpoint/2012/main"/>
     </p:ext>
+    <p:ext uri="{2D200454-40CA-4A62-9FC3-DE9A4176ACB9}">
+      <p15:notesGuideLst xmlns:p15="http://schemas.microsoft.com/office/powerpoint/2012/main"/>
+    </p:ext>
   </p:extLst>
 </p:presentation>
 </file>
@@ -201,7 +204,7 @@
           <a:p>
             <a:fld id="{96129386-331A-4479-A604-9D03FC98566D}" type="datetimeFigureOut">
               <a:rPr lang="ru-RU" smtClean="0"/>
-              <a:t>28.12.2019</a:t>
+              <a:t>14.04.2020</a:t>
             </a:fld>
             <a:endParaRPr lang="ru-RU"/>
           </a:p>
@@ -615,7 +618,7 @@
           <a:p>
             <a:fld id="{60333C80-F893-47D7-9906-1E3D3180BB29}" type="datetimeFigureOut">
               <a:rPr lang="ru-RU" smtClean="0"/>
-              <a:t>28.12.2019</a:t>
+              <a:t>14.04.2020</a:t>
             </a:fld>
             <a:endParaRPr lang="ru-RU"/>
           </a:p>
@@ -813,7 +816,7 @@
           <a:p>
             <a:fld id="{60333C80-F893-47D7-9906-1E3D3180BB29}" type="datetimeFigureOut">
               <a:rPr lang="ru-RU" smtClean="0"/>
-              <a:t>28.12.2019</a:t>
+              <a:t>14.04.2020</a:t>
             </a:fld>
             <a:endParaRPr lang="ru-RU"/>
           </a:p>
@@ -1021,7 +1024,7 @@
           <a:p>
             <a:fld id="{60333C80-F893-47D7-9906-1E3D3180BB29}" type="datetimeFigureOut">
               <a:rPr lang="ru-RU" smtClean="0"/>
-              <a:t>28.12.2019</a:t>
+              <a:t>14.04.2020</a:t>
             </a:fld>
             <a:endParaRPr lang="ru-RU"/>
           </a:p>
@@ -1219,7 +1222,7 @@
           <a:p>
             <a:fld id="{60333C80-F893-47D7-9906-1E3D3180BB29}" type="datetimeFigureOut">
               <a:rPr lang="ru-RU" smtClean="0"/>
-              <a:t>28.12.2019</a:t>
+              <a:t>14.04.2020</a:t>
             </a:fld>
             <a:endParaRPr lang="ru-RU"/>
           </a:p>
@@ -1494,7 +1497,7 @@
           <a:p>
             <a:fld id="{60333C80-F893-47D7-9906-1E3D3180BB29}" type="datetimeFigureOut">
               <a:rPr lang="ru-RU" smtClean="0"/>
-              <a:t>28.12.2019</a:t>
+              <a:t>14.04.2020</a:t>
             </a:fld>
             <a:endParaRPr lang="ru-RU"/>
           </a:p>
@@ -1759,7 +1762,7 @@
           <a:p>
             <a:fld id="{60333C80-F893-47D7-9906-1E3D3180BB29}" type="datetimeFigureOut">
               <a:rPr lang="ru-RU" smtClean="0"/>
-              <a:t>28.12.2019</a:t>
+              <a:t>14.04.2020</a:t>
             </a:fld>
             <a:endParaRPr lang="ru-RU"/>
           </a:p>
@@ -2171,7 +2174,7 @@
           <a:p>
             <a:fld id="{60333C80-F893-47D7-9906-1E3D3180BB29}" type="datetimeFigureOut">
               <a:rPr lang="ru-RU" smtClean="0"/>
-              <a:t>28.12.2019</a:t>
+              <a:t>14.04.2020</a:t>
             </a:fld>
             <a:endParaRPr lang="ru-RU"/>
           </a:p>
@@ -2312,7 +2315,7 @@
           <a:p>
             <a:fld id="{60333C80-F893-47D7-9906-1E3D3180BB29}" type="datetimeFigureOut">
               <a:rPr lang="ru-RU" smtClean="0"/>
-              <a:t>28.12.2019</a:t>
+              <a:t>14.04.2020</a:t>
             </a:fld>
             <a:endParaRPr lang="ru-RU"/>
           </a:p>
@@ -2425,7 +2428,7 @@
           <a:p>
             <a:fld id="{60333C80-F893-47D7-9906-1E3D3180BB29}" type="datetimeFigureOut">
               <a:rPr lang="ru-RU" smtClean="0"/>
-              <a:t>28.12.2019</a:t>
+              <a:t>14.04.2020</a:t>
             </a:fld>
             <a:endParaRPr lang="ru-RU"/>
           </a:p>
@@ -2736,7 +2739,7 @@
           <a:p>
             <a:fld id="{60333C80-F893-47D7-9906-1E3D3180BB29}" type="datetimeFigureOut">
               <a:rPr lang="ru-RU" smtClean="0"/>
-              <a:t>28.12.2019</a:t>
+              <a:t>14.04.2020</a:t>
             </a:fld>
             <a:endParaRPr lang="ru-RU"/>
           </a:p>
@@ -3024,7 +3027,7 @@
           <a:p>
             <a:fld id="{60333C80-F893-47D7-9906-1E3D3180BB29}" type="datetimeFigureOut">
               <a:rPr lang="ru-RU" smtClean="0"/>
-              <a:t>28.12.2019</a:t>
+              <a:t>14.04.2020</a:t>
             </a:fld>
             <a:endParaRPr lang="ru-RU"/>
           </a:p>
@@ -3265,7 +3268,7 @@
           <a:p>
             <a:fld id="{60333C80-F893-47D7-9906-1E3D3180BB29}" type="datetimeFigureOut">
               <a:rPr lang="ru-RU" smtClean="0"/>
-              <a:t>28.12.2019</a:t>
+              <a:t>14.04.2020</a:t>
             </a:fld>
             <a:endParaRPr lang="ru-RU"/>
           </a:p>
@@ -3741,7 +3744,7 @@
                   </a:schemeClr>
                 </a:solidFill>
               </a:rPr>
-              <a:t>Date: 15.01.2020 12:13</a:t>
+              <a:t>Date: 14.04.2020 19:13</a:t>
             </a:r>
             <a:endParaRPr lang="ru-RU" dirty="0">
               <a:solidFill>
@@ -3821,7 +3824,7 @@
                   </a:schemeClr>
                 </a:solidFill>
               </a:rPr>
-              <a:t>15 January 2020</a:t>
+              <a:t>14 April 2020</a:t>
             </a:r>
             <a:endParaRPr lang="ru-RU" sz="2000" dirty="0"/>
           </a:p>
@@ -3870,6 +3873,17 @@
               <a:rPr lang="en-US" dirty="0"/>
               <a:t>Items: item#1, item#2, item#3, item#4, item#5</a:t>
             </a:r>
+          </a:p>
+          <a:p>
+            <a:r>
+              <a:rPr lang="en-US" dirty="0">
+                <a:hlinkClick r:id="rId3"/>
+              </a:rPr>
+              <a:t>TestLink</a:t>
+            </a:r>
+            <a:endParaRPr lang="en-US" dirty="0"/>
+          </a:p>
+          <a:p>
             <a:endParaRPr lang="ru-RU" dirty="0"/>
           </a:p>
         </p:txBody>
@@ -4091,7 +4105,7 @@
                     <a:p>
                       <a:r>
                         <a:rPr lang="en-US" dirty="0"/>
-                        <a:t>1982-02-02</a:t>
+                        <a:t>1980-01-22</a:t>
                       </a:r>
                       <a:endParaRPr lang="ru-RU" dirty="0"/>
                     </a:p>
@@ -4140,7 +4154,7 @@
                     <a:p>
                       <a:r>
                         <a:rPr lang="en-US" dirty="0"/>
-                        <a:t>1985-03-04</a:t>
+                        <a:t>1990-01-19</a:t>
                       </a:r>
                       <a:endParaRPr lang="ru-RU" dirty="0"/>
                     </a:p>
@@ -4189,7 +4203,7 @@
                     <a:p>
                       <a:r>
                         <a:rPr lang="en-US" dirty="0"/>
-                        <a:t>1982-11-04</a:t>
+                        <a:t>1983-02-20</a:t>
                       </a:r>
                       <a:endParaRPr lang="ru-RU" dirty="0"/>
                     </a:p>
@@ -4238,7 +4252,7 @@
                     <a:p>
                       <a:r>
                         <a:rPr lang="en-US" dirty="0"/>
-                        <a:t>1988-08-12</a:t>
+                        <a:t>1998-11-26</a:t>
                       </a:r>
                       <a:endParaRPr lang="ru-RU" dirty="0"/>
                     </a:p>
@@ -4287,7 +4301,7 @@
                     <a:p>
                       <a:r>
                         <a:rPr lang="en-US" dirty="0"/>
-                        <a:t>1988-10-11</a:t>
+                        <a:t>1997-11-28</a:t>
                       </a:r>
                       <a:endParaRPr lang="ru-RU" dirty="0"/>
                     </a:p>
@@ -4336,7 +4350,7 @@
                     <a:p>
                       <a:r>
                         <a:rPr lang="en-US" dirty="0"/>
-                        <a:t>1987-11-16</a:t>
+                        <a:t>1984-02-10</a:t>
                       </a:r>
                       <a:endParaRPr lang="ru-RU" dirty="0"/>
                     </a:p>
@@ -4385,7 +4399,7 @@
                     <a:p>
                       <a:r>
                         <a:rPr lang="en-US" dirty="0"/>
-                        <a:t>1986-05-13</a:t>
+                        <a:t>1995-01-12</a:t>
                       </a:r>
                       <a:endParaRPr lang="ru-RU" dirty="0"/>
                     </a:p>
@@ -4434,105 +4448,7 @@
                     <a:p>
                       <a:r>
                         <a:rPr lang="en-US" dirty="0"/>
-                        <a:t>1982-01-04</a:t>
-                      </a:r>
-                      <a:endParaRPr lang="ru-RU" dirty="0"/>
-                    </a:p>
-                  </a:txBody>
-                  <a:tcPr/>
-                </a:tc>
-                <a:extLst>
-                  <a:ext uri="{0D108BD9-81ED-4DB2-BD59-A6C34878D82A}">
-                    <a16:rowId xmlns:a16="http://schemas.microsoft.com/office/drawing/2014/main" val="109181570"/>
-                  </a:ext>
-                </a:extLst>
-              </a:tr>
-              <a:tr h="370840">
-                <a:tc>
-                  <a:txBody>
-                    <a:bodyPr/>
-                    <a:lstStyle/>
-                    <a:p>
-                      <a:r>
-                        <a:rPr lang="en-US"/>
-                        <a:t>Employee #9</a:t>
-                      </a:r>
-                      <a:endParaRPr lang="ru-RU" dirty="0"/>
-                    </a:p>
-                  </a:txBody>
-                  <a:tcPr/>
-                </a:tc>
-                <a:tc>
-                  <a:txBody>
-                    <a:bodyPr/>
-                    <a:lstStyle/>
-                    <a:p>
-                      <a:r>
-                        <a:rPr lang="en-US" dirty="0"/>
-                        <a:t>emp9@company1.test</a:t>
-                      </a:r>
-                      <a:endParaRPr lang="ru-RU" dirty="0"/>
-                    </a:p>
-                  </a:txBody>
-                  <a:tcPr/>
-                </a:tc>
-                <a:tc>
-                  <a:txBody>
-                    <a:bodyPr/>
-                    <a:lstStyle/>
-                    <a:p>
-                      <a:r>
-                        <a:rPr lang="en-US" dirty="0"/>
-                        <a:t>1990-11-05</a:t>
-                      </a:r>
-                      <a:endParaRPr lang="ru-RU" dirty="0"/>
-                    </a:p>
-                  </a:txBody>
-                  <a:tcPr/>
-                </a:tc>
-                <a:extLst>
-                  <a:ext uri="{0D108BD9-81ED-4DB2-BD59-A6C34878D82A}">
-                    <a16:rowId xmlns:a16="http://schemas.microsoft.com/office/drawing/2014/main" val="109181570"/>
-                  </a:ext>
-                </a:extLst>
-              </a:tr>
-              <a:tr h="370840">
-                <a:tc>
-                  <a:txBody>
-                    <a:bodyPr/>
-                    <a:lstStyle/>
-                    <a:p>
-                      <a:r>
-                        <a:rPr lang="en-US"/>
-                        <a:t>Employee #10</a:t>
-                      </a:r>
-                      <a:endParaRPr lang="ru-RU" dirty="0"/>
-                    </a:p>
-                  </a:txBody>
-                  <a:tcPr/>
-                </a:tc>
-                <a:tc>
-                  <a:txBody>
-                    <a:bodyPr/>
-                    <a:lstStyle/>
-                    <a:p>
-                      <a:r>
-                        <a:rPr lang="en-US" dirty="0"/>
-                        <a:t>emp10@company1.test</a:t>
-                      </a:r>
-                      <a:endParaRPr lang="ru-RU" dirty="0"/>
-                    </a:p>
-                  </a:txBody>
-                  <a:tcPr/>
-                </a:tc>
-                <a:tc>
-                  <a:txBody>
-                    <a:bodyPr/>
-                    <a:lstStyle/>
-                    <a:p>
-                      <a:r>
-                        <a:rPr lang="en-US" dirty="0"/>
-                        <a:t>1985-01-22</a:t>
+                        <a:t>1989-10-17</a:t>
                       </a:r>
                       <a:endParaRPr lang="ru-RU" dirty="0"/>
                     </a:p>
@@ -4766,7 +4682,7 @@
                     <a:p>
                       <a:r>
                         <a:rPr lang="en-US" dirty="0"/>
-                        <a:t>1997-09-06</a:t>
+                        <a:t>1993-06-08</a:t>
                       </a:r>
                       <a:endParaRPr lang="ru-RU" dirty="0"/>
                     </a:p>
@@ -4815,7 +4731,7 @@
                     <a:p>
                       <a:r>
                         <a:rPr lang="en-US" dirty="0"/>
-                        <a:t>1986-01-06</a:t>
+                        <a:t>1990-09-28</a:t>
                       </a:r>
                       <a:endParaRPr lang="ru-RU" dirty="0"/>
                     </a:p>
@@ -4864,7 +4780,7 @@
                     <a:p>
                       <a:r>
                         <a:rPr lang="en-US" dirty="0"/>
-                        <a:t>1994-07-02</a:t>
+                        <a:t>1996-01-29</a:t>
                       </a:r>
                       <a:endParaRPr lang="ru-RU" dirty="0"/>
                     </a:p>
@@ -4913,7 +4829,7 @@
                     <a:p>
                       <a:r>
                         <a:rPr lang="en-US" dirty="0"/>
-                        <a:t>1982-03-09</a:t>
+                        <a:t>1999-07-28</a:t>
                       </a:r>
                       <a:endParaRPr lang="ru-RU" dirty="0"/>
                     </a:p>
@@ -5147,7 +5063,7 @@
                     <a:p>
                       <a:r>
                         <a:rPr lang="en-US" dirty="0"/>
-                        <a:t>1989-11-01</a:t>
+                        <a:t>1996-10-11</a:t>
                       </a:r>
                       <a:endParaRPr lang="ru-RU" dirty="0"/>
                     </a:p>
@@ -5196,7 +5112,7 @@
                     <a:p>
                       <a:r>
                         <a:rPr lang="en-US" dirty="0"/>
-                        <a:t>1987-11-18</a:t>
+                        <a:t>1999-03-17</a:t>
                       </a:r>
                       <a:endParaRPr lang="ru-RU" dirty="0"/>
                     </a:p>
@@ -5245,7 +5161,7 @@
                     <a:p>
                       <a:r>
                         <a:rPr lang="en-US" dirty="0"/>
-                        <a:t>1985-01-09</a:t>
+                        <a:t>1980-04-25</a:t>
                       </a:r>
                       <a:endParaRPr lang="ru-RU" dirty="0"/>
                     </a:p>
@@ -5294,7 +5210,7 @@
                     <a:p>
                       <a:r>
                         <a:rPr lang="en-US" dirty="0"/>
-                        <a:t>1997-05-01</a:t>
+                        <a:t>1988-10-29</a:t>
                       </a:r>
                       <a:endParaRPr lang="ru-RU" dirty="0"/>
                     </a:p>
@@ -5343,7 +5259,7 @@
                     <a:p>
                       <a:r>
                         <a:rPr lang="en-US" dirty="0"/>
-                        <a:t>1983-11-24</a:t>
+                        <a:t>1997-07-05</a:t>
                       </a:r>
                       <a:endParaRPr lang="ru-RU" dirty="0"/>
                     </a:p>

--- a/Test/Presentations/template_result.pptx
+++ b/Test/Presentations/template_result.pptx
@@ -8,11 +8,11 @@
     <p:notesMasterId r:id="rId5"/>
   </p:notesMasterIdLst>
   <p:sldIdLst>
-    <p:sldId id="259" r:id="Re63dc1b195724612"/>
-    <p:sldId id="260" r:id="R06666b3913be4501"/>
-    <p:sldId id="261" r:id="Rc753ec26eab54ddc"/>
-    <p:sldId id="262" r:id="Ra5a22190e98f4f8a"/>
-    <p:sldId id="263" r:id="R5fa41d0df5e94298"/>
+    <p:sldId id="259" r:id="Ra90ed9a7c1e54188"/>
+    <p:sldId id="260" r:id="Rf6de19c244794b29"/>
+    <p:sldId id="261" r:id="R86b663a6d3ce4ea5"/>
+    <p:sldId id="262" r:id="R01e2d958c67c49b5"/>
+    <p:sldId id="263" r:id="Ra0a702294bb8481b"/>
   </p:sldIdLst>
   <p:sldSz cx="12192000" cy="6858000"/>
   <p:notesSz cx="6858000" cy="9144000"/>
@@ -3744,7 +3744,7 @@
                   </a:schemeClr>
                 </a:solidFill>
               </a:rPr>
-              <a:t>Date: 14.04.2020 19:13</a:t>
+              <a:t>Date: 29.01.2024 16:47</a:t>
             </a:r>
             <a:endParaRPr lang="ru-RU" dirty="0">
               <a:solidFill>
@@ -3824,7 +3824,7 @@
                   </a:schemeClr>
                 </a:solidFill>
               </a:rPr>
-              <a:t>14 April 2020</a:t>
+              <a:t>29 January 2024</a:t>
             </a:r>
             <a:endParaRPr lang="ru-RU" sz="2000" dirty="0"/>
           </a:p>
@@ -4105,7 +4105,7 @@
                     <a:p>
                       <a:r>
                         <a:rPr lang="en-US" dirty="0"/>
-                        <a:t>1980-01-22</a:t>
+                        <a:t>1987-06-29</a:t>
                       </a:r>
                       <a:endParaRPr lang="ru-RU" dirty="0"/>
                     </a:p>
@@ -4154,7 +4154,7 @@
                     <a:p>
                       <a:r>
                         <a:rPr lang="en-US" dirty="0"/>
-                        <a:t>1990-01-19</a:t>
+                        <a:t>1990-07-05</a:t>
                       </a:r>
                       <a:endParaRPr lang="ru-RU" dirty="0"/>
                     </a:p>
@@ -4203,7 +4203,7 @@
                     <a:p>
                       <a:r>
                         <a:rPr lang="en-US" dirty="0"/>
-                        <a:t>1983-02-20</a:t>
+                        <a:t>1989-05-21</a:t>
                       </a:r>
                       <a:endParaRPr lang="ru-RU" dirty="0"/>
                     </a:p>
@@ -4252,7 +4252,7 @@
                     <a:p>
                       <a:r>
                         <a:rPr lang="en-US" dirty="0"/>
-                        <a:t>1998-11-26</a:t>
+                        <a:t>1988-10-16</a:t>
                       </a:r>
                       <a:endParaRPr lang="ru-RU" dirty="0"/>
                     </a:p>
@@ -4301,7 +4301,7 @@
                     <a:p>
                       <a:r>
                         <a:rPr lang="en-US" dirty="0"/>
-                        <a:t>1997-11-28</a:t>
+                        <a:t>1980-11-01</a:t>
                       </a:r>
                       <a:endParaRPr lang="ru-RU" dirty="0"/>
                     </a:p>
@@ -4350,7 +4350,7 @@
                     <a:p>
                       <a:r>
                         <a:rPr lang="en-US" dirty="0"/>
-                        <a:t>1984-02-10</a:t>
+                        <a:t>1997-06-19</a:t>
                       </a:r>
                       <a:endParaRPr lang="ru-RU" dirty="0"/>
                     </a:p>
@@ -4399,7 +4399,7 @@
                     <a:p>
                       <a:r>
                         <a:rPr lang="en-US" dirty="0"/>
-                        <a:t>1995-01-12</a:t>
+                        <a:t>1993-10-07</a:t>
                       </a:r>
                       <a:endParaRPr lang="ru-RU" dirty="0"/>
                     </a:p>
@@ -4448,7 +4448,105 @@
                     <a:p>
                       <a:r>
                         <a:rPr lang="en-US" dirty="0"/>
-                        <a:t>1989-10-17</a:t>
+                        <a:t>1986-11-10</a:t>
+                      </a:r>
+                      <a:endParaRPr lang="ru-RU" dirty="0"/>
+                    </a:p>
+                  </a:txBody>
+                  <a:tcPr/>
+                </a:tc>
+                <a:extLst>
+                  <a:ext uri="{0D108BD9-81ED-4DB2-BD59-A6C34878D82A}">
+                    <a16:rowId xmlns:a16="http://schemas.microsoft.com/office/drawing/2014/main" val="109181570"/>
+                  </a:ext>
+                </a:extLst>
+              </a:tr>
+              <a:tr h="370840">
+                <a:tc>
+                  <a:txBody>
+                    <a:bodyPr/>
+                    <a:lstStyle/>
+                    <a:p>
+                      <a:r>
+                        <a:rPr lang="en-US"/>
+                        <a:t>Employee #9</a:t>
+                      </a:r>
+                      <a:endParaRPr lang="ru-RU" dirty="0"/>
+                    </a:p>
+                  </a:txBody>
+                  <a:tcPr/>
+                </a:tc>
+                <a:tc>
+                  <a:txBody>
+                    <a:bodyPr/>
+                    <a:lstStyle/>
+                    <a:p>
+                      <a:r>
+                        <a:rPr lang="en-US" dirty="0"/>
+                        <a:t>emp9@company1.test</a:t>
+                      </a:r>
+                      <a:endParaRPr lang="ru-RU" dirty="0"/>
+                    </a:p>
+                  </a:txBody>
+                  <a:tcPr/>
+                </a:tc>
+                <a:tc>
+                  <a:txBody>
+                    <a:bodyPr/>
+                    <a:lstStyle/>
+                    <a:p>
+                      <a:r>
+                        <a:rPr lang="en-US" dirty="0"/>
+                        <a:t>1995-01-21</a:t>
+                      </a:r>
+                      <a:endParaRPr lang="ru-RU" dirty="0"/>
+                    </a:p>
+                  </a:txBody>
+                  <a:tcPr/>
+                </a:tc>
+                <a:extLst>
+                  <a:ext uri="{0D108BD9-81ED-4DB2-BD59-A6C34878D82A}">
+                    <a16:rowId xmlns:a16="http://schemas.microsoft.com/office/drawing/2014/main" val="109181570"/>
+                  </a:ext>
+                </a:extLst>
+              </a:tr>
+              <a:tr h="370840">
+                <a:tc>
+                  <a:txBody>
+                    <a:bodyPr/>
+                    <a:lstStyle/>
+                    <a:p>
+                      <a:r>
+                        <a:rPr lang="en-US"/>
+                        <a:t>Employee #10</a:t>
+                      </a:r>
+                      <a:endParaRPr lang="ru-RU" dirty="0"/>
+                    </a:p>
+                  </a:txBody>
+                  <a:tcPr/>
+                </a:tc>
+                <a:tc>
+                  <a:txBody>
+                    <a:bodyPr/>
+                    <a:lstStyle/>
+                    <a:p>
+                      <a:r>
+                        <a:rPr lang="en-US" dirty="0"/>
+                        <a:t>emp10@company1.test</a:t>
+                      </a:r>
+                      <a:endParaRPr lang="ru-RU" dirty="0"/>
+                    </a:p>
+                  </a:txBody>
+                  <a:tcPr/>
+                </a:tc>
+                <a:tc>
+                  <a:txBody>
+                    <a:bodyPr/>
+                    <a:lstStyle/>
+                    <a:p>
+                      <a:r>
+                        <a:rPr lang="en-US" dirty="0"/>
+                        <a:t>1993-03-17</a:t>
                       </a:r>
                       <a:endParaRPr lang="ru-RU" dirty="0"/>
                     </a:p>
@@ -4682,7 +4780,7 @@
                     <a:p>
                       <a:r>
                         <a:rPr lang="en-US" dirty="0"/>
-                        <a:t>1993-06-08</a:t>
+                        <a:t>1984-03-30</a:t>
                       </a:r>
                       <a:endParaRPr lang="ru-RU" dirty="0"/>
                     </a:p>
@@ -4731,7 +4829,7 @@
                     <a:p>
                       <a:r>
                         <a:rPr lang="en-US" dirty="0"/>
-                        <a:t>1990-09-28</a:t>
+                        <a:t>1992-03-12</a:t>
                       </a:r>
                       <a:endParaRPr lang="ru-RU" dirty="0"/>
                     </a:p>
@@ -4780,7 +4878,7 @@
                     <a:p>
                       <a:r>
                         <a:rPr lang="en-US" dirty="0"/>
-                        <a:t>1996-01-29</a:t>
+                        <a:t>1989-08-04</a:t>
                       </a:r>
                       <a:endParaRPr lang="ru-RU" dirty="0"/>
                     </a:p>
@@ -4829,7 +4927,7 @@
                     <a:p>
                       <a:r>
                         <a:rPr lang="en-US" dirty="0"/>
-                        <a:t>1999-07-28</a:t>
+                        <a:t>1999-04-16</a:t>
                       </a:r>
                       <a:endParaRPr lang="ru-RU" dirty="0"/>
                     </a:p>
@@ -5063,7 +5161,7 @@
                     <a:p>
                       <a:r>
                         <a:rPr lang="en-US" dirty="0"/>
-                        <a:t>1996-10-11</a:t>
+                        <a:t>1991-09-17</a:t>
                       </a:r>
                       <a:endParaRPr lang="ru-RU" dirty="0"/>
                     </a:p>
@@ -5112,7 +5210,7 @@
                     <a:p>
                       <a:r>
                         <a:rPr lang="en-US" dirty="0"/>
-                        <a:t>1999-03-17</a:t>
+                        <a:t>1999-03-22</a:t>
                       </a:r>
                       <a:endParaRPr lang="ru-RU" dirty="0"/>
                     </a:p>
@@ -5161,7 +5259,7 @@
                     <a:p>
                       <a:r>
                         <a:rPr lang="en-US" dirty="0"/>
-                        <a:t>1980-04-25</a:t>
+                        <a:t>1982-07-14</a:t>
                       </a:r>
                       <a:endParaRPr lang="ru-RU" dirty="0"/>
                     </a:p>
@@ -5210,7 +5308,7 @@
                     <a:p>
                       <a:r>
                         <a:rPr lang="en-US" dirty="0"/>
-                        <a:t>1988-10-29</a:t>
+                        <a:t>1987-06-03</a:t>
                       </a:r>
                       <a:endParaRPr lang="ru-RU" dirty="0"/>
                     </a:p>
@@ -5259,7 +5357,252 @@
                     <a:p>
                       <a:r>
                         <a:rPr lang="en-US" dirty="0"/>
-                        <a:t>1997-07-05</a:t>
+                        <a:t>1990-08-13</a:t>
+                      </a:r>
+                      <a:endParaRPr lang="ru-RU" dirty="0"/>
+                    </a:p>
+                  </a:txBody>
+                  <a:tcPr/>
+                </a:tc>
+                <a:extLst>
+                  <a:ext uri="{0D108BD9-81ED-4DB2-BD59-A6C34878D82A}">
+                    <a16:rowId xmlns:a16="http://schemas.microsoft.com/office/drawing/2014/main" val="109181570"/>
+                  </a:ext>
+                </a:extLst>
+              </a:tr>
+              <a:tr h="370840">
+                <a:tc>
+                  <a:txBody>
+                    <a:bodyPr/>
+                    <a:lstStyle/>
+                    <a:p>
+                      <a:r>
+                        <a:rPr lang="en-US"/>
+                        <a:t>Employee #6</a:t>
+                      </a:r>
+                      <a:endParaRPr lang="ru-RU" dirty="0"/>
+                    </a:p>
+                  </a:txBody>
+                  <a:tcPr/>
+                </a:tc>
+                <a:tc>
+                  <a:txBody>
+                    <a:bodyPr/>
+                    <a:lstStyle/>
+                    <a:p>
+                      <a:r>
+                        <a:rPr lang="en-US" dirty="0"/>
+                        <a:t>emp6@company3.test</a:t>
+                      </a:r>
+                      <a:endParaRPr lang="ru-RU" dirty="0"/>
+                    </a:p>
+                  </a:txBody>
+                  <a:tcPr/>
+                </a:tc>
+                <a:tc>
+                  <a:txBody>
+                    <a:bodyPr/>
+                    <a:lstStyle/>
+                    <a:p>
+                      <a:r>
+                        <a:rPr lang="en-US" dirty="0"/>
+                        <a:t>1986-05-15</a:t>
+                      </a:r>
+                      <a:endParaRPr lang="ru-RU" dirty="0"/>
+                    </a:p>
+                  </a:txBody>
+                  <a:tcPr/>
+                </a:tc>
+                <a:extLst>
+                  <a:ext uri="{0D108BD9-81ED-4DB2-BD59-A6C34878D82A}">
+                    <a16:rowId xmlns:a16="http://schemas.microsoft.com/office/drawing/2014/main" val="109181570"/>
+                  </a:ext>
+                </a:extLst>
+              </a:tr>
+              <a:tr h="370840">
+                <a:tc>
+                  <a:txBody>
+                    <a:bodyPr/>
+                    <a:lstStyle/>
+                    <a:p>
+                      <a:r>
+                        <a:rPr lang="en-US"/>
+                        <a:t>Employee #7</a:t>
+                      </a:r>
+                      <a:endParaRPr lang="ru-RU" dirty="0"/>
+                    </a:p>
+                  </a:txBody>
+                  <a:tcPr/>
+                </a:tc>
+                <a:tc>
+                  <a:txBody>
+                    <a:bodyPr/>
+                    <a:lstStyle/>
+                    <a:p>
+                      <a:r>
+                        <a:rPr lang="en-US" dirty="0"/>
+                        <a:t>emp7@company3.test</a:t>
+                      </a:r>
+                      <a:endParaRPr lang="ru-RU" dirty="0"/>
+                    </a:p>
+                  </a:txBody>
+                  <a:tcPr/>
+                </a:tc>
+                <a:tc>
+                  <a:txBody>
+                    <a:bodyPr/>
+                    <a:lstStyle/>
+                    <a:p>
+                      <a:r>
+                        <a:rPr lang="en-US" dirty="0"/>
+                        <a:t>1993-01-12</a:t>
+                      </a:r>
+                      <a:endParaRPr lang="ru-RU" dirty="0"/>
+                    </a:p>
+                  </a:txBody>
+                  <a:tcPr/>
+                </a:tc>
+                <a:extLst>
+                  <a:ext uri="{0D108BD9-81ED-4DB2-BD59-A6C34878D82A}">
+                    <a16:rowId xmlns:a16="http://schemas.microsoft.com/office/drawing/2014/main" val="109181570"/>
+                  </a:ext>
+                </a:extLst>
+              </a:tr>
+              <a:tr h="370840">
+                <a:tc>
+                  <a:txBody>
+                    <a:bodyPr/>
+                    <a:lstStyle/>
+                    <a:p>
+                      <a:r>
+                        <a:rPr lang="en-US"/>
+                        <a:t>Employee #8</a:t>
+                      </a:r>
+                      <a:endParaRPr lang="ru-RU" dirty="0"/>
+                    </a:p>
+                  </a:txBody>
+                  <a:tcPr/>
+                </a:tc>
+                <a:tc>
+                  <a:txBody>
+                    <a:bodyPr/>
+                    <a:lstStyle/>
+                    <a:p>
+                      <a:r>
+                        <a:rPr lang="en-US" dirty="0"/>
+                        <a:t>emp8@company3.test</a:t>
+                      </a:r>
+                      <a:endParaRPr lang="ru-RU" dirty="0"/>
+                    </a:p>
+                  </a:txBody>
+                  <a:tcPr/>
+                </a:tc>
+                <a:tc>
+                  <a:txBody>
+                    <a:bodyPr/>
+                    <a:lstStyle/>
+                    <a:p>
+                      <a:r>
+                        <a:rPr lang="en-US" dirty="0"/>
+                        <a:t>1992-06-19</a:t>
+                      </a:r>
+                      <a:endParaRPr lang="ru-RU" dirty="0"/>
+                    </a:p>
+                  </a:txBody>
+                  <a:tcPr/>
+                </a:tc>
+                <a:extLst>
+                  <a:ext uri="{0D108BD9-81ED-4DB2-BD59-A6C34878D82A}">
+                    <a16:rowId xmlns:a16="http://schemas.microsoft.com/office/drawing/2014/main" val="109181570"/>
+                  </a:ext>
+                </a:extLst>
+              </a:tr>
+              <a:tr h="370840">
+                <a:tc>
+                  <a:txBody>
+                    <a:bodyPr/>
+                    <a:lstStyle/>
+                    <a:p>
+                      <a:r>
+                        <a:rPr lang="en-US"/>
+                        <a:t>Employee #9</a:t>
+                      </a:r>
+                      <a:endParaRPr lang="ru-RU" dirty="0"/>
+                    </a:p>
+                  </a:txBody>
+                  <a:tcPr/>
+                </a:tc>
+                <a:tc>
+                  <a:txBody>
+                    <a:bodyPr/>
+                    <a:lstStyle/>
+                    <a:p>
+                      <a:r>
+                        <a:rPr lang="en-US" dirty="0"/>
+                        <a:t>emp9@company3.test</a:t>
+                      </a:r>
+                      <a:endParaRPr lang="ru-RU" dirty="0"/>
+                    </a:p>
+                  </a:txBody>
+                  <a:tcPr/>
+                </a:tc>
+                <a:tc>
+                  <a:txBody>
+                    <a:bodyPr/>
+                    <a:lstStyle/>
+                    <a:p>
+                      <a:r>
+                        <a:rPr lang="en-US" dirty="0"/>
+                        <a:t>1999-09-07</a:t>
+                      </a:r>
+                      <a:endParaRPr lang="ru-RU" dirty="0"/>
+                    </a:p>
+                  </a:txBody>
+                  <a:tcPr/>
+                </a:tc>
+                <a:extLst>
+                  <a:ext uri="{0D108BD9-81ED-4DB2-BD59-A6C34878D82A}">
+                    <a16:rowId xmlns:a16="http://schemas.microsoft.com/office/drawing/2014/main" val="109181570"/>
+                  </a:ext>
+                </a:extLst>
+              </a:tr>
+              <a:tr h="370840">
+                <a:tc>
+                  <a:txBody>
+                    <a:bodyPr/>
+                    <a:lstStyle/>
+                    <a:p>
+                      <a:r>
+                        <a:rPr lang="en-US"/>
+                        <a:t>Employee #10</a:t>
+                      </a:r>
+                      <a:endParaRPr lang="ru-RU" dirty="0"/>
+                    </a:p>
+                  </a:txBody>
+                  <a:tcPr/>
+                </a:tc>
+                <a:tc>
+                  <a:txBody>
+                    <a:bodyPr/>
+                    <a:lstStyle/>
+                    <a:p>
+                      <a:r>
+                        <a:rPr lang="en-US" dirty="0"/>
+                        <a:t>emp10@company3.test</a:t>
+                      </a:r>
+                      <a:endParaRPr lang="ru-RU" dirty="0"/>
+                    </a:p>
+                  </a:txBody>
+                  <a:tcPr/>
+                </a:tc>
+                <a:tc>
+                  <a:txBody>
+                    <a:bodyPr/>
+                    <a:lstStyle/>
+                    <a:p>
+                      <a:r>
+                        <a:rPr lang="en-US" dirty="0"/>
+                        <a:t>1993-02-20</a:t>
                       </a:r>
                       <a:endParaRPr lang="ru-RU" dirty="0"/>
                     </a:p>

--- a/Test/Presentations/template_result.pptx
+++ b/Test/Presentations/template_result.pptx
@@ -8,11 +8,11 @@
     <p:notesMasterId r:id="rId5"/>
   </p:notesMasterIdLst>
   <p:sldIdLst>
-    <p:sldId id="259" r:id="Ra90ed9a7c1e54188"/>
-    <p:sldId id="260" r:id="Rf6de19c244794b29"/>
-    <p:sldId id="261" r:id="R86b663a6d3ce4ea5"/>
-    <p:sldId id="262" r:id="R01e2d958c67c49b5"/>
-    <p:sldId id="263" r:id="Ra0a702294bb8481b"/>
+    <p:sldId id="259" r:id="R64eef15c313e499e"/>
+    <p:sldId id="260" r:id="R200d44c512ae45cc"/>
+    <p:sldId id="261" r:id="R61c0a0fbf21e4c0b"/>
+    <p:sldId id="262" r:id="Reade5ce6e80548b3"/>
+    <p:sldId id="263" r:id="R58ed946af4614964"/>
   </p:sldIdLst>
   <p:sldSz cx="12192000" cy="6858000"/>
   <p:notesSz cx="6858000" cy="9144000"/>
@@ -3744,7 +3744,7 @@
                   </a:schemeClr>
                 </a:solidFill>
               </a:rPr>
-              <a:t>Date: 29.01.2024 16:47</a:t>
+              <a:t>Date: 06.03.2024 14:24</a:t>
             </a:r>
             <a:endParaRPr lang="ru-RU" dirty="0">
               <a:solidFill>
@@ -3824,7 +3824,7 @@
                   </a:schemeClr>
                 </a:solidFill>
               </a:rPr>
-              <a:t>29 January 2024</a:t>
+              <a:t>06 March 2024</a:t>
             </a:r>
             <a:endParaRPr lang="ru-RU" sz="2000" dirty="0"/>
           </a:p>
@@ -4105,7 +4105,7 @@
                     <a:p>
                       <a:r>
                         <a:rPr lang="en-US" dirty="0"/>
-                        <a:t>1987-06-29</a:t>
+                        <a:t>1992-07-29</a:t>
                       </a:r>
                       <a:endParaRPr lang="ru-RU" dirty="0"/>
                     </a:p>
@@ -4154,7 +4154,7 @@
                     <a:p>
                       <a:r>
                         <a:rPr lang="en-US" dirty="0"/>
-                        <a:t>1990-07-05</a:t>
+                        <a:t>1991-03-27</a:t>
                       </a:r>
                       <a:endParaRPr lang="ru-RU" dirty="0"/>
                     </a:p>
@@ -4203,7 +4203,7 @@
                     <a:p>
                       <a:r>
                         <a:rPr lang="en-US" dirty="0"/>
-                        <a:t>1989-05-21</a:t>
+                        <a:t>1994-05-12</a:t>
                       </a:r>
                       <a:endParaRPr lang="ru-RU" dirty="0"/>
                     </a:p>
@@ -4252,7 +4252,7 @@
                     <a:p>
                       <a:r>
                         <a:rPr lang="en-US" dirty="0"/>
-                        <a:t>1988-10-16</a:t>
+                        <a:t>1999-08-03</a:t>
                       </a:r>
                       <a:endParaRPr lang="ru-RU" dirty="0"/>
                     </a:p>
@@ -4301,7 +4301,7 @@
                     <a:p>
                       <a:r>
                         <a:rPr lang="en-US" dirty="0"/>
-                        <a:t>1980-11-01</a:t>
+                        <a:t>1997-01-12</a:t>
                       </a:r>
                       <a:endParaRPr lang="ru-RU" dirty="0"/>
                     </a:p>
@@ -4350,203 +4350,7 @@
                     <a:p>
                       <a:r>
                         <a:rPr lang="en-US" dirty="0"/>
-                        <a:t>1997-06-19</a:t>
-                      </a:r>
-                      <a:endParaRPr lang="ru-RU" dirty="0"/>
-                    </a:p>
-                  </a:txBody>
-                  <a:tcPr/>
-                </a:tc>
-                <a:extLst>
-                  <a:ext uri="{0D108BD9-81ED-4DB2-BD59-A6C34878D82A}">
-                    <a16:rowId xmlns:a16="http://schemas.microsoft.com/office/drawing/2014/main" val="109181570"/>
-                  </a:ext>
-                </a:extLst>
-              </a:tr>
-              <a:tr h="370840">
-                <a:tc>
-                  <a:txBody>
-                    <a:bodyPr/>
-                    <a:lstStyle/>
-                    <a:p>
-                      <a:r>
-                        <a:rPr lang="en-US"/>
-                        <a:t>Employee #7</a:t>
-                      </a:r>
-                      <a:endParaRPr lang="ru-RU" dirty="0"/>
-                    </a:p>
-                  </a:txBody>
-                  <a:tcPr/>
-                </a:tc>
-                <a:tc>
-                  <a:txBody>
-                    <a:bodyPr/>
-                    <a:lstStyle/>
-                    <a:p>
-                      <a:r>
-                        <a:rPr lang="en-US" dirty="0"/>
-                        <a:t>emp7@company1.test</a:t>
-                      </a:r>
-                      <a:endParaRPr lang="ru-RU" dirty="0"/>
-                    </a:p>
-                  </a:txBody>
-                  <a:tcPr/>
-                </a:tc>
-                <a:tc>
-                  <a:txBody>
-                    <a:bodyPr/>
-                    <a:lstStyle/>
-                    <a:p>
-                      <a:r>
-                        <a:rPr lang="en-US" dirty="0"/>
-                        <a:t>1993-10-07</a:t>
-                      </a:r>
-                      <a:endParaRPr lang="ru-RU" dirty="0"/>
-                    </a:p>
-                  </a:txBody>
-                  <a:tcPr/>
-                </a:tc>
-                <a:extLst>
-                  <a:ext uri="{0D108BD9-81ED-4DB2-BD59-A6C34878D82A}">
-                    <a16:rowId xmlns:a16="http://schemas.microsoft.com/office/drawing/2014/main" val="109181570"/>
-                  </a:ext>
-                </a:extLst>
-              </a:tr>
-              <a:tr h="370840">
-                <a:tc>
-                  <a:txBody>
-                    <a:bodyPr/>
-                    <a:lstStyle/>
-                    <a:p>
-                      <a:r>
-                        <a:rPr lang="en-US"/>
-                        <a:t>Employee #8</a:t>
-                      </a:r>
-                      <a:endParaRPr lang="ru-RU" dirty="0"/>
-                    </a:p>
-                  </a:txBody>
-                  <a:tcPr/>
-                </a:tc>
-                <a:tc>
-                  <a:txBody>
-                    <a:bodyPr/>
-                    <a:lstStyle/>
-                    <a:p>
-                      <a:r>
-                        <a:rPr lang="en-US" dirty="0"/>
-                        <a:t>emp8@company1.test</a:t>
-                      </a:r>
-                      <a:endParaRPr lang="ru-RU" dirty="0"/>
-                    </a:p>
-                  </a:txBody>
-                  <a:tcPr/>
-                </a:tc>
-                <a:tc>
-                  <a:txBody>
-                    <a:bodyPr/>
-                    <a:lstStyle/>
-                    <a:p>
-                      <a:r>
-                        <a:rPr lang="en-US" dirty="0"/>
-                        <a:t>1986-11-10</a:t>
-                      </a:r>
-                      <a:endParaRPr lang="ru-RU" dirty="0"/>
-                    </a:p>
-                  </a:txBody>
-                  <a:tcPr/>
-                </a:tc>
-                <a:extLst>
-                  <a:ext uri="{0D108BD9-81ED-4DB2-BD59-A6C34878D82A}">
-                    <a16:rowId xmlns:a16="http://schemas.microsoft.com/office/drawing/2014/main" val="109181570"/>
-                  </a:ext>
-                </a:extLst>
-              </a:tr>
-              <a:tr h="370840">
-                <a:tc>
-                  <a:txBody>
-                    <a:bodyPr/>
-                    <a:lstStyle/>
-                    <a:p>
-                      <a:r>
-                        <a:rPr lang="en-US"/>
-                        <a:t>Employee #9</a:t>
-                      </a:r>
-                      <a:endParaRPr lang="ru-RU" dirty="0"/>
-                    </a:p>
-                  </a:txBody>
-                  <a:tcPr/>
-                </a:tc>
-                <a:tc>
-                  <a:txBody>
-                    <a:bodyPr/>
-                    <a:lstStyle/>
-                    <a:p>
-                      <a:r>
-                        <a:rPr lang="en-US" dirty="0"/>
-                        <a:t>emp9@company1.test</a:t>
-                      </a:r>
-                      <a:endParaRPr lang="ru-RU" dirty="0"/>
-                    </a:p>
-                  </a:txBody>
-                  <a:tcPr/>
-                </a:tc>
-                <a:tc>
-                  <a:txBody>
-                    <a:bodyPr/>
-                    <a:lstStyle/>
-                    <a:p>
-                      <a:r>
-                        <a:rPr lang="en-US" dirty="0"/>
-                        <a:t>1995-01-21</a:t>
-                      </a:r>
-                      <a:endParaRPr lang="ru-RU" dirty="0"/>
-                    </a:p>
-                  </a:txBody>
-                  <a:tcPr/>
-                </a:tc>
-                <a:extLst>
-                  <a:ext uri="{0D108BD9-81ED-4DB2-BD59-A6C34878D82A}">
-                    <a16:rowId xmlns:a16="http://schemas.microsoft.com/office/drawing/2014/main" val="109181570"/>
-                  </a:ext>
-                </a:extLst>
-              </a:tr>
-              <a:tr h="370840">
-                <a:tc>
-                  <a:txBody>
-                    <a:bodyPr/>
-                    <a:lstStyle/>
-                    <a:p>
-                      <a:r>
-                        <a:rPr lang="en-US"/>
-                        <a:t>Employee #10</a:t>
-                      </a:r>
-                      <a:endParaRPr lang="ru-RU" dirty="0"/>
-                    </a:p>
-                  </a:txBody>
-                  <a:tcPr/>
-                </a:tc>
-                <a:tc>
-                  <a:txBody>
-                    <a:bodyPr/>
-                    <a:lstStyle/>
-                    <a:p>
-                      <a:r>
-                        <a:rPr lang="en-US" dirty="0"/>
-                        <a:t>emp10@company1.test</a:t>
-                      </a:r>
-                      <a:endParaRPr lang="ru-RU" dirty="0"/>
-                    </a:p>
-                  </a:txBody>
-                  <a:tcPr/>
-                </a:tc>
-                <a:tc>
-                  <a:txBody>
-                    <a:bodyPr/>
-                    <a:lstStyle/>
-                    <a:p>
-                      <a:r>
-                        <a:rPr lang="en-US" dirty="0"/>
-                        <a:t>1993-03-17</a:t>
+                        <a:t>1987-05-10</a:t>
                       </a:r>
                       <a:endParaRPr lang="ru-RU" dirty="0"/>
                     </a:p>
@@ -4780,7 +4584,7 @@
                     <a:p>
                       <a:r>
                         <a:rPr lang="en-US" dirty="0"/>
-                        <a:t>1984-03-30</a:t>
+                        <a:t>1993-04-11</a:t>
                       </a:r>
                       <a:endParaRPr lang="ru-RU" dirty="0"/>
                     </a:p>
@@ -4829,7 +4633,7 @@
                     <a:p>
                       <a:r>
                         <a:rPr lang="en-US" dirty="0"/>
-                        <a:t>1992-03-12</a:t>
+                        <a:t>1986-10-12</a:t>
                       </a:r>
                       <a:endParaRPr lang="ru-RU" dirty="0"/>
                     </a:p>
@@ -4878,7 +4682,7 @@
                     <a:p>
                       <a:r>
                         <a:rPr lang="en-US" dirty="0"/>
-                        <a:t>1989-08-04</a:t>
+                        <a:t>1997-04-14</a:t>
                       </a:r>
                       <a:endParaRPr lang="ru-RU" dirty="0"/>
                     </a:p>
@@ -4927,7 +4731,105 @@
                     <a:p>
                       <a:r>
                         <a:rPr lang="en-US" dirty="0"/>
-                        <a:t>1999-04-16</a:t>
+                        <a:t>1992-07-15</a:t>
+                      </a:r>
+                      <a:endParaRPr lang="ru-RU" dirty="0"/>
+                    </a:p>
+                  </a:txBody>
+                  <a:tcPr/>
+                </a:tc>
+                <a:extLst>
+                  <a:ext uri="{0D108BD9-81ED-4DB2-BD59-A6C34878D82A}">
+                    <a16:rowId xmlns:a16="http://schemas.microsoft.com/office/drawing/2014/main" val="109181570"/>
+                  </a:ext>
+                </a:extLst>
+              </a:tr>
+              <a:tr h="370840">
+                <a:tc>
+                  <a:txBody>
+                    <a:bodyPr/>
+                    <a:lstStyle/>
+                    <a:p>
+                      <a:r>
+                        <a:rPr lang="en-US"/>
+                        <a:t>Employee #5</a:t>
+                      </a:r>
+                      <a:endParaRPr lang="ru-RU" dirty="0"/>
+                    </a:p>
+                  </a:txBody>
+                  <a:tcPr/>
+                </a:tc>
+                <a:tc>
+                  <a:txBody>
+                    <a:bodyPr/>
+                    <a:lstStyle/>
+                    <a:p>
+                      <a:r>
+                        <a:rPr lang="en-US" dirty="0"/>
+                        <a:t>emp5@company2.test</a:t>
+                      </a:r>
+                      <a:endParaRPr lang="ru-RU" dirty="0"/>
+                    </a:p>
+                  </a:txBody>
+                  <a:tcPr/>
+                </a:tc>
+                <a:tc>
+                  <a:txBody>
+                    <a:bodyPr/>
+                    <a:lstStyle/>
+                    <a:p>
+                      <a:r>
+                        <a:rPr lang="en-US" dirty="0"/>
+                        <a:t>1997-04-12</a:t>
+                      </a:r>
+                      <a:endParaRPr lang="ru-RU" dirty="0"/>
+                    </a:p>
+                  </a:txBody>
+                  <a:tcPr/>
+                </a:tc>
+                <a:extLst>
+                  <a:ext uri="{0D108BD9-81ED-4DB2-BD59-A6C34878D82A}">
+                    <a16:rowId xmlns:a16="http://schemas.microsoft.com/office/drawing/2014/main" val="109181570"/>
+                  </a:ext>
+                </a:extLst>
+              </a:tr>
+              <a:tr h="370840">
+                <a:tc>
+                  <a:txBody>
+                    <a:bodyPr/>
+                    <a:lstStyle/>
+                    <a:p>
+                      <a:r>
+                        <a:rPr lang="en-US"/>
+                        <a:t>Employee #6</a:t>
+                      </a:r>
+                      <a:endParaRPr lang="ru-RU" dirty="0"/>
+                    </a:p>
+                  </a:txBody>
+                  <a:tcPr/>
+                </a:tc>
+                <a:tc>
+                  <a:txBody>
+                    <a:bodyPr/>
+                    <a:lstStyle/>
+                    <a:p>
+                      <a:r>
+                        <a:rPr lang="en-US" dirty="0"/>
+                        <a:t>emp6@company2.test</a:t>
+                      </a:r>
+                      <a:endParaRPr lang="ru-RU" dirty="0"/>
+                    </a:p>
+                  </a:txBody>
+                  <a:tcPr/>
+                </a:tc>
+                <a:tc>
+                  <a:txBody>
+                    <a:bodyPr/>
+                    <a:lstStyle/>
+                    <a:p>
+                      <a:r>
+                        <a:rPr lang="en-US" dirty="0"/>
+                        <a:t>1993-09-14</a:t>
                       </a:r>
                       <a:endParaRPr lang="ru-RU" dirty="0"/>
                     </a:p>
@@ -5161,7 +5063,7 @@
                     <a:p>
                       <a:r>
                         <a:rPr lang="en-US" dirty="0"/>
-                        <a:t>1991-09-17</a:t>
+                        <a:t>1994-07-18</a:t>
                       </a:r>
                       <a:endParaRPr lang="ru-RU" dirty="0"/>
                     </a:p>
@@ -5210,7 +5112,7 @@
                     <a:p>
                       <a:r>
                         <a:rPr lang="en-US" dirty="0"/>
-                        <a:t>1999-03-22</a:t>
+                        <a:t>1993-04-15</a:t>
                       </a:r>
                       <a:endParaRPr lang="ru-RU" dirty="0"/>
                     </a:p>
@@ -5259,7 +5161,7 @@
                     <a:p>
                       <a:r>
                         <a:rPr lang="en-US" dirty="0"/>
-                        <a:t>1982-07-14</a:t>
+                        <a:t>1998-02-15</a:t>
                       </a:r>
                       <a:endParaRPr lang="ru-RU" dirty="0"/>
                     </a:p>
@@ -5308,7 +5210,7 @@
                     <a:p>
                       <a:r>
                         <a:rPr lang="en-US" dirty="0"/>
-                        <a:t>1987-06-03</a:t>
+                        <a:t>1993-08-29</a:t>
                       </a:r>
                       <a:endParaRPr lang="ru-RU" dirty="0"/>
                     </a:p>
@@ -5357,7 +5259,7 @@
                     <a:p>
                       <a:r>
                         <a:rPr lang="en-US" dirty="0"/>
-                        <a:t>1990-08-13</a:t>
+                        <a:t>1980-06-28</a:t>
                       </a:r>
                       <a:endParaRPr lang="ru-RU" dirty="0"/>
                     </a:p>
@@ -5406,7 +5308,7 @@
                     <a:p>
                       <a:r>
                         <a:rPr lang="en-US" dirty="0"/>
-                        <a:t>1986-05-15</a:t>
+                        <a:t>1993-08-03</a:t>
                       </a:r>
                       <a:endParaRPr lang="ru-RU" dirty="0"/>
                     </a:p>
@@ -5455,7 +5357,7 @@
                     <a:p>
                       <a:r>
                         <a:rPr lang="en-US" dirty="0"/>
-                        <a:t>1993-01-12</a:t>
+                        <a:t>1987-04-26</a:t>
                       </a:r>
                       <a:endParaRPr lang="ru-RU" dirty="0"/>
                     </a:p>
@@ -5504,7 +5406,7 @@
                     <a:p>
                       <a:r>
                         <a:rPr lang="en-US" dirty="0"/>
-                        <a:t>1992-06-19</a:t>
+                        <a:t>1992-09-16</a:t>
                       </a:r>
                       <a:endParaRPr lang="ru-RU" dirty="0"/>
                     </a:p>
@@ -5553,56 +5455,7 @@
                     <a:p>
                       <a:r>
                         <a:rPr lang="en-US" dirty="0"/>
-                        <a:t>1999-09-07</a:t>
-                      </a:r>
-                      <a:endParaRPr lang="ru-RU" dirty="0"/>
-                    </a:p>
-                  </a:txBody>
-                  <a:tcPr/>
-                </a:tc>
-                <a:extLst>
-                  <a:ext uri="{0D108BD9-81ED-4DB2-BD59-A6C34878D82A}">
-                    <a16:rowId xmlns:a16="http://schemas.microsoft.com/office/drawing/2014/main" val="109181570"/>
-                  </a:ext>
-                </a:extLst>
-              </a:tr>
-              <a:tr h="370840">
-                <a:tc>
-                  <a:txBody>
-                    <a:bodyPr/>
-                    <a:lstStyle/>
-                    <a:p>
-                      <a:r>
-                        <a:rPr lang="en-US"/>
-                        <a:t>Employee #10</a:t>
-                      </a:r>
-                      <a:endParaRPr lang="ru-RU" dirty="0"/>
-                    </a:p>
-                  </a:txBody>
-                  <a:tcPr/>
-                </a:tc>
-                <a:tc>
-                  <a:txBody>
-                    <a:bodyPr/>
-                    <a:lstStyle/>
-                    <a:p>
-                      <a:r>
-                        <a:rPr lang="en-US" dirty="0"/>
-                        <a:t>emp10@company3.test</a:t>
-                      </a:r>
-                      <a:endParaRPr lang="ru-RU" dirty="0"/>
-                    </a:p>
-                  </a:txBody>
-                  <a:tcPr/>
-                </a:tc>
-                <a:tc>
-                  <a:txBody>
-                    <a:bodyPr/>
-                    <a:lstStyle/>
-                    <a:p>
-                      <a:r>
-                        <a:rPr lang="en-US" dirty="0"/>
-                        <a:t>1993-02-20</a:t>
+                        <a:t>1982-07-02</a:t>
                       </a:r>
                       <a:endParaRPr lang="ru-RU" dirty="0"/>
                     </a:p>

--- a/Test/Presentations/template_result.pptx
+++ b/Test/Presentations/template_result.pptx
@@ -8,11 +8,11 @@
     <p:notesMasterId r:id="rId5"/>
   </p:notesMasterIdLst>
   <p:sldIdLst>
-    <p:sldId id="259" r:id="R64eef15c313e499e"/>
-    <p:sldId id="260" r:id="R200d44c512ae45cc"/>
-    <p:sldId id="261" r:id="R61c0a0fbf21e4c0b"/>
-    <p:sldId id="262" r:id="Reade5ce6e80548b3"/>
-    <p:sldId id="263" r:id="R58ed946af4614964"/>
+    <p:sldId id="259" r:id="Re8564713df364e0d"/>
+    <p:sldId id="260" r:id="R82a6d8e1b0144e06"/>
+    <p:sldId id="261" r:id="R9e51bdd966664f09"/>
+    <p:sldId id="262" r:id="R37374866e1c44c06"/>
+    <p:sldId id="263" r:id="Rff8000796dd54d8c"/>
   </p:sldIdLst>
   <p:sldSz cx="12192000" cy="6858000"/>
   <p:notesSz cx="6858000" cy="9144000"/>
@@ -3744,7 +3744,7 @@
                   </a:schemeClr>
                 </a:solidFill>
               </a:rPr>
-              <a:t>Date: 06.03.2024 14:24</a:t>
+              <a:t>Date: 20.09.2024</a:t>
             </a:r>
             <a:endParaRPr lang="ru-RU" dirty="0">
               <a:solidFill>
@@ -3824,7 +3824,7 @@
                   </a:schemeClr>
                 </a:solidFill>
               </a:rPr>
-              <a:t>06 March 2024</a:t>
+              <a:t>20 September 2024</a:t>
             </a:r>
             <a:endParaRPr lang="ru-RU" sz="2000" dirty="0"/>
           </a:p>
@@ -4105,7 +4105,7 @@
                     <a:p>
                       <a:r>
                         <a:rPr lang="en-US" dirty="0"/>
-                        <a:t>1992-07-29</a:t>
+                        <a:t>1999-09-06</a:t>
                       </a:r>
                       <a:endParaRPr lang="ru-RU" dirty="0"/>
                     </a:p>
@@ -4154,7 +4154,7 @@
                     <a:p>
                       <a:r>
                         <a:rPr lang="en-US" dirty="0"/>
-                        <a:t>1991-03-27</a:t>
+                        <a:t>1988-05-04</a:t>
                       </a:r>
                       <a:endParaRPr lang="ru-RU" dirty="0"/>
                     </a:p>
@@ -4203,7 +4203,7 @@
                     <a:p>
                       <a:r>
                         <a:rPr lang="en-US" dirty="0"/>
-                        <a:t>1994-05-12</a:t>
+                        <a:t>1996-01-09</a:t>
                       </a:r>
                       <a:endParaRPr lang="ru-RU" dirty="0"/>
                     </a:p>
@@ -4252,7 +4252,7 @@
                     <a:p>
                       <a:r>
                         <a:rPr lang="en-US" dirty="0"/>
-                        <a:t>1999-08-03</a:t>
+                        <a:t>1994-06-12</a:t>
                       </a:r>
                       <a:endParaRPr lang="ru-RU" dirty="0"/>
                     </a:p>
@@ -4301,7 +4301,7 @@
                     <a:p>
                       <a:r>
                         <a:rPr lang="en-US" dirty="0"/>
-                        <a:t>1997-01-12</a:t>
+                        <a:t>1984-11-05</a:t>
                       </a:r>
                       <a:endParaRPr lang="ru-RU" dirty="0"/>
                     </a:p>
@@ -4350,7 +4350,105 @@
                     <a:p>
                       <a:r>
                         <a:rPr lang="en-US" dirty="0"/>
-                        <a:t>1987-05-10</a:t>
+                        <a:t>1987-11-21</a:t>
+                      </a:r>
+                      <a:endParaRPr lang="ru-RU" dirty="0"/>
+                    </a:p>
+                  </a:txBody>
+                  <a:tcPr/>
+                </a:tc>
+                <a:extLst>
+                  <a:ext uri="{0D108BD9-81ED-4DB2-BD59-A6C34878D82A}">
+                    <a16:rowId xmlns:a16="http://schemas.microsoft.com/office/drawing/2014/main" val="109181570"/>
+                  </a:ext>
+                </a:extLst>
+              </a:tr>
+              <a:tr h="370840">
+                <a:tc>
+                  <a:txBody>
+                    <a:bodyPr/>
+                    <a:lstStyle/>
+                    <a:p>
+                      <a:r>
+                        <a:rPr lang="en-US"/>
+                        <a:t>Employee #7</a:t>
+                      </a:r>
+                      <a:endParaRPr lang="ru-RU" dirty="0"/>
+                    </a:p>
+                  </a:txBody>
+                  <a:tcPr/>
+                </a:tc>
+                <a:tc>
+                  <a:txBody>
+                    <a:bodyPr/>
+                    <a:lstStyle/>
+                    <a:p>
+                      <a:r>
+                        <a:rPr lang="en-US" dirty="0"/>
+                        <a:t>emp7@company1.test</a:t>
+                      </a:r>
+                      <a:endParaRPr lang="ru-RU" dirty="0"/>
+                    </a:p>
+                  </a:txBody>
+                  <a:tcPr/>
+                </a:tc>
+                <a:tc>
+                  <a:txBody>
+                    <a:bodyPr/>
+                    <a:lstStyle/>
+                    <a:p>
+                      <a:r>
+                        <a:rPr lang="en-US" dirty="0"/>
+                        <a:t>1993-01-14</a:t>
+                      </a:r>
+                      <a:endParaRPr lang="ru-RU" dirty="0"/>
+                    </a:p>
+                  </a:txBody>
+                  <a:tcPr/>
+                </a:tc>
+                <a:extLst>
+                  <a:ext uri="{0D108BD9-81ED-4DB2-BD59-A6C34878D82A}">
+                    <a16:rowId xmlns:a16="http://schemas.microsoft.com/office/drawing/2014/main" val="109181570"/>
+                  </a:ext>
+                </a:extLst>
+              </a:tr>
+              <a:tr h="370840">
+                <a:tc>
+                  <a:txBody>
+                    <a:bodyPr/>
+                    <a:lstStyle/>
+                    <a:p>
+                      <a:r>
+                        <a:rPr lang="en-US"/>
+                        <a:t>Employee #8</a:t>
+                      </a:r>
+                      <a:endParaRPr lang="ru-RU" dirty="0"/>
+                    </a:p>
+                  </a:txBody>
+                  <a:tcPr/>
+                </a:tc>
+                <a:tc>
+                  <a:txBody>
+                    <a:bodyPr/>
+                    <a:lstStyle/>
+                    <a:p>
+                      <a:r>
+                        <a:rPr lang="en-US" dirty="0"/>
+                        <a:t>emp8@company1.test</a:t>
+                      </a:r>
+                      <a:endParaRPr lang="ru-RU" dirty="0"/>
+                    </a:p>
+                  </a:txBody>
+                  <a:tcPr/>
+                </a:tc>
+                <a:tc>
+                  <a:txBody>
+                    <a:bodyPr/>
+                    <a:lstStyle/>
+                    <a:p>
+                      <a:r>
+                        <a:rPr lang="en-US" dirty="0"/>
+                        <a:t>1989-02-16</a:t>
                       </a:r>
                       <a:endParaRPr lang="ru-RU" dirty="0"/>
                     </a:p>
@@ -4584,7 +4682,7 @@
                     <a:p>
                       <a:r>
                         <a:rPr lang="en-US" dirty="0"/>
-                        <a:t>1993-04-11</a:t>
+                        <a:t>1999-03-06</a:t>
                       </a:r>
                       <a:endParaRPr lang="ru-RU" dirty="0"/>
                     </a:p>
@@ -4633,7 +4731,7 @@
                     <a:p>
                       <a:r>
                         <a:rPr lang="en-US" dirty="0"/>
-                        <a:t>1986-10-12</a:t>
+                        <a:t>1988-10-25</a:t>
                       </a:r>
                       <a:endParaRPr lang="ru-RU" dirty="0"/>
                     </a:p>
@@ -4682,7 +4780,7 @@
                     <a:p>
                       <a:r>
                         <a:rPr lang="en-US" dirty="0"/>
-                        <a:t>1997-04-14</a:t>
+                        <a:t>1991-07-20</a:t>
                       </a:r>
                       <a:endParaRPr lang="ru-RU" dirty="0"/>
                     </a:p>
@@ -4731,105 +4829,7 @@
                     <a:p>
                       <a:r>
                         <a:rPr lang="en-US" dirty="0"/>
-                        <a:t>1992-07-15</a:t>
-                      </a:r>
-                      <a:endParaRPr lang="ru-RU" dirty="0"/>
-                    </a:p>
-                  </a:txBody>
-                  <a:tcPr/>
-                </a:tc>
-                <a:extLst>
-                  <a:ext uri="{0D108BD9-81ED-4DB2-BD59-A6C34878D82A}">
-                    <a16:rowId xmlns:a16="http://schemas.microsoft.com/office/drawing/2014/main" val="109181570"/>
-                  </a:ext>
-                </a:extLst>
-              </a:tr>
-              <a:tr h="370840">
-                <a:tc>
-                  <a:txBody>
-                    <a:bodyPr/>
-                    <a:lstStyle/>
-                    <a:p>
-                      <a:r>
-                        <a:rPr lang="en-US"/>
-                        <a:t>Employee #5</a:t>
-                      </a:r>
-                      <a:endParaRPr lang="ru-RU" dirty="0"/>
-                    </a:p>
-                  </a:txBody>
-                  <a:tcPr/>
-                </a:tc>
-                <a:tc>
-                  <a:txBody>
-                    <a:bodyPr/>
-                    <a:lstStyle/>
-                    <a:p>
-                      <a:r>
-                        <a:rPr lang="en-US" dirty="0"/>
-                        <a:t>emp5@company2.test</a:t>
-                      </a:r>
-                      <a:endParaRPr lang="ru-RU" dirty="0"/>
-                    </a:p>
-                  </a:txBody>
-                  <a:tcPr/>
-                </a:tc>
-                <a:tc>
-                  <a:txBody>
-                    <a:bodyPr/>
-                    <a:lstStyle/>
-                    <a:p>
-                      <a:r>
-                        <a:rPr lang="en-US" dirty="0"/>
-                        <a:t>1997-04-12</a:t>
-                      </a:r>
-                      <a:endParaRPr lang="ru-RU" dirty="0"/>
-                    </a:p>
-                  </a:txBody>
-                  <a:tcPr/>
-                </a:tc>
-                <a:extLst>
-                  <a:ext uri="{0D108BD9-81ED-4DB2-BD59-A6C34878D82A}">
-                    <a16:rowId xmlns:a16="http://schemas.microsoft.com/office/drawing/2014/main" val="109181570"/>
-                  </a:ext>
-                </a:extLst>
-              </a:tr>
-              <a:tr h="370840">
-                <a:tc>
-                  <a:txBody>
-                    <a:bodyPr/>
-                    <a:lstStyle/>
-                    <a:p>
-                      <a:r>
-                        <a:rPr lang="en-US"/>
-                        <a:t>Employee #6</a:t>
-                      </a:r>
-                      <a:endParaRPr lang="ru-RU" dirty="0"/>
-                    </a:p>
-                  </a:txBody>
-                  <a:tcPr/>
-                </a:tc>
-                <a:tc>
-                  <a:txBody>
-                    <a:bodyPr/>
-                    <a:lstStyle/>
-                    <a:p>
-                      <a:r>
-                        <a:rPr lang="en-US" dirty="0"/>
-                        <a:t>emp6@company2.test</a:t>
-                      </a:r>
-                      <a:endParaRPr lang="ru-RU" dirty="0"/>
-                    </a:p>
-                  </a:txBody>
-                  <a:tcPr/>
-                </a:tc>
-                <a:tc>
-                  <a:txBody>
-                    <a:bodyPr/>
-                    <a:lstStyle/>
-                    <a:p>
-                      <a:r>
-                        <a:rPr lang="en-US" dirty="0"/>
-                        <a:t>1993-09-14</a:t>
+                        <a:t>1992-07-20</a:t>
                       </a:r>
                       <a:endParaRPr lang="ru-RU" dirty="0"/>
                     </a:p>
@@ -5063,7 +5063,7 @@
                     <a:p>
                       <a:r>
                         <a:rPr lang="en-US" dirty="0"/>
-                        <a:t>1994-07-18</a:t>
+                        <a:t>1987-03-28</a:t>
                       </a:r>
                       <a:endParaRPr lang="ru-RU" dirty="0"/>
                     </a:p>
@@ -5112,7 +5112,7 @@
                     <a:p>
                       <a:r>
                         <a:rPr lang="en-US" dirty="0"/>
-                        <a:t>1993-04-15</a:t>
+                        <a:t>1984-05-13</a:t>
                       </a:r>
                       <a:endParaRPr lang="ru-RU" dirty="0"/>
                     </a:p>
@@ -5161,7 +5161,7 @@
                     <a:p>
                       <a:r>
                         <a:rPr lang="en-US" dirty="0"/>
-                        <a:t>1998-02-15</a:t>
+                        <a:t>1991-10-06</a:t>
                       </a:r>
                       <a:endParaRPr lang="ru-RU" dirty="0"/>
                     </a:p>
@@ -5210,7 +5210,7 @@
                     <a:p>
                       <a:r>
                         <a:rPr lang="en-US" dirty="0"/>
-                        <a:t>1993-08-29</a:t>
+                        <a:t>1983-05-25</a:t>
                       </a:r>
                       <a:endParaRPr lang="ru-RU" dirty="0"/>
                     </a:p>
@@ -5259,7 +5259,7 @@
                     <a:p>
                       <a:r>
                         <a:rPr lang="en-US" dirty="0"/>
-                        <a:t>1980-06-28</a:t>
+                        <a:t>1984-09-01</a:t>
                       </a:r>
                       <a:endParaRPr lang="ru-RU" dirty="0"/>
                     </a:p>
@@ -5308,7 +5308,7 @@
                     <a:p>
                       <a:r>
                         <a:rPr lang="en-US" dirty="0"/>
-                        <a:t>1993-08-03</a:t>
+                        <a:t>1986-01-08</a:t>
                       </a:r>
                       <a:endParaRPr lang="ru-RU" dirty="0"/>
                     </a:p>
@@ -5357,105 +5357,7 @@
                     <a:p>
                       <a:r>
                         <a:rPr lang="en-US" dirty="0"/>
-                        <a:t>1987-04-26</a:t>
-                      </a:r>
-                      <a:endParaRPr lang="ru-RU" dirty="0"/>
-                    </a:p>
-                  </a:txBody>
-                  <a:tcPr/>
-                </a:tc>
-                <a:extLst>
-                  <a:ext uri="{0D108BD9-81ED-4DB2-BD59-A6C34878D82A}">
-                    <a16:rowId xmlns:a16="http://schemas.microsoft.com/office/drawing/2014/main" val="109181570"/>
-                  </a:ext>
-                </a:extLst>
-              </a:tr>
-              <a:tr h="370840">
-                <a:tc>
-                  <a:txBody>
-                    <a:bodyPr/>
-                    <a:lstStyle/>
-                    <a:p>
-                      <a:r>
-                        <a:rPr lang="en-US"/>
-                        <a:t>Employee #8</a:t>
-                      </a:r>
-                      <a:endParaRPr lang="ru-RU" dirty="0"/>
-                    </a:p>
-                  </a:txBody>
-                  <a:tcPr/>
-                </a:tc>
-                <a:tc>
-                  <a:txBody>
-                    <a:bodyPr/>
-                    <a:lstStyle/>
-                    <a:p>
-                      <a:r>
-                        <a:rPr lang="en-US" dirty="0"/>
-                        <a:t>emp8@company3.test</a:t>
-                      </a:r>
-                      <a:endParaRPr lang="ru-RU" dirty="0"/>
-                    </a:p>
-                  </a:txBody>
-                  <a:tcPr/>
-                </a:tc>
-                <a:tc>
-                  <a:txBody>
-                    <a:bodyPr/>
-                    <a:lstStyle/>
-                    <a:p>
-                      <a:r>
-                        <a:rPr lang="en-US" dirty="0"/>
-                        <a:t>1992-09-16</a:t>
-                      </a:r>
-                      <a:endParaRPr lang="ru-RU" dirty="0"/>
-                    </a:p>
-                  </a:txBody>
-                  <a:tcPr/>
-                </a:tc>
-                <a:extLst>
-                  <a:ext uri="{0D108BD9-81ED-4DB2-BD59-A6C34878D82A}">
-                    <a16:rowId xmlns:a16="http://schemas.microsoft.com/office/drawing/2014/main" val="109181570"/>
-                  </a:ext>
-                </a:extLst>
-              </a:tr>
-              <a:tr h="370840">
-                <a:tc>
-                  <a:txBody>
-                    <a:bodyPr/>
-                    <a:lstStyle/>
-                    <a:p>
-                      <a:r>
-                        <a:rPr lang="en-US"/>
-                        <a:t>Employee #9</a:t>
-                      </a:r>
-                      <a:endParaRPr lang="ru-RU" dirty="0"/>
-                    </a:p>
-                  </a:txBody>
-                  <a:tcPr/>
-                </a:tc>
-                <a:tc>
-                  <a:txBody>
-                    <a:bodyPr/>
-                    <a:lstStyle/>
-                    <a:p>
-                      <a:r>
-                        <a:rPr lang="en-US" dirty="0"/>
-                        <a:t>emp9@company3.test</a:t>
-                      </a:r>
-                      <a:endParaRPr lang="ru-RU" dirty="0"/>
-                    </a:p>
-                  </a:txBody>
-                  <a:tcPr/>
-                </a:tc>
-                <a:tc>
-                  <a:txBody>
-                    <a:bodyPr/>
-                    <a:lstStyle/>
-                    <a:p>
-                      <a:r>
-                        <a:rPr lang="en-US" dirty="0"/>
-                        <a:t>1982-07-02</a:t>
+                        <a:t>1991-08-15</a:t>
                       </a:r>
                       <a:endParaRPr lang="ru-RU" dirty="0"/>
                     </a:p>

--- a/Test/Presentations/template_result.pptx
+++ b/Test/Presentations/template_result.pptx
@@ -8,11 +8,11 @@
     <p:notesMasterId r:id="rId5"/>
   </p:notesMasterIdLst>
   <p:sldIdLst>
-    <p:sldId id="259" r:id="Re8564713df364e0d"/>
-    <p:sldId id="260" r:id="R82a6d8e1b0144e06"/>
-    <p:sldId id="261" r:id="R9e51bdd966664f09"/>
-    <p:sldId id="262" r:id="R37374866e1c44c06"/>
-    <p:sldId id="263" r:id="Rff8000796dd54d8c"/>
+    <p:sldId id="259" r:id="R54b16f44481c48a7"/>
+    <p:sldId id="260" r:id="Rcec545fcdbe54601"/>
+    <p:sldId id="261" r:id="Rb96fcbd786aa4341"/>
+    <p:sldId id="262" r:id="Rbf4eca3b08d34541"/>
+    <p:sldId id="263" r:id="R682bf71cdd614610"/>
   </p:sldIdLst>
   <p:sldSz cx="12192000" cy="6858000"/>
   <p:notesSz cx="6858000" cy="9144000"/>
@@ -3744,7 +3744,7 @@
                   </a:schemeClr>
                 </a:solidFill>
               </a:rPr>
-              <a:t>Date: 20.09.2024</a:t>
+              <a:t>Date: 23.09.2024</a:t>
             </a:r>
             <a:endParaRPr lang="ru-RU" dirty="0">
               <a:solidFill>
@@ -3824,7 +3824,7 @@
                   </a:schemeClr>
                 </a:solidFill>
               </a:rPr>
-              <a:t>20 September 2024</a:t>
+              <a:t>23 September 2024</a:t>
             </a:r>
             <a:endParaRPr lang="ru-RU" sz="2000" dirty="0"/>
           </a:p>
@@ -4105,7 +4105,7 @@
                     <a:p>
                       <a:r>
                         <a:rPr lang="en-US" dirty="0"/>
-                        <a:t>1999-09-06</a:t>
+                        <a:t>1985-05-16</a:t>
                       </a:r>
                       <a:endParaRPr lang="ru-RU" dirty="0"/>
                     </a:p>
@@ -4154,7 +4154,7 @@
                     <a:p>
                       <a:r>
                         <a:rPr lang="en-US" dirty="0"/>
-                        <a:t>1988-05-04</a:t>
+                        <a:t>1981-04-18</a:t>
                       </a:r>
                       <a:endParaRPr lang="ru-RU" dirty="0"/>
                     </a:p>
@@ -4203,7 +4203,7 @@
                     <a:p>
                       <a:r>
                         <a:rPr lang="en-US" dirty="0"/>
-                        <a:t>1996-01-09</a:t>
+                        <a:t>1994-03-03</a:t>
                       </a:r>
                       <a:endParaRPr lang="ru-RU" dirty="0"/>
                     </a:p>
@@ -4252,7 +4252,7 @@
                     <a:p>
                       <a:r>
                         <a:rPr lang="en-US" dirty="0"/>
-                        <a:t>1994-06-12</a:t>
+                        <a:t>1982-10-23</a:t>
                       </a:r>
                       <a:endParaRPr lang="ru-RU" dirty="0"/>
                     </a:p>
@@ -4301,7 +4301,7 @@
                     <a:p>
                       <a:r>
                         <a:rPr lang="en-US" dirty="0"/>
-                        <a:t>1984-11-05</a:t>
+                        <a:t>1985-05-07</a:t>
                       </a:r>
                       <a:endParaRPr lang="ru-RU" dirty="0"/>
                     </a:p>
@@ -4350,7 +4350,7 @@
                     <a:p>
                       <a:r>
                         <a:rPr lang="en-US" dirty="0"/>
-                        <a:t>1987-11-21</a:t>
+                        <a:t>1997-10-15</a:t>
                       </a:r>
                       <a:endParaRPr lang="ru-RU" dirty="0"/>
                     </a:p>
@@ -4399,7 +4399,7 @@
                     <a:p>
                       <a:r>
                         <a:rPr lang="en-US" dirty="0"/>
-                        <a:t>1993-01-14</a:t>
+                        <a:t>1991-11-29</a:t>
                       </a:r>
                       <a:endParaRPr lang="ru-RU" dirty="0"/>
                     </a:p>
@@ -4448,7 +4448,7 @@
                     <a:p>
                       <a:r>
                         <a:rPr lang="en-US" dirty="0"/>
-                        <a:t>1989-02-16</a:t>
+                        <a:t>1981-10-12</a:t>
                       </a:r>
                       <a:endParaRPr lang="ru-RU" dirty="0"/>
                     </a:p>
@@ -4682,7 +4682,7 @@
                     <a:p>
                       <a:r>
                         <a:rPr lang="en-US" dirty="0"/>
-                        <a:t>1999-03-06</a:t>
+                        <a:t>1987-02-27</a:t>
                       </a:r>
                       <a:endParaRPr lang="ru-RU" dirty="0"/>
                     </a:p>
@@ -4731,7 +4731,7 @@
                     <a:p>
                       <a:r>
                         <a:rPr lang="en-US" dirty="0"/>
-                        <a:t>1988-10-25</a:t>
+                        <a:t>1985-01-08</a:t>
                       </a:r>
                       <a:endParaRPr lang="ru-RU" dirty="0"/>
                     </a:p>
@@ -4780,7 +4780,7 @@
                     <a:p>
                       <a:r>
                         <a:rPr lang="en-US" dirty="0"/>
-                        <a:t>1991-07-20</a:t>
+                        <a:t>1999-02-07</a:t>
                       </a:r>
                       <a:endParaRPr lang="ru-RU" dirty="0"/>
                     </a:p>
@@ -4829,7 +4829,203 @@
                     <a:p>
                       <a:r>
                         <a:rPr lang="en-US" dirty="0"/>
-                        <a:t>1992-07-20</a:t>
+                        <a:t>1989-03-25</a:t>
+                      </a:r>
+                      <a:endParaRPr lang="ru-RU" dirty="0"/>
+                    </a:p>
+                  </a:txBody>
+                  <a:tcPr/>
+                </a:tc>
+                <a:extLst>
+                  <a:ext uri="{0D108BD9-81ED-4DB2-BD59-A6C34878D82A}">
+                    <a16:rowId xmlns:a16="http://schemas.microsoft.com/office/drawing/2014/main" val="109181570"/>
+                  </a:ext>
+                </a:extLst>
+              </a:tr>
+              <a:tr h="370840">
+                <a:tc>
+                  <a:txBody>
+                    <a:bodyPr/>
+                    <a:lstStyle/>
+                    <a:p>
+                      <a:r>
+                        <a:rPr lang="en-US"/>
+                        <a:t>Employee #5</a:t>
+                      </a:r>
+                      <a:endParaRPr lang="ru-RU" dirty="0"/>
+                    </a:p>
+                  </a:txBody>
+                  <a:tcPr/>
+                </a:tc>
+                <a:tc>
+                  <a:txBody>
+                    <a:bodyPr/>
+                    <a:lstStyle/>
+                    <a:p>
+                      <a:r>
+                        <a:rPr lang="en-US" dirty="0"/>
+                        <a:t>emp5@company2.test</a:t>
+                      </a:r>
+                      <a:endParaRPr lang="ru-RU" dirty="0"/>
+                    </a:p>
+                  </a:txBody>
+                  <a:tcPr/>
+                </a:tc>
+                <a:tc>
+                  <a:txBody>
+                    <a:bodyPr/>
+                    <a:lstStyle/>
+                    <a:p>
+                      <a:r>
+                        <a:rPr lang="en-US" dirty="0"/>
+                        <a:t>1994-08-29</a:t>
+                      </a:r>
+                      <a:endParaRPr lang="ru-RU" dirty="0"/>
+                    </a:p>
+                  </a:txBody>
+                  <a:tcPr/>
+                </a:tc>
+                <a:extLst>
+                  <a:ext uri="{0D108BD9-81ED-4DB2-BD59-A6C34878D82A}">
+                    <a16:rowId xmlns:a16="http://schemas.microsoft.com/office/drawing/2014/main" val="109181570"/>
+                  </a:ext>
+                </a:extLst>
+              </a:tr>
+              <a:tr h="370840">
+                <a:tc>
+                  <a:txBody>
+                    <a:bodyPr/>
+                    <a:lstStyle/>
+                    <a:p>
+                      <a:r>
+                        <a:rPr lang="en-US"/>
+                        <a:t>Employee #6</a:t>
+                      </a:r>
+                      <a:endParaRPr lang="ru-RU" dirty="0"/>
+                    </a:p>
+                  </a:txBody>
+                  <a:tcPr/>
+                </a:tc>
+                <a:tc>
+                  <a:txBody>
+                    <a:bodyPr/>
+                    <a:lstStyle/>
+                    <a:p>
+                      <a:r>
+                        <a:rPr lang="en-US" dirty="0"/>
+                        <a:t>emp6@company2.test</a:t>
+                      </a:r>
+                      <a:endParaRPr lang="ru-RU" dirty="0"/>
+                    </a:p>
+                  </a:txBody>
+                  <a:tcPr/>
+                </a:tc>
+                <a:tc>
+                  <a:txBody>
+                    <a:bodyPr/>
+                    <a:lstStyle/>
+                    <a:p>
+                      <a:r>
+                        <a:rPr lang="en-US" dirty="0"/>
+                        <a:t>1993-05-12</a:t>
+                      </a:r>
+                      <a:endParaRPr lang="ru-RU" dirty="0"/>
+                    </a:p>
+                  </a:txBody>
+                  <a:tcPr/>
+                </a:tc>
+                <a:extLst>
+                  <a:ext uri="{0D108BD9-81ED-4DB2-BD59-A6C34878D82A}">
+                    <a16:rowId xmlns:a16="http://schemas.microsoft.com/office/drawing/2014/main" val="109181570"/>
+                  </a:ext>
+                </a:extLst>
+              </a:tr>
+              <a:tr h="370840">
+                <a:tc>
+                  <a:txBody>
+                    <a:bodyPr/>
+                    <a:lstStyle/>
+                    <a:p>
+                      <a:r>
+                        <a:rPr lang="en-US"/>
+                        <a:t>Employee #7</a:t>
+                      </a:r>
+                      <a:endParaRPr lang="ru-RU" dirty="0"/>
+                    </a:p>
+                  </a:txBody>
+                  <a:tcPr/>
+                </a:tc>
+                <a:tc>
+                  <a:txBody>
+                    <a:bodyPr/>
+                    <a:lstStyle/>
+                    <a:p>
+                      <a:r>
+                        <a:rPr lang="en-US" dirty="0"/>
+                        <a:t>emp7@company2.test</a:t>
+                      </a:r>
+                      <a:endParaRPr lang="ru-RU" dirty="0"/>
+                    </a:p>
+                  </a:txBody>
+                  <a:tcPr/>
+                </a:tc>
+                <a:tc>
+                  <a:txBody>
+                    <a:bodyPr/>
+                    <a:lstStyle/>
+                    <a:p>
+                      <a:r>
+                        <a:rPr lang="en-US" dirty="0"/>
+                        <a:t>1991-08-03</a:t>
+                      </a:r>
+                      <a:endParaRPr lang="ru-RU" dirty="0"/>
+                    </a:p>
+                  </a:txBody>
+                  <a:tcPr/>
+                </a:tc>
+                <a:extLst>
+                  <a:ext uri="{0D108BD9-81ED-4DB2-BD59-A6C34878D82A}">
+                    <a16:rowId xmlns:a16="http://schemas.microsoft.com/office/drawing/2014/main" val="109181570"/>
+                  </a:ext>
+                </a:extLst>
+              </a:tr>
+              <a:tr h="370840">
+                <a:tc>
+                  <a:txBody>
+                    <a:bodyPr/>
+                    <a:lstStyle/>
+                    <a:p>
+                      <a:r>
+                        <a:rPr lang="en-US"/>
+                        <a:t>Employee #8</a:t>
+                      </a:r>
+                      <a:endParaRPr lang="ru-RU" dirty="0"/>
+                    </a:p>
+                  </a:txBody>
+                  <a:tcPr/>
+                </a:tc>
+                <a:tc>
+                  <a:txBody>
+                    <a:bodyPr/>
+                    <a:lstStyle/>
+                    <a:p>
+                      <a:r>
+                        <a:rPr lang="en-US" dirty="0"/>
+                        <a:t>emp8@company2.test</a:t>
+                      </a:r>
+                      <a:endParaRPr lang="ru-RU" dirty="0"/>
+                    </a:p>
+                  </a:txBody>
+                  <a:tcPr/>
+                </a:tc>
+                <a:tc>
+                  <a:txBody>
+                    <a:bodyPr/>
+                    <a:lstStyle/>
+                    <a:p>
+                      <a:r>
+                        <a:rPr lang="en-US" dirty="0"/>
+                        <a:t>1982-06-19</a:t>
                       </a:r>
                       <a:endParaRPr lang="ru-RU" dirty="0"/>
                     </a:p>
@@ -5063,7 +5259,7 @@
                     <a:p>
                       <a:r>
                         <a:rPr lang="en-US" dirty="0"/>
-                        <a:t>1987-03-28</a:t>
+                        <a:t>1999-01-21</a:t>
                       </a:r>
                       <a:endParaRPr lang="ru-RU" dirty="0"/>
                     </a:p>
@@ -5112,7 +5308,7 @@
                     <a:p>
                       <a:r>
                         <a:rPr lang="en-US" dirty="0"/>
-                        <a:t>1984-05-13</a:t>
+                        <a:t>1994-09-16</a:t>
                       </a:r>
                       <a:endParaRPr lang="ru-RU" dirty="0"/>
                     </a:p>
@@ -5161,7 +5357,7 @@
                     <a:p>
                       <a:r>
                         <a:rPr lang="en-US" dirty="0"/>
-                        <a:t>1991-10-06</a:t>
+                        <a:t>1988-04-05</a:t>
                       </a:r>
                       <a:endParaRPr lang="ru-RU" dirty="0"/>
                     </a:p>
@@ -5210,7 +5406,7 @@
                     <a:p>
                       <a:r>
                         <a:rPr lang="en-US" dirty="0"/>
-                        <a:t>1983-05-25</a:t>
+                        <a:t>1992-03-25</a:t>
                       </a:r>
                       <a:endParaRPr lang="ru-RU" dirty="0"/>
                     </a:p>
@@ -5259,7 +5455,7 @@
                     <a:p>
                       <a:r>
                         <a:rPr lang="en-US" dirty="0"/>
-                        <a:t>1984-09-01</a:t>
+                        <a:t>1997-01-06</a:t>
                       </a:r>
                       <a:endParaRPr lang="ru-RU" dirty="0"/>
                     </a:p>
@@ -5308,7 +5504,7 @@
                     <a:p>
                       <a:r>
                         <a:rPr lang="en-US" dirty="0"/>
-                        <a:t>1986-01-08</a:t>
+                        <a:t>1998-10-24</a:t>
                       </a:r>
                       <a:endParaRPr lang="ru-RU" dirty="0"/>
                     </a:p>
@@ -5357,7 +5553,105 @@
                     <a:p>
                       <a:r>
                         <a:rPr lang="en-US" dirty="0"/>
-                        <a:t>1991-08-15</a:t>
+                        <a:t>1990-08-15</a:t>
+                      </a:r>
+                      <a:endParaRPr lang="ru-RU" dirty="0"/>
+                    </a:p>
+                  </a:txBody>
+                  <a:tcPr/>
+                </a:tc>
+                <a:extLst>
+                  <a:ext uri="{0D108BD9-81ED-4DB2-BD59-A6C34878D82A}">
+                    <a16:rowId xmlns:a16="http://schemas.microsoft.com/office/drawing/2014/main" val="109181570"/>
+                  </a:ext>
+                </a:extLst>
+              </a:tr>
+              <a:tr h="370840">
+                <a:tc>
+                  <a:txBody>
+                    <a:bodyPr/>
+                    <a:lstStyle/>
+                    <a:p>
+                      <a:r>
+                        <a:rPr lang="en-US"/>
+                        <a:t>Employee #8</a:t>
+                      </a:r>
+                      <a:endParaRPr lang="ru-RU" dirty="0"/>
+                    </a:p>
+                  </a:txBody>
+                  <a:tcPr/>
+                </a:tc>
+                <a:tc>
+                  <a:txBody>
+                    <a:bodyPr/>
+                    <a:lstStyle/>
+                    <a:p>
+                      <a:r>
+                        <a:rPr lang="en-US" dirty="0"/>
+                        <a:t>emp8@company3.test</a:t>
+                      </a:r>
+                      <a:endParaRPr lang="ru-RU" dirty="0"/>
+                    </a:p>
+                  </a:txBody>
+                  <a:tcPr/>
+                </a:tc>
+                <a:tc>
+                  <a:txBody>
+                    <a:bodyPr/>
+                    <a:lstStyle/>
+                    <a:p>
+                      <a:r>
+                        <a:rPr lang="en-US" dirty="0"/>
+                        <a:t>1980-01-11</a:t>
+                      </a:r>
+                      <a:endParaRPr lang="ru-RU" dirty="0"/>
+                    </a:p>
+                  </a:txBody>
+                  <a:tcPr/>
+                </a:tc>
+                <a:extLst>
+                  <a:ext uri="{0D108BD9-81ED-4DB2-BD59-A6C34878D82A}">
+                    <a16:rowId xmlns:a16="http://schemas.microsoft.com/office/drawing/2014/main" val="109181570"/>
+                  </a:ext>
+                </a:extLst>
+              </a:tr>
+              <a:tr h="370840">
+                <a:tc>
+                  <a:txBody>
+                    <a:bodyPr/>
+                    <a:lstStyle/>
+                    <a:p>
+                      <a:r>
+                        <a:rPr lang="en-US"/>
+                        <a:t>Employee #9</a:t>
+                      </a:r>
+                      <a:endParaRPr lang="ru-RU" dirty="0"/>
+                    </a:p>
+                  </a:txBody>
+                  <a:tcPr/>
+                </a:tc>
+                <a:tc>
+                  <a:txBody>
+                    <a:bodyPr/>
+                    <a:lstStyle/>
+                    <a:p>
+                      <a:r>
+                        <a:rPr lang="en-US" dirty="0"/>
+                        <a:t>emp9@company3.test</a:t>
+                      </a:r>
+                      <a:endParaRPr lang="ru-RU" dirty="0"/>
+                    </a:p>
+                  </a:txBody>
+                  <a:tcPr/>
+                </a:tc>
+                <a:tc>
+                  <a:txBody>
+                    <a:bodyPr/>
+                    <a:lstStyle/>
+                    <a:p>
+                      <a:r>
+                        <a:rPr lang="en-US" dirty="0"/>
+                        <a:t>1988-06-30</a:t>
                       </a:r>
                       <a:endParaRPr lang="ru-RU" dirty="0"/>
                     </a:p>

--- a/Test/Presentations/template_result.pptx
+++ b/Test/Presentations/template_result.pptx
@@ -8,11 +8,11 @@
     <p:notesMasterId r:id="rId5"/>
   </p:notesMasterIdLst>
   <p:sldIdLst>
-    <p:sldId id="259" r:id="R54b16f44481c48a7"/>
-    <p:sldId id="260" r:id="Rcec545fcdbe54601"/>
-    <p:sldId id="261" r:id="Rb96fcbd786aa4341"/>
-    <p:sldId id="262" r:id="Rbf4eca3b08d34541"/>
-    <p:sldId id="263" r:id="R682bf71cdd614610"/>
+    <p:sldId id="259" r:id="R78abb11379a145ad"/>
+    <p:sldId id="260" r:id="R914e695452314454"/>
+    <p:sldId id="261" r:id="Rfe72d2b471594eab"/>
+    <p:sldId id="262" r:id="R4bfb44a8c94843e0"/>
+    <p:sldId id="263" r:id="Rb0de563b25c14711"/>
   </p:sldIdLst>
   <p:sldSz cx="12192000" cy="6858000"/>
   <p:notesSz cx="6858000" cy="9144000"/>
@@ -204,7 +204,7 @@
           <a:p>
             <a:fld id="{96129386-331A-4479-A604-9D03FC98566D}" type="datetimeFigureOut">
               <a:rPr lang="ru-RU" smtClean="0"/>
-              <a:t>14.04.2020</a:t>
+              <a:t>24.09.2024</a:t>
             </a:fld>
             <a:endParaRPr lang="ru-RU"/>
           </a:p>
@@ -618,7 +618,7 @@
           <a:p>
             <a:fld id="{60333C80-F893-47D7-9906-1E3D3180BB29}" type="datetimeFigureOut">
               <a:rPr lang="ru-RU" smtClean="0"/>
-              <a:t>14.04.2020</a:t>
+              <a:t>24.09.2024</a:t>
             </a:fld>
             <a:endParaRPr lang="ru-RU"/>
           </a:p>
@@ -816,7 +816,7 @@
           <a:p>
             <a:fld id="{60333C80-F893-47D7-9906-1E3D3180BB29}" type="datetimeFigureOut">
               <a:rPr lang="ru-RU" smtClean="0"/>
-              <a:t>14.04.2020</a:t>
+              <a:t>24.09.2024</a:t>
             </a:fld>
             <a:endParaRPr lang="ru-RU"/>
           </a:p>
@@ -1024,7 +1024,7 @@
           <a:p>
             <a:fld id="{60333C80-F893-47D7-9906-1E3D3180BB29}" type="datetimeFigureOut">
               <a:rPr lang="ru-RU" smtClean="0"/>
-              <a:t>14.04.2020</a:t>
+              <a:t>24.09.2024</a:t>
             </a:fld>
             <a:endParaRPr lang="ru-RU"/>
           </a:p>
@@ -1222,7 +1222,7 @@
           <a:p>
             <a:fld id="{60333C80-F893-47D7-9906-1E3D3180BB29}" type="datetimeFigureOut">
               <a:rPr lang="ru-RU" smtClean="0"/>
-              <a:t>14.04.2020</a:t>
+              <a:t>24.09.2024</a:t>
             </a:fld>
             <a:endParaRPr lang="ru-RU"/>
           </a:p>
@@ -1497,7 +1497,7 @@
           <a:p>
             <a:fld id="{60333C80-F893-47D7-9906-1E3D3180BB29}" type="datetimeFigureOut">
               <a:rPr lang="ru-RU" smtClean="0"/>
-              <a:t>14.04.2020</a:t>
+              <a:t>24.09.2024</a:t>
             </a:fld>
             <a:endParaRPr lang="ru-RU"/>
           </a:p>
@@ -1762,7 +1762,7 @@
           <a:p>
             <a:fld id="{60333C80-F893-47D7-9906-1E3D3180BB29}" type="datetimeFigureOut">
               <a:rPr lang="ru-RU" smtClean="0"/>
-              <a:t>14.04.2020</a:t>
+              <a:t>24.09.2024</a:t>
             </a:fld>
             <a:endParaRPr lang="ru-RU"/>
           </a:p>
@@ -2174,7 +2174,7 @@
           <a:p>
             <a:fld id="{60333C80-F893-47D7-9906-1E3D3180BB29}" type="datetimeFigureOut">
               <a:rPr lang="ru-RU" smtClean="0"/>
-              <a:t>14.04.2020</a:t>
+              <a:t>24.09.2024</a:t>
             </a:fld>
             <a:endParaRPr lang="ru-RU"/>
           </a:p>
@@ -2315,7 +2315,7 @@
           <a:p>
             <a:fld id="{60333C80-F893-47D7-9906-1E3D3180BB29}" type="datetimeFigureOut">
               <a:rPr lang="ru-RU" smtClean="0"/>
-              <a:t>14.04.2020</a:t>
+              <a:t>24.09.2024</a:t>
             </a:fld>
             <a:endParaRPr lang="ru-RU"/>
           </a:p>
@@ -2428,7 +2428,7 @@
           <a:p>
             <a:fld id="{60333C80-F893-47D7-9906-1E3D3180BB29}" type="datetimeFigureOut">
               <a:rPr lang="ru-RU" smtClean="0"/>
-              <a:t>14.04.2020</a:t>
+              <a:t>24.09.2024</a:t>
             </a:fld>
             <a:endParaRPr lang="ru-RU"/>
           </a:p>
@@ -2739,7 +2739,7 @@
           <a:p>
             <a:fld id="{60333C80-F893-47D7-9906-1E3D3180BB29}" type="datetimeFigureOut">
               <a:rPr lang="ru-RU" smtClean="0"/>
-              <a:t>14.04.2020</a:t>
+              <a:t>24.09.2024</a:t>
             </a:fld>
             <a:endParaRPr lang="ru-RU"/>
           </a:p>
@@ -3027,7 +3027,7 @@
           <a:p>
             <a:fld id="{60333C80-F893-47D7-9906-1E3D3180BB29}" type="datetimeFigureOut">
               <a:rPr lang="ru-RU" smtClean="0"/>
-              <a:t>14.04.2020</a:t>
+              <a:t>24.09.2024</a:t>
             </a:fld>
             <a:endParaRPr lang="ru-RU"/>
           </a:p>
@@ -3268,7 +3268,7 @@
           <a:p>
             <a:fld id="{60333C80-F893-47D7-9906-1E3D3180BB29}" type="datetimeFigureOut">
               <a:rPr lang="ru-RU" smtClean="0"/>
-              <a:t>14.04.2020</a:t>
+              <a:t>24.09.2024</a:t>
             </a:fld>
             <a:endParaRPr lang="ru-RU"/>
           </a:p>
@@ -3744,7 +3744,7 @@
                   </a:schemeClr>
                 </a:solidFill>
               </a:rPr>
-              <a:t>Date: 23.09.2024</a:t>
+              <a:t>Date: 25.09.2024</a:t>
             </a:r>
             <a:endParaRPr lang="ru-RU" dirty="0">
               <a:solidFill>
@@ -3824,7 +3824,7 @@
                   </a:schemeClr>
                 </a:solidFill>
               </a:rPr>
-              <a:t>23 September 2024</a:t>
+              <a:t>25 September 2024</a:t>
             </a:r>
             <a:endParaRPr lang="ru-RU" sz="2000" dirty="0"/>
           </a:p>
@@ -3884,6 +3884,14 @@
             <a:endParaRPr lang="en-US" dirty="0"/>
           </a:p>
           <a:p>
+            <a:r>
+              <a:rPr lang="en-US" dirty="0" err="1"/>
+              <a:t>HtmlAsText</a:t>
+            </a:r>
+            <a:r>
+              <a:rPr lang="en-US" dirty="0"/>
+              <a:t>: text text text</a:t>
+            </a:r>
             <a:endParaRPr lang="ru-RU" dirty="0"/>
           </a:p>
         </p:txBody>
@@ -4105,7 +4113,7 @@
                     <a:p>
                       <a:r>
                         <a:rPr lang="en-US" dirty="0"/>
-                        <a:t>1985-05-16</a:t>
+                        <a:t>1996-09-06</a:t>
                       </a:r>
                       <a:endParaRPr lang="ru-RU" dirty="0"/>
                     </a:p>
@@ -4154,7 +4162,7 @@
                     <a:p>
                       <a:r>
                         <a:rPr lang="en-US" dirty="0"/>
-                        <a:t>1981-04-18</a:t>
+                        <a:t>1985-06-23</a:t>
                       </a:r>
                       <a:endParaRPr lang="ru-RU" dirty="0"/>
                     </a:p>
@@ -4203,7 +4211,7 @@
                     <a:p>
                       <a:r>
                         <a:rPr lang="en-US" dirty="0"/>
-                        <a:t>1994-03-03</a:t>
+                        <a:t>1990-06-08</a:t>
                       </a:r>
                       <a:endParaRPr lang="ru-RU" dirty="0"/>
                     </a:p>
@@ -4252,7 +4260,7 @@
                     <a:p>
                       <a:r>
                         <a:rPr lang="en-US" dirty="0"/>
-                        <a:t>1982-10-23</a:t>
+                        <a:t>1996-06-30</a:t>
                       </a:r>
                       <a:endParaRPr lang="ru-RU" dirty="0"/>
                     </a:p>
@@ -4301,7 +4309,7 @@
                     <a:p>
                       <a:r>
                         <a:rPr lang="en-US" dirty="0"/>
-                        <a:t>1985-05-07</a:t>
+                        <a:t>1990-11-11</a:t>
                       </a:r>
                       <a:endParaRPr lang="ru-RU" dirty="0"/>
                     </a:p>
@@ -4350,7 +4358,7 @@
                     <a:p>
                       <a:r>
                         <a:rPr lang="en-US" dirty="0"/>
-                        <a:t>1997-10-15</a:t>
+                        <a:t>1993-02-01</a:t>
                       </a:r>
                       <a:endParaRPr lang="ru-RU" dirty="0"/>
                     </a:p>
@@ -4399,7 +4407,7 @@
                     <a:p>
                       <a:r>
                         <a:rPr lang="en-US" dirty="0"/>
-                        <a:t>1991-11-29</a:t>
+                        <a:t>1993-01-22</a:t>
                       </a:r>
                       <a:endParaRPr lang="ru-RU" dirty="0"/>
                     </a:p>
@@ -4448,7 +4456,154 @@
                     <a:p>
                       <a:r>
                         <a:rPr lang="en-US" dirty="0"/>
-                        <a:t>1981-10-12</a:t>
+                        <a:t>1999-04-21</a:t>
+                      </a:r>
+                      <a:endParaRPr lang="ru-RU" dirty="0"/>
+                    </a:p>
+                  </a:txBody>
+                  <a:tcPr/>
+                </a:tc>
+                <a:extLst>
+                  <a:ext uri="{0D108BD9-81ED-4DB2-BD59-A6C34878D82A}">
+                    <a16:rowId xmlns:a16="http://schemas.microsoft.com/office/drawing/2014/main" val="109181570"/>
+                  </a:ext>
+                </a:extLst>
+              </a:tr>
+              <a:tr h="370840">
+                <a:tc>
+                  <a:txBody>
+                    <a:bodyPr/>
+                    <a:lstStyle/>
+                    <a:p>
+                      <a:r>
+                        <a:rPr lang="en-US"/>
+                        <a:t>Employee #9</a:t>
+                      </a:r>
+                      <a:endParaRPr lang="ru-RU" dirty="0"/>
+                    </a:p>
+                  </a:txBody>
+                  <a:tcPr/>
+                </a:tc>
+                <a:tc>
+                  <a:txBody>
+                    <a:bodyPr/>
+                    <a:lstStyle/>
+                    <a:p>
+                      <a:r>
+                        <a:rPr lang="en-US" dirty="0"/>
+                        <a:t>emp9@company1.test</a:t>
+                      </a:r>
+                      <a:endParaRPr lang="ru-RU" dirty="0"/>
+                    </a:p>
+                  </a:txBody>
+                  <a:tcPr/>
+                </a:tc>
+                <a:tc>
+                  <a:txBody>
+                    <a:bodyPr/>
+                    <a:lstStyle/>
+                    <a:p>
+                      <a:r>
+                        <a:rPr lang="en-US" dirty="0"/>
+                        <a:t>1997-04-26</a:t>
+                      </a:r>
+                      <a:endParaRPr lang="ru-RU" dirty="0"/>
+                    </a:p>
+                  </a:txBody>
+                  <a:tcPr/>
+                </a:tc>
+                <a:extLst>
+                  <a:ext uri="{0D108BD9-81ED-4DB2-BD59-A6C34878D82A}">
+                    <a16:rowId xmlns:a16="http://schemas.microsoft.com/office/drawing/2014/main" val="109181570"/>
+                  </a:ext>
+                </a:extLst>
+              </a:tr>
+              <a:tr h="370840">
+                <a:tc>
+                  <a:txBody>
+                    <a:bodyPr/>
+                    <a:lstStyle/>
+                    <a:p>
+                      <a:r>
+                        <a:rPr lang="en-US"/>
+                        <a:t>Employee #10</a:t>
+                      </a:r>
+                      <a:endParaRPr lang="ru-RU" dirty="0"/>
+                    </a:p>
+                  </a:txBody>
+                  <a:tcPr/>
+                </a:tc>
+                <a:tc>
+                  <a:txBody>
+                    <a:bodyPr/>
+                    <a:lstStyle/>
+                    <a:p>
+                      <a:r>
+                        <a:rPr lang="en-US" dirty="0"/>
+                        <a:t>emp10@company1.test</a:t>
+                      </a:r>
+                      <a:endParaRPr lang="ru-RU" dirty="0"/>
+                    </a:p>
+                  </a:txBody>
+                  <a:tcPr/>
+                </a:tc>
+                <a:tc>
+                  <a:txBody>
+                    <a:bodyPr/>
+                    <a:lstStyle/>
+                    <a:p>
+                      <a:r>
+                        <a:rPr lang="en-US" dirty="0"/>
+                        <a:t>1982-11-08</a:t>
+                      </a:r>
+                      <a:endParaRPr lang="ru-RU" dirty="0"/>
+                    </a:p>
+                  </a:txBody>
+                  <a:tcPr/>
+                </a:tc>
+                <a:extLst>
+                  <a:ext uri="{0D108BD9-81ED-4DB2-BD59-A6C34878D82A}">
+                    <a16:rowId xmlns:a16="http://schemas.microsoft.com/office/drawing/2014/main" val="109181570"/>
+                  </a:ext>
+                </a:extLst>
+              </a:tr>
+              <a:tr h="370840">
+                <a:tc>
+                  <a:txBody>
+                    <a:bodyPr/>
+                    <a:lstStyle/>
+                    <a:p>
+                      <a:r>
+                        <a:rPr lang="en-US"/>
+                        <a:t>Employee #11</a:t>
+                      </a:r>
+                      <a:endParaRPr lang="ru-RU" dirty="0"/>
+                    </a:p>
+                  </a:txBody>
+                  <a:tcPr/>
+                </a:tc>
+                <a:tc>
+                  <a:txBody>
+                    <a:bodyPr/>
+                    <a:lstStyle/>
+                    <a:p>
+                      <a:r>
+                        <a:rPr lang="en-US" dirty="0"/>
+                        <a:t>emp11@company1.test</a:t>
+                      </a:r>
+                      <a:endParaRPr lang="ru-RU" dirty="0"/>
+                    </a:p>
+                  </a:txBody>
+                  <a:tcPr/>
+                </a:tc>
+                <a:tc>
+                  <a:txBody>
+                    <a:bodyPr/>
+                    <a:lstStyle/>
+                    <a:p>
+                      <a:r>
+                        <a:rPr lang="en-US" dirty="0"/>
+                        <a:t>1989-10-05</a:t>
                       </a:r>
                       <a:endParaRPr lang="ru-RU" dirty="0"/>
                     </a:p>
@@ -4682,7 +4837,7 @@
                     <a:p>
                       <a:r>
                         <a:rPr lang="en-US" dirty="0"/>
-                        <a:t>1987-02-27</a:t>
+                        <a:t>1990-06-11</a:t>
                       </a:r>
                       <a:endParaRPr lang="ru-RU" dirty="0"/>
                     </a:p>
@@ -4731,7 +4886,7 @@
                     <a:p>
                       <a:r>
                         <a:rPr lang="en-US" dirty="0"/>
-                        <a:t>1985-01-08</a:t>
+                        <a:t>1992-03-10</a:t>
                       </a:r>
                       <a:endParaRPr lang="ru-RU" dirty="0"/>
                     </a:p>
@@ -4780,7 +4935,7 @@
                     <a:p>
                       <a:r>
                         <a:rPr lang="en-US" dirty="0"/>
-                        <a:t>1999-02-07</a:t>
+                        <a:t>1997-01-04</a:t>
                       </a:r>
                       <a:endParaRPr lang="ru-RU" dirty="0"/>
                     </a:p>
@@ -4829,7 +4984,7 @@
                     <a:p>
                       <a:r>
                         <a:rPr lang="en-US" dirty="0"/>
-                        <a:t>1989-03-25</a:t>
+                        <a:t>1990-03-25</a:t>
                       </a:r>
                       <a:endParaRPr lang="ru-RU" dirty="0"/>
                     </a:p>
@@ -4878,7 +5033,7 @@
                     <a:p>
                       <a:r>
                         <a:rPr lang="en-US" dirty="0"/>
-                        <a:t>1994-08-29</a:t>
+                        <a:t>1996-09-23</a:t>
                       </a:r>
                       <a:endParaRPr lang="ru-RU" dirty="0"/>
                     </a:p>
@@ -4927,7 +5082,7 @@
                     <a:p>
                       <a:r>
                         <a:rPr lang="en-US" dirty="0"/>
-                        <a:t>1993-05-12</a:t>
+                        <a:t>1993-08-07</a:t>
                       </a:r>
                       <a:endParaRPr lang="ru-RU" dirty="0"/>
                     </a:p>
@@ -4976,56 +5131,7 @@
                     <a:p>
                       <a:r>
                         <a:rPr lang="en-US" dirty="0"/>
-                        <a:t>1991-08-03</a:t>
-                      </a:r>
-                      <a:endParaRPr lang="ru-RU" dirty="0"/>
-                    </a:p>
-                  </a:txBody>
-                  <a:tcPr/>
-                </a:tc>
-                <a:extLst>
-                  <a:ext uri="{0D108BD9-81ED-4DB2-BD59-A6C34878D82A}">
-                    <a16:rowId xmlns:a16="http://schemas.microsoft.com/office/drawing/2014/main" val="109181570"/>
-                  </a:ext>
-                </a:extLst>
-              </a:tr>
-              <a:tr h="370840">
-                <a:tc>
-                  <a:txBody>
-                    <a:bodyPr/>
-                    <a:lstStyle/>
-                    <a:p>
-                      <a:r>
-                        <a:rPr lang="en-US"/>
-                        <a:t>Employee #8</a:t>
-                      </a:r>
-                      <a:endParaRPr lang="ru-RU" dirty="0"/>
-                    </a:p>
-                  </a:txBody>
-                  <a:tcPr/>
-                </a:tc>
-                <a:tc>
-                  <a:txBody>
-                    <a:bodyPr/>
-                    <a:lstStyle/>
-                    <a:p>
-                      <a:r>
-                        <a:rPr lang="en-US" dirty="0"/>
-                        <a:t>emp8@company2.test</a:t>
-                      </a:r>
-                      <a:endParaRPr lang="ru-RU" dirty="0"/>
-                    </a:p>
-                  </a:txBody>
-                  <a:tcPr/>
-                </a:tc>
-                <a:tc>
-                  <a:txBody>
-                    <a:bodyPr/>
-                    <a:lstStyle/>
-                    <a:p>
-                      <a:r>
-                        <a:rPr lang="en-US" dirty="0"/>
-                        <a:t>1982-06-19</a:t>
+                        <a:t>1992-02-20</a:t>
                       </a:r>
                       <a:endParaRPr lang="ru-RU" dirty="0"/>
                     </a:p>
@@ -5259,7 +5365,7 @@
                     <a:p>
                       <a:r>
                         <a:rPr lang="en-US" dirty="0"/>
-                        <a:t>1999-01-21</a:t>
+                        <a:t>1990-11-15</a:t>
                       </a:r>
                       <a:endParaRPr lang="ru-RU" dirty="0"/>
                     </a:p>
@@ -5308,7 +5414,7 @@
                     <a:p>
                       <a:r>
                         <a:rPr lang="en-US" dirty="0"/>
-                        <a:t>1994-09-16</a:t>
+                        <a:t>1986-01-25</a:t>
                       </a:r>
                       <a:endParaRPr lang="ru-RU" dirty="0"/>
                     </a:p>
@@ -5357,7 +5463,7 @@
                     <a:p>
                       <a:r>
                         <a:rPr lang="en-US" dirty="0"/>
-                        <a:t>1988-04-05</a:t>
+                        <a:t>1995-11-01</a:t>
                       </a:r>
                       <a:endParaRPr lang="ru-RU" dirty="0"/>
                     </a:p>
@@ -5406,7 +5512,7 @@
                     <a:p>
                       <a:r>
                         <a:rPr lang="en-US" dirty="0"/>
-                        <a:t>1992-03-25</a:t>
+                        <a:t>1989-08-09</a:t>
                       </a:r>
                       <a:endParaRPr lang="ru-RU" dirty="0"/>
                     </a:p>
@@ -5455,7 +5561,7 @@
                     <a:p>
                       <a:r>
                         <a:rPr lang="en-US" dirty="0"/>
-                        <a:t>1997-01-06</a:t>
+                        <a:t>1997-10-13</a:t>
                       </a:r>
                       <a:endParaRPr lang="ru-RU" dirty="0"/>
                     </a:p>
@@ -5504,7 +5610,7 @@
                     <a:p>
                       <a:r>
                         <a:rPr lang="en-US" dirty="0"/>
-                        <a:t>1998-10-24</a:t>
+                        <a:t>1999-02-02</a:t>
                       </a:r>
                       <a:endParaRPr lang="ru-RU" dirty="0"/>
                     </a:p>
@@ -5553,7 +5659,7 @@
                     <a:p>
                       <a:r>
                         <a:rPr lang="en-US" dirty="0"/>
-                        <a:t>1990-08-15</a:t>
+                        <a:t>1987-04-22</a:t>
                       </a:r>
                       <a:endParaRPr lang="ru-RU" dirty="0"/>
                     </a:p>
@@ -5602,7 +5708,7 @@
                     <a:p>
                       <a:r>
                         <a:rPr lang="en-US" dirty="0"/>
-                        <a:t>1980-01-11</a:t>
+                        <a:t>1988-04-09</a:t>
                       </a:r>
                       <a:endParaRPr lang="ru-RU" dirty="0"/>
                     </a:p>
@@ -5651,7 +5757,56 @@
                     <a:p>
                       <a:r>
                         <a:rPr lang="en-US" dirty="0"/>
-                        <a:t>1988-06-30</a:t>
+                        <a:t>1984-05-19</a:t>
+                      </a:r>
+                      <a:endParaRPr lang="ru-RU" dirty="0"/>
+                    </a:p>
+                  </a:txBody>
+                  <a:tcPr/>
+                </a:tc>
+                <a:extLst>
+                  <a:ext uri="{0D108BD9-81ED-4DB2-BD59-A6C34878D82A}">
+                    <a16:rowId xmlns:a16="http://schemas.microsoft.com/office/drawing/2014/main" val="109181570"/>
+                  </a:ext>
+                </a:extLst>
+              </a:tr>
+              <a:tr h="370840">
+                <a:tc>
+                  <a:txBody>
+                    <a:bodyPr/>
+                    <a:lstStyle/>
+                    <a:p>
+                      <a:r>
+                        <a:rPr lang="en-US"/>
+                        <a:t>Employee #10</a:t>
+                      </a:r>
+                      <a:endParaRPr lang="ru-RU" dirty="0"/>
+                    </a:p>
+                  </a:txBody>
+                  <a:tcPr/>
+                </a:tc>
+                <a:tc>
+                  <a:txBody>
+                    <a:bodyPr/>
+                    <a:lstStyle/>
+                    <a:p>
+                      <a:r>
+                        <a:rPr lang="en-US" dirty="0"/>
+                        <a:t>emp10@company3.test</a:t>
+                      </a:r>
+                      <a:endParaRPr lang="ru-RU" dirty="0"/>
+                    </a:p>
+                  </a:txBody>
+                  <a:tcPr/>
+                </a:tc>
+                <a:tc>
+                  <a:txBody>
+                    <a:bodyPr/>
+                    <a:lstStyle/>
+                    <a:p>
+                      <a:r>
+                        <a:rPr lang="en-US" dirty="0"/>
+                        <a:t>1993-09-15</a:t>
                       </a:r>
                       <a:endParaRPr lang="ru-RU" dirty="0"/>
                     </a:p>

--- a/Test/Presentations/template_result.pptx
+++ b/Test/Presentations/template_result.pptx
@@ -8,11 +8,11 @@
     <p:notesMasterId r:id="rId5"/>
   </p:notesMasterIdLst>
   <p:sldIdLst>
-    <p:sldId id="259" r:id="R78abb11379a145ad"/>
-    <p:sldId id="260" r:id="R914e695452314454"/>
-    <p:sldId id="261" r:id="Rfe72d2b471594eab"/>
-    <p:sldId id="262" r:id="R4bfb44a8c94843e0"/>
-    <p:sldId id="263" r:id="Rb0de563b25c14711"/>
+    <p:sldId id="259" r:id="Rc5e409120ae940ad"/>
+    <p:sldId id="260" r:id="R62412620b7964011"/>
+    <p:sldId id="261" r:id="Rb34839360d9c41e7"/>
+    <p:sldId id="262" r:id="Rf1abf58520c148f6"/>
+    <p:sldId id="263" r:id="Rbb2be6958573494b"/>
   </p:sldIdLst>
   <p:sldSz cx="12192000" cy="6858000"/>
   <p:notesSz cx="6858000" cy="9144000"/>
@@ -4113,7 +4113,7 @@
                     <a:p>
                       <a:r>
                         <a:rPr lang="en-US" dirty="0"/>
-                        <a:t>1996-09-06</a:t>
+                        <a:t>1988-07-08</a:t>
                       </a:r>
                       <a:endParaRPr lang="ru-RU" dirty="0"/>
                     </a:p>
@@ -4162,7 +4162,7 @@
                     <a:p>
                       <a:r>
                         <a:rPr lang="en-US" dirty="0"/>
-                        <a:t>1985-06-23</a:t>
+                        <a:t>1983-03-24</a:t>
                       </a:r>
                       <a:endParaRPr lang="ru-RU" dirty="0"/>
                     </a:p>
@@ -4211,7 +4211,7 @@
                     <a:p>
                       <a:r>
                         <a:rPr lang="en-US" dirty="0"/>
-                        <a:t>1990-06-08</a:t>
+                        <a:t>1982-01-07</a:t>
                       </a:r>
                       <a:endParaRPr lang="ru-RU" dirty="0"/>
                     </a:p>
@@ -4260,7 +4260,7 @@
                     <a:p>
                       <a:r>
                         <a:rPr lang="en-US" dirty="0"/>
-                        <a:t>1996-06-30</a:t>
+                        <a:t>1998-10-24</a:t>
                       </a:r>
                       <a:endParaRPr lang="ru-RU" dirty="0"/>
                     </a:p>
@@ -4309,7 +4309,7 @@
                     <a:p>
                       <a:r>
                         <a:rPr lang="en-US" dirty="0"/>
-                        <a:t>1990-11-11</a:t>
+                        <a:t>1991-04-24</a:t>
                       </a:r>
                       <a:endParaRPr lang="ru-RU" dirty="0"/>
                     </a:p>
@@ -4358,7 +4358,7 @@
                     <a:p>
                       <a:r>
                         <a:rPr lang="en-US" dirty="0"/>
-                        <a:t>1993-02-01</a:t>
+                        <a:t>1985-08-29</a:t>
                       </a:r>
                       <a:endParaRPr lang="ru-RU" dirty="0"/>
                     </a:p>
@@ -4407,7 +4407,7 @@
                     <a:p>
                       <a:r>
                         <a:rPr lang="en-US" dirty="0"/>
-                        <a:t>1993-01-22</a:t>
+                        <a:t>1995-05-03</a:t>
                       </a:r>
                       <a:endParaRPr lang="ru-RU" dirty="0"/>
                     </a:p>
@@ -4456,7 +4456,7 @@
                     <a:p>
                       <a:r>
                         <a:rPr lang="en-US" dirty="0"/>
-                        <a:t>1999-04-21</a:t>
+                        <a:t>1993-04-08</a:t>
                       </a:r>
                       <a:endParaRPr lang="ru-RU" dirty="0"/>
                     </a:p>
@@ -4505,7 +4505,7 @@
                     <a:p>
                       <a:r>
                         <a:rPr lang="en-US" dirty="0"/>
-                        <a:t>1997-04-26</a:t>
+                        <a:t>1986-04-26</a:t>
                       </a:r>
                       <a:endParaRPr lang="ru-RU" dirty="0"/>
                     </a:p>
@@ -4554,7 +4554,7 @@
                     <a:p>
                       <a:r>
                         <a:rPr lang="en-US" dirty="0"/>
-                        <a:t>1982-11-08</a:t>
+                        <a:t>1982-06-08</a:t>
                       </a:r>
                       <a:endParaRPr lang="ru-RU" dirty="0"/>
                     </a:p>
@@ -4603,7 +4603,7 @@
                     <a:p>
                       <a:r>
                         <a:rPr lang="en-US" dirty="0"/>
-                        <a:t>1989-10-05</a:t>
+                        <a:t>1997-08-29</a:t>
                       </a:r>
                       <a:endParaRPr lang="ru-RU" dirty="0"/>
                     </a:p>
@@ -4837,7 +4837,7 @@
                     <a:p>
                       <a:r>
                         <a:rPr lang="en-US" dirty="0"/>
-                        <a:t>1990-06-11</a:t>
+                        <a:t>1993-10-22</a:t>
                       </a:r>
                       <a:endParaRPr lang="ru-RU" dirty="0"/>
                     </a:p>
@@ -4886,7 +4886,7 @@
                     <a:p>
                       <a:r>
                         <a:rPr lang="en-US" dirty="0"/>
-                        <a:t>1992-03-10</a:t>
+                        <a:t>1999-09-16</a:t>
                       </a:r>
                       <a:endParaRPr lang="ru-RU" dirty="0"/>
                     </a:p>
@@ -4935,7 +4935,7 @@
                     <a:p>
                       <a:r>
                         <a:rPr lang="en-US" dirty="0"/>
-                        <a:t>1997-01-04</a:t>
+                        <a:t>1993-02-17</a:t>
                       </a:r>
                       <a:endParaRPr lang="ru-RU" dirty="0"/>
                     </a:p>
@@ -4984,7 +4984,7 @@
                     <a:p>
                       <a:r>
                         <a:rPr lang="en-US" dirty="0"/>
-                        <a:t>1990-03-25</a:t>
+                        <a:t>1990-02-02</a:t>
                       </a:r>
                       <a:endParaRPr lang="ru-RU" dirty="0"/>
                     </a:p>
@@ -5033,7 +5033,7 @@
                     <a:p>
                       <a:r>
                         <a:rPr lang="en-US" dirty="0"/>
-                        <a:t>1996-09-23</a:t>
+                        <a:t>1994-11-30</a:t>
                       </a:r>
                       <a:endParaRPr lang="ru-RU" dirty="0"/>
                     </a:p>
@@ -5082,56 +5082,7 @@
                     <a:p>
                       <a:r>
                         <a:rPr lang="en-US" dirty="0"/>
-                        <a:t>1993-08-07</a:t>
-                      </a:r>
-                      <a:endParaRPr lang="ru-RU" dirty="0"/>
-                    </a:p>
-                  </a:txBody>
-                  <a:tcPr/>
-                </a:tc>
-                <a:extLst>
-                  <a:ext uri="{0D108BD9-81ED-4DB2-BD59-A6C34878D82A}">
-                    <a16:rowId xmlns:a16="http://schemas.microsoft.com/office/drawing/2014/main" val="109181570"/>
-                  </a:ext>
-                </a:extLst>
-              </a:tr>
-              <a:tr h="370840">
-                <a:tc>
-                  <a:txBody>
-                    <a:bodyPr/>
-                    <a:lstStyle/>
-                    <a:p>
-                      <a:r>
-                        <a:rPr lang="en-US"/>
-                        <a:t>Employee #7</a:t>
-                      </a:r>
-                      <a:endParaRPr lang="ru-RU" dirty="0"/>
-                    </a:p>
-                  </a:txBody>
-                  <a:tcPr/>
-                </a:tc>
-                <a:tc>
-                  <a:txBody>
-                    <a:bodyPr/>
-                    <a:lstStyle/>
-                    <a:p>
-                      <a:r>
-                        <a:rPr lang="en-US" dirty="0"/>
-                        <a:t>emp7@company2.test</a:t>
-                      </a:r>
-                      <a:endParaRPr lang="ru-RU" dirty="0"/>
-                    </a:p>
-                  </a:txBody>
-                  <a:tcPr/>
-                </a:tc>
-                <a:tc>
-                  <a:txBody>
-                    <a:bodyPr/>
-                    <a:lstStyle/>
-                    <a:p>
-                      <a:r>
-                        <a:rPr lang="en-US" dirty="0"/>
-                        <a:t>1992-02-20</a:t>
+                        <a:t>1998-03-22</a:t>
                       </a:r>
                       <a:endParaRPr lang="ru-RU" dirty="0"/>
                     </a:p>
@@ -5365,7 +5316,7 @@
                     <a:p>
                       <a:r>
                         <a:rPr lang="en-US" dirty="0"/>
-                        <a:t>1990-11-15</a:t>
+                        <a:t>1987-04-13</a:t>
                       </a:r>
                       <a:endParaRPr lang="ru-RU" dirty="0"/>
                     </a:p>
@@ -5414,7 +5365,7 @@
                     <a:p>
                       <a:r>
                         <a:rPr lang="en-US" dirty="0"/>
-                        <a:t>1986-01-25</a:t>
+                        <a:t>1983-07-30</a:t>
                       </a:r>
                       <a:endParaRPr lang="ru-RU" dirty="0"/>
                     </a:p>
@@ -5463,7 +5414,7 @@
                     <a:p>
                       <a:r>
                         <a:rPr lang="en-US" dirty="0"/>
-                        <a:t>1995-11-01</a:t>
+                        <a:t>1995-11-09</a:t>
                       </a:r>
                       <a:endParaRPr lang="ru-RU" dirty="0"/>
                     </a:p>
@@ -5512,301 +5463,7 @@
                     <a:p>
                       <a:r>
                         <a:rPr lang="en-US" dirty="0"/>
-                        <a:t>1989-08-09</a:t>
-                      </a:r>
-                      <a:endParaRPr lang="ru-RU" dirty="0"/>
-                    </a:p>
-                  </a:txBody>
-                  <a:tcPr/>
-                </a:tc>
-                <a:extLst>
-                  <a:ext uri="{0D108BD9-81ED-4DB2-BD59-A6C34878D82A}">
-                    <a16:rowId xmlns:a16="http://schemas.microsoft.com/office/drawing/2014/main" val="109181570"/>
-                  </a:ext>
-                </a:extLst>
-              </a:tr>
-              <a:tr h="370840">
-                <a:tc>
-                  <a:txBody>
-                    <a:bodyPr/>
-                    <a:lstStyle/>
-                    <a:p>
-                      <a:r>
-                        <a:rPr lang="en-US"/>
-                        <a:t>Employee #5</a:t>
-                      </a:r>
-                      <a:endParaRPr lang="ru-RU" dirty="0"/>
-                    </a:p>
-                  </a:txBody>
-                  <a:tcPr/>
-                </a:tc>
-                <a:tc>
-                  <a:txBody>
-                    <a:bodyPr/>
-                    <a:lstStyle/>
-                    <a:p>
-                      <a:r>
-                        <a:rPr lang="en-US" dirty="0"/>
-                        <a:t>emp5@company3.test</a:t>
-                      </a:r>
-                      <a:endParaRPr lang="ru-RU" dirty="0"/>
-                    </a:p>
-                  </a:txBody>
-                  <a:tcPr/>
-                </a:tc>
-                <a:tc>
-                  <a:txBody>
-                    <a:bodyPr/>
-                    <a:lstStyle/>
-                    <a:p>
-                      <a:r>
-                        <a:rPr lang="en-US" dirty="0"/>
-                        <a:t>1997-10-13</a:t>
-                      </a:r>
-                      <a:endParaRPr lang="ru-RU" dirty="0"/>
-                    </a:p>
-                  </a:txBody>
-                  <a:tcPr/>
-                </a:tc>
-                <a:extLst>
-                  <a:ext uri="{0D108BD9-81ED-4DB2-BD59-A6C34878D82A}">
-                    <a16:rowId xmlns:a16="http://schemas.microsoft.com/office/drawing/2014/main" val="109181570"/>
-                  </a:ext>
-                </a:extLst>
-              </a:tr>
-              <a:tr h="370840">
-                <a:tc>
-                  <a:txBody>
-                    <a:bodyPr/>
-                    <a:lstStyle/>
-                    <a:p>
-                      <a:r>
-                        <a:rPr lang="en-US"/>
-                        <a:t>Employee #6</a:t>
-                      </a:r>
-                      <a:endParaRPr lang="ru-RU" dirty="0"/>
-                    </a:p>
-                  </a:txBody>
-                  <a:tcPr/>
-                </a:tc>
-                <a:tc>
-                  <a:txBody>
-                    <a:bodyPr/>
-                    <a:lstStyle/>
-                    <a:p>
-                      <a:r>
-                        <a:rPr lang="en-US" dirty="0"/>
-                        <a:t>emp6@company3.test</a:t>
-                      </a:r>
-                      <a:endParaRPr lang="ru-RU" dirty="0"/>
-                    </a:p>
-                  </a:txBody>
-                  <a:tcPr/>
-                </a:tc>
-                <a:tc>
-                  <a:txBody>
-                    <a:bodyPr/>
-                    <a:lstStyle/>
-                    <a:p>
-                      <a:r>
-                        <a:rPr lang="en-US" dirty="0"/>
-                        <a:t>1999-02-02</a:t>
-                      </a:r>
-                      <a:endParaRPr lang="ru-RU" dirty="0"/>
-                    </a:p>
-                  </a:txBody>
-                  <a:tcPr/>
-                </a:tc>
-                <a:extLst>
-                  <a:ext uri="{0D108BD9-81ED-4DB2-BD59-A6C34878D82A}">
-                    <a16:rowId xmlns:a16="http://schemas.microsoft.com/office/drawing/2014/main" val="109181570"/>
-                  </a:ext>
-                </a:extLst>
-              </a:tr>
-              <a:tr h="370840">
-                <a:tc>
-                  <a:txBody>
-                    <a:bodyPr/>
-                    <a:lstStyle/>
-                    <a:p>
-                      <a:r>
-                        <a:rPr lang="en-US"/>
-                        <a:t>Employee #7</a:t>
-                      </a:r>
-                      <a:endParaRPr lang="ru-RU" dirty="0"/>
-                    </a:p>
-                  </a:txBody>
-                  <a:tcPr/>
-                </a:tc>
-                <a:tc>
-                  <a:txBody>
-                    <a:bodyPr/>
-                    <a:lstStyle/>
-                    <a:p>
-                      <a:r>
-                        <a:rPr lang="en-US" dirty="0"/>
-                        <a:t>emp7@company3.test</a:t>
-                      </a:r>
-                      <a:endParaRPr lang="ru-RU" dirty="0"/>
-                    </a:p>
-                  </a:txBody>
-                  <a:tcPr/>
-                </a:tc>
-                <a:tc>
-                  <a:txBody>
-                    <a:bodyPr/>
-                    <a:lstStyle/>
-                    <a:p>
-                      <a:r>
-                        <a:rPr lang="en-US" dirty="0"/>
-                        <a:t>1987-04-22</a:t>
-                      </a:r>
-                      <a:endParaRPr lang="ru-RU" dirty="0"/>
-                    </a:p>
-                  </a:txBody>
-                  <a:tcPr/>
-                </a:tc>
-                <a:extLst>
-                  <a:ext uri="{0D108BD9-81ED-4DB2-BD59-A6C34878D82A}">
-                    <a16:rowId xmlns:a16="http://schemas.microsoft.com/office/drawing/2014/main" val="109181570"/>
-                  </a:ext>
-                </a:extLst>
-              </a:tr>
-              <a:tr h="370840">
-                <a:tc>
-                  <a:txBody>
-                    <a:bodyPr/>
-                    <a:lstStyle/>
-                    <a:p>
-                      <a:r>
-                        <a:rPr lang="en-US"/>
-                        <a:t>Employee #8</a:t>
-                      </a:r>
-                      <a:endParaRPr lang="ru-RU" dirty="0"/>
-                    </a:p>
-                  </a:txBody>
-                  <a:tcPr/>
-                </a:tc>
-                <a:tc>
-                  <a:txBody>
-                    <a:bodyPr/>
-                    <a:lstStyle/>
-                    <a:p>
-                      <a:r>
-                        <a:rPr lang="en-US" dirty="0"/>
-                        <a:t>emp8@company3.test</a:t>
-                      </a:r>
-                      <a:endParaRPr lang="ru-RU" dirty="0"/>
-                    </a:p>
-                  </a:txBody>
-                  <a:tcPr/>
-                </a:tc>
-                <a:tc>
-                  <a:txBody>
-                    <a:bodyPr/>
-                    <a:lstStyle/>
-                    <a:p>
-                      <a:r>
-                        <a:rPr lang="en-US" dirty="0"/>
-                        <a:t>1988-04-09</a:t>
-                      </a:r>
-                      <a:endParaRPr lang="ru-RU" dirty="0"/>
-                    </a:p>
-                  </a:txBody>
-                  <a:tcPr/>
-                </a:tc>
-                <a:extLst>
-                  <a:ext uri="{0D108BD9-81ED-4DB2-BD59-A6C34878D82A}">
-                    <a16:rowId xmlns:a16="http://schemas.microsoft.com/office/drawing/2014/main" val="109181570"/>
-                  </a:ext>
-                </a:extLst>
-              </a:tr>
-              <a:tr h="370840">
-                <a:tc>
-                  <a:txBody>
-                    <a:bodyPr/>
-                    <a:lstStyle/>
-                    <a:p>
-                      <a:r>
-                        <a:rPr lang="en-US"/>
-                        <a:t>Employee #9</a:t>
-                      </a:r>
-                      <a:endParaRPr lang="ru-RU" dirty="0"/>
-                    </a:p>
-                  </a:txBody>
-                  <a:tcPr/>
-                </a:tc>
-                <a:tc>
-                  <a:txBody>
-                    <a:bodyPr/>
-                    <a:lstStyle/>
-                    <a:p>
-                      <a:r>
-                        <a:rPr lang="en-US" dirty="0"/>
-                        <a:t>emp9@company3.test</a:t>
-                      </a:r>
-                      <a:endParaRPr lang="ru-RU" dirty="0"/>
-                    </a:p>
-                  </a:txBody>
-                  <a:tcPr/>
-                </a:tc>
-                <a:tc>
-                  <a:txBody>
-                    <a:bodyPr/>
-                    <a:lstStyle/>
-                    <a:p>
-                      <a:r>
-                        <a:rPr lang="en-US" dirty="0"/>
-                        <a:t>1984-05-19</a:t>
-                      </a:r>
-                      <a:endParaRPr lang="ru-RU" dirty="0"/>
-                    </a:p>
-                  </a:txBody>
-                  <a:tcPr/>
-                </a:tc>
-                <a:extLst>
-                  <a:ext uri="{0D108BD9-81ED-4DB2-BD59-A6C34878D82A}">
-                    <a16:rowId xmlns:a16="http://schemas.microsoft.com/office/drawing/2014/main" val="109181570"/>
-                  </a:ext>
-                </a:extLst>
-              </a:tr>
-              <a:tr h="370840">
-                <a:tc>
-                  <a:txBody>
-                    <a:bodyPr/>
-                    <a:lstStyle/>
-                    <a:p>
-                      <a:r>
-                        <a:rPr lang="en-US"/>
-                        <a:t>Employee #10</a:t>
-                      </a:r>
-                      <a:endParaRPr lang="ru-RU" dirty="0"/>
-                    </a:p>
-                  </a:txBody>
-                  <a:tcPr/>
-                </a:tc>
-                <a:tc>
-                  <a:txBody>
-                    <a:bodyPr/>
-                    <a:lstStyle/>
-                    <a:p>
-                      <a:r>
-                        <a:rPr lang="en-US" dirty="0"/>
-                        <a:t>emp10@company3.test</a:t>
-                      </a:r>
-                      <a:endParaRPr lang="ru-RU" dirty="0"/>
-                    </a:p>
-                  </a:txBody>
-                  <a:tcPr/>
-                </a:tc>
-                <a:tc>
-                  <a:txBody>
-                    <a:bodyPr/>
-                    <a:lstStyle/>
-                    <a:p>
-                      <a:r>
-                        <a:rPr lang="en-US" dirty="0"/>
-                        <a:t>1993-09-15</a:t>
+                        <a:t>1993-08-19</a:t>
                       </a:r>
                       <a:endParaRPr lang="ru-RU" dirty="0"/>
                     </a:p>

--- a/Test/Presentations/template_result.pptx
+++ b/Test/Presentations/template_result.pptx
@@ -8,11 +8,11 @@
     <p:notesMasterId r:id="rId5"/>
   </p:notesMasterIdLst>
   <p:sldIdLst>
-    <p:sldId id="259" r:id="Rc5e409120ae940ad"/>
-    <p:sldId id="260" r:id="R62412620b7964011"/>
-    <p:sldId id="261" r:id="Rb34839360d9c41e7"/>
-    <p:sldId id="262" r:id="Rf1abf58520c148f6"/>
-    <p:sldId id="263" r:id="Rbb2be6958573494b"/>
+    <p:sldId id="259" r:id="R904eb9540a1f456f"/>
+    <p:sldId id="260" r:id="R0ff0445e671447bb"/>
+    <p:sldId id="261" r:id="R94593a9961a04798"/>
+    <p:sldId id="262" r:id="R23f9a47fdfd04621"/>
+    <p:sldId id="263" r:id="Rd32dfe0f62434bf3"/>
   </p:sldIdLst>
   <p:sldSz cx="12192000" cy="6858000"/>
   <p:notesSz cx="6858000" cy="9144000"/>
@@ -204,7 +204,7 @@
           <a:p>
             <a:fld id="{96129386-331A-4479-A604-9D03FC98566D}" type="datetimeFigureOut">
               <a:rPr lang="ru-RU" smtClean="0"/>
-              <a:t>24.09.2024</a:t>
+              <a:t>27.09.2024</a:t>
             </a:fld>
             <a:endParaRPr lang="ru-RU"/>
           </a:p>
@@ -618,7 +618,7 @@
           <a:p>
             <a:fld id="{60333C80-F893-47D7-9906-1E3D3180BB29}" type="datetimeFigureOut">
               <a:rPr lang="ru-RU" smtClean="0"/>
-              <a:t>24.09.2024</a:t>
+              <a:t>27.09.2024</a:t>
             </a:fld>
             <a:endParaRPr lang="ru-RU"/>
           </a:p>
@@ -816,7 +816,7 @@
           <a:p>
             <a:fld id="{60333C80-F893-47D7-9906-1E3D3180BB29}" type="datetimeFigureOut">
               <a:rPr lang="ru-RU" smtClean="0"/>
-              <a:t>24.09.2024</a:t>
+              <a:t>27.09.2024</a:t>
             </a:fld>
             <a:endParaRPr lang="ru-RU"/>
           </a:p>
@@ -1024,7 +1024,7 @@
           <a:p>
             <a:fld id="{60333C80-F893-47D7-9906-1E3D3180BB29}" type="datetimeFigureOut">
               <a:rPr lang="ru-RU" smtClean="0"/>
-              <a:t>24.09.2024</a:t>
+              <a:t>27.09.2024</a:t>
             </a:fld>
             <a:endParaRPr lang="ru-RU"/>
           </a:p>
@@ -1222,7 +1222,7 @@
           <a:p>
             <a:fld id="{60333C80-F893-47D7-9906-1E3D3180BB29}" type="datetimeFigureOut">
               <a:rPr lang="ru-RU" smtClean="0"/>
-              <a:t>24.09.2024</a:t>
+              <a:t>27.09.2024</a:t>
             </a:fld>
             <a:endParaRPr lang="ru-RU"/>
           </a:p>
@@ -1497,7 +1497,7 @@
           <a:p>
             <a:fld id="{60333C80-F893-47D7-9906-1E3D3180BB29}" type="datetimeFigureOut">
               <a:rPr lang="ru-RU" smtClean="0"/>
-              <a:t>24.09.2024</a:t>
+              <a:t>27.09.2024</a:t>
             </a:fld>
             <a:endParaRPr lang="ru-RU"/>
           </a:p>
@@ -1762,7 +1762,7 @@
           <a:p>
             <a:fld id="{60333C80-F893-47D7-9906-1E3D3180BB29}" type="datetimeFigureOut">
               <a:rPr lang="ru-RU" smtClean="0"/>
-              <a:t>24.09.2024</a:t>
+              <a:t>27.09.2024</a:t>
             </a:fld>
             <a:endParaRPr lang="ru-RU"/>
           </a:p>
@@ -2174,7 +2174,7 @@
           <a:p>
             <a:fld id="{60333C80-F893-47D7-9906-1E3D3180BB29}" type="datetimeFigureOut">
               <a:rPr lang="ru-RU" smtClean="0"/>
-              <a:t>24.09.2024</a:t>
+              <a:t>27.09.2024</a:t>
             </a:fld>
             <a:endParaRPr lang="ru-RU"/>
           </a:p>
@@ -2315,7 +2315,7 @@
           <a:p>
             <a:fld id="{60333C80-F893-47D7-9906-1E3D3180BB29}" type="datetimeFigureOut">
               <a:rPr lang="ru-RU" smtClean="0"/>
-              <a:t>24.09.2024</a:t>
+              <a:t>27.09.2024</a:t>
             </a:fld>
             <a:endParaRPr lang="ru-RU"/>
           </a:p>
@@ -2428,7 +2428,7 @@
           <a:p>
             <a:fld id="{60333C80-F893-47D7-9906-1E3D3180BB29}" type="datetimeFigureOut">
               <a:rPr lang="ru-RU" smtClean="0"/>
-              <a:t>24.09.2024</a:t>
+              <a:t>27.09.2024</a:t>
             </a:fld>
             <a:endParaRPr lang="ru-RU"/>
           </a:p>
@@ -2739,7 +2739,7 @@
           <a:p>
             <a:fld id="{60333C80-F893-47D7-9906-1E3D3180BB29}" type="datetimeFigureOut">
               <a:rPr lang="ru-RU" smtClean="0"/>
-              <a:t>24.09.2024</a:t>
+              <a:t>27.09.2024</a:t>
             </a:fld>
             <a:endParaRPr lang="ru-RU"/>
           </a:p>
@@ -3027,7 +3027,7 @@
           <a:p>
             <a:fld id="{60333C80-F893-47D7-9906-1E3D3180BB29}" type="datetimeFigureOut">
               <a:rPr lang="ru-RU" smtClean="0"/>
-              <a:t>24.09.2024</a:t>
+              <a:t>27.09.2024</a:t>
             </a:fld>
             <a:endParaRPr lang="ru-RU"/>
           </a:p>
@@ -3268,7 +3268,7 @@
           <a:p>
             <a:fld id="{60333C80-F893-47D7-9906-1E3D3180BB29}" type="datetimeFigureOut">
               <a:rPr lang="ru-RU" smtClean="0"/>
-              <a:t>24.09.2024</a:t>
+              <a:t>27.09.2024</a:t>
             </a:fld>
             <a:endParaRPr lang="ru-RU"/>
           </a:p>
@@ -3669,7 +3669,7 @@
 </file>
 
 <file path=ppt/slides/slide4.xml><?xml version="1.0" encoding="utf-8"?>
-<p:sld xmlns:a16="http://schemas.microsoft.com/office/drawing/2014/main" xmlns:p14="http://schemas.microsoft.com/office/powerpoint/2010/main" xmlns:a="http://schemas.openxmlformats.org/drawingml/2006/main" xmlns:r="http://schemas.openxmlformats.org/officeDocument/2006/relationships" xmlns:p="http://schemas.openxmlformats.org/presentationml/2006/main">
+<p:sld xmlns:a16="http://schemas.microsoft.com/office/drawing/2014/main" xmlns:p14="http://schemas.microsoft.com/office/powerpoint/2010/main" xmlns:mc="http://schemas.openxmlformats.org/markup-compatibility/2006" xmlns:v="urn:schemas-microsoft-com:vml" xmlns:a="http://schemas.openxmlformats.org/drawingml/2006/main" xmlns:r="http://schemas.openxmlformats.org/officeDocument/2006/relationships" xmlns:p="http://schemas.openxmlformats.org/presentationml/2006/main">
   <p:cSld>
     <p:spTree>
       <p:nvGrpSpPr>
@@ -3744,7 +3744,7 @@
                   </a:schemeClr>
                 </a:solidFill>
               </a:rPr>
-              <a:t>Date: 25.09.2024</a:t>
+              <a:t>Date: 27.09.2024</a:t>
             </a:r>
             <a:endParaRPr lang="ru-RU" dirty="0">
               <a:solidFill>
@@ -3757,6 +3757,64 @@
           </a:p>
         </p:txBody>
       </p:sp>
+      <p:graphicFrame>
+        <p:nvGraphicFramePr>
+          <p:cNvPr id="4" name="Объект 3">
+            <a:extLst>
+              <a:ext uri="{FF2B5EF4-FFF2-40B4-BE49-F238E27FC236}">
+                <a16:creationId xmlns:a16="http://schemas.microsoft.com/office/drawing/2014/main" id="{AF764765-9F42-82E8-66C4-5CD2B02ACAF3}"/>
+              </a:ext>
+            </a:extLst>
+          </p:cNvPr>
+          <p:cNvGraphicFramePr>
+            <a:graphicFrameLocks noChangeAspect="1"/>
+          </p:cNvGraphicFramePr>
+          <p:nvPr>
+            <p:extLst>
+              <p:ext uri="{D42A27DB-BD31-4B8C-83A1-F6EECF244321}">
+                <p14:modId xmlns:p14="http://schemas.microsoft.com/office/powerpoint/2010/main" val="3660598938"/>
+              </p:ext>
+            </p:extLst>
+          </p:nvPr>
+        </p:nvGraphicFramePr>
+        <p:xfrm>
+          <a:off x="2032000" y="719138"/>
+          <a:ext cx="8128000" cy="5418137"/>
+        </p:xfrm>
+        <a:graphic>
+          <a:graphicData uri="http://schemas.openxmlformats.org/presentationml/2006/ole">
+            <mc:AlternateContent xmlns:mc="http://schemas.openxmlformats.org/markup-compatibility/2006">
+              <mc:Choice xmlns:v="urn:schemas-microsoft-com:vml" Requires="v">
+                <p:oleObj name="Точечный рисунок" r:id="rId2" imgW="0" imgH="0" progId="Paint.Picture">
+                  <p:embed/>
+                </p:oleObj>
+              </mc:Choice>
+              <mc:Fallback>
+                <p:oleObj name="Точечный рисунок" r:id="rId2" imgW="0" imgH="0" progId="Paint.Picture">
+                  <p:embed/>
+                  <p:pic>
+                    <p:nvPicPr>
+                      <p:cNvPr id="0" name=""/>
+                      <p:cNvPicPr/>
+                      <p:nvPr/>
+                    </p:nvPicPr>
+                    <p:blipFill/>
+                    <p:spPr>
+                      <a:xfrm>
+                        <a:off x="2032000" y="719138"/>
+                        <a:ext cx="8128000" cy="5418137"/>
+                      </a:xfrm>
+                      <a:prstGeom prst="rect">
+                        <a:avLst/>
+                      </a:prstGeom>
+                    </p:spPr>
+                  </p:pic>
+                </p:oleObj>
+              </mc:Fallback>
+            </mc:AlternateContent>
+          </a:graphicData>
+        </a:graphic>
+      </p:graphicFrame>
     </p:spTree>
     <p:extLst>
       <p:ext uri="{BB962C8B-B14F-4D97-AF65-F5344CB8AC3E}">
@@ -3824,7 +3882,7 @@
                   </a:schemeClr>
                 </a:solidFill>
               </a:rPr>
-              <a:t>25 September 2024</a:t>
+              <a:t>27 September 2024</a:t>
             </a:r>
             <a:endParaRPr lang="ru-RU" sz="2000" dirty="0"/>
           </a:p>
@@ -3848,51 +3906,91 @@
         </p:nvSpPr>
         <p:spPr/>
         <p:txBody>
-          <a:bodyPr/>
+          <a:bodyPr>
+            <a:normAutofit/>
+          </a:bodyPr>
           <a:lstStyle/>
           <a:p>
             <a:r>
-              <a:rPr lang="en-US" dirty="0"/>
+              <a:rPr lang="en-US" sz="2000" dirty="0"/>
               <a:t>Username: TestName</a:t>
             </a:r>
           </a:p>
           <a:p>
             <a:r>
-              <a:rPr lang="en-US" dirty="0"/>
+              <a:rPr lang="en-US" sz="2000" dirty="0"/>
               <a:t>IsActive: Yes</a:t>
             </a:r>
           </a:p>
           <a:p>
             <a:r>
-              <a:rPr lang="en-US" dirty="0"/>
-              <a:t>Evaluation: 1,000,000.00</a:t>
-            </a:r>
-          </a:p>
-          <a:p>
-            <a:r>
-              <a:rPr lang="en-US" dirty="0"/>
-              <a:t>Items: item#1, item#2, item#3, item#4, item#5</a:t>
-            </a:r>
-          </a:p>
-          <a:p>
-            <a:r>
-              <a:rPr lang="en-US" dirty="0">
+              <a:rPr lang="en-US" sz="2000" dirty="0"/>
+              <a:t>Evaluation: 1,000,000.123</a:t>
+            </a:r>
+          </a:p>
+          <a:p>
+            <a:r>
+              <a:rPr lang="en-US" sz="2000" dirty="0"/>
+              <a:t>Link: </a:t>
+            </a:r>
+            <a:r>
+              <a:rPr lang="en-US" sz="2000" dirty="0">
                 <a:hlinkClick r:id="rId3"/>
               </a:rPr>
               <a:t>TestLink</a:t>
             </a:r>
-            <a:endParaRPr lang="en-US" dirty="0"/>
-          </a:p>
-          <a:p>
-            <a:r>
-              <a:rPr lang="en-US" dirty="0" err="1"/>
+            <a:endParaRPr lang="en-US" sz="2000" dirty="0"/>
+          </a:p>
+          <a:p>
+            <a:r>
+              <a:rPr lang="en-US" sz="2000" dirty="0" err="1"/>
               <a:t>HtmlAsText</a:t>
             </a:r>
             <a:r>
-              <a:rPr lang="en-US" dirty="0"/>
+              <a:rPr lang="en-US" sz="2000" dirty="0"/>
               <a:t>: text text text</a:t>
             </a:r>
-            <a:endParaRPr lang="ru-RU" dirty="0"/>
+          </a:p>
+          <a:p>
+            <a:r>
+              <a:rPr lang="en-US" sz="2000" dirty="0" err="1"/>
+              <a:t>ArrayItem</a:t>
+            </a:r>
+            <a:r>
+              <a:rPr lang="en-US" sz="2000" dirty="0"/>
+              <a:t>: item#2</a:t>
+            </a:r>
+          </a:p>
+          <a:p>
+            <a:r>
+              <a:rPr lang="en-US" sz="2000" dirty="0" err="1"/>
+              <a:t>DictionaryValue</a:t>
+            </a:r>
+            <a:r>
+              <a:rPr lang="en-US" sz="2000" dirty="0"/>
+              <a:t>: 100</a:t>
+            </a:r>
+          </a:p>
+          <a:p>
+            <a:r>
+              <a:rPr lang="en-US" sz="2000" dirty="0"/>
+              <a:t>Items: </a:t>
+            </a:r>
+          </a:p>
+          <a:p>
+            <a:pPr marL="914400" lvl="1" indent="-457200">
+              <a:buFont typeface="+mj-lt"/>
+              <a:buAutoNum type="arabicPeriod"/>
+            </a:pPr>
+            <a:r>
+              <a:rPr lang="en-US" sz="2000" dirty="0"/>
+              <a:t>item#1, 
+item#2, 
+item#3</a:t>
+            </a:r>
+          </a:p>
+          <a:p>
+            <a:endParaRPr lang="ru-RU" sz="2000" dirty="0"/>
           </a:p>
         </p:txBody>
       </p:sp>
@@ -4113,7 +4211,7 @@
                     <a:p>
                       <a:r>
                         <a:rPr lang="en-US" dirty="0"/>
-                        <a:t>1988-07-08</a:t>
+                        <a:t>1991-05-24</a:t>
                       </a:r>
                       <a:endParaRPr lang="ru-RU" dirty="0"/>
                     </a:p>
@@ -4162,7 +4260,7 @@
                     <a:p>
                       <a:r>
                         <a:rPr lang="en-US" dirty="0"/>
-                        <a:t>1983-03-24</a:t>
+                        <a:t>1986-08-27</a:t>
                       </a:r>
                       <a:endParaRPr lang="ru-RU" dirty="0"/>
                     </a:p>
@@ -4211,7 +4309,7 @@
                     <a:p>
                       <a:r>
                         <a:rPr lang="en-US" dirty="0"/>
-                        <a:t>1982-01-07</a:t>
+                        <a:t>1995-01-20</a:t>
                       </a:r>
                       <a:endParaRPr lang="ru-RU" dirty="0"/>
                     </a:p>
@@ -4260,7 +4358,7 @@
                     <a:p>
                       <a:r>
                         <a:rPr lang="en-US" dirty="0"/>
-                        <a:t>1998-10-24</a:t>
+                        <a:t>1988-05-11</a:t>
                       </a:r>
                       <a:endParaRPr lang="ru-RU" dirty="0"/>
                     </a:p>
@@ -4309,301 +4407,7 @@
                     <a:p>
                       <a:r>
                         <a:rPr lang="en-US" dirty="0"/>
-                        <a:t>1991-04-24</a:t>
-                      </a:r>
-                      <a:endParaRPr lang="ru-RU" dirty="0"/>
-                    </a:p>
-                  </a:txBody>
-                  <a:tcPr/>
-                </a:tc>
-                <a:extLst>
-                  <a:ext uri="{0D108BD9-81ED-4DB2-BD59-A6C34878D82A}">
-                    <a16:rowId xmlns:a16="http://schemas.microsoft.com/office/drawing/2014/main" val="109181570"/>
-                  </a:ext>
-                </a:extLst>
-              </a:tr>
-              <a:tr h="370840">
-                <a:tc>
-                  <a:txBody>
-                    <a:bodyPr/>
-                    <a:lstStyle/>
-                    <a:p>
-                      <a:r>
-                        <a:rPr lang="en-US"/>
-                        <a:t>Employee #6</a:t>
-                      </a:r>
-                      <a:endParaRPr lang="ru-RU" dirty="0"/>
-                    </a:p>
-                  </a:txBody>
-                  <a:tcPr/>
-                </a:tc>
-                <a:tc>
-                  <a:txBody>
-                    <a:bodyPr/>
-                    <a:lstStyle/>
-                    <a:p>
-                      <a:r>
-                        <a:rPr lang="en-US" dirty="0"/>
-                        <a:t>emp6@company1.test</a:t>
-                      </a:r>
-                      <a:endParaRPr lang="ru-RU" dirty="0"/>
-                    </a:p>
-                  </a:txBody>
-                  <a:tcPr/>
-                </a:tc>
-                <a:tc>
-                  <a:txBody>
-                    <a:bodyPr/>
-                    <a:lstStyle/>
-                    <a:p>
-                      <a:r>
-                        <a:rPr lang="en-US" dirty="0"/>
-                        <a:t>1985-08-29</a:t>
-                      </a:r>
-                      <a:endParaRPr lang="ru-RU" dirty="0"/>
-                    </a:p>
-                  </a:txBody>
-                  <a:tcPr/>
-                </a:tc>
-                <a:extLst>
-                  <a:ext uri="{0D108BD9-81ED-4DB2-BD59-A6C34878D82A}">
-                    <a16:rowId xmlns:a16="http://schemas.microsoft.com/office/drawing/2014/main" val="109181570"/>
-                  </a:ext>
-                </a:extLst>
-              </a:tr>
-              <a:tr h="370840">
-                <a:tc>
-                  <a:txBody>
-                    <a:bodyPr/>
-                    <a:lstStyle/>
-                    <a:p>
-                      <a:r>
-                        <a:rPr lang="en-US"/>
-                        <a:t>Employee #7</a:t>
-                      </a:r>
-                      <a:endParaRPr lang="ru-RU" dirty="0"/>
-                    </a:p>
-                  </a:txBody>
-                  <a:tcPr/>
-                </a:tc>
-                <a:tc>
-                  <a:txBody>
-                    <a:bodyPr/>
-                    <a:lstStyle/>
-                    <a:p>
-                      <a:r>
-                        <a:rPr lang="en-US" dirty="0"/>
-                        <a:t>emp7@company1.test</a:t>
-                      </a:r>
-                      <a:endParaRPr lang="ru-RU" dirty="0"/>
-                    </a:p>
-                  </a:txBody>
-                  <a:tcPr/>
-                </a:tc>
-                <a:tc>
-                  <a:txBody>
-                    <a:bodyPr/>
-                    <a:lstStyle/>
-                    <a:p>
-                      <a:r>
-                        <a:rPr lang="en-US" dirty="0"/>
-                        <a:t>1995-05-03</a:t>
-                      </a:r>
-                      <a:endParaRPr lang="ru-RU" dirty="0"/>
-                    </a:p>
-                  </a:txBody>
-                  <a:tcPr/>
-                </a:tc>
-                <a:extLst>
-                  <a:ext uri="{0D108BD9-81ED-4DB2-BD59-A6C34878D82A}">
-                    <a16:rowId xmlns:a16="http://schemas.microsoft.com/office/drawing/2014/main" val="109181570"/>
-                  </a:ext>
-                </a:extLst>
-              </a:tr>
-              <a:tr h="370840">
-                <a:tc>
-                  <a:txBody>
-                    <a:bodyPr/>
-                    <a:lstStyle/>
-                    <a:p>
-                      <a:r>
-                        <a:rPr lang="en-US"/>
-                        <a:t>Employee #8</a:t>
-                      </a:r>
-                      <a:endParaRPr lang="ru-RU" dirty="0"/>
-                    </a:p>
-                  </a:txBody>
-                  <a:tcPr/>
-                </a:tc>
-                <a:tc>
-                  <a:txBody>
-                    <a:bodyPr/>
-                    <a:lstStyle/>
-                    <a:p>
-                      <a:r>
-                        <a:rPr lang="en-US" dirty="0"/>
-                        <a:t>emp8@company1.test</a:t>
-                      </a:r>
-                      <a:endParaRPr lang="ru-RU" dirty="0"/>
-                    </a:p>
-                  </a:txBody>
-                  <a:tcPr/>
-                </a:tc>
-                <a:tc>
-                  <a:txBody>
-                    <a:bodyPr/>
-                    <a:lstStyle/>
-                    <a:p>
-                      <a:r>
-                        <a:rPr lang="en-US" dirty="0"/>
-                        <a:t>1993-04-08</a:t>
-                      </a:r>
-                      <a:endParaRPr lang="ru-RU" dirty="0"/>
-                    </a:p>
-                  </a:txBody>
-                  <a:tcPr/>
-                </a:tc>
-                <a:extLst>
-                  <a:ext uri="{0D108BD9-81ED-4DB2-BD59-A6C34878D82A}">
-                    <a16:rowId xmlns:a16="http://schemas.microsoft.com/office/drawing/2014/main" val="109181570"/>
-                  </a:ext>
-                </a:extLst>
-              </a:tr>
-              <a:tr h="370840">
-                <a:tc>
-                  <a:txBody>
-                    <a:bodyPr/>
-                    <a:lstStyle/>
-                    <a:p>
-                      <a:r>
-                        <a:rPr lang="en-US"/>
-                        <a:t>Employee #9</a:t>
-                      </a:r>
-                      <a:endParaRPr lang="ru-RU" dirty="0"/>
-                    </a:p>
-                  </a:txBody>
-                  <a:tcPr/>
-                </a:tc>
-                <a:tc>
-                  <a:txBody>
-                    <a:bodyPr/>
-                    <a:lstStyle/>
-                    <a:p>
-                      <a:r>
-                        <a:rPr lang="en-US" dirty="0"/>
-                        <a:t>emp9@company1.test</a:t>
-                      </a:r>
-                      <a:endParaRPr lang="ru-RU" dirty="0"/>
-                    </a:p>
-                  </a:txBody>
-                  <a:tcPr/>
-                </a:tc>
-                <a:tc>
-                  <a:txBody>
-                    <a:bodyPr/>
-                    <a:lstStyle/>
-                    <a:p>
-                      <a:r>
-                        <a:rPr lang="en-US" dirty="0"/>
-                        <a:t>1986-04-26</a:t>
-                      </a:r>
-                      <a:endParaRPr lang="ru-RU" dirty="0"/>
-                    </a:p>
-                  </a:txBody>
-                  <a:tcPr/>
-                </a:tc>
-                <a:extLst>
-                  <a:ext uri="{0D108BD9-81ED-4DB2-BD59-A6C34878D82A}">
-                    <a16:rowId xmlns:a16="http://schemas.microsoft.com/office/drawing/2014/main" val="109181570"/>
-                  </a:ext>
-                </a:extLst>
-              </a:tr>
-              <a:tr h="370840">
-                <a:tc>
-                  <a:txBody>
-                    <a:bodyPr/>
-                    <a:lstStyle/>
-                    <a:p>
-                      <a:r>
-                        <a:rPr lang="en-US"/>
-                        <a:t>Employee #10</a:t>
-                      </a:r>
-                      <a:endParaRPr lang="ru-RU" dirty="0"/>
-                    </a:p>
-                  </a:txBody>
-                  <a:tcPr/>
-                </a:tc>
-                <a:tc>
-                  <a:txBody>
-                    <a:bodyPr/>
-                    <a:lstStyle/>
-                    <a:p>
-                      <a:r>
-                        <a:rPr lang="en-US" dirty="0"/>
-                        <a:t>emp10@company1.test</a:t>
-                      </a:r>
-                      <a:endParaRPr lang="ru-RU" dirty="0"/>
-                    </a:p>
-                  </a:txBody>
-                  <a:tcPr/>
-                </a:tc>
-                <a:tc>
-                  <a:txBody>
-                    <a:bodyPr/>
-                    <a:lstStyle/>
-                    <a:p>
-                      <a:r>
-                        <a:rPr lang="en-US" dirty="0"/>
-                        <a:t>1982-06-08</a:t>
-                      </a:r>
-                      <a:endParaRPr lang="ru-RU" dirty="0"/>
-                    </a:p>
-                  </a:txBody>
-                  <a:tcPr/>
-                </a:tc>
-                <a:extLst>
-                  <a:ext uri="{0D108BD9-81ED-4DB2-BD59-A6C34878D82A}">
-                    <a16:rowId xmlns:a16="http://schemas.microsoft.com/office/drawing/2014/main" val="109181570"/>
-                  </a:ext>
-                </a:extLst>
-              </a:tr>
-              <a:tr h="370840">
-                <a:tc>
-                  <a:txBody>
-                    <a:bodyPr/>
-                    <a:lstStyle/>
-                    <a:p>
-                      <a:r>
-                        <a:rPr lang="en-US"/>
-                        <a:t>Employee #11</a:t>
-                      </a:r>
-                      <a:endParaRPr lang="ru-RU" dirty="0"/>
-                    </a:p>
-                  </a:txBody>
-                  <a:tcPr/>
-                </a:tc>
-                <a:tc>
-                  <a:txBody>
-                    <a:bodyPr/>
-                    <a:lstStyle/>
-                    <a:p>
-                      <a:r>
-                        <a:rPr lang="en-US" dirty="0"/>
-                        <a:t>emp11@company1.test</a:t>
-                      </a:r>
-                      <a:endParaRPr lang="ru-RU" dirty="0"/>
-                    </a:p>
-                  </a:txBody>
-                  <a:tcPr/>
-                </a:tc>
-                <a:tc>
-                  <a:txBody>
-                    <a:bodyPr/>
-                    <a:lstStyle/>
-                    <a:p>
-                      <a:r>
-                        <a:rPr lang="en-US" dirty="0"/>
-                        <a:t>1997-08-29</a:t>
+                        <a:t>1986-09-02</a:t>
                       </a:r>
                       <a:endParaRPr lang="ru-RU" dirty="0"/>
                     </a:p>
@@ -4837,7 +4641,7 @@
                     <a:p>
                       <a:r>
                         <a:rPr lang="en-US" dirty="0"/>
-                        <a:t>1993-10-22</a:t>
+                        <a:t>1991-05-08</a:t>
                       </a:r>
                       <a:endParaRPr lang="ru-RU" dirty="0"/>
                     </a:p>
@@ -4886,7 +4690,7 @@
                     <a:p>
                       <a:r>
                         <a:rPr lang="en-US" dirty="0"/>
-                        <a:t>1999-09-16</a:t>
+                        <a:t>1982-04-25</a:t>
                       </a:r>
                       <a:endParaRPr lang="ru-RU" dirty="0"/>
                     </a:p>
@@ -4935,7 +4739,7 @@
                     <a:p>
                       <a:r>
                         <a:rPr lang="en-US" dirty="0"/>
-                        <a:t>1993-02-17</a:t>
+                        <a:t>1980-03-02</a:t>
                       </a:r>
                       <a:endParaRPr lang="ru-RU" dirty="0"/>
                     </a:p>
@@ -4984,7 +4788,7 @@
                     <a:p>
                       <a:r>
                         <a:rPr lang="en-US" dirty="0"/>
-                        <a:t>1990-02-02</a:t>
+                        <a:t>1995-08-08</a:t>
                       </a:r>
                       <a:endParaRPr lang="ru-RU" dirty="0"/>
                     </a:p>
@@ -5033,7 +4837,7 @@
                     <a:p>
                       <a:r>
                         <a:rPr lang="en-US" dirty="0"/>
-                        <a:t>1994-11-30</a:t>
+                        <a:t>1984-09-12</a:t>
                       </a:r>
                       <a:endParaRPr lang="ru-RU" dirty="0"/>
                     </a:p>
@@ -5082,7 +4886,203 @@
                     <a:p>
                       <a:r>
                         <a:rPr lang="en-US" dirty="0"/>
-                        <a:t>1998-03-22</a:t>
+                        <a:t>1999-10-19</a:t>
+                      </a:r>
+                      <a:endParaRPr lang="ru-RU" dirty="0"/>
+                    </a:p>
+                  </a:txBody>
+                  <a:tcPr/>
+                </a:tc>
+                <a:extLst>
+                  <a:ext uri="{0D108BD9-81ED-4DB2-BD59-A6C34878D82A}">
+                    <a16:rowId xmlns:a16="http://schemas.microsoft.com/office/drawing/2014/main" val="109181570"/>
+                  </a:ext>
+                </a:extLst>
+              </a:tr>
+              <a:tr h="370840">
+                <a:tc>
+                  <a:txBody>
+                    <a:bodyPr/>
+                    <a:lstStyle/>
+                    <a:p>
+                      <a:r>
+                        <a:rPr lang="en-US"/>
+                        <a:t>Employee #7</a:t>
+                      </a:r>
+                      <a:endParaRPr lang="ru-RU" dirty="0"/>
+                    </a:p>
+                  </a:txBody>
+                  <a:tcPr/>
+                </a:tc>
+                <a:tc>
+                  <a:txBody>
+                    <a:bodyPr/>
+                    <a:lstStyle/>
+                    <a:p>
+                      <a:r>
+                        <a:rPr lang="en-US" dirty="0"/>
+                        <a:t>emp7@company2.test</a:t>
+                      </a:r>
+                      <a:endParaRPr lang="ru-RU" dirty="0"/>
+                    </a:p>
+                  </a:txBody>
+                  <a:tcPr/>
+                </a:tc>
+                <a:tc>
+                  <a:txBody>
+                    <a:bodyPr/>
+                    <a:lstStyle/>
+                    <a:p>
+                      <a:r>
+                        <a:rPr lang="en-US" dirty="0"/>
+                        <a:t>1985-08-30</a:t>
+                      </a:r>
+                      <a:endParaRPr lang="ru-RU" dirty="0"/>
+                    </a:p>
+                  </a:txBody>
+                  <a:tcPr/>
+                </a:tc>
+                <a:extLst>
+                  <a:ext uri="{0D108BD9-81ED-4DB2-BD59-A6C34878D82A}">
+                    <a16:rowId xmlns:a16="http://schemas.microsoft.com/office/drawing/2014/main" val="109181570"/>
+                  </a:ext>
+                </a:extLst>
+              </a:tr>
+              <a:tr h="370840">
+                <a:tc>
+                  <a:txBody>
+                    <a:bodyPr/>
+                    <a:lstStyle/>
+                    <a:p>
+                      <a:r>
+                        <a:rPr lang="en-US"/>
+                        <a:t>Employee #8</a:t>
+                      </a:r>
+                      <a:endParaRPr lang="ru-RU" dirty="0"/>
+                    </a:p>
+                  </a:txBody>
+                  <a:tcPr/>
+                </a:tc>
+                <a:tc>
+                  <a:txBody>
+                    <a:bodyPr/>
+                    <a:lstStyle/>
+                    <a:p>
+                      <a:r>
+                        <a:rPr lang="en-US" dirty="0"/>
+                        <a:t>emp8@company2.test</a:t>
+                      </a:r>
+                      <a:endParaRPr lang="ru-RU" dirty="0"/>
+                    </a:p>
+                  </a:txBody>
+                  <a:tcPr/>
+                </a:tc>
+                <a:tc>
+                  <a:txBody>
+                    <a:bodyPr/>
+                    <a:lstStyle/>
+                    <a:p>
+                      <a:r>
+                        <a:rPr lang="en-US" dirty="0"/>
+                        <a:t>1988-10-04</a:t>
+                      </a:r>
+                      <a:endParaRPr lang="ru-RU" dirty="0"/>
+                    </a:p>
+                  </a:txBody>
+                  <a:tcPr/>
+                </a:tc>
+                <a:extLst>
+                  <a:ext uri="{0D108BD9-81ED-4DB2-BD59-A6C34878D82A}">
+                    <a16:rowId xmlns:a16="http://schemas.microsoft.com/office/drawing/2014/main" val="109181570"/>
+                  </a:ext>
+                </a:extLst>
+              </a:tr>
+              <a:tr h="370840">
+                <a:tc>
+                  <a:txBody>
+                    <a:bodyPr/>
+                    <a:lstStyle/>
+                    <a:p>
+                      <a:r>
+                        <a:rPr lang="en-US"/>
+                        <a:t>Employee #9</a:t>
+                      </a:r>
+                      <a:endParaRPr lang="ru-RU" dirty="0"/>
+                    </a:p>
+                  </a:txBody>
+                  <a:tcPr/>
+                </a:tc>
+                <a:tc>
+                  <a:txBody>
+                    <a:bodyPr/>
+                    <a:lstStyle/>
+                    <a:p>
+                      <a:r>
+                        <a:rPr lang="en-US" dirty="0"/>
+                        <a:t>emp9@company2.test</a:t>
+                      </a:r>
+                      <a:endParaRPr lang="ru-RU" dirty="0"/>
+                    </a:p>
+                  </a:txBody>
+                  <a:tcPr/>
+                </a:tc>
+                <a:tc>
+                  <a:txBody>
+                    <a:bodyPr/>
+                    <a:lstStyle/>
+                    <a:p>
+                      <a:r>
+                        <a:rPr lang="en-US" dirty="0"/>
+                        <a:t>1989-11-13</a:t>
+                      </a:r>
+                      <a:endParaRPr lang="ru-RU" dirty="0"/>
+                    </a:p>
+                  </a:txBody>
+                  <a:tcPr/>
+                </a:tc>
+                <a:extLst>
+                  <a:ext uri="{0D108BD9-81ED-4DB2-BD59-A6C34878D82A}">
+                    <a16:rowId xmlns:a16="http://schemas.microsoft.com/office/drawing/2014/main" val="109181570"/>
+                  </a:ext>
+                </a:extLst>
+              </a:tr>
+              <a:tr h="370840">
+                <a:tc>
+                  <a:txBody>
+                    <a:bodyPr/>
+                    <a:lstStyle/>
+                    <a:p>
+                      <a:r>
+                        <a:rPr lang="en-US"/>
+                        <a:t>Employee #10</a:t>
+                      </a:r>
+                      <a:endParaRPr lang="ru-RU" dirty="0"/>
+                    </a:p>
+                  </a:txBody>
+                  <a:tcPr/>
+                </a:tc>
+                <a:tc>
+                  <a:txBody>
+                    <a:bodyPr/>
+                    <a:lstStyle/>
+                    <a:p>
+                      <a:r>
+                        <a:rPr lang="en-US" dirty="0"/>
+                        <a:t>emp10@company2.test</a:t>
+                      </a:r>
+                      <a:endParaRPr lang="ru-RU" dirty="0"/>
+                    </a:p>
+                  </a:txBody>
+                  <a:tcPr/>
+                </a:tc>
+                <a:tc>
+                  <a:txBody>
+                    <a:bodyPr/>
+                    <a:lstStyle/>
+                    <a:p>
+                      <a:r>
+                        <a:rPr lang="en-US" dirty="0"/>
+                        <a:t>1991-07-03</a:t>
                       </a:r>
                       <a:endParaRPr lang="ru-RU" dirty="0"/>
                     </a:p>
@@ -5316,7 +5316,7 @@
                     <a:p>
                       <a:r>
                         <a:rPr lang="en-US" dirty="0"/>
-                        <a:t>1987-04-13</a:t>
+                        <a:t>1982-04-18</a:t>
                       </a:r>
                       <a:endParaRPr lang="ru-RU" dirty="0"/>
                     </a:p>
@@ -5365,7 +5365,7 @@
                     <a:p>
                       <a:r>
                         <a:rPr lang="en-US" dirty="0"/>
-                        <a:t>1983-07-30</a:t>
+                        <a:t>1982-01-12</a:t>
                       </a:r>
                       <a:endParaRPr lang="ru-RU" dirty="0"/>
                     </a:p>
@@ -5414,7 +5414,7 @@
                     <a:p>
                       <a:r>
                         <a:rPr lang="en-US" dirty="0"/>
-                        <a:t>1995-11-09</a:t>
+                        <a:t>1998-02-13</a:t>
                       </a:r>
                       <a:endParaRPr lang="ru-RU" dirty="0"/>
                     </a:p>
@@ -5463,7 +5463,252 @@
                     <a:p>
                       <a:r>
                         <a:rPr lang="en-US" dirty="0"/>
-                        <a:t>1993-08-19</a:t>
+                        <a:t>1989-03-23</a:t>
+                      </a:r>
+                      <a:endParaRPr lang="ru-RU" dirty="0"/>
+                    </a:p>
+                  </a:txBody>
+                  <a:tcPr/>
+                </a:tc>
+                <a:extLst>
+                  <a:ext uri="{0D108BD9-81ED-4DB2-BD59-A6C34878D82A}">
+                    <a16:rowId xmlns:a16="http://schemas.microsoft.com/office/drawing/2014/main" val="109181570"/>
+                  </a:ext>
+                </a:extLst>
+              </a:tr>
+              <a:tr h="370840">
+                <a:tc>
+                  <a:txBody>
+                    <a:bodyPr/>
+                    <a:lstStyle/>
+                    <a:p>
+                      <a:r>
+                        <a:rPr lang="en-US"/>
+                        <a:t>Employee #5</a:t>
+                      </a:r>
+                      <a:endParaRPr lang="ru-RU" dirty="0"/>
+                    </a:p>
+                  </a:txBody>
+                  <a:tcPr/>
+                </a:tc>
+                <a:tc>
+                  <a:txBody>
+                    <a:bodyPr/>
+                    <a:lstStyle/>
+                    <a:p>
+                      <a:r>
+                        <a:rPr lang="en-US" dirty="0"/>
+                        <a:t>emp5@company3.test</a:t>
+                      </a:r>
+                      <a:endParaRPr lang="ru-RU" dirty="0"/>
+                    </a:p>
+                  </a:txBody>
+                  <a:tcPr/>
+                </a:tc>
+                <a:tc>
+                  <a:txBody>
+                    <a:bodyPr/>
+                    <a:lstStyle/>
+                    <a:p>
+                      <a:r>
+                        <a:rPr lang="en-US" dirty="0"/>
+                        <a:t>1992-05-29</a:t>
+                      </a:r>
+                      <a:endParaRPr lang="ru-RU" dirty="0"/>
+                    </a:p>
+                  </a:txBody>
+                  <a:tcPr/>
+                </a:tc>
+                <a:extLst>
+                  <a:ext uri="{0D108BD9-81ED-4DB2-BD59-A6C34878D82A}">
+                    <a16:rowId xmlns:a16="http://schemas.microsoft.com/office/drawing/2014/main" val="109181570"/>
+                  </a:ext>
+                </a:extLst>
+              </a:tr>
+              <a:tr h="370840">
+                <a:tc>
+                  <a:txBody>
+                    <a:bodyPr/>
+                    <a:lstStyle/>
+                    <a:p>
+                      <a:r>
+                        <a:rPr lang="en-US"/>
+                        <a:t>Employee #6</a:t>
+                      </a:r>
+                      <a:endParaRPr lang="ru-RU" dirty="0"/>
+                    </a:p>
+                  </a:txBody>
+                  <a:tcPr/>
+                </a:tc>
+                <a:tc>
+                  <a:txBody>
+                    <a:bodyPr/>
+                    <a:lstStyle/>
+                    <a:p>
+                      <a:r>
+                        <a:rPr lang="en-US" dirty="0"/>
+                        <a:t>emp6@company3.test</a:t>
+                      </a:r>
+                      <a:endParaRPr lang="ru-RU" dirty="0"/>
+                    </a:p>
+                  </a:txBody>
+                  <a:tcPr/>
+                </a:tc>
+                <a:tc>
+                  <a:txBody>
+                    <a:bodyPr/>
+                    <a:lstStyle/>
+                    <a:p>
+                      <a:r>
+                        <a:rPr lang="en-US" dirty="0"/>
+                        <a:t>1991-05-29</a:t>
+                      </a:r>
+                      <a:endParaRPr lang="ru-RU" dirty="0"/>
+                    </a:p>
+                  </a:txBody>
+                  <a:tcPr/>
+                </a:tc>
+                <a:extLst>
+                  <a:ext uri="{0D108BD9-81ED-4DB2-BD59-A6C34878D82A}">
+                    <a16:rowId xmlns:a16="http://schemas.microsoft.com/office/drawing/2014/main" val="109181570"/>
+                  </a:ext>
+                </a:extLst>
+              </a:tr>
+              <a:tr h="370840">
+                <a:tc>
+                  <a:txBody>
+                    <a:bodyPr/>
+                    <a:lstStyle/>
+                    <a:p>
+                      <a:r>
+                        <a:rPr lang="en-US"/>
+                        <a:t>Employee #7</a:t>
+                      </a:r>
+                      <a:endParaRPr lang="ru-RU" dirty="0"/>
+                    </a:p>
+                  </a:txBody>
+                  <a:tcPr/>
+                </a:tc>
+                <a:tc>
+                  <a:txBody>
+                    <a:bodyPr/>
+                    <a:lstStyle/>
+                    <a:p>
+                      <a:r>
+                        <a:rPr lang="en-US" dirty="0"/>
+                        <a:t>emp7@company3.test</a:t>
+                      </a:r>
+                      <a:endParaRPr lang="ru-RU" dirty="0"/>
+                    </a:p>
+                  </a:txBody>
+                  <a:tcPr/>
+                </a:tc>
+                <a:tc>
+                  <a:txBody>
+                    <a:bodyPr/>
+                    <a:lstStyle/>
+                    <a:p>
+                      <a:r>
+                        <a:rPr lang="en-US" dirty="0"/>
+                        <a:t>1984-09-05</a:t>
+                      </a:r>
+                      <a:endParaRPr lang="ru-RU" dirty="0"/>
+                    </a:p>
+                  </a:txBody>
+                  <a:tcPr/>
+                </a:tc>
+                <a:extLst>
+                  <a:ext uri="{0D108BD9-81ED-4DB2-BD59-A6C34878D82A}">
+                    <a16:rowId xmlns:a16="http://schemas.microsoft.com/office/drawing/2014/main" val="109181570"/>
+                  </a:ext>
+                </a:extLst>
+              </a:tr>
+              <a:tr h="370840">
+                <a:tc>
+                  <a:txBody>
+                    <a:bodyPr/>
+                    <a:lstStyle/>
+                    <a:p>
+                      <a:r>
+                        <a:rPr lang="en-US"/>
+                        <a:t>Employee #8</a:t>
+                      </a:r>
+                      <a:endParaRPr lang="ru-RU" dirty="0"/>
+                    </a:p>
+                  </a:txBody>
+                  <a:tcPr/>
+                </a:tc>
+                <a:tc>
+                  <a:txBody>
+                    <a:bodyPr/>
+                    <a:lstStyle/>
+                    <a:p>
+                      <a:r>
+                        <a:rPr lang="en-US" dirty="0"/>
+                        <a:t>emp8@company3.test</a:t>
+                      </a:r>
+                      <a:endParaRPr lang="ru-RU" dirty="0"/>
+                    </a:p>
+                  </a:txBody>
+                  <a:tcPr/>
+                </a:tc>
+                <a:tc>
+                  <a:txBody>
+                    <a:bodyPr/>
+                    <a:lstStyle/>
+                    <a:p>
+                      <a:r>
+                        <a:rPr lang="en-US" dirty="0"/>
+                        <a:t>1991-10-11</a:t>
+                      </a:r>
+                      <a:endParaRPr lang="ru-RU" dirty="0"/>
+                    </a:p>
+                  </a:txBody>
+                  <a:tcPr/>
+                </a:tc>
+                <a:extLst>
+                  <a:ext uri="{0D108BD9-81ED-4DB2-BD59-A6C34878D82A}">
+                    <a16:rowId xmlns:a16="http://schemas.microsoft.com/office/drawing/2014/main" val="109181570"/>
+                  </a:ext>
+                </a:extLst>
+              </a:tr>
+              <a:tr h="370840">
+                <a:tc>
+                  <a:txBody>
+                    <a:bodyPr/>
+                    <a:lstStyle/>
+                    <a:p>
+                      <a:r>
+                        <a:rPr lang="en-US"/>
+                        <a:t>Employee #9</a:t>
+                      </a:r>
+                      <a:endParaRPr lang="ru-RU" dirty="0"/>
+                    </a:p>
+                  </a:txBody>
+                  <a:tcPr/>
+                </a:tc>
+                <a:tc>
+                  <a:txBody>
+                    <a:bodyPr/>
+                    <a:lstStyle/>
+                    <a:p>
+                      <a:r>
+                        <a:rPr lang="en-US" dirty="0"/>
+                        <a:t>emp9@company3.test</a:t>
+                      </a:r>
+                      <a:endParaRPr lang="ru-RU" dirty="0"/>
+                    </a:p>
+                  </a:txBody>
+                  <a:tcPr/>
+                </a:tc>
+                <a:tc>
+                  <a:txBody>
+                    <a:bodyPr/>
+                    <a:lstStyle/>
+                    <a:p>
+                      <a:r>
+                        <a:rPr lang="en-US" dirty="0"/>
+                        <a:t>1990-11-27</a:t>
                       </a:r>
                       <a:endParaRPr lang="ru-RU" dirty="0"/>
                     </a:p>

--- a/Test/Presentations/template_result.pptx
+++ b/Test/Presentations/template_result.pptx
@@ -8,11 +8,11 @@
     <p:notesMasterId r:id="rId5"/>
   </p:notesMasterIdLst>
   <p:sldIdLst>
-    <p:sldId id="259" r:id="R904eb9540a1f456f"/>
-    <p:sldId id="260" r:id="R0ff0445e671447bb"/>
-    <p:sldId id="261" r:id="R94593a9961a04798"/>
-    <p:sldId id="262" r:id="R23f9a47fdfd04621"/>
-    <p:sldId id="263" r:id="Rd32dfe0f62434bf3"/>
+    <p:sldId id="259" r:id="Rb8687d1e6dd84163"/>
+    <p:sldId id="260" r:id="R391ad17dc9654b5c"/>
+    <p:sldId id="261" r:id="Rc4e2a6046669494e"/>
+    <p:sldId id="262" r:id="R9eddb944ea29401e"/>
+    <p:sldId id="263" r:id="Rec44910baf394bb9"/>
   </p:sldIdLst>
   <p:sldSz cx="12192000" cy="6858000"/>
   <p:notesSz cx="6858000" cy="9144000"/>
@@ -3912,68 +3912,79 @@
           <a:lstStyle/>
           <a:p>
             <a:r>
-              <a:rPr lang="en-US" sz="2000" dirty="0"/>
+              <a:rPr lang="en-US" sz="1800" dirty="0"/>
               <a:t>Username: TestName</a:t>
             </a:r>
           </a:p>
           <a:p>
             <a:r>
-              <a:rPr lang="en-US" sz="2000" dirty="0"/>
+              <a:rPr lang="en-US" sz="1800" dirty="0"/>
               <a:t>IsActive: Yes</a:t>
             </a:r>
           </a:p>
           <a:p>
             <a:r>
-              <a:rPr lang="en-US" sz="2000" dirty="0"/>
+              <a:rPr lang="en-US" sz="1800" dirty="0"/>
               <a:t>Evaluation: 1,000,000.123</a:t>
             </a:r>
           </a:p>
           <a:p>
             <a:r>
-              <a:rPr lang="en-US" sz="2000" dirty="0"/>
+              <a:rPr lang="en-US" sz="1800" dirty="0"/>
               <a:t>Link: </a:t>
             </a:r>
             <a:r>
-              <a:rPr lang="en-US" sz="2000" dirty="0">
+              <a:rPr lang="en-US" sz="1800" dirty="0">
                 <a:hlinkClick r:id="rId3"/>
               </a:rPr>
               <a:t>TestLink</a:t>
             </a:r>
-            <a:endParaRPr lang="en-US" sz="2000" dirty="0"/>
-          </a:p>
-          <a:p>
-            <a:r>
-              <a:rPr lang="en-US" sz="2000" dirty="0" err="1"/>
+            <a:endParaRPr lang="en-US" sz="1800" dirty="0"/>
+          </a:p>
+          <a:p>
+            <a:r>
+              <a:rPr lang="en-US" sz="1800" dirty="0" err="1"/>
               <a:t>HtmlAsText</a:t>
             </a:r>
             <a:r>
-              <a:rPr lang="en-US" sz="2000" dirty="0"/>
+              <a:rPr lang="en-US" sz="1800" dirty="0"/>
               <a:t>: text text text</a:t>
             </a:r>
           </a:p>
           <a:p>
             <a:r>
-              <a:rPr lang="en-US" sz="2000" dirty="0" err="1"/>
+              <a:rPr lang="en-US" sz="1800" dirty="0" err="1"/>
               <a:t>ArrayItem</a:t>
             </a:r>
             <a:r>
-              <a:rPr lang="en-US" sz="2000" dirty="0"/>
+              <a:rPr lang="en-US" sz="1800" dirty="0"/>
               <a:t>: item#2</a:t>
             </a:r>
           </a:p>
           <a:p>
             <a:r>
-              <a:rPr lang="en-US" sz="2000" dirty="0" err="1"/>
+              <a:rPr lang="en-US" sz="1800" dirty="0" err="1"/>
               <a:t>DictionaryValue</a:t>
             </a:r>
             <a:r>
-              <a:rPr lang="en-US" sz="2000" dirty="0"/>
+              <a:rPr lang="en-US" sz="1800" dirty="0"/>
               <a:t>: 100</a:t>
             </a:r>
           </a:p>
           <a:p>
             <a:r>
-              <a:rPr lang="en-US" sz="2000" dirty="0"/>
+              <a:rPr lang="en-US" sz="1800" dirty="0" err="1"/>
+              <a:t>ObjectProp</a:t>
+            </a:r>
+            <a:r>
+              <a:rPr lang="en-US" sz="1800" dirty="0"/>
+              <a:t>: DeepValue</a:t>
+            </a:r>
+            <a:endParaRPr lang="en-US" sz="1800" dirty="0"/>
+          </a:p>
+          <a:p>
+            <a:r>
+              <a:rPr lang="en-US" sz="1800" dirty="0"/>
               <a:t>Items: </a:t>
             </a:r>
           </a:p>
@@ -3983,14 +3994,14 @@
               <a:buAutoNum type="arabicPeriod"/>
             </a:pPr>
             <a:r>
-              <a:rPr lang="en-US" sz="2000" dirty="0"/>
+              <a:rPr lang="en-US" sz="1800" dirty="0"/>
               <a:t>item#1, 
 item#2, 
 item#3</a:t>
             </a:r>
           </a:p>
           <a:p>
-            <a:endParaRPr lang="ru-RU" sz="2000" dirty="0"/>
+            <a:endParaRPr lang="ru-RU" sz="1800" dirty="0"/>
           </a:p>
         </p:txBody>
       </p:sp>
@@ -4211,7 +4222,7 @@
                     <a:p>
                       <a:r>
                         <a:rPr lang="en-US" dirty="0"/>
-                        <a:t>1991-05-24</a:t>
+                        <a:t>1985-02-14</a:t>
                       </a:r>
                       <a:endParaRPr lang="ru-RU" dirty="0"/>
                     </a:p>
@@ -4260,7 +4271,7 @@
                     <a:p>
                       <a:r>
                         <a:rPr lang="en-US" dirty="0"/>
-                        <a:t>1986-08-27</a:t>
+                        <a:t>1999-04-23</a:t>
                       </a:r>
                       <a:endParaRPr lang="ru-RU" dirty="0"/>
                     </a:p>
@@ -4309,7 +4320,7 @@
                     <a:p>
                       <a:r>
                         <a:rPr lang="en-US" dirty="0"/>
-                        <a:t>1995-01-20</a:t>
+                        <a:t>1991-11-14</a:t>
                       </a:r>
                       <a:endParaRPr lang="ru-RU" dirty="0"/>
                     </a:p>
@@ -4358,7 +4369,7 @@
                     <a:p>
                       <a:r>
                         <a:rPr lang="en-US" dirty="0"/>
-                        <a:t>1988-05-11</a:t>
+                        <a:t>1991-10-04</a:t>
                       </a:r>
                       <a:endParaRPr lang="ru-RU" dirty="0"/>
                     </a:p>
@@ -4407,7 +4418,301 @@
                     <a:p>
                       <a:r>
                         <a:rPr lang="en-US" dirty="0"/>
-                        <a:t>1986-09-02</a:t>
+                        <a:t>1995-06-22</a:t>
+                      </a:r>
+                      <a:endParaRPr lang="ru-RU" dirty="0"/>
+                    </a:p>
+                  </a:txBody>
+                  <a:tcPr/>
+                </a:tc>
+                <a:extLst>
+                  <a:ext uri="{0D108BD9-81ED-4DB2-BD59-A6C34878D82A}">
+                    <a16:rowId xmlns:a16="http://schemas.microsoft.com/office/drawing/2014/main" val="109181570"/>
+                  </a:ext>
+                </a:extLst>
+              </a:tr>
+              <a:tr h="370840">
+                <a:tc>
+                  <a:txBody>
+                    <a:bodyPr/>
+                    <a:lstStyle/>
+                    <a:p>
+                      <a:r>
+                        <a:rPr lang="en-US"/>
+                        <a:t>Employee #6</a:t>
+                      </a:r>
+                      <a:endParaRPr lang="ru-RU" dirty="0"/>
+                    </a:p>
+                  </a:txBody>
+                  <a:tcPr/>
+                </a:tc>
+                <a:tc>
+                  <a:txBody>
+                    <a:bodyPr/>
+                    <a:lstStyle/>
+                    <a:p>
+                      <a:r>
+                        <a:rPr lang="en-US" dirty="0"/>
+                        <a:t>emp6@company1.test</a:t>
+                      </a:r>
+                      <a:endParaRPr lang="ru-RU" dirty="0"/>
+                    </a:p>
+                  </a:txBody>
+                  <a:tcPr/>
+                </a:tc>
+                <a:tc>
+                  <a:txBody>
+                    <a:bodyPr/>
+                    <a:lstStyle/>
+                    <a:p>
+                      <a:r>
+                        <a:rPr lang="en-US" dirty="0"/>
+                        <a:t>1996-05-27</a:t>
+                      </a:r>
+                      <a:endParaRPr lang="ru-RU" dirty="0"/>
+                    </a:p>
+                  </a:txBody>
+                  <a:tcPr/>
+                </a:tc>
+                <a:extLst>
+                  <a:ext uri="{0D108BD9-81ED-4DB2-BD59-A6C34878D82A}">
+                    <a16:rowId xmlns:a16="http://schemas.microsoft.com/office/drawing/2014/main" val="109181570"/>
+                  </a:ext>
+                </a:extLst>
+              </a:tr>
+              <a:tr h="370840">
+                <a:tc>
+                  <a:txBody>
+                    <a:bodyPr/>
+                    <a:lstStyle/>
+                    <a:p>
+                      <a:r>
+                        <a:rPr lang="en-US"/>
+                        <a:t>Employee #7</a:t>
+                      </a:r>
+                      <a:endParaRPr lang="ru-RU" dirty="0"/>
+                    </a:p>
+                  </a:txBody>
+                  <a:tcPr/>
+                </a:tc>
+                <a:tc>
+                  <a:txBody>
+                    <a:bodyPr/>
+                    <a:lstStyle/>
+                    <a:p>
+                      <a:r>
+                        <a:rPr lang="en-US" dirty="0"/>
+                        <a:t>emp7@company1.test</a:t>
+                      </a:r>
+                      <a:endParaRPr lang="ru-RU" dirty="0"/>
+                    </a:p>
+                  </a:txBody>
+                  <a:tcPr/>
+                </a:tc>
+                <a:tc>
+                  <a:txBody>
+                    <a:bodyPr/>
+                    <a:lstStyle/>
+                    <a:p>
+                      <a:r>
+                        <a:rPr lang="en-US" dirty="0"/>
+                        <a:t>1990-03-30</a:t>
+                      </a:r>
+                      <a:endParaRPr lang="ru-RU" dirty="0"/>
+                    </a:p>
+                  </a:txBody>
+                  <a:tcPr/>
+                </a:tc>
+                <a:extLst>
+                  <a:ext uri="{0D108BD9-81ED-4DB2-BD59-A6C34878D82A}">
+                    <a16:rowId xmlns:a16="http://schemas.microsoft.com/office/drawing/2014/main" val="109181570"/>
+                  </a:ext>
+                </a:extLst>
+              </a:tr>
+              <a:tr h="370840">
+                <a:tc>
+                  <a:txBody>
+                    <a:bodyPr/>
+                    <a:lstStyle/>
+                    <a:p>
+                      <a:r>
+                        <a:rPr lang="en-US"/>
+                        <a:t>Employee #8</a:t>
+                      </a:r>
+                      <a:endParaRPr lang="ru-RU" dirty="0"/>
+                    </a:p>
+                  </a:txBody>
+                  <a:tcPr/>
+                </a:tc>
+                <a:tc>
+                  <a:txBody>
+                    <a:bodyPr/>
+                    <a:lstStyle/>
+                    <a:p>
+                      <a:r>
+                        <a:rPr lang="en-US" dirty="0"/>
+                        <a:t>emp8@company1.test</a:t>
+                      </a:r>
+                      <a:endParaRPr lang="ru-RU" dirty="0"/>
+                    </a:p>
+                  </a:txBody>
+                  <a:tcPr/>
+                </a:tc>
+                <a:tc>
+                  <a:txBody>
+                    <a:bodyPr/>
+                    <a:lstStyle/>
+                    <a:p>
+                      <a:r>
+                        <a:rPr lang="en-US" dirty="0"/>
+                        <a:t>1993-02-10</a:t>
+                      </a:r>
+                      <a:endParaRPr lang="ru-RU" dirty="0"/>
+                    </a:p>
+                  </a:txBody>
+                  <a:tcPr/>
+                </a:tc>
+                <a:extLst>
+                  <a:ext uri="{0D108BD9-81ED-4DB2-BD59-A6C34878D82A}">
+                    <a16:rowId xmlns:a16="http://schemas.microsoft.com/office/drawing/2014/main" val="109181570"/>
+                  </a:ext>
+                </a:extLst>
+              </a:tr>
+              <a:tr h="370840">
+                <a:tc>
+                  <a:txBody>
+                    <a:bodyPr/>
+                    <a:lstStyle/>
+                    <a:p>
+                      <a:r>
+                        <a:rPr lang="en-US"/>
+                        <a:t>Employee #9</a:t>
+                      </a:r>
+                      <a:endParaRPr lang="ru-RU" dirty="0"/>
+                    </a:p>
+                  </a:txBody>
+                  <a:tcPr/>
+                </a:tc>
+                <a:tc>
+                  <a:txBody>
+                    <a:bodyPr/>
+                    <a:lstStyle/>
+                    <a:p>
+                      <a:r>
+                        <a:rPr lang="en-US" dirty="0"/>
+                        <a:t>emp9@company1.test</a:t>
+                      </a:r>
+                      <a:endParaRPr lang="ru-RU" dirty="0"/>
+                    </a:p>
+                  </a:txBody>
+                  <a:tcPr/>
+                </a:tc>
+                <a:tc>
+                  <a:txBody>
+                    <a:bodyPr/>
+                    <a:lstStyle/>
+                    <a:p>
+                      <a:r>
+                        <a:rPr lang="en-US" dirty="0"/>
+                        <a:t>1981-04-24</a:t>
+                      </a:r>
+                      <a:endParaRPr lang="ru-RU" dirty="0"/>
+                    </a:p>
+                  </a:txBody>
+                  <a:tcPr/>
+                </a:tc>
+                <a:extLst>
+                  <a:ext uri="{0D108BD9-81ED-4DB2-BD59-A6C34878D82A}">
+                    <a16:rowId xmlns:a16="http://schemas.microsoft.com/office/drawing/2014/main" val="109181570"/>
+                  </a:ext>
+                </a:extLst>
+              </a:tr>
+              <a:tr h="370840">
+                <a:tc>
+                  <a:txBody>
+                    <a:bodyPr/>
+                    <a:lstStyle/>
+                    <a:p>
+                      <a:r>
+                        <a:rPr lang="en-US"/>
+                        <a:t>Employee #10</a:t>
+                      </a:r>
+                      <a:endParaRPr lang="ru-RU" dirty="0"/>
+                    </a:p>
+                  </a:txBody>
+                  <a:tcPr/>
+                </a:tc>
+                <a:tc>
+                  <a:txBody>
+                    <a:bodyPr/>
+                    <a:lstStyle/>
+                    <a:p>
+                      <a:r>
+                        <a:rPr lang="en-US" dirty="0"/>
+                        <a:t>emp10@company1.test</a:t>
+                      </a:r>
+                      <a:endParaRPr lang="ru-RU" dirty="0"/>
+                    </a:p>
+                  </a:txBody>
+                  <a:tcPr/>
+                </a:tc>
+                <a:tc>
+                  <a:txBody>
+                    <a:bodyPr/>
+                    <a:lstStyle/>
+                    <a:p>
+                      <a:r>
+                        <a:rPr lang="en-US" dirty="0"/>
+                        <a:t>1996-03-03</a:t>
+                      </a:r>
+                      <a:endParaRPr lang="ru-RU" dirty="0"/>
+                    </a:p>
+                  </a:txBody>
+                  <a:tcPr/>
+                </a:tc>
+                <a:extLst>
+                  <a:ext uri="{0D108BD9-81ED-4DB2-BD59-A6C34878D82A}">
+                    <a16:rowId xmlns:a16="http://schemas.microsoft.com/office/drawing/2014/main" val="109181570"/>
+                  </a:ext>
+                </a:extLst>
+              </a:tr>
+              <a:tr h="370840">
+                <a:tc>
+                  <a:txBody>
+                    <a:bodyPr/>
+                    <a:lstStyle/>
+                    <a:p>
+                      <a:r>
+                        <a:rPr lang="en-US"/>
+                        <a:t>Employee #11</a:t>
+                      </a:r>
+                      <a:endParaRPr lang="ru-RU" dirty="0"/>
+                    </a:p>
+                  </a:txBody>
+                  <a:tcPr/>
+                </a:tc>
+                <a:tc>
+                  <a:txBody>
+                    <a:bodyPr/>
+                    <a:lstStyle/>
+                    <a:p>
+                      <a:r>
+                        <a:rPr lang="en-US" dirty="0"/>
+                        <a:t>emp11@company1.test</a:t>
+                      </a:r>
+                      <a:endParaRPr lang="ru-RU" dirty="0"/>
+                    </a:p>
+                  </a:txBody>
+                  <a:tcPr/>
+                </a:tc>
+                <a:tc>
+                  <a:txBody>
+                    <a:bodyPr/>
+                    <a:lstStyle/>
+                    <a:p>
+                      <a:r>
+                        <a:rPr lang="en-US" dirty="0"/>
+                        <a:t>1986-08-23</a:t>
                       </a:r>
                       <a:endParaRPr lang="ru-RU" dirty="0"/>
                     </a:p>
@@ -4641,7 +4946,7 @@
                     <a:p>
                       <a:r>
                         <a:rPr lang="en-US" dirty="0"/>
-                        <a:t>1991-05-08</a:t>
+                        <a:t>1993-01-15</a:t>
                       </a:r>
                       <a:endParaRPr lang="ru-RU" dirty="0"/>
                     </a:p>
@@ -4690,7 +4995,7 @@
                     <a:p>
                       <a:r>
                         <a:rPr lang="en-US" dirty="0"/>
-                        <a:t>1982-04-25</a:t>
+                        <a:t>1980-06-08</a:t>
                       </a:r>
                       <a:endParaRPr lang="ru-RU" dirty="0"/>
                     </a:p>
@@ -4739,7 +5044,7 @@
                     <a:p>
                       <a:r>
                         <a:rPr lang="en-US" dirty="0"/>
-                        <a:t>1980-03-02</a:t>
+                        <a:t>1996-10-01</a:t>
                       </a:r>
                       <a:endParaRPr lang="ru-RU" dirty="0"/>
                     </a:p>
@@ -4788,7 +5093,7 @@
                     <a:p>
                       <a:r>
                         <a:rPr lang="en-US" dirty="0"/>
-                        <a:t>1995-08-08</a:t>
+                        <a:t>1989-04-12</a:t>
                       </a:r>
                       <a:endParaRPr lang="ru-RU" dirty="0"/>
                     </a:p>
@@ -4837,7 +5142,7 @@
                     <a:p>
                       <a:r>
                         <a:rPr lang="en-US" dirty="0"/>
-                        <a:t>1984-09-12</a:t>
+                        <a:t>1987-01-30</a:t>
                       </a:r>
                       <a:endParaRPr lang="ru-RU" dirty="0"/>
                     </a:p>
@@ -4886,7 +5191,7 @@
                     <a:p>
                       <a:r>
                         <a:rPr lang="en-US" dirty="0"/>
-                        <a:t>1999-10-19</a:t>
+                        <a:t>1981-07-24</a:t>
                       </a:r>
                       <a:endParaRPr lang="ru-RU" dirty="0"/>
                     </a:p>
@@ -4935,154 +5240,7 @@
                     <a:p>
                       <a:r>
                         <a:rPr lang="en-US" dirty="0"/>
-                        <a:t>1985-08-30</a:t>
-                      </a:r>
-                      <a:endParaRPr lang="ru-RU" dirty="0"/>
-                    </a:p>
-                  </a:txBody>
-                  <a:tcPr/>
-                </a:tc>
-                <a:extLst>
-                  <a:ext uri="{0D108BD9-81ED-4DB2-BD59-A6C34878D82A}">
-                    <a16:rowId xmlns:a16="http://schemas.microsoft.com/office/drawing/2014/main" val="109181570"/>
-                  </a:ext>
-                </a:extLst>
-              </a:tr>
-              <a:tr h="370840">
-                <a:tc>
-                  <a:txBody>
-                    <a:bodyPr/>
-                    <a:lstStyle/>
-                    <a:p>
-                      <a:r>
-                        <a:rPr lang="en-US"/>
-                        <a:t>Employee #8</a:t>
-                      </a:r>
-                      <a:endParaRPr lang="ru-RU" dirty="0"/>
-                    </a:p>
-                  </a:txBody>
-                  <a:tcPr/>
-                </a:tc>
-                <a:tc>
-                  <a:txBody>
-                    <a:bodyPr/>
-                    <a:lstStyle/>
-                    <a:p>
-                      <a:r>
-                        <a:rPr lang="en-US" dirty="0"/>
-                        <a:t>emp8@company2.test</a:t>
-                      </a:r>
-                      <a:endParaRPr lang="ru-RU" dirty="0"/>
-                    </a:p>
-                  </a:txBody>
-                  <a:tcPr/>
-                </a:tc>
-                <a:tc>
-                  <a:txBody>
-                    <a:bodyPr/>
-                    <a:lstStyle/>
-                    <a:p>
-                      <a:r>
-                        <a:rPr lang="en-US" dirty="0"/>
-                        <a:t>1988-10-04</a:t>
-                      </a:r>
-                      <a:endParaRPr lang="ru-RU" dirty="0"/>
-                    </a:p>
-                  </a:txBody>
-                  <a:tcPr/>
-                </a:tc>
-                <a:extLst>
-                  <a:ext uri="{0D108BD9-81ED-4DB2-BD59-A6C34878D82A}">
-                    <a16:rowId xmlns:a16="http://schemas.microsoft.com/office/drawing/2014/main" val="109181570"/>
-                  </a:ext>
-                </a:extLst>
-              </a:tr>
-              <a:tr h="370840">
-                <a:tc>
-                  <a:txBody>
-                    <a:bodyPr/>
-                    <a:lstStyle/>
-                    <a:p>
-                      <a:r>
-                        <a:rPr lang="en-US"/>
-                        <a:t>Employee #9</a:t>
-                      </a:r>
-                      <a:endParaRPr lang="ru-RU" dirty="0"/>
-                    </a:p>
-                  </a:txBody>
-                  <a:tcPr/>
-                </a:tc>
-                <a:tc>
-                  <a:txBody>
-                    <a:bodyPr/>
-                    <a:lstStyle/>
-                    <a:p>
-                      <a:r>
-                        <a:rPr lang="en-US" dirty="0"/>
-                        <a:t>emp9@company2.test</a:t>
-                      </a:r>
-                      <a:endParaRPr lang="ru-RU" dirty="0"/>
-                    </a:p>
-                  </a:txBody>
-                  <a:tcPr/>
-                </a:tc>
-                <a:tc>
-                  <a:txBody>
-                    <a:bodyPr/>
-                    <a:lstStyle/>
-                    <a:p>
-                      <a:r>
-                        <a:rPr lang="en-US" dirty="0"/>
-                        <a:t>1989-11-13</a:t>
-                      </a:r>
-                      <a:endParaRPr lang="ru-RU" dirty="0"/>
-                    </a:p>
-                  </a:txBody>
-                  <a:tcPr/>
-                </a:tc>
-                <a:extLst>
-                  <a:ext uri="{0D108BD9-81ED-4DB2-BD59-A6C34878D82A}">
-                    <a16:rowId xmlns:a16="http://schemas.microsoft.com/office/drawing/2014/main" val="109181570"/>
-                  </a:ext>
-                </a:extLst>
-              </a:tr>
-              <a:tr h="370840">
-                <a:tc>
-                  <a:txBody>
-                    <a:bodyPr/>
-                    <a:lstStyle/>
-                    <a:p>
-                      <a:r>
-                        <a:rPr lang="en-US"/>
-                        <a:t>Employee #10</a:t>
-                      </a:r>
-                      <a:endParaRPr lang="ru-RU" dirty="0"/>
-                    </a:p>
-                  </a:txBody>
-                  <a:tcPr/>
-                </a:tc>
-                <a:tc>
-                  <a:txBody>
-                    <a:bodyPr/>
-                    <a:lstStyle/>
-                    <a:p>
-                      <a:r>
-                        <a:rPr lang="en-US" dirty="0"/>
-                        <a:t>emp10@company2.test</a:t>
-                      </a:r>
-                      <a:endParaRPr lang="ru-RU" dirty="0"/>
-                    </a:p>
-                  </a:txBody>
-                  <a:tcPr/>
-                </a:tc>
-                <a:tc>
-                  <a:txBody>
-                    <a:bodyPr/>
-                    <a:lstStyle/>
-                    <a:p>
-                      <a:r>
-                        <a:rPr lang="en-US" dirty="0"/>
-                        <a:t>1991-07-03</a:t>
+                        <a:t>1996-11-12</a:t>
                       </a:r>
                       <a:endParaRPr lang="ru-RU" dirty="0"/>
                     </a:p>
@@ -5316,7 +5474,7 @@
                     <a:p>
                       <a:r>
                         <a:rPr lang="en-US" dirty="0"/>
-                        <a:t>1982-04-18</a:t>
+                        <a:t>1987-03-14</a:t>
                       </a:r>
                       <a:endParaRPr lang="ru-RU" dirty="0"/>
                     </a:p>
@@ -5365,7 +5523,7 @@
                     <a:p>
                       <a:r>
                         <a:rPr lang="en-US" dirty="0"/>
-                        <a:t>1982-01-12</a:t>
+                        <a:t>1983-05-02</a:t>
                       </a:r>
                       <a:endParaRPr lang="ru-RU" dirty="0"/>
                     </a:p>
@@ -5414,7 +5572,7 @@
                     <a:p>
                       <a:r>
                         <a:rPr lang="en-US" dirty="0"/>
-                        <a:t>1998-02-13</a:t>
+                        <a:t>1994-09-09</a:t>
                       </a:r>
                       <a:endParaRPr lang="ru-RU" dirty="0"/>
                     </a:p>
@@ -5463,7 +5621,7 @@
                     <a:p>
                       <a:r>
                         <a:rPr lang="en-US" dirty="0"/>
-                        <a:t>1989-03-23</a:t>
+                        <a:t>1996-09-08</a:t>
                       </a:r>
                       <a:endParaRPr lang="ru-RU" dirty="0"/>
                     </a:p>
@@ -5512,7 +5670,7 @@
                     <a:p>
                       <a:r>
                         <a:rPr lang="en-US" dirty="0"/>
-                        <a:t>1992-05-29</a:t>
+                        <a:t>1995-07-01</a:t>
                       </a:r>
                       <a:endParaRPr lang="ru-RU" dirty="0"/>
                     </a:p>
@@ -5561,7 +5719,7 @@
                     <a:p>
                       <a:r>
                         <a:rPr lang="en-US" dirty="0"/>
-                        <a:t>1991-05-29</a:t>
+                        <a:t>1986-01-18</a:t>
                       </a:r>
                       <a:endParaRPr lang="ru-RU" dirty="0"/>
                     </a:p>
@@ -5610,7 +5768,7 @@
                     <a:p>
                       <a:r>
                         <a:rPr lang="en-US" dirty="0"/>
-                        <a:t>1984-09-05</a:t>
+                        <a:t>1993-06-26</a:t>
                       </a:r>
                       <a:endParaRPr lang="ru-RU" dirty="0"/>
                     </a:p>
@@ -5659,56 +5817,7 @@
                     <a:p>
                       <a:r>
                         <a:rPr lang="en-US" dirty="0"/>
-                        <a:t>1991-10-11</a:t>
-                      </a:r>
-                      <a:endParaRPr lang="ru-RU" dirty="0"/>
-                    </a:p>
-                  </a:txBody>
-                  <a:tcPr/>
-                </a:tc>
-                <a:extLst>
-                  <a:ext uri="{0D108BD9-81ED-4DB2-BD59-A6C34878D82A}">
-                    <a16:rowId xmlns:a16="http://schemas.microsoft.com/office/drawing/2014/main" val="109181570"/>
-                  </a:ext>
-                </a:extLst>
-              </a:tr>
-              <a:tr h="370840">
-                <a:tc>
-                  <a:txBody>
-                    <a:bodyPr/>
-                    <a:lstStyle/>
-                    <a:p>
-                      <a:r>
-                        <a:rPr lang="en-US"/>
-                        <a:t>Employee #9</a:t>
-                      </a:r>
-                      <a:endParaRPr lang="ru-RU" dirty="0"/>
-                    </a:p>
-                  </a:txBody>
-                  <a:tcPr/>
-                </a:tc>
-                <a:tc>
-                  <a:txBody>
-                    <a:bodyPr/>
-                    <a:lstStyle/>
-                    <a:p>
-                      <a:r>
-                        <a:rPr lang="en-US" dirty="0"/>
-                        <a:t>emp9@company3.test</a:t>
-                      </a:r>
-                      <a:endParaRPr lang="ru-RU" dirty="0"/>
-                    </a:p>
-                  </a:txBody>
-                  <a:tcPr/>
-                </a:tc>
-                <a:tc>
-                  <a:txBody>
-                    <a:bodyPr/>
-                    <a:lstStyle/>
-                    <a:p>
-                      <a:r>
-                        <a:rPr lang="en-US" dirty="0"/>
-                        <a:t>1990-11-27</a:t>
+                        <a:t>1997-03-15</a:t>
                       </a:r>
                       <a:endParaRPr lang="ru-RU" dirty="0"/>
                     </a:p>
